--- a/Service Definition.pptx
+++ b/Service Definition.pptx
@@ -5,13 +5,18 @@
     <p:sldMasterId id="2147483648" r:id="rId1"/>
   </p:sldMasterIdLst>
   <p:notesMasterIdLst>
-    <p:notesMasterId r:id="rId6"/>
+    <p:notesMasterId r:id="rId11"/>
   </p:notesMasterIdLst>
   <p:sldIdLst>
     <p:sldId id="256" r:id="rId2"/>
     <p:sldId id="257" r:id="rId3"/>
     <p:sldId id="258" r:id="rId4"/>
     <p:sldId id="259" r:id="rId5"/>
+    <p:sldId id="260" r:id="rId6"/>
+    <p:sldId id="261" r:id="rId7"/>
+    <p:sldId id="262" r:id="rId8"/>
+    <p:sldId id="263" r:id="rId9"/>
+    <p:sldId id="264" r:id="rId10"/>
   </p:sldIdLst>
   <p:sldSz cx="12192000" cy="6858000"/>
   <p:notesSz cx="6858000" cy="9144000"/>
@@ -110,6 +115,11 @@
       </a:defRPr>
     </a:lvl9pPr>
   </p:defaultTextStyle>
+  <p:extLst>
+    <p:ext uri="{EFAFB233-063F-42B5-8137-9DF3F51BA10A}">
+      <p15:sldGuideLst xmlns:p15="http://schemas.microsoft.com/office/powerpoint/2012/main"/>
+    </p:ext>
+  </p:extLst>
 </p:presentation>
 </file>
 
@@ -195,7 +205,7 @@
           <a:p>
             <a:fld id="{BD80D7EE-AFD0-49FB-94CD-3D802D1BB73D}" type="datetimeFigureOut">
               <a:rPr lang="de-DE" smtClean="0"/>
-              <a:t>16.03.2017</a:t>
+              <a:t>17.03.2017</a:t>
             </a:fld>
             <a:endParaRPr lang="de-DE"/>
           </a:p>
@@ -594,7 +604,7 @@
           <a:p>
             <a:fld id="{893E627D-0C86-4C4A-9762-11D9A002D850}" type="datetime1">
               <a:rPr lang="de-DE" smtClean="0"/>
-              <a:t>16.03.2017</a:t>
+              <a:t>17.03.2017</a:t>
             </a:fld>
             <a:endParaRPr lang="de-DE"/>
           </a:p>
@@ -619,7 +629,6 @@
               <a:rPr lang="de-DE"/>
               <a:t>partylive Service Definition</a:t>
             </a:r>
-            <a:endParaRPr lang="de-DE"/>
           </a:p>
         </p:txBody>
       </p:sp>
@@ -768,7 +777,7 @@
           <a:p>
             <a:fld id="{B794978E-2D2B-4EDD-846D-ED7008B002C2}" type="datetime1">
               <a:rPr lang="de-DE" smtClean="0"/>
-              <a:t>16.03.2017</a:t>
+              <a:t>17.03.2017</a:t>
             </a:fld>
             <a:endParaRPr lang="de-DE"/>
           </a:p>
@@ -793,7 +802,6 @@
               <a:rPr lang="de-DE"/>
               <a:t>partylive Service Definition</a:t>
             </a:r>
-            <a:endParaRPr lang="de-DE"/>
           </a:p>
         </p:txBody>
       </p:sp>
@@ -952,7 +960,7 @@
           <a:p>
             <a:fld id="{23B70FA9-9C28-40AF-86E5-2885AC9B7AC1}" type="datetime1">
               <a:rPr lang="de-DE" smtClean="0"/>
-              <a:t>16.03.2017</a:t>
+              <a:t>17.03.2017</a:t>
             </a:fld>
             <a:endParaRPr lang="de-DE"/>
           </a:p>
@@ -977,7 +985,6 @@
               <a:rPr lang="de-DE"/>
               <a:t>partylive Service Definition</a:t>
             </a:r>
-            <a:endParaRPr lang="de-DE"/>
           </a:p>
         </p:txBody>
       </p:sp>
@@ -1126,7 +1133,7 @@
           <a:p>
             <a:fld id="{98B15B5E-30C0-469B-A5DC-BC71A6865C54}" type="datetime1">
               <a:rPr lang="de-DE" smtClean="0"/>
-              <a:t>16.03.2017</a:t>
+              <a:t>17.03.2017</a:t>
             </a:fld>
             <a:endParaRPr lang="de-DE"/>
           </a:p>
@@ -1151,7 +1158,6 @@
               <a:rPr lang="de-DE"/>
               <a:t>partylive Service Definition</a:t>
             </a:r>
-            <a:endParaRPr lang="de-DE"/>
           </a:p>
         </p:txBody>
       </p:sp>
@@ -1376,7 +1382,7 @@
           <a:p>
             <a:fld id="{E5376320-2F59-43CE-A831-744C71F7906D}" type="datetime1">
               <a:rPr lang="de-DE" smtClean="0"/>
-              <a:t>16.03.2017</a:t>
+              <a:t>17.03.2017</a:t>
             </a:fld>
             <a:endParaRPr lang="de-DE"/>
           </a:p>
@@ -1401,7 +1407,6 @@
               <a:rPr lang="de-DE"/>
               <a:t>partylive Service Definition</a:t>
             </a:r>
-            <a:endParaRPr lang="de-DE"/>
           </a:p>
         </p:txBody>
       </p:sp>
@@ -1612,7 +1617,7 @@
           <a:p>
             <a:fld id="{7CF87D4C-852F-496C-9A6A-F371F5D8458A}" type="datetime1">
               <a:rPr lang="de-DE" smtClean="0"/>
-              <a:t>16.03.2017</a:t>
+              <a:t>17.03.2017</a:t>
             </a:fld>
             <a:endParaRPr lang="de-DE"/>
           </a:p>
@@ -1637,7 +1642,6 @@
               <a:rPr lang="de-DE"/>
               <a:t>partylive Service Definition</a:t>
             </a:r>
-            <a:endParaRPr lang="de-DE"/>
           </a:p>
         </p:txBody>
       </p:sp>
@@ -1983,7 +1987,7 @@
           <a:p>
             <a:fld id="{E3F92AD5-EF1C-4E2C-AD4B-C7649A3F07A0}" type="datetime1">
               <a:rPr lang="de-DE" smtClean="0"/>
-              <a:t>16.03.2017</a:t>
+              <a:t>17.03.2017</a:t>
             </a:fld>
             <a:endParaRPr lang="de-DE"/>
           </a:p>
@@ -2008,7 +2012,6 @@
               <a:rPr lang="de-DE"/>
               <a:t>partylive Service Definition</a:t>
             </a:r>
-            <a:endParaRPr lang="de-DE"/>
           </a:p>
         </p:txBody>
       </p:sp>
@@ -2105,7 +2108,7 @@
           <a:p>
             <a:fld id="{7F77F6E7-8C2A-4BD9-9F8D-EF2465710DE9}" type="datetime1">
               <a:rPr lang="de-DE" smtClean="0"/>
-              <a:t>16.03.2017</a:t>
+              <a:t>17.03.2017</a:t>
             </a:fld>
             <a:endParaRPr lang="de-DE"/>
           </a:p>
@@ -2130,7 +2133,6 @@
               <a:rPr lang="de-DE"/>
               <a:t>partylive Service Definition</a:t>
             </a:r>
-            <a:endParaRPr lang="de-DE"/>
           </a:p>
         </p:txBody>
       </p:sp>
@@ -2204,7 +2206,7 @@
           <a:p>
             <a:fld id="{3D003AC1-6E94-473F-8725-6AFC431A2E43}" type="datetime1">
               <a:rPr lang="de-DE" smtClean="0"/>
-              <a:t>16.03.2017</a:t>
+              <a:t>17.03.2017</a:t>
             </a:fld>
             <a:endParaRPr lang="de-DE"/>
           </a:p>
@@ -2229,7 +2231,6 @@
               <a:rPr lang="de-DE"/>
               <a:t>partylive Service Definition</a:t>
             </a:r>
-            <a:endParaRPr lang="de-DE"/>
           </a:p>
         </p:txBody>
       </p:sp>
@@ -2485,7 +2486,7 @@
           <a:p>
             <a:fld id="{1A204B60-B1B3-4C00-9663-CCC99849B0A4}" type="datetime1">
               <a:rPr lang="de-DE" smtClean="0"/>
-              <a:t>16.03.2017</a:t>
+              <a:t>17.03.2017</a:t>
             </a:fld>
             <a:endParaRPr lang="de-DE"/>
           </a:p>
@@ -2510,7 +2511,6 @@
               <a:rPr lang="de-DE"/>
               <a:t>partylive Service Definition</a:t>
             </a:r>
-            <a:endParaRPr lang="de-DE"/>
           </a:p>
         </p:txBody>
       </p:sp>
@@ -2742,7 +2742,7 @@
           <a:p>
             <a:fld id="{469B83C0-4028-41F8-89BA-875EA675BADE}" type="datetime1">
               <a:rPr lang="de-DE" smtClean="0"/>
-              <a:t>16.03.2017</a:t>
+              <a:t>17.03.2017</a:t>
             </a:fld>
             <a:endParaRPr lang="de-DE"/>
           </a:p>
@@ -2767,7 +2767,6 @@
               <a:rPr lang="de-DE"/>
               <a:t>partylive Service Definition</a:t>
             </a:r>
-            <a:endParaRPr lang="de-DE"/>
           </a:p>
         </p:txBody>
       </p:sp>
@@ -2959,7 +2958,7 @@
           <a:p>
             <a:fld id="{C437DD8A-51DA-40BF-BD1B-2932476B6BCA}" type="datetime1">
               <a:rPr lang="de-DE" smtClean="0"/>
-              <a:t>16.03.2017</a:t>
+              <a:t>17.03.2017</a:t>
             </a:fld>
             <a:endParaRPr lang="de-DE"/>
           </a:p>
@@ -3002,7 +3001,6 @@
               <a:rPr lang="de-DE"/>
               <a:t>partylive Service Definition</a:t>
             </a:r>
-            <a:endParaRPr lang="de-DE"/>
           </a:p>
         </p:txBody>
       </p:sp>
@@ -3388,7 +3386,6 @@
               <a:rPr lang="de-DE"/>
               <a:t>partylive Service Definition</a:t>
             </a:r>
-            <a:endParaRPr lang="de-DE"/>
           </a:p>
         </p:txBody>
       </p:sp>
@@ -4128,7 +4125,7 @@
                     <a:bodyPr/>
                     <a:lstStyle/>
                     <a:p>
-                      <a:endParaRPr lang="de-DE">
+                      <a:endParaRPr lang="de-DE" dirty="0">
                         <a:solidFill>
                           <a:sysClr val="windowText" lastClr="000000"/>
                         </a:solidFill>
@@ -4246,7 +4243,6 @@
               <a:rPr lang="de-DE"/>
               <a:t>partylive Service Definition</a:t>
             </a:r>
-            <a:endParaRPr lang="de-DE"/>
           </a:p>
         </p:txBody>
       </p:sp>
@@ -4282,7 +4278,7 @@
           <p:nvPr>
             <p:extLst>
               <p:ext uri="{D42A27DB-BD31-4B8C-83A1-F6EECF244321}">
-                <p14:modId xmlns:p14="http://schemas.microsoft.com/office/powerpoint/2010/main" val="3516345119"/>
+                <p14:modId xmlns:p14="http://schemas.microsoft.com/office/powerpoint/2010/main" val="1376444826"/>
               </p:ext>
             </p:extLst>
           </p:nvPr>
@@ -4964,15 +4960,39 @@
                     <a:p>
                       <a:r>
                         <a:rPr lang="de-DE" dirty="0"/>
-                        <a:t>{ "</a:t>
+                        <a:t>{</a:t>
+                      </a:r>
+                      <a:r>
+                        <a:rPr lang="en-US" sz="1800" b="0" i="0" kern="1200" dirty="0">
+                          <a:solidFill>
+                            <a:schemeClr val="dk1"/>
+                          </a:solidFill>
+                          <a:effectLst/>
+                          <a:latin typeface="+mn-lt"/>
+                          <a:ea typeface="+mn-ea"/>
+                          <a:cs typeface="+mn-cs"/>
+                        </a:rPr>
+                        <a:t>"</a:t>
                       </a:r>
                       <a:r>
                         <a:rPr lang="de-DE" dirty="0" err="1"/>
                         <a:t>username</a:t>
                       </a:r>
                       <a:r>
+                        <a:rPr lang="en-US" sz="1800" b="0" i="0" kern="1200" dirty="0">
+                          <a:solidFill>
+                            <a:schemeClr val="dk1"/>
+                          </a:solidFill>
+                          <a:effectLst/>
+                          <a:latin typeface="+mn-lt"/>
+                          <a:ea typeface="+mn-ea"/>
+                          <a:cs typeface="+mn-cs"/>
+                        </a:rPr>
+                        <a:t>"</a:t>
+                      </a:r>
+                      <a:r>
                         <a:rPr lang="de-DE" dirty="0"/>
-                        <a:t>": </a:t>
+                        <a:t>: </a:t>
                       </a:r>
                       <a:r>
                         <a:rPr lang="de-DE" dirty="0">
@@ -4986,15 +5006,39 @@
                       </a:r>
                       <a:r>
                         <a:rPr lang="de-DE" dirty="0"/>
-                        <a:t>, "</a:t>
+                        <a:t>, </a:t>
+                      </a:r>
+                      <a:r>
+                        <a:rPr lang="en-US" sz="1800" b="0" i="0" kern="1200" dirty="0">
+                          <a:solidFill>
+                            <a:schemeClr val="dk1"/>
+                          </a:solidFill>
+                          <a:effectLst/>
+                          <a:latin typeface="+mn-lt"/>
+                          <a:ea typeface="+mn-ea"/>
+                          <a:cs typeface="+mn-cs"/>
+                        </a:rPr>
+                        <a:t>"</a:t>
                       </a:r>
                       <a:r>
                         <a:rPr lang="de-DE" dirty="0" err="1"/>
                         <a:t>password</a:t>
                       </a:r>
                       <a:r>
+                        <a:rPr lang="en-US" sz="1800" b="0" i="0" kern="1200" dirty="0">
+                          <a:solidFill>
+                            <a:schemeClr val="dk1"/>
+                          </a:solidFill>
+                          <a:effectLst/>
+                          <a:latin typeface="+mn-lt"/>
+                          <a:ea typeface="+mn-ea"/>
+                          <a:cs typeface="+mn-cs"/>
+                        </a:rPr>
+                        <a:t>"</a:t>
+                      </a:r>
+                      <a:r>
                         <a:rPr lang="de-DE" dirty="0"/>
-                        <a:t>": </a:t>
+                        <a:t>: </a:t>
                       </a:r>
                       <a:r>
                         <a:rPr lang="de-DE" dirty="0">
@@ -5512,7 +5556,19 @@
                           <a:ea typeface="+mn-ea"/>
                           <a:cs typeface="+mn-cs"/>
                         </a:rPr>
-                        <a:t>{"</a:t>
+                        <a:t>{</a:t>
+                      </a:r>
+                      <a:r>
+                        <a:rPr lang="en-US" sz="1800" b="0" i="0" kern="1200" dirty="0">
+                          <a:solidFill>
+                            <a:schemeClr val="dk1"/>
+                          </a:solidFill>
+                          <a:effectLst/>
+                          <a:latin typeface="+mn-lt"/>
+                          <a:ea typeface="+mn-ea"/>
+                          <a:cs typeface="+mn-cs"/>
+                        </a:rPr>
+                        <a:t>"</a:t>
                       </a:r>
                       <a:r>
                         <a:rPr lang="de-DE" sz="1800" b="0" i="0" kern="1200" dirty="0" err="1">
@@ -5527,6 +5583,18 @@
                         <a:t>error</a:t>
                       </a:r>
                       <a:r>
+                        <a:rPr lang="en-US" sz="1800" b="0" i="0" kern="1200" dirty="0">
+                          <a:solidFill>
+                            <a:schemeClr val="dk1"/>
+                          </a:solidFill>
+                          <a:effectLst/>
+                          <a:latin typeface="+mn-lt"/>
+                          <a:ea typeface="+mn-ea"/>
+                          <a:cs typeface="+mn-cs"/>
+                        </a:rPr>
+                        <a:t>"</a:t>
+                      </a:r>
+                      <a:r>
                         <a:rPr lang="de-DE" sz="1800" b="0" i="0" kern="1200" dirty="0">
                           <a:solidFill>
                             <a:schemeClr val="dk1"/>
@@ -5536,7 +5604,31 @@
                           <a:ea typeface="+mn-ea"/>
                           <a:cs typeface="+mn-cs"/>
                         </a:rPr>
-                        <a:t>":"User Login </a:t>
+                        <a:t>:</a:t>
+                      </a:r>
+                      <a:r>
+                        <a:rPr lang="en-US" sz="1800" b="0" i="0" kern="1200" dirty="0">
+                          <a:solidFill>
+                            <a:schemeClr val="dk1"/>
+                          </a:solidFill>
+                          <a:effectLst/>
+                          <a:latin typeface="+mn-lt"/>
+                          <a:ea typeface="+mn-ea"/>
+                          <a:cs typeface="+mn-cs"/>
+                        </a:rPr>
+                        <a:t>"</a:t>
+                      </a:r>
+                      <a:r>
+                        <a:rPr lang="de-DE" sz="1800" b="0" i="0" kern="1200" dirty="0">
+                          <a:solidFill>
+                            <a:schemeClr val="dk1"/>
+                          </a:solidFill>
+                          <a:effectLst/>
+                          <a:latin typeface="+mn-lt"/>
+                          <a:ea typeface="+mn-ea"/>
+                          <a:cs typeface="+mn-cs"/>
+                        </a:rPr>
+                        <a:t>User Login </a:t>
                       </a:r>
                       <a:r>
                         <a:rPr lang="de-DE" sz="1800" b="0" i="0" kern="1200" dirty="0" err="1">
@@ -5551,6 +5643,18 @@
                         <a:t>failed</a:t>
                       </a:r>
                       <a:r>
+                        <a:rPr lang="en-US" sz="1800" b="0" i="0" kern="1200" dirty="0">
+                          <a:solidFill>
+                            <a:schemeClr val="dk1"/>
+                          </a:solidFill>
+                          <a:effectLst/>
+                          <a:latin typeface="+mn-lt"/>
+                          <a:ea typeface="+mn-ea"/>
+                          <a:cs typeface="+mn-cs"/>
+                        </a:rPr>
+                        <a:t>"</a:t>
+                      </a:r>
+                      <a:r>
                         <a:rPr lang="de-DE" sz="1800" b="0" i="0" kern="1200" dirty="0">
                           <a:solidFill>
                             <a:schemeClr val="dk1"/>
@@ -5560,7 +5664,7 @@
                           <a:ea typeface="+mn-ea"/>
                           <a:cs typeface="+mn-cs"/>
                         </a:rPr>
-                        <a:t>"}</a:t>
+                        <a:t>}</a:t>
                       </a:r>
                       <a:endParaRPr lang="de-DE" dirty="0"/>
                     </a:p>
@@ -5694,7 +5798,6 @@
               <a:rPr lang="de-DE"/>
               <a:t>partylive Service Definition</a:t>
             </a:r>
-            <a:endParaRPr lang="de-DE"/>
           </a:p>
         </p:txBody>
       </p:sp>
@@ -5730,7 +5833,7 @@
           <p:nvPr>
             <p:extLst>
               <p:ext uri="{D42A27DB-BD31-4B8C-83A1-F6EECF244321}">
-                <p14:modId xmlns:p14="http://schemas.microsoft.com/office/powerpoint/2010/main" val="2466640836"/>
+                <p14:modId xmlns:p14="http://schemas.microsoft.com/office/powerpoint/2010/main" val="1760637190"/>
               </p:ext>
             </p:extLst>
           </p:nvPr>
@@ -6416,15 +6519,39 @@
                     <a:p>
                       <a:r>
                         <a:rPr lang="de-DE" dirty="0"/>
-                        <a:t>{ "</a:t>
+                        <a:t>{</a:t>
+                      </a:r>
+                      <a:r>
+                        <a:rPr lang="en-US" sz="1800" b="0" i="0" kern="1200" dirty="0">
+                          <a:solidFill>
+                            <a:schemeClr val="dk1"/>
+                          </a:solidFill>
+                          <a:effectLst/>
+                          <a:latin typeface="+mn-lt"/>
+                          <a:ea typeface="+mn-ea"/>
+                          <a:cs typeface="+mn-cs"/>
+                        </a:rPr>
+                        <a:t>"</a:t>
                       </a:r>
                       <a:r>
                         <a:rPr lang="de-DE" dirty="0" err="1"/>
                         <a:t>username</a:t>
                       </a:r>
                       <a:r>
+                        <a:rPr lang="en-US" sz="1800" b="0" i="0" kern="1200" dirty="0">
+                          <a:solidFill>
+                            <a:schemeClr val="dk1"/>
+                          </a:solidFill>
+                          <a:effectLst/>
+                          <a:latin typeface="+mn-lt"/>
+                          <a:ea typeface="+mn-ea"/>
+                          <a:cs typeface="+mn-cs"/>
+                        </a:rPr>
+                        <a:t>"</a:t>
+                      </a:r>
+                      <a:r>
                         <a:rPr lang="de-DE" dirty="0"/>
-                        <a:t>": </a:t>
+                        <a:t>: </a:t>
                       </a:r>
                       <a:r>
                         <a:rPr lang="de-DE" dirty="0">
@@ -6438,15 +6565,39 @@
                       </a:r>
                       <a:r>
                         <a:rPr lang="de-DE" dirty="0"/>
-                        <a:t>, "</a:t>
+                        <a:t>, </a:t>
+                      </a:r>
+                      <a:r>
+                        <a:rPr lang="en-US" sz="1800" b="0" i="0" kern="1200" dirty="0">
+                          <a:solidFill>
+                            <a:schemeClr val="dk1"/>
+                          </a:solidFill>
+                          <a:effectLst/>
+                          <a:latin typeface="+mn-lt"/>
+                          <a:ea typeface="+mn-ea"/>
+                          <a:cs typeface="+mn-cs"/>
+                        </a:rPr>
+                        <a:t>"</a:t>
                       </a:r>
                       <a:r>
                         <a:rPr lang="de-DE" dirty="0" err="1"/>
                         <a:t>password</a:t>
                       </a:r>
                       <a:r>
+                        <a:rPr lang="en-US" sz="1800" b="0" i="0" kern="1200" dirty="0">
+                          <a:solidFill>
+                            <a:schemeClr val="dk1"/>
+                          </a:solidFill>
+                          <a:effectLst/>
+                          <a:latin typeface="+mn-lt"/>
+                          <a:ea typeface="+mn-ea"/>
+                          <a:cs typeface="+mn-cs"/>
+                        </a:rPr>
+                        <a:t>"</a:t>
+                      </a:r>
+                      <a:r>
                         <a:rPr lang="de-DE" dirty="0"/>
-                        <a:t>": </a:t>
+                        <a:t>: </a:t>
                       </a:r>
                       <a:r>
                         <a:rPr lang="de-DE" dirty="0">
@@ -7160,7 +7311,6 @@
               <a:rPr lang="de-DE"/>
               <a:t>partylive Service Definition</a:t>
             </a:r>
-            <a:endParaRPr lang="de-DE"/>
           </a:p>
         </p:txBody>
       </p:sp>
@@ -7196,14 +7346,14 @@
           <p:nvPr>
             <p:extLst>
               <p:ext uri="{D42A27DB-BD31-4B8C-83A1-F6EECF244321}">
-                <p14:modId xmlns:p14="http://schemas.microsoft.com/office/powerpoint/2010/main" val="3242497812"/>
+                <p14:modId xmlns:p14="http://schemas.microsoft.com/office/powerpoint/2010/main" val="3482185724"/>
               </p:ext>
             </p:extLst>
           </p:nvPr>
         </p:nvGraphicFramePr>
         <p:xfrm>
           <a:off x="833515" y="622008"/>
-          <a:ext cx="10520286" cy="4615436"/>
+          <a:ext cx="10520286" cy="3683376"/>
         </p:xfrm>
         <a:graphic>
           <a:graphicData uri="http://schemas.openxmlformats.org/drawingml/2006/table">
@@ -7810,300 +7960,6 @@
                             <a:sysClr val="windowText" lastClr="000000"/>
                           </a:solidFill>
                         </a:rPr>
-                        <a:t>Request</a:t>
-                      </a:r>
-                      <a:r>
-                        <a:rPr lang="de-DE" baseline="0" dirty="0">
-                          <a:solidFill>
-                            <a:sysClr val="windowText" lastClr="000000"/>
-                          </a:solidFill>
-                        </a:rPr>
-                        <a:t> Body:</a:t>
-                      </a:r>
-                      <a:endParaRPr lang="de-DE" dirty="0">
-                        <a:solidFill>
-                          <a:sysClr val="windowText" lastClr="000000"/>
-                        </a:solidFill>
-                      </a:endParaRPr>
-                    </a:p>
-                  </a:txBody>
-                  <a:tcPr anchor="ctr">
-                    <a:lnL w="12700" cap="flat" cmpd="sng" algn="ctr">
-                      <a:solidFill>
-                        <a:schemeClr val="tx1"/>
-                      </a:solidFill>
-                      <a:prstDash val="solid"/>
-                      <a:round/>
-                      <a:headEnd type="none" w="med" len="med"/>
-                      <a:tailEnd type="none" w="med" len="med"/>
-                    </a:lnL>
-                    <a:lnR w="12700" cap="flat" cmpd="sng" algn="ctr">
-                      <a:solidFill>
-                        <a:schemeClr val="tx1"/>
-                      </a:solidFill>
-                      <a:prstDash val="solid"/>
-                      <a:round/>
-                      <a:headEnd type="none" w="med" len="med"/>
-                      <a:tailEnd type="none" w="med" len="med"/>
-                    </a:lnR>
-                    <a:lnT w="12700" cap="flat" cmpd="sng" algn="ctr">
-                      <a:solidFill>
-                        <a:schemeClr val="tx1"/>
-                      </a:solidFill>
-                      <a:prstDash val="solid"/>
-                      <a:round/>
-                      <a:headEnd type="none" w="med" len="med"/>
-                      <a:tailEnd type="none" w="med" len="med"/>
-                    </a:lnT>
-                    <a:lnB w="12700" cap="flat" cmpd="sng" algn="ctr">
-                      <a:solidFill>
-                        <a:schemeClr val="tx1"/>
-                      </a:solidFill>
-                      <a:prstDash val="solid"/>
-                      <a:round/>
-                      <a:headEnd type="none" w="med" len="med"/>
-                      <a:tailEnd type="none" w="med" len="med"/>
-                    </a:lnB>
-                    <a:noFill/>
-                  </a:tcPr>
-                </a:tc>
-                <a:tc gridSpan="5">
-                  <a:txBody>
-                    <a:bodyPr/>
-                    <a:lstStyle/>
-                    <a:p>
-                      <a:r>
-                        <a:rPr lang="de-DE" dirty="0"/>
-                        <a:t>{ "</a:t>
-                      </a:r>
-                      <a:r>
-                        <a:rPr lang="de-DE" dirty="0" err="1"/>
-                        <a:t>username</a:t>
-                      </a:r>
-                      <a:r>
-                        <a:rPr lang="de-DE" dirty="0"/>
-                        <a:t>": </a:t>
-                      </a:r>
-                      <a:r>
-                        <a:rPr lang="de-DE" dirty="0">
-                          <a:solidFill>
-                            <a:schemeClr val="accent1">
-                              <a:lumMod val="75000"/>
-                            </a:schemeClr>
-                          </a:solidFill>
-                        </a:rPr>
-                        <a:t>String</a:t>
-                      </a:r>
-                      <a:r>
-                        <a:rPr lang="de-DE" dirty="0"/>
-                        <a:t>, "</a:t>
-                      </a:r>
-                      <a:r>
-                        <a:rPr lang="de-DE" dirty="0" err="1"/>
-                        <a:t>password</a:t>
-                      </a:r>
-                      <a:r>
-                        <a:rPr lang="de-DE" dirty="0"/>
-                        <a:t>": </a:t>
-                      </a:r>
-                      <a:r>
-                        <a:rPr lang="de-DE" dirty="0">
-                          <a:solidFill>
-                            <a:schemeClr val="accent1">
-                              <a:lumMod val="75000"/>
-                            </a:schemeClr>
-                          </a:solidFill>
-                        </a:rPr>
-                        <a:t>String </a:t>
-                      </a:r>
-                      <a:r>
-                        <a:rPr lang="de-DE" dirty="0"/>
-                        <a:t>}</a:t>
-                      </a:r>
-                    </a:p>
-                  </a:txBody>
-                  <a:tcPr anchor="ctr">
-                    <a:lnL w="12700" cap="flat" cmpd="sng" algn="ctr">
-                      <a:solidFill>
-                        <a:schemeClr val="tx1"/>
-                      </a:solidFill>
-                      <a:prstDash val="solid"/>
-                      <a:round/>
-                      <a:headEnd type="none" w="med" len="med"/>
-                      <a:tailEnd type="none" w="med" len="med"/>
-                    </a:lnL>
-                    <a:lnR w="12700" cap="flat" cmpd="sng" algn="ctr">
-                      <a:solidFill>
-                        <a:schemeClr val="tx1"/>
-                      </a:solidFill>
-                      <a:prstDash val="solid"/>
-                      <a:round/>
-                      <a:headEnd type="none" w="med" len="med"/>
-                      <a:tailEnd type="none" w="med" len="med"/>
-                    </a:lnR>
-                    <a:lnT w="12700" cap="flat" cmpd="sng" algn="ctr">
-                      <a:solidFill>
-                        <a:schemeClr val="tx1"/>
-                      </a:solidFill>
-                      <a:prstDash val="solid"/>
-                      <a:round/>
-                      <a:headEnd type="none" w="med" len="med"/>
-                      <a:tailEnd type="none" w="med" len="med"/>
-                    </a:lnT>
-                    <a:lnB w="12700" cap="flat" cmpd="sng" algn="ctr">
-                      <a:solidFill>
-                        <a:schemeClr val="tx1"/>
-                      </a:solidFill>
-                      <a:prstDash val="solid"/>
-                      <a:round/>
-                      <a:headEnd type="none" w="med" len="med"/>
-                      <a:tailEnd type="none" w="med" len="med"/>
-                    </a:lnB>
-                    <a:noFill/>
-                  </a:tcPr>
-                </a:tc>
-                <a:tc hMerge="1">
-                  <a:txBody>
-                    <a:bodyPr/>
-                    <a:lstStyle/>
-                    <a:p>
-                      <a:endParaRPr lang="de-DE"/>
-                    </a:p>
-                  </a:txBody>
-                  <a:tcPr/>
-                </a:tc>
-                <a:tc hMerge="1">
-                  <a:txBody>
-                    <a:bodyPr/>
-                    <a:lstStyle/>
-                    <a:p>
-                      <a:endParaRPr lang="de-DE"/>
-                    </a:p>
-                  </a:txBody>
-                  <a:tcPr/>
-                </a:tc>
-                <a:tc hMerge="1">
-                  <a:txBody>
-                    <a:bodyPr/>
-                    <a:lstStyle/>
-                    <a:p>
-                      <a:endParaRPr lang="de-DE" dirty="0">
-                        <a:solidFill>
-                          <a:sysClr val="windowText" lastClr="000000"/>
-                        </a:solidFill>
-                      </a:endParaRPr>
-                    </a:p>
-                  </a:txBody>
-                  <a:tcPr>
-                    <a:lnL w="12700" cap="flat" cmpd="sng" algn="ctr">
-                      <a:solidFill>
-                        <a:schemeClr val="tx1"/>
-                      </a:solidFill>
-                      <a:prstDash val="solid"/>
-                      <a:round/>
-                      <a:headEnd type="none" w="med" len="med"/>
-                      <a:tailEnd type="none" w="med" len="med"/>
-                    </a:lnL>
-                    <a:lnR w="12700" cap="flat" cmpd="sng" algn="ctr">
-                      <a:solidFill>
-                        <a:schemeClr val="tx1"/>
-                      </a:solidFill>
-                      <a:prstDash val="solid"/>
-                      <a:round/>
-                      <a:headEnd type="none" w="med" len="med"/>
-                      <a:tailEnd type="none" w="med" len="med"/>
-                    </a:lnR>
-                    <a:lnT w="12700" cap="flat" cmpd="sng" algn="ctr">
-                      <a:solidFill>
-                        <a:schemeClr val="tx1"/>
-                      </a:solidFill>
-                      <a:prstDash val="solid"/>
-                      <a:round/>
-                      <a:headEnd type="none" w="med" len="med"/>
-                      <a:tailEnd type="none" w="med" len="med"/>
-                    </a:lnT>
-                    <a:lnB w="12700" cap="flat" cmpd="sng" algn="ctr">
-                      <a:solidFill>
-                        <a:schemeClr val="tx1"/>
-                      </a:solidFill>
-                      <a:prstDash val="solid"/>
-                      <a:round/>
-                      <a:headEnd type="none" w="med" len="med"/>
-                      <a:tailEnd type="none" w="med" len="med"/>
-                    </a:lnB>
-                    <a:noFill/>
-                  </a:tcPr>
-                </a:tc>
-                <a:tc hMerge="1">
-                  <a:txBody>
-                    <a:bodyPr/>
-                    <a:lstStyle/>
-                    <a:p>
-                      <a:endParaRPr lang="de-DE" dirty="0">
-                        <a:solidFill>
-                          <a:sysClr val="windowText" lastClr="000000"/>
-                        </a:solidFill>
-                      </a:endParaRPr>
-                    </a:p>
-                  </a:txBody>
-                  <a:tcPr>
-                    <a:lnL w="12700" cap="flat" cmpd="sng" algn="ctr">
-                      <a:solidFill>
-                        <a:schemeClr val="tx1"/>
-                      </a:solidFill>
-                      <a:prstDash val="solid"/>
-                      <a:round/>
-                      <a:headEnd type="none" w="med" len="med"/>
-                      <a:tailEnd type="none" w="med" len="med"/>
-                    </a:lnL>
-                    <a:lnR w="12700" cap="flat" cmpd="sng" algn="ctr">
-                      <a:solidFill>
-                        <a:schemeClr val="tx1"/>
-                      </a:solidFill>
-                      <a:prstDash val="solid"/>
-                      <a:round/>
-                      <a:headEnd type="none" w="med" len="med"/>
-                      <a:tailEnd type="none" w="med" len="med"/>
-                    </a:lnR>
-                    <a:lnT w="12700" cap="flat" cmpd="sng" algn="ctr">
-                      <a:solidFill>
-                        <a:schemeClr val="tx1"/>
-                      </a:solidFill>
-                      <a:prstDash val="solid"/>
-                      <a:round/>
-                      <a:headEnd type="none" w="med" len="med"/>
-                      <a:tailEnd type="none" w="med" len="med"/>
-                    </a:lnT>
-                    <a:lnB w="12700" cap="flat" cmpd="sng" algn="ctr">
-                      <a:solidFill>
-                        <a:schemeClr val="tx1"/>
-                      </a:solidFill>
-                      <a:prstDash val="solid"/>
-                      <a:round/>
-                      <a:headEnd type="none" w="med" len="med"/>
-                      <a:tailEnd type="none" w="med" len="med"/>
-                    </a:lnB>
-                    <a:noFill/>
-                  </a:tcPr>
-                </a:tc>
-                <a:extLst>
-                  <a:ext uri="{0D108BD9-81ED-4DB2-BD59-A6C34878D82A}">
-                    <a16:rowId xmlns:a16="http://schemas.microsoft.com/office/drawing/2014/main" val="105460748"/>
-                  </a:ext>
-                </a:extLst>
-              </a:tr>
-              <a:tr h="932060">
-                <a:tc>
-                  <a:txBody>
-                    <a:bodyPr/>
-                    <a:lstStyle/>
-                    <a:p>
-                      <a:r>
-                        <a:rPr lang="de-DE" dirty="0">
-                          <a:solidFill>
-                            <a:sysClr val="windowText" lastClr="000000"/>
-                          </a:solidFill>
-                        </a:rPr>
                         <a:t>Response:</a:t>
                       </a:r>
                     </a:p>
@@ -8547,6 +8403,7684 @@
     <p:extLst>
       <p:ext uri="{BB962C8B-B14F-4D97-AF65-F5344CB8AC3E}">
         <p14:creationId xmlns:p14="http://schemas.microsoft.com/office/powerpoint/2010/main" val="2164319218"/>
+      </p:ext>
+    </p:extLst>
+  </p:cSld>
+  <p:clrMapOvr>
+    <a:masterClrMapping/>
+  </p:clrMapOvr>
+</p:sld>
+</file>
+
+<file path=ppt/slides/slide5.xml><?xml version="1.0" encoding="utf-8"?>
+<p:sld xmlns:a="http://schemas.openxmlformats.org/drawingml/2006/main" xmlns:r="http://schemas.openxmlformats.org/officeDocument/2006/relationships" xmlns:p="http://schemas.openxmlformats.org/presentationml/2006/main">
+  <p:cSld>
+    <p:spTree>
+      <p:nvGrpSpPr>
+        <p:cNvPr id="1" name=""/>
+        <p:cNvGrpSpPr/>
+        <p:nvPr/>
+      </p:nvGrpSpPr>
+      <p:grpSpPr>
+        <a:xfrm>
+          <a:off x="0" y="0"/>
+          <a:ext cx="0" cy="0"/>
+          <a:chOff x="0" y="0"/>
+          <a:chExt cx="0" cy="0"/>
+        </a:xfrm>
+      </p:grpSpPr>
+      <p:sp>
+        <p:nvSpPr>
+          <p:cNvPr id="4" name="Footer Placeholder 3"/>
+          <p:cNvSpPr>
+            <a:spLocks noGrp="1"/>
+          </p:cNvSpPr>
+          <p:nvPr>
+            <p:ph type="ftr" sz="quarter" idx="11"/>
+          </p:nvPr>
+        </p:nvSpPr>
+        <p:spPr/>
+        <p:txBody>
+          <a:bodyPr/>
+          <a:lstStyle/>
+          <a:p>
+            <a:r>
+              <a:rPr lang="de-DE"/>
+              <a:t>partylive Service Definition</a:t>
+            </a:r>
+          </a:p>
+        </p:txBody>
+      </p:sp>
+      <p:sp>
+        <p:nvSpPr>
+          <p:cNvPr id="5" name="Slide Number Placeholder 4"/>
+          <p:cNvSpPr>
+            <a:spLocks noGrp="1"/>
+          </p:cNvSpPr>
+          <p:nvPr>
+            <p:ph type="sldNum" sz="quarter" idx="12"/>
+          </p:nvPr>
+        </p:nvSpPr>
+        <p:spPr/>
+        <p:txBody>
+          <a:bodyPr/>
+          <a:lstStyle/>
+          <a:p>
+            <a:fld id="{2FFD189B-FC70-467B-8D46-305D7B719983}" type="slidenum">
+              <a:rPr lang="de-DE" smtClean="0"/>
+              <a:t>5</a:t>
+            </a:fld>
+            <a:endParaRPr lang="de-DE"/>
+          </a:p>
+        </p:txBody>
+      </p:sp>
+      <p:sp>
+        <p:nvSpPr>
+          <p:cNvPr id="6" name="TextBox 5"/>
+          <p:cNvSpPr txBox="1"/>
+          <p:nvPr/>
+        </p:nvSpPr>
+        <p:spPr>
+          <a:xfrm>
+            <a:off x="833514" y="674703"/>
+            <a:ext cx="6675417" cy="584775"/>
+          </a:xfrm>
+          <a:prstGeom prst="rect">
+            <a:avLst/>
+          </a:prstGeom>
+          <a:noFill/>
+        </p:spPr>
+        <p:txBody>
+          <a:bodyPr wrap="none" rtlCol="0">
+            <a:spAutoFit/>
+          </a:bodyPr>
+          <a:lstStyle/>
+          <a:p>
+            <a:r>
+              <a:rPr lang="de-DE" sz="2400" dirty="0"/>
+              <a:t>Service Definition </a:t>
+            </a:r>
+            <a:r>
+              <a:rPr lang="de-DE" sz="2400" dirty="0" err="1"/>
+              <a:t>Overview</a:t>
+            </a:r>
+            <a:r>
+              <a:rPr lang="de-DE" sz="2400" dirty="0"/>
+              <a:t>:  </a:t>
+            </a:r>
+            <a:r>
+              <a:rPr lang="de-DE" sz="3200" dirty="0">
+                <a:solidFill>
+                  <a:schemeClr val="accent2">
+                    <a:lumMod val="75000"/>
+                  </a:schemeClr>
+                </a:solidFill>
+              </a:rPr>
+              <a:t>207.154.218.165</a:t>
+            </a:r>
+          </a:p>
+        </p:txBody>
+      </p:sp>
+      <p:graphicFrame>
+        <p:nvGraphicFramePr>
+          <p:cNvPr id="7" name="Table 6"/>
+          <p:cNvGraphicFramePr>
+            <a:graphicFrameLocks noGrp="1"/>
+          </p:cNvGraphicFramePr>
+          <p:nvPr>
+            <p:extLst>
+              <p:ext uri="{D42A27DB-BD31-4B8C-83A1-F6EECF244321}">
+                <p14:modId xmlns:p14="http://schemas.microsoft.com/office/powerpoint/2010/main" val="3668043547"/>
+              </p:ext>
+            </p:extLst>
+          </p:nvPr>
+        </p:nvGraphicFramePr>
+        <p:xfrm>
+          <a:off x="835857" y="2131215"/>
+          <a:ext cx="10520285" cy="2225040"/>
+        </p:xfrm>
+        <a:graphic>
+          <a:graphicData uri="http://schemas.openxmlformats.org/drawingml/2006/table">
+            <a:tbl>
+              <a:tblPr firstRow="1" bandRow="1">
+                <a:tableStyleId>{5C22544A-7EE6-4342-B048-85BDC9FD1C3A}</a:tableStyleId>
+              </a:tblPr>
+              <a:tblGrid>
+                <a:gridCol w="2104057">
+                  <a:extLst>
+                    <a:ext uri="{9D8B030D-6E8A-4147-A177-3AD203B41FA5}">
+                      <a16:colId xmlns:a16="http://schemas.microsoft.com/office/drawing/2014/main" val="2704125389"/>
+                    </a:ext>
+                  </a:extLst>
+                </a:gridCol>
+                <a:gridCol w="2104057">
+                  <a:extLst>
+                    <a:ext uri="{9D8B030D-6E8A-4147-A177-3AD203B41FA5}">
+                      <a16:colId xmlns:a16="http://schemas.microsoft.com/office/drawing/2014/main" val="666628110"/>
+                    </a:ext>
+                  </a:extLst>
+                </a:gridCol>
+                <a:gridCol w="2104057">
+                  <a:extLst>
+                    <a:ext uri="{9D8B030D-6E8A-4147-A177-3AD203B41FA5}">
+                      <a16:colId xmlns:a16="http://schemas.microsoft.com/office/drawing/2014/main" val="3200629299"/>
+                    </a:ext>
+                  </a:extLst>
+                </a:gridCol>
+                <a:gridCol w="2104057">
+                  <a:extLst>
+                    <a:ext uri="{9D8B030D-6E8A-4147-A177-3AD203B41FA5}">
+                      <a16:colId xmlns:a16="http://schemas.microsoft.com/office/drawing/2014/main" val="2635870529"/>
+                    </a:ext>
+                  </a:extLst>
+                </a:gridCol>
+                <a:gridCol w="2104057">
+                  <a:extLst>
+                    <a:ext uri="{9D8B030D-6E8A-4147-A177-3AD203B41FA5}">
+                      <a16:colId xmlns:a16="http://schemas.microsoft.com/office/drawing/2014/main" val="3235653632"/>
+                    </a:ext>
+                  </a:extLst>
+                </a:gridCol>
+              </a:tblGrid>
+              <a:tr h="370840">
+                <a:tc>
+                  <a:txBody>
+                    <a:bodyPr/>
+                    <a:lstStyle/>
+                    <a:p>
+                      <a:r>
+                        <a:rPr lang="de-DE" dirty="0">
+                          <a:solidFill>
+                            <a:sysClr val="windowText" lastClr="000000"/>
+                          </a:solidFill>
+                        </a:rPr>
+                        <a:t>/</a:t>
+                      </a:r>
+                      <a:r>
+                        <a:rPr lang="de-DE" dirty="0" err="1">
+                          <a:solidFill>
+                            <a:sysClr val="windowText" lastClr="000000"/>
+                          </a:solidFill>
+                        </a:rPr>
+                        <a:t>users</a:t>
+                      </a:r>
+                      <a:endParaRPr lang="de-DE" dirty="0">
+                        <a:solidFill>
+                          <a:sysClr val="windowText" lastClr="000000"/>
+                        </a:solidFill>
+                      </a:endParaRPr>
+                    </a:p>
+                  </a:txBody>
+                  <a:tcPr>
+                    <a:noFill/>
+                  </a:tcPr>
+                </a:tc>
+                <a:tc>
+                  <a:txBody>
+                    <a:bodyPr/>
+                    <a:lstStyle/>
+                    <a:p>
+                      <a:r>
+                        <a:rPr lang="de-DE" dirty="0">
+                          <a:solidFill>
+                            <a:sysClr val="windowText" lastClr="000000"/>
+                          </a:solidFill>
+                        </a:rPr>
+                        <a:t>/$USERID</a:t>
+                      </a:r>
+                    </a:p>
+                  </a:txBody>
+                  <a:tcPr>
+                    <a:noFill/>
+                  </a:tcPr>
+                </a:tc>
+                <a:tc>
+                  <a:txBody>
+                    <a:bodyPr/>
+                    <a:lstStyle/>
+                    <a:p>
+                      <a:r>
+                        <a:rPr lang="de-DE" dirty="0">
+                          <a:solidFill>
+                            <a:sysClr val="windowText" lastClr="000000"/>
+                          </a:solidFill>
+                        </a:rPr>
+                        <a:t>/</a:t>
+                      </a:r>
+                    </a:p>
+                  </a:txBody>
+                  <a:tcPr>
+                    <a:noFill/>
+                  </a:tcPr>
+                </a:tc>
+                <a:tc>
+                  <a:txBody>
+                    <a:bodyPr/>
+                    <a:lstStyle/>
+                    <a:p>
+                      <a:pPr marL="0" marR="0" lvl="0" indent="0" algn="l" defTabSz="914400" rtl="0" eaLnBrk="1" fontAlgn="auto" latinLnBrk="0" hangingPunct="1">
+                        <a:lnSpc>
+                          <a:spcPct val="100000"/>
+                        </a:lnSpc>
+                        <a:spcBef>
+                          <a:spcPts val="0"/>
+                        </a:spcBef>
+                        <a:spcAft>
+                          <a:spcPts val="0"/>
+                        </a:spcAft>
+                        <a:buClrTx/>
+                        <a:buSzTx/>
+                        <a:buFontTx/>
+                        <a:buNone/>
+                        <a:tabLst/>
+                        <a:defRPr/>
+                      </a:pPr>
+                      <a:r>
+                        <a:rPr lang="de-DE" b="1" dirty="0">
+                          <a:solidFill>
+                            <a:schemeClr val="accent6"/>
+                          </a:solidFill>
+                        </a:rPr>
+                        <a:t>GET</a:t>
+                      </a:r>
+                    </a:p>
+                  </a:txBody>
+                  <a:tcPr>
+                    <a:noFill/>
+                  </a:tcPr>
+                </a:tc>
+                <a:tc>
+                  <a:txBody>
+                    <a:bodyPr/>
+                    <a:lstStyle/>
+                    <a:p>
+                      <a:endParaRPr lang="de-DE" dirty="0">
+                        <a:solidFill>
+                          <a:sysClr val="windowText" lastClr="000000"/>
+                        </a:solidFill>
+                      </a:endParaRPr>
+                    </a:p>
+                  </a:txBody>
+                  <a:tcPr>
+                    <a:noFill/>
+                  </a:tcPr>
+                </a:tc>
+                <a:extLst>
+                  <a:ext uri="{0D108BD9-81ED-4DB2-BD59-A6C34878D82A}">
+                    <a16:rowId xmlns:a16="http://schemas.microsoft.com/office/drawing/2014/main" val="3083204381"/>
+                  </a:ext>
+                </a:extLst>
+              </a:tr>
+              <a:tr h="370840">
+                <a:tc>
+                  <a:txBody>
+                    <a:bodyPr/>
+                    <a:lstStyle/>
+                    <a:p>
+                      <a:endParaRPr lang="de-DE" dirty="0">
+                        <a:solidFill>
+                          <a:schemeClr val="bg1">
+                            <a:lumMod val="75000"/>
+                          </a:schemeClr>
+                        </a:solidFill>
+                      </a:endParaRPr>
+                    </a:p>
+                  </a:txBody>
+                  <a:tcPr>
+                    <a:noFill/>
+                  </a:tcPr>
+                </a:tc>
+                <a:tc>
+                  <a:txBody>
+                    <a:bodyPr/>
+                    <a:lstStyle/>
+                    <a:p>
+                      <a:endParaRPr lang="de-DE" dirty="0">
+                        <a:solidFill>
+                          <a:schemeClr val="bg1">
+                            <a:lumMod val="75000"/>
+                          </a:schemeClr>
+                        </a:solidFill>
+                      </a:endParaRPr>
+                    </a:p>
+                  </a:txBody>
+                  <a:tcPr>
+                    <a:noFill/>
+                  </a:tcPr>
+                </a:tc>
+                <a:tc>
+                  <a:txBody>
+                    <a:bodyPr/>
+                    <a:lstStyle/>
+                    <a:p>
+                      <a:r>
+                        <a:rPr lang="de-DE" b="1" dirty="0">
+                          <a:solidFill>
+                            <a:sysClr val="windowText" lastClr="000000"/>
+                          </a:solidFill>
+                        </a:rPr>
+                        <a:t>/</a:t>
+                      </a:r>
+                      <a:r>
+                        <a:rPr lang="de-DE" b="1" dirty="0" err="1">
+                          <a:solidFill>
+                            <a:sysClr val="windowText" lastClr="000000"/>
+                          </a:solidFill>
+                        </a:rPr>
+                        <a:t>events</a:t>
+                      </a:r>
+                      <a:endParaRPr lang="de-DE" b="1" dirty="0">
+                        <a:solidFill>
+                          <a:sysClr val="windowText" lastClr="000000"/>
+                        </a:solidFill>
+                      </a:endParaRPr>
+                    </a:p>
+                  </a:txBody>
+                  <a:tcPr>
+                    <a:noFill/>
+                  </a:tcPr>
+                </a:tc>
+                <a:tc>
+                  <a:txBody>
+                    <a:bodyPr/>
+                    <a:lstStyle/>
+                    <a:p>
+                      <a:r>
+                        <a:rPr lang="de-DE" b="1" dirty="0">
+                          <a:solidFill>
+                            <a:schemeClr val="accent6"/>
+                          </a:solidFill>
+                        </a:rPr>
+                        <a:t>GET</a:t>
+                      </a:r>
+                    </a:p>
+                  </a:txBody>
+                  <a:tcPr>
+                    <a:noFill/>
+                  </a:tcPr>
+                </a:tc>
+                <a:tc>
+                  <a:txBody>
+                    <a:bodyPr/>
+                    <a:lstStyle/>
+                    <a:p>
+                      <a:endParaRPr lang="de-DE">
+                        <a:solidFill>
+                          <a:sysClr val="windowText" lastClr="000000"/>
+                        </a:solidFill>
+                      </a:endParaRPr>
+                    </a:p>
+                  </a:txBody>
+                  <a:tcPr>
+                    <a:noFill/>
+                  </a:tcPr>
+                </a:tc>
+                <a:extLst>
+                  <a:ext uri="{0D108BD9-81ED-4DB2-BD59-A6C34878D82A}">
+                    <a16:rowId xmlns:a16="http://schemas.microsoft.com/office/drawing/2014/main" val="105460748"/>
+                  </a:ext>
+                </a:extLst>
+              </a:tr>
+              <a:tr h="370840">
+                <a:tc>
+                  <a:txBody>
+                    <a:bodyPr/>
+                    <a:lstStyle/>
+                    <a:p>
+                      <a:endParaRPr lang="de-DE" dirty="0">
+                        <a:solidFill>
+                          <a:schemeClr val="bg1">
+                            <a:lumMod val="75000"/>
+                          </a:schemeClr>
+                        </a:solidFill>
+                      </a:endParaRPr>
+                    </a:p>
+                  </a:txBody>
+                  <a:tcPr>
+                    <a:noFill/>
+                  </a:tcPr>
+                </a:tc>
+                <a:tc>
+                  <a:txBody>
+                    <a:bodyPr/>
+                    <a:lstStyle/>
+                    <a:p>
+                      <a:endParaRPr lang="de-DE" dirty="0">
+                        <a:solidFill>
+                          <a:schemeClr val="bg1">
+                            <a:lumMod val="75000"/>
+                          </a:schemeClr>
+                        </a:solidFill>
+                      </a:endParaRPr>
+                    </a:p>
+                  </a:txBody>
+                  <a:tcPr>
+                    <a:noFill/>
+                  </a:tcPr>
+                </a:tc>
+                <a:tc>
+                  <a:txBody>
+                    <a:bodyPr/>
+                    <a:lstStyle/>
+                    <a:p>
+                      <a:endParaRPr lang="de-DE" b="1" dirty="0">
+                        <a:solidFill>
+                          <a:sysClr val="windowText" lastClr="000000"/>
+                        </a:solidFill>
+                      </a:endParaRPr>
+                    </a:p>
+                  </a:txBody>
+                  <a:tcPr>
+                    <a:noFill/>
+                  </a:tcPr>
+                </a:tc>
+                <a:tc>
+                  <a:txBody>
+                    <a:bodyPr/>
+                    <a:lstStyle/>
+                    <a:p>
+                      <a:endParaRPr lang="de-DE" b="1" dirty="0">
+                        <a:solidFill>
+                          <a:schemeClr val="accent6"/>
+                        </a:solidFill>
+                      </a:endParaRPr>
+                    </a:p>
+                  </a:txBody>
+                  <a:tcPr>
+                    <a:noFill/>
+                  </a:tcPr>
+                </a:tc>
+                <a:tc>
+                  <a:txBody>
+                    <a:bodyPr/>
+                    <a:lstStyle/>
+                    <a:p>
+                      <a:endParaRPr lang="de-DE">
+                        <a:solidFill>
+                          <a:sysClr val="windowText" lastClr="000000"/>
+                        </a:solidFill>
+                      </a:endParaRPr>
+                    </a:p>
+                  </a:txBody>
+                  <a:tcPr>
+                    <a:noFill/>
+                  </a:tcPr>
+                </a:tc>
+                <a:extLst>
+                  <a:ext uri="{0D108BD9-81ED-4DB2-BD59-A6C34878D82A}">
+                    <a16:rowId xmlns:a16="http://schemas.microsoft.com/office/drawing/2014/main" val="2622226815"/>
+                  </a:ext>
+                </a:extLst>
+              </a:tr>
+              <a:tr h="370840">
+                <a:tc>
+                  <a:txBody>
+                    <a:bodyPr/>
+                    <a:lstStyle/>
+                    <a:p>
+                      <a:endParaRPr lang="de-DE" dirty="0">
+                        <a:solidFill>
+                          <a:schemeClr val="bg1">
+                            <a:lumMod val="75000"/>
+                          </a:schemeClr>
+                        </a:solidFill>
+                      </a:endParaRPr>
+                    </a:p>
+                  </a:txBody>
+                  <a:tcPr>
+                    <a:noFill/>
+                  </a:tcPr>
+                </a:tc>
+                <a:tc>
+                  <a:txBody>
+                    <a:bodyPr/>
+                    <a:lstStyle/>
+                    <a:p>
+                      <a:endParaRPr lang="de-DE" dirty="0">
+                        <a:solidFill>
+                          <a:schemeClr val="bg1">
+                            <a:lumMod val="75000"/>
+                          </a:schemeClr>
+                        </a:solidFill>
+                      </a:endParaRPr>
+                    </a:p>
+                  </a:txBody>
+                  <a:tcPr>
+                    <a:noFill/>
+                  </a:tcPr>
+                </a:tc>
+                <a:tc>
+                  <a:txBody>
+                    <a:bodyPr/>
+                    <a:lstStyle/>
+                    <a:p>
+                      <a:endParaRPr lang="de-DE" b="1" dirty="0">
+                        <a:solidFill>
+                          <a:sysClr val="windowText" lastClr="000000"/>
+                        </a:solidFill>
+                      </a:endParaRPr>
+                    </a:p>
+                  </a:txBody>
+                  <a:tcPr>
+                    <a:noFill/>
+                  </a:tcPr>
+                </a:tc>
+                <a:tc>
+                  <a:txBody>
+                    <a:bodyPr/>
+                    <a:lstStyle/>
+                    <a:p>
+                      <a:endParaRPr lang="de-DE" b="1" dirty="0">
+                        <a:solidFill>
+                          <a:schemeClr val="accent6"/>
+                        </a:solidFill>
+                      </a:endParaRPr>
+                    </a:p>
+                  </a:txBody>
+                  <a:tcPr>
+                    <a:noFill/>
+                  </a:tcPr>
+                </a:tc>
+                <a:tc>
+                  <a:txBody>
+                    <a:bodyPr/>
+                    <a:lstStyle/>
+                    <a:p>
+                      <a:endParaRPr lang="de-DE">
+                        <a:solidFill>
+                          <a:sysClr val="windowText" lastClr="000000"/>
+                        </a:solidFill>
+                      </a:endParaRPr>
+                    </a:p>
+                  </a:txBody>
+                  <a:tcPr>
+                    <a:noFill/>
+                  </a:tcPr>
+                </a:tc>
+                <a:extLst>
+                  <a:ext uri="{0D108BD9-81ED-4DB2-BD59-A6C34878D82A}">
+                    <a16:rowId xmlns:a16="http://schemas.microsoft.com/office/drawing/2014/main" val="576259959"/>
+                  </a:ext>
+                </a:extLst>
+              </a:tr>
+              <a:tr h="370840">
+                <a:tc>
+                  <a:txBody>
+                    <a:bodyPr/>
+                    <a:lstStyle/>
+                    <a:p>
+                      <a:pPr marL="0" marR="0" lvl="0" indent="0" algn="l" defTabSz="914400" rtl="0" eaLnBrk="1" fontAlgn="auto" latinLnBrk="0" hangingPunct="1">
+                        <a:lnSpc>
+                          <a:spcPct val="100000"/>
+                        </a:lnSpc>
+                        <a:spcBef>
+                          <a:spcPts val="0"/>
+                        </a:spcBef>
+                        <a:spcAft>
+                          <a:spcPts val="0"/>
+                        </a:spcAft>
+                        <a:buClrTx/>
+                        <a:buSzTx/>
+                        <a:buFontTx/>
+                        <a:buNone/>
+                        <a:tabLst/>
+                        <a:defRPr/>
+                      </a:pPr>
+                      <a:endParaRPr lang="de-DE" dirty="0">
+                        <a:solidFill>
+                          <a:schemeClr val="bg1">
+                            <a:lumMod val="75000"/>
+                          </a:schemeClr>
+                        </a:solidFill>
+                      </a:endParaRPr>
+                    </a:p>
+                  </a:txBody>
+                  <a:tcPr>
+                    <a:noFill/>
+                  </a:tcPr>
+                </a:tc>
+                <a:tc>
+                  <a:txBody>
+                    <a:bodyPr/>
+                    <a:lstStyle/>
+                    <a:p>
+                      <a:endParaRPr lang="de-DE" b="1" dirty="0">
+                        <a:solidFill>
+                          <a:sysClr val="windowText" lastClr="000000"/>
+                        </a:solidFill>
+                      </a:endParaRPr>
+                    </a:p>
+                  </a:txBody>
+                  <a:tcPr>
+                    <a:noFill/>
+                  </a:tcPr>
+                </a:tc>
+                <a:tc>
+                  <a:txBody>
+                    <a:bodyPr/>
+                    <a:lstStyle/>
+                    <a:p>
+                      <a:endParaRPr lang="de-DE" b="1" dirty="0">
+                        <a:solidFill>
+                          <a:sysClr val="windowText" lastClr="000000"/>
+                        </a:solidFill>
+                      </a:endParaRPr>
+                    </a:p>
+                  </a:txBody>
+                  <a:tcPr>
+                    <a:noFill/>
+                  </a:tcPr>
+                </a:tc>
+                <a:tc>
+                  <a:txBody>
+                    <a:bodyPr/>
+                    <a:lstStyle/>
+                    <a:p>
+                      <a:endParaRPr lang="de-DE" b="1" dirty="0">
+                        <a:solidFill>
+                          <a:srgbClr val="C00000"/>
+                        </a:solidFill>
+                      </a:endParaRPr>
+                    </a:p>
+                  </a:txBody>
+                  <a:tcPr>
+                    <a:noFill/>
+                  </a:tcPr>
+                </a:tc>
+                <a:tc>
+                  <a:txBody>
+                    <a:bodyPr/>
+                    <a:lstStyle/>
+                    <a:p>
+                      <a:endParaRPr lang="de-DE">
+                        <a:solidFill>
+                          <a:sysClr val="windowText" lastClr="000000"/>
+                        </a:solidFill>
+                      </a:endParaRPr>
+                    </a:p>
+                  </a:txBody>
+                  <a:tcPr>
+                    <a:noFill/>
+                  </a:tcPr>
+                </a:tc>
+                <a:extLst>
+                  <a:ext uri="{0D108BD9-81ED-4DB2-BD59-A6C34878D82A}">
+                    <a16:rowId xmlns:a16="http://schemas.microsoft.com/office/drawing/2014/main" val="1160505401"/>
+                  </a:ext>
+                </a:extLst>
+              </a:tr>
+              <a:tr h="370840">
+                <a:tc>
+                  <a:txBody>
+                    <a:bodyPr/>
+                    <a:lstStyle/>
+                    <a:p>
+                      <a:endParaRPr lang="de-DE" dirty="0">
+                        <a:solidFill>
+                          <a:sysClr val="windowText" lastClr="000000"/>
+                        </a:solidFill>
+                      </a:endParaRPr>
+                    </a:p>
+                  </a:txBody>
+                  <a:tcPr>
+                    <a:noFill/>
+                  </a:tcPr>
+                </a:tc>
+                <a:tc>
+                  <a:txBody>
+                    <a:bodyPr/>
+                    <a:lstStyle/>
+                    <a:p>
+                      <a:endParaRPr lang="de-DE" dirty="0">
+                        <a:solidFill>
+                          <a:sysClr val="windowText" lastClr="000000"/>
+                        </a:solidFill>
+                      </a:endParaRPr>
+                    </a:p>
+                  </a:txBody>
+                  <a:tcPr>
+                    <a:noFill/>
+                  </a:tcPr>
+                </a:tc>
+                <a:tc>
+                  <a:txBody>
+                    <a:bodyPr/>
+                    <a:lstStyle/>
+                    <a:p>
+                      <a:endParaRPr lang="de-DE">
+                        <a:solidFill>
+                          <a:sysClr val="windowText" lastClr="000000"/>
+                        </a:solidFill>
+                      </a:endParaRPr>
+                    </a:p>
+                  </a:txBody>
+                  <a:tcPr>
+                    <a:noFill/>
+                  </a:tcPr>
+                </a:tc>
+                <a:tc>
+                  <a:txBody>
+                    <a:bodyPr/>
+                    <a:lstStyle/>
+                    <a:p>
+                      <a:endParaRPr lang="de-DE">
+                        <a:solidFill>
+                          <a:sysClr val="windowText" lastClr="000000"/>
+                        </a:solidFill>
+                      </a:endParaRPr>
+                    </a:p>
+                  </a:txBody>
+                  <a:tcPr>
+                    <a:noFill/>
+                  </a:tcPr>
+                </a:tc>
+                <a:tc>
+                  <a:txBody>
+                    <a:bodyPr/>
+                    <a:lstStyle/>
+                    <a:p>
+                      <a:endParaRPr lang="de-DE" dirty="0">
+                        <a:solidFill>
+                          <a:sysClr val="windowText" lastClr="000000"/>
+                        </a:solidFill>
+                      </a:endParaRPr>
+                    </a:p>
+                  </a:txBody>
+                  <a:tcPr>
+                    <a:noFill/>
+                  </a:tcPr>
+                </a:tc>
+                <a:extLst>
+                  <a:ext uri="{0D108BD9-81ED-4DB2-BD59-A6C34878D82A}">
+                    <a16:rowId xmlns:a16="http://schemas.microsoft.com/office/drawing/2014/main" val="3060116764"/>
+                  </a:ext>
+                </a:extLst>
+              </a:tr>
+            </a:tbl>
+          </a:graphicData>
+        </a:graphic>
+      </p:graphicFrame>
+    </p:spTree>
+    <p:extLst>
+      <p:ext uri="{BB962C8B-B14F-4D97-AF65-F5344CB8AC3E}">
+        <p14:creationId xmlns:p14="http://schemas.microsoft.com/office/powerpoint/2010/main" val="120714751"/>
+      </p:ext>
+    </p:extLst>
+  </p:cSld>
+  <p:clrMapOvr>
+    <a:masterClrMapping/>
+  </p:clrMapOvr>
+</p:sld>
+</file>
+
+<file path=ppt/slides/slide6.xml><?xml version="1.0" encoding="utf-8"?>
+<p:sld xmlns:a="http://schemas.openxmlformats.org/drawingml/2006/main" xmlns:r="http://schemas.openxmlformats.org/officeDocument/2006/relationships" xmlns:p="http://schemas.openxmlformats.org/presentationml/2006/main">
+  <p:cSld>
+    <p:spTree>
+      <p:nvGrpSpPr>
+        <p:cNvPr id="1" name=""/>
+        <p:cNvGrpSpPr/>
+        <p:nvPr/>
+      </p:nvGrpSpPr>
+      <p:grpSpPr>
+        <a:xfrm>
+          <a:off x="0" y="0"/>
+          <a:ext cx="0" cy="0"/>
+          <a:chOff x="0" y="0"/>
+          <a:chExt cx="0" cy="0"/>
+        </a:xfrm>
+      </p:grpSpPr>
+      <p:sp>
+        <p:nvSpPr>
+          <p:cNvPr id="4" name="Footer Placeholder 3"/>
+          <p:cNvSpPr>
+            <a:spLocks noGrp="1"/>
+          </p:cNvSpPr>
+          <p:nvPr>
+            <p:ph type="ftr" sz="quarter" idx="11"/>
+          </p:nvPr>
+        </p:nvSpPr>
+        <p:spPr/>
+        <p:txBody>
+          <a:bodyPr/>
+          <a:lstStyle/>
+          <a:p>
+            <a:r>
+              <a:rPr lang="de-DE"/>
+              <a:t>partylive Service Definition</a:t>
+            </a:r>
+          </a:p>
+        </p:txBody>
+      </p:sp>
+      <p:sp>
+        <p:nvSpPr>
+          <p:cNvPr id="5" name="Slide Number Placeholder 4"/>
+          <p:cNvSpPr>
+            <a:spLocks noGrp="1"/>
+          </p:cNvSpPr>
+          <p:nvPr>
+            <p:ph type="sldNum" sz="quarter" idx="12"/>
+          </p:nvPr>
+        </p:nvSpPr>
+        <p:spPr/>
+        <p:txBody>
+          <a:bodyPr/>
+          <a:lstStyle/>
+          <a:p>
+            <a:fld id="{2FFD189B-FC70-467B-8D46-305D7B719983}" type="slidenum">
+              <a:rPr lang="de-DE" smtClean="0"/>
+              <a:t>6</a:t>
+            </a:fld>
+            <a:endParaRPr lang="de-DE"/>
+          </a:p>
+        </p:txBody>
+      </p:sp>
+      <p:sp>
+        <p:nvSpPr>
+          <p:cNvPr id="6" name="TextBox 5"/>
+          <p:cNvSpPr txBox="1"/>
+          <p:nvPr/>
+        </p:nvSpPr>
+        <p:spPr>
+          <a:xfrm>
+            <a:off x="833514" y="674703"/>
+            <a:ext cx="6675417" cy="584775"/>
+          </a:xfrm>
+          <a:prstGeom prst="rect">
+            <a:avLst/>
+          </a:prstGeom>
+          <a:noFill/>
+        </p:spPr>
+        <p:txBody>
+          <a:bodyPr wrap="none" rtlCol="0">
+            <a:spAutoFit/>
+          </a:bodyPr>
+          <a:lstStyle/>
+          <a:p>
+            <a:r>
+              <a:rPr lang="de-DE" sz="2400" dirty="0"/>
+              <a:t>Service Definition </a:t>
+            </a:r>
+            <a:r>
+              <a:rPr lang="de-DE" sz="2400" dirty="0" err="1"/>
+              <a:t>Overview</a:t>
+            </a:r>
+            <a:r>
+              <a:rPr lang="de-DE" sz="2400" dirty="0"/>
+              <a:t>:  </a:t>
+            </a:r>
+            <a:r>
+              <a:rPr lang="de-DE" sz="3200" dirty="0">
+                <a:solidFill>
+                  <a:schemeClr val="accent2">
+                    <a:lumMod val="75000"/>
+                  </a:schemeClr>
+                </a:solidFill>
+              </a:rPr>
+              <a:t>207.154.218.165</a:t>
+            </a:r>
+          </a:p>
+        </p:txBody>
+      </p:sp>
+      <p:graphicFrame>
+        <p:nvGraphicFramePr>
+          <p:cNvPr id="7" name="Table 6"/>
+          <p:cNvGraphicFramePr>
+            <a:graphicFrameLocks noGrp="1"/>
+          </p:cNvGraphicFramePr>
+          <p:nvPr>
+            <p:extLst>
+              <p:ext uri="{D42A27DB-BD31-4B8C-83A1-F6EECF244321}">
+                <p14:modId xmlns:p14="http://schemas.microsoft.com/office/powerpoint/2010/main" val="4124887758"/>
+              </p:ext>
+            </p:extLst>
+          </p:nvPr>
+        </p:nvGraphicFramePr>
+        <p:xfrm>
+          <a:off x="835857" y="2131215"/>
+          <a:ext cx="10520285" cy="1854200"/>
+        </p:xfrm>
+        <a:graphic>
+          <a:graphicData uri="http://schemas.openxmlformats.org/drawingml/2006/table">
+            <a:tbl>
+              <a:tblPr firstRow="1" bandRow="1">
+                <a:tableStyleId>{5C22544A-7EE6-4342-B048-85BDC9FD1C3A}</a:tableStyleId>
+              </a:tblPr>
+              <a:tblGrid>
+                <a:gridCol w="2104057">
+                  <a:extLst>
+                    <a:ext uri="{9D8B030D-6E8A-4147-A177-3AD203B41FA5}">
+                      <a16:colId xmlns:a16="http://schemas.microsoft.com/office/drawing/2014/main" val="2704125389"/>
+                    </a:ext>
+                  </a:extLst>
+                </a:gridCol>
+                <a:gridCol w="2104057">
+                  <a:extLst>
+                    <a:ext uri="{9D8B030D-6E8A-4147-A177-3AD203B41FA5}">
+                      <a16:colId xmlns:a16="http://schemas.microsoft.com/office/drawing/2014/main" val="666628110"/>
+                    </a:ext>
+                  </a:extLst>
+                </a:gridCol>
+                <a:gridCol w="2104057">
+                  <a:extLst>
+                    <a:ext uri="{9D8B030D-6E8A-4147-A177-3AD203B41FA5}">
+                      <a16:colId xmlns:a16="http://schemas.microsoft.com/office/drawing/2014/main" val="3200629299"/>
+                    </a:ext>
+                  </a:extLst>
+                </a:gridCol>
+                <a:gridCol w="2104057">
+                  <a:extLst>
+                    <a:ext uri="{9D8B030D-6E8A-4147-A177-3AD203B41FA5}">
+                      <a16:colId xmlns:a16="http://schemas.microsoft.com/office/drawing/2014/main" val="2635870529"/>
+                    </a:ext>
+                  </a:extLst>
+                </a:gridCol>
+                <a:gridCol w="2104057">
+                  <a:extLst>
+                    <a:ext uri="{9D8B030D-6E8A-4147-A177-3AD203B41FA5}">
+                      <a16:colId xmlns:a16="http://schemas.microsoft.com/office/drawing/2014/main" val="3235653632"/>
+                    </a:ext>
+                  </a:extLst>
+                </a:gridCol>
+              </a:tblGrid>
+              <a:tr h="370840">
+                <a:tc>
+                  <a:txBody>
+                    <a:bodyPr/>
+                    <a:lstStyle/>
+                    <a:p>
+                      <a:r>
+                        <a:rPr lang="de-DE" dirty="0">
+                          <a:solidFill>
+                            <a:sysClr val="windowText" lastClr="000000"/>
+                          </a:solidFill>
+                        </a:rPr>
+                        <a:t>/</a:t>
+                      </a:r>
+                      <a:r>
+                        <a:rPr lang="de-DE" dirty="0" err="1">
+                          <a:solidFill>
+                            <a:sysClr val="windowText" lastClr="000000"/>
+                          </a:solidFill>
+                        </a:rPr>
+                        <a:t>events</a:t>
+                      </a:r>
+                      <a:endParaRPr lang="de-DE" dirty="0">
+                        <a:solidFill>
+                          <a:sysClr val="windowText" lastClr="000000"/>
+                        </a:solidFill>
+                      </a:endParaRPr>
+                    </a:p>
+                  </a:txBody>
+                  <a:tcPr>
+                    <a:noFill/>
+                  </a:tcPr>
+                </a:tc>
+                <a:tc>
+                  <a:txBody>
+                    <a:bodyPr/>
+                    <a:lstStyle/>
+                    <a:p>
+                      <a:r>
+                        <a:rPr lang="de-DE" b="1" dirty="0">
+                          <a:solidFill>
+                            <a:sysClr val="windowText" lastClr="000000"/>
+                          </a:solidFill>
+                        </a:rPr>
+                        <a:t>/</a:t>
+                      </a:r>
+                    </a:p>
+                  </a:txBody>
+                  <a:tcPr>
+                    <a:noFill/>
+                  </a:tcPr>
+                </a:tc>
+                <a:tc>
+                  <a:txBody>
+                    <a:bodyPr/>
+                    <a:lstStyle/>
+                    <a:p>
+                      <a:endParaRPr lang="de-DE" b="1" dirty="0">
+                        <a:solidFill>
+                          <a:sysClr val="windowText" lastClr="000000"/>
+                        </a:solidFill>
+                      </a:endParaRPr>
+                    </a:p>
+                  </a:txBody>
+                  <a:tcPr>
+                    <a:noFill/>
+                  </a:tcPr>
+                </a:tc>
+                <a:tc>
+                  <a:txBody>
+                    <a:bodyPr/>
+                    <a:lstStyle/>
+                    <a:p>
+                      <a:pPr marL="0" marR="0" lvl="0" indent="0" algn="l" defTabSz="914400" rtl="0" eaLnBrk="1" fontAlgn="auto" latinLnBrk="0" hangingPunct="1">
+                        <a:lnSpc>
+                          <a:spcPct val="100000"/>
+                        </a:lnSpc>
+                        <a:spcBef>
+                          <a:spcPts val="0"/>
+                        </a:spcBef>
+                        <a:spcAft>
+                          <a:spcPts val="0"/>
+                        </a:spcAft>
+                        <a:buClrTx/>
+                        <a:buSzTx/>
+                        <a:buFontTx/>
+                        <a:buNone/>
+                        <a:tabLst/>
+                        <a:defRPr/>
+                      </a:pPr>
+                      <a:r>
+                        <a:rPr lang="de-DE" b="1" dirty="0">
+                          <a:solidFill>
+                            <a:schemeClr val="accent6"/>
+                          </a:solidFill>
+                        </a:rPr>
+                        <a:t>GET</a:t>
+                      </a:r>
+                    </a:p>
+                  </a:txBody>
+                  <a:tcPr>
+                    <a:noFill/>
+                  </a:tcPr>
+                </a:tc>
+                <a:tc>
+                  <a:txBody>
+                    <a:bodyPr/>
+                    <a:lstStyle/>
+                    <a:p>
+                      <a:endParaRPr lang="de-DE" dirty="0">
+                        <a:solidFill>
+                          <a:sysClr val="windowText" lastClr="000000"/>
+                        </a:solidFill>
+                      </a:endParaRPr>
+                    </a:p>
+                  </a:txBody>
+                  <a:tcPr>
+                    <a:noFill/>
+                  </a:tcPr>
+                </a:tc>
+                <a:extLst>
+                  <a:ext uri="{0D108BD9-81ED-4DB2-BD59-A6C34878D82A}">
+                    <a16:rowId xmlns:a16="http://schemas.microsoft.com/office/drawing/2014/main" val="3083204381"/>
+                  </a:ext>
+                </a:extLst>
+              </a:tr>
+              <a:tr h="370840">
+                <a:tc>
+                  <a:txBody>
+                    <a:bodyPr/>
+                    <a:lstStyle/>
+                    <a:p>
+                      <a:endParaRPr lang="de-DE" dirty="0">
+                        <a:solidFill>
+                          <a:schemeClr val="bg1">
+                            <a:lumMod val="75000"/>
+                          </a:schemeClr>
+                        </a:solidFill>
+                      </a:endParaRPr>
+                    </a:p>
+                  </a:txBody>
+                  <a:tcPr>
+                    <a:noFill/>
+                  </a:tcPr>
+                </a:tc>
+                <a:tc>
+                  <a:txBody>
+                    <a:bodyPr/>
+                    <a:lstStyle/>
+                    <a:p>
+                      <a:r>
+                        <a:rPr lang="de-DE" b="1" dirty="0">
+                          <a:solidFill>
+                            <a:sysClr val="windowText" lastClr="000000"/>
+                          </a:solidFill>
+                        </a:rPr>
+                        <a:t>/$EVENTID</a:t>
+                      </a:r>
+                    </a:p>
+                  </a:txBody>
+                  <a:tcPr>
+                    <a:noFill/>
+                  </a:tcPr>
+                </a:tc>
+                <a:tc>
+                  <a:txBody>
+                    <a:bodyPr/>
+                    <a:lstStyle/>
+                    <a:p>
+                      <a:r>
+                        <a:rPr lang="de-DE" b="1" dirty="0">
+                          <a:solidFill>
+                            <a:sysClr val="windowText" lastClr="000000"/>
+                          </a:solidFill>
+                        </a:rPr>
+                        <a:t>/</a:t>
+                      </a:r>
+                    </a:p>
+                  </a:txBody>
+                  <a:tcPr>
+                    <a:noFill/>
+                  </a:tcPr>
+                </a:tc>
+                <a:tc>
+                  <a:txBody>
+                    <a:bodyPr/>
+                    <a:lstStyle/>
+                    <a:p>
+                      <a:pPr marL="0" marR="0" lvl="0" indent="0" algn="l" defTabSz="914400" rtl="0" eaLnBrk="1" fontAlgn="auto" latinLnBrk="0" hangingPunct="1">
+                        <a:lnSpc>
+                          <a:spcPct val="100000"/>
+                        </a:lnSpc>
+                        <a:spcBef>
+                          <a:spcPts val="0"/>
+                        </a:spcBef>
+                        <a:spcAft>
+                          <a:spcPts val="0"/>
+                        </a:spcAft>
+                        <a:buClrTx/>
+                        <a:buSzTx/>
+                        <a:buFontTx/>
+                        <a:buNone/>
+                        <a:tabLst/>
+                        <a:defRPr/>
+                      </a:pPr>
+                      <a:r>
+                        <a:rPr lang="de-DE" b="1" dirty="0">
+                          <a:solidFill>
+                            <a:schemeClr val="accent6"/>
+                          </a:solidFill>
+                        </a:rPr>
+                        <a:t>GET</a:t>
+                      </a:r>
+                    </a:p>
+                  </a:txBody>
+                  <a:tcPr>
+                    <a:noFill/>
+                  </a:tcPr>
+                </a:tc>
+                <a:tc>
+                  <a:txBody>
+                    <a:bodyPr/>
+                    <a:lstStyle/>
+                    <a:p>
+                      <a:endParaRPr lang="de-DE">
+                        <a:solidFill>
+                          <a:sysClr val="windowText" lastClr="000000"/>
+                        </a:solidFill>
+                      </a:endParaRPr>
+                    </a:p>
+                  </a:txBody>
+                  <a:tcPr>
+                    <a:noFill/>
+                  </a:tcPr>
+                </a:tc>
+                <a:extLst>
+                  <a:ext uri="{0D108BD9-81ED-4DB2-BD59-A6C34878D82A}">
+                    <a16:rowId xmlns:a16="http://schemas.microsoft.com/office/drawing/2014/main" val="105460748"/>
+                  </a:ext>
+                </a:extLst>
+              </a:tr>
+              <a:tr h="370840">
+                <a:tc>
+                  <a:txBody>
+                    <a:bodyPr/>
+                    <a:lstStyle/>
+                    <a:p>
+                      <a:endParaRPr lang="de-DE" dirty="0">
+                        <a:solidFill>
+                          <a:schemeClr val="bg1">
+                            <a:lumMod val="75000"/>
+                          </a:schemeClr>
+                        </a:solidFill>
+                      </a:endParaRPr>
+                    </a:p>
+                  </a:txBody>
+                  <a:tcPr>
+                    <a:noFill/>
+                  </a:tcPr>
+                </a:tc>
+                <a:tc>
+                  <a:txBody>
+                    <a:bodyPr/>
+                    <a:lstStyle/>
+                    <a:p>
+                      <a:endParaRPr lang="de-DE" dirty="0">
+                        <a:solidFill>
+                          <a:schemeClr val="bg1">
+                            <a:lumMod val="75000"/>
+                          </a:schemeClr>
+                        </a:solidFill>
+                      </a:endParaRPr>
+                    </a:p>
+                  </a:txBody>
+                  <a:tcPr>
+                    <a:noFill/>
+                  </a:tcPr>
+                </a:tc>
+                <a:tc>
+                  <a:txBody>
+                    <a:bodyPr/>
+                    <a:lstStyle/>
+                    <a:p>
+                      <a:r>
+                        <a:rPr lang="de-DE" b="1" dirty="0">
+                          <a:solidFill>
+                            <a:sysClr val="windowText" lastClr="000000"/>
+                          </a:solidFill>
+                        </a:rPr>
+                        <a:t>/</a:t>
+                      </a:r>
+                      <a:r>
+                        <a:rPr lang="de-DE" b="1" dirty="0" err="1">
+                          <a:solidFill>
+                            <a:sysClr val="windowText" lastClr="000000"/>
+                          </a:solidFill>
+                        </a:rPr>
+                        <a:t>organizer</a:t>
+                      </a:r>
+                      <a:endParaRPr lang="de-DE" b="1" dirty="0">
+                        <a:solidFill>
+                          <a:sysClr val="windowText" lastClr="000000"/>
+                        </a:solidFill>
+                      </a:endParaRPr>
+                    </a:p>
+                  </a:txBody>
+                  <a:tcPr>
+                    <a:noFill/>
+                  </a:tcPr>
+                </a:tc>
+                <a:tc>
+                  <a:txBody>
+                    <a:bodyPr/>
+                    <a:lstStyle/>
+                    <a:p>
+                      <a:r>
+                        <a:rPr lang="de-DE" b="1" dirty="0">
+                          <a:solidFill>
+                            <a:schemeClr val="accent6"/>
+                          </a:solidFill>
+                        </a:rPr>
+                        <a:t>GET</a:t>
+                      </a:r>
+                    </a:p>
+                  </a:txBody>
+                  <a:tcPr>
+                    <a:noFill/>
+                  </a:tcPr>
+                </a:tc>
+                <a:tc>
+                  <a:txBody>
+                    <a:bodyPr/>
+                    <a:lstStyle/>
+                    <a:p>
+                      <a:endParaRPr lang="de-DE">
+                        <a:solidFill>
+                          <a:sysClr val="windowText" lastClr="000000"/>
+                        </a:solidFill>
+                      </a:endParaRPr>
+                    </a:p>
+                  </a:txBody>
+                  <a:tcPr>
+                    <a:noFill/>
+                  </a:tcPr>
+                </a:tc>
+                <a:extLst>
+                  <a:ext uri="{0D108BD9-81ED-4DB2-BD59-A6C34878D82A}">
+                    <a16:rowId xmlns:a16="http://schemas.microsoft.com/office/drawing/2014/main" val="576259959"/>
+                  </a:ext>
+                </a:extLst>
+              </a:tr>
+              <a:tr h="370840">
+                <a:tc>
+                  <a:txBody>
+                    <a:bodyPr/>
+                    <a:lstStyle/>
+                    <a:p>
+                      <a:pPr marL="0" marR="0" lvl="0" indent="0" algn="l" defTabSz="914400" rtl="0" eaLnBrk="1" fontAlgn="auto" latinLnBrk="0" hangingPunct="1">
+                        <a:lnSpc>
+                          <a:spcPct val="100000"/>
+                        </a:lnSpc>
+                        <a:spcBef>
+                          <a:spcPts val="0"/>
+                        </a:spcBef>
+                        <a:spcAft>
+                          <a:spcPts val="0"/>
+                        </a:spcAft>
+                        <a:buClrTx/>
+                        <a:buSzTx/>
+                        <a:buFontTx/>
+                        <a:buNone/>
+                        <a:tabLst/>
+                        <a:defRPr/>
+                      </a:pPr>
+                      <a:endParaRPr lang="de-DE" dirty="0">
+                        <a:solidFill>
+                          <a:schemeClr val="bg1">
+                            <a:lumMod val="75000"/>
+                          </a:schemeClr>
+                        </a:solidFill>
+                      </a:endParaRPr>
+                    </a:p>
+                  </a:txBody>
+                  <a:tcPr>
+                    <a:noFill/>
+                  </a:tcPr>
+                </a:tc>
+                <a:tc>
+                  <a:txBody>
+                    <a:bodyPr/>
+                    <a:lstStyle/>
+                    <a:p>
+                      <a:endParaRPr lang="de-DE" b="1" dirty="0">
+                        <a:solidFill>
+                          <a:sysClr val="windowText" lastClr="000000"/>
+                        </a:solidFill>
+                      </a:endParaRPr>
+                    </a:p>
+                  </a:txBody>
+                  <a:tcPr>
+                    <a:noFill/>
+                  </a:tcPr>
+                </a:tc>
+                <a:tc>
+                  <a:txBody>
+                    <a:bodyPr/>
+                    <a:lstStyle/>
+                    <a:p>
+                      <a:endParaRPr lang="de-DE" b="1" dirty="0">
+                        <a:solidFill>
+                          <a:sysClr val="windowText" lastClr="000000"/>
+                        </a:solidFill>
+                      </a:endParaRPr>
+                    </a:p>
+                  </a:txBody>
+                  <a:tcPr>
+                    <a:noFill/>
+                  </a:tcPr>
+                </a:tc>
+                <a:tc>
+                  <a:txBody>
+                    <a:bodyPr/>
+                    <a:lstStyle/>
+                    <a:p>
+                      <a:endParaRPr lang="de-DE" b="1" dirty="0">
+                        <a:solidFill>
+                          <a:srgbClr val="C00000"/>
+                        </a:solidFill>
+                      </a:endParaRPr>
+                    </a:p>
+                  </a:txBody>
+                  <a:tcPr>
+                    <a:noFill/>
+                  </a:tcPr>
+                </a:tc>
+                <a:tc>
+                  <a:txBody>
+                    <a:bodyPr/>
+                    <a:lstStyle/>
+                    <a:p>
+                      <a:endParaRPr lang="de-DE">
+                        <a:solidFill>
+                          <a:sysClr val="windowText" lastClr="000000"/>
+                        </a:solidFill>
+                      </a:endParaRPr>
+                    </a:p>
+                  </a:txBody>
+                  <a:tcPr>
+                    <a:noFill/>
+                  </a:tcPr>
+                </a:tc>
+                <a:extLst>
+                  <a:ext uri="{0D108BD9-81ED-4DB2-BD59-A6C34878D82A}">
+                    <a16:rowId xmlns:a16="http://schemas.microsoft.com/office/drawing/2014/main" val="1160505401"/>
+                  </a:ext>
+                </a:extLst>
+              </a:tr>
+              <a:tr h="370840">
+                <a:tc>
+                  <a:txBody>
+                    <a:bodyPr/>
+                    <a:lstStyle/>
+                    <a:p>
+                      <a:endParaRPr lang="de-DE" dirty="0">
+                        <a:solidFill>
+                          <a:sysClr val="windowText" lastClr="000000"/>
+                        </a:solidFill>
+                      </a:endParaRPr>
+                    </a:p>
+                  </a:txBody>
+                  <a:tcPr>
+                    <a:noFill/>
+                  </a:tcPr>
+                </a:tc>
+                <a:tc>
+                  <a:txBody>
+                    <a:bodyPr/>
+                    <a:lstStyle/>
+                    <a:p>
+                      <a:endParaRPr lang="de-DE" dirty="0">
+                        <a:solidFill>
+                          <a:sysClr val="windowText" lastClr="000000"/>
+                        </a:solidFill>
+                      </a:endParaRPr>
+                    </a:p>
+                  </a:txBody>
+                  <a:tcPr>
+                    <a:noFill/>
+                  </a:tcPr>
+                </a:tc>
+                <a:tc>
+                  <a:txBody>
+                    <a:bodyPr/>
+                    <a:lstStyle/>
+                    <a:p>
+                      <a:endParaRPr lang="de-DE">
+                        <a:solidFill>
+                          <a:sysClr val="windowText" lastClr="000000"/>
+                        </a:solidFill>
+                      </a:endParaRPr>
+                    </a:p>
+                  </a:txBody>
+                  <a:tcPr>
+                    <a:noFill/>
+                  </a:tcPr>
+                </a:tc>
+                <a:tc>
+                  <a:txBody>
+                    <a:bodyPr/>
+                    <a:lstStyle/>
+                    <a:p>
+                      <a:endParaRPr lang="de-DE">
+                        <a:solidFill>
+                          <a:sysClr val="windowText" lastClr="000000"/>
+                        </a:solidFill>
+                      </a:endParaRPr>
+                    </a:p>
+                  </a:txBody>
+                  <a:tcPr>
+                    <a:noFill/>
+                  </a:tcPr>
+                </a:tc>
+                <a:tc>
+                  <a:txBody>
+                    <a:bodyPr/>
+                    <a:lstStyle/>
+                    <a:p>
+                      <a:endParaRPr lang="de-DE" dirty="0">
+                        <a:solidFill>
+                          <a:sysClr val="windowText" lastClr="000000"/>
+                        </a:solidFill>
+                      </a:endParaRPr>
+                    </a:p>
+                  </a:txBody>
+                  <a:tcPr>
+                    <a:noFill/>
+                  </a:tcPr>
+                </a:tc>
+                <a:extLst>
+                  <a:ext uri="{0D108BD9-81ED-4DB2-BD59-A6C34878D82A}">
+                    <a16:rowId xmlns:a16="http://schemas.microsoft.com/office/drawing/2014/main" val="3060116764"/>
+                  </a:ext>
+                </a:extLst>
+              </a:tr>
+            </a:tbl>
+          </a:graphicData>
+        </a:graphic>
+      </p:graphicFrame>
+    </p:spTree>
+    <p:extLst>
+      <p:ext uri="{BB962C8B-B14F-4D97-AF65-F5344CB8AC3E}">
+        <p14:creationId xmlns:p14="http://schemas.microsoft.com/office/powerpoint/2010/main" val="2719076057"/>
+      </p:ext>
+    </p:extLst>
+  </p:cSld>
+  <p:clrMapOvr>
+    <a:masterClrMapping/>
+  </p:clrMapOvr>
+</p:sld>
+</file>
+
+<file path=ppt/slides/slide7.xml><?xml version="1.0" encoding="utf-8"?>
+<p:sld xmlns:a="http://schemas.openxmlformats.org/drawingml/2006/main" xmlns:r="http://schemas.openxmlformats.org/officeDocument/2006/relationships" xmlns:p="http://schemas.openxmlformats.org/presentationml/2006/main">
+  <p:cSld>
+    <p:spTree>
+      <p:nvGrpSpPr>
+        <p:cNvPr id="1" name=""/>
+        <p:cNvGrpSpPr/>
+        <p:nvPr/>
+      </p:nvGrpSpPr>
+      <p:grpSpPr>
+        <a:xfrm>
+          <a:off x="0" y="0"/>
+          <a:ext cx="0" cy="0"/>
+          <a:chOff x="0" y="0"/>
+          <a:chExt cx="0" cy="0"/>
+        </a:xfrm>
+      </p:grpSpPr>
+      <p:sp>
+        <p:nvSpPr>
+          <p:cNvPr id="4" name="Footer Placeholder 3"/>
+          <p:cNvSpPr>
+            <a:spLocks noGrp="1"/>
+          </p:cNvSpPr>
+          <p:nvPr>
+            <p:ph type="ftr" sz="quarter" idx="11"/>
+          </p:nvPr>
+        </p:nvSpPr>
+        <p:spPr/>
+        <p:txBody>
+          <a:bodyPr/>
+          <a:lstStyle/>
+          <a:p>
+            <a:r>
+              <a:rPr lang="de-DE"/>
+              <a:t>partylive Service Definition</a:t>
+            </a:r>
+          </a:p>
+        </p:txBody>
+      </p:sp>
+      <p:sp>
+        <p:nvSpPr>
+          <p:cNvPr id="5" name="Slide Number Placeholder 4"/>
+          <p:cNvSpPr>
+            <a:spLocks noGrp="1"/>
+          </p:cNvSpPr>
+          <p:nvPr>
+            <p:ph type="sldNum" sz="quarter" idx="12"/>
+          </p:nvPr>
+        </p:nvSpPr>
+        <p:spPr/>
+        <p:txBody>
+          <a:bodyPr/>
+          <a:lstStyle/>
+          <a:p>
+            <a:fld id="{2FFD189B-FC70-467B-8D46-305D7B719983}" type="slidenum">
+              <a:rPr lang="de-DE" smtClean="0"/>
+              <a:t>7</a:t>
+            </a:fld>
+            <a:endParaRPr lang="de-DE"/>
+          </a:p>
+        </p:txBody>
+      </p:sp>
+      <p:graphicFrame>
+        <p:nvGraphicFramePr>
+          <p:cNvPr id="7" name="Table 6"/>
+          <p:cNvGraphicFramePr>
+            <a:graphicFrameLocks noGrp="1"/>
+          </p:cNvGraphicFramePr>
+          <p:nvPr>
+            <p:extLst>
+              <p:ext uri="{D42A27DB-BD31-4B8C-83A1-F6EECF244321}">
+                <p14:modId xmlns:p14="http://schemas.microsoft.com/office/powerpoint/2010/main" val="187804435"/>
+              </p:ext>
+            </p:extLst>
+          </p:nvPr>
+        </p:nvGraphicFramePr>
+        <p:xfrm>
+          <a:off x="835857" y="506537"/>
+          <a:ext cx="10520286" cy="6124133"/>
+        </p:xfrm>
+        <a:graphic>
+          <a:graphicData uri="http://schemas.openxmlformats.org/drawingml/2006/table">
+            <a:tbl>
+              <a:tblPr firstRow="1" bandRow="1">
+                <a:tableStyleId>{5C22544A-7EE6-4342-B048-85BDC9FD1C3A}</a:tableStyleId>
+              </a:tblPr>
+              <a:tblGrid>
+                <a:gridCol w="1669988">
+                  <a:extLst>
+                    <a:ext uri="{9D8B030D-6E8A-4147-A177-3AD203B41FA5}">
+                      <a16:colId xmlns:a16="http://schemas.microsoft.com/office/drawing/2014/main" val="2704125389"/>
+                    </a:ext>
+                  </a:extLst>
+                </a:gridCol>
+                <a:gridCol w="1757779">
+                  <a:extLst>
+                    <a:ext uri="{9D8B030D-6E8A-4147-A177-3AD203B41FA5}">
+                      <a16:colId xmlns:a16="http://schemas.microsoft.com/office/drawing/2014/main" val="2832046579"/>
+                    </a:ext>
+                  </a:extLst>
+                </a:gridCol>
+                <a:gridCol w="843378">
+                  <a:extLst>
+                    <a:ext uri="{9D8B030D-6E8A-4147-A177-3AD203B41FA5}">
+                      <a16:colId xmlns:a16="http://schemas.microsoft.com/office/drawing/2014/main" val="3622771183"/>
+                    </a:ext>
+                  </a:extLst>
+                </a:gridCol>
+                <a:gridCol w="2370339">
+                  <a:extLst>
+                    <a:ext uri="{9D8B030D-6E8A-4147-A177-3AD203B41FA5}">
+                      <a16:colId xmlns:a16="http://schemas.microsoft.com/office/drawing/2014/main" val="1359834070"/>
+                    </a:ext>
+                  </a:extLst>
+                </a:gridCol>
+                <a:gridCol w="1774745">
+                  <a:extLst>
+                    <a:ext uri="{9D8B030D-6E8A-4147-A177-3AD203B41FA5}">
+                      <a16:colId xmlns:a16="http://schemas.microsoft.com/office/drawing/2014/main" val="2635870529"/>
+                    </a:ext>
+                  </a:extLst>
+                </a:gridCol>
+                <a:gridCol w="2104057">
+                  <a:extLst>
+                    <a:ext uri="{9D8B030D-6E8A-4147-A177-3AD203B41FA5}">
+                      <a16:colId xmlns:a16="http://schemas.microsoft.com/office/drawing/2014/main" val="3235653632"/>
+                    </a:ext>
+                  </a:extLst>
+                </a:gridCol>
+              </a:tblGrid>
+              <a:tr h="887196">
+                <a:tc>
+                  <a:txBody>
+                    <a:bodyPr/>
+                    <a:lstStyle/>
+                    <a:p>
+                      <a:pPr algn="l"/>
+                      <a:r>
+                        <a:rPr lang="de-DE" dirty="0">
+                          <a:solidFill>
+                            <a:sysClr val="windowText" lastClr="000000"/>
+                          </a:solidFill>
+                        </a:rPr>
+                        <a:t>SERVICE:</a:t>
+                      </a:r>
+                    </a:p>
+                  </a:txBody>
+                  <a:tcPr anchor="ctr">
+                    <a:lnL w="12700" cap="flat" cmpd="sng" algn="ctr">
+                      <a:solidFill>
+                        <a:schemeClr val="tx1"/>
+                      </a:solidFill>
+                      <a:prstDash val="solid"/>
+                      <a:round/>
+                      <a:headEnd type="none" w="med" len="med"/>
+                      <a:tailEnd type="none" w="med" len="med"/>
+                    </a:lnL>
+                    <a:lnR w="12700" cap="flat" cmpd="sng" algn="ctr">
+                      <a:solidFill>
+                        <a:schemeClr val="tx1"/>
+                      </a:solidFill>
+                      <a:prstDash val="solid"/>
+                      <a:round/>
+                      <a:headEnd type="none" w="med" len="med"/>
+                      <a:tailEnd type="none" w="med" len="med"/>
+                    </a:lnR>
+                    <a:lnT w="12700" cap="flat" cmpd="sng" algn="ctr">
+                      <a:solidFill>
+                        <a:schemeClr val="tx1"/>
+                      </a:solidFill>
+                      <a:prstDash val="solid"/>
+                      <a:round/>
+                      <a:headEnd type="none" w="med" len="med"/>
+                      <a:tailEnd type="none" w="med" len="med"/>
+                    </a:lnT>
+                    <a:lnB w="12700" cap="flat" cmpd="sng" algn="ctr">
+                      <a:solidFill>
+                        <a:schemeClr val="tx1"/>
+                      </a:solidFill>
+                      <a:prstDash val="solid"/>
+                      <a:round/>
+                      <a:headEnd type="none" w="med" len="med"/>
+                      <a:tailEnd type="none" w="med" len="med"/>
+                    </a:lnB>
+                    <a:noFill/>
+                  </a:tcPr>
+                </a:tc>
+                <a:tc gridSpan="2">
+                  <a:txBody>
+                    <a:bodyPr/>
+                    <a:lstStyle/>
+                    <a:p>
+                      <a:pPr algn="l"/>
+                      <a:r>
+                        <a:rPr lang="de-DE" sz="2800" dirty="0">
+                          <a:solidFill>
+                            <a:schemeClr val="accent5">
+                              <a:lumMod val="60000"/>
+                              <a:lumOff val="40000"/>
+                            </a:schemeClr>
+                          </a:solidFill>
+                        </a:rPr>
+                        <a:t>/</a:t>
+                      </a:r>
+                      <a:r>
+                        <a:rPr lang="de-DE" sz="2800" dirty="0" err="1">
+                          <a:solidFill>
+                            <a:schemeClr val="accent5">
+                              <a:lumMod val="60000"/>
+                              <a:lumOff val="40000"/>
+                            </a:schemeClr>
+                          </a:solidFill>
+                        </a:rPr>
+                        <a:t>events</a:t>
+                      </a:r>
+                      <a:endParaRPr lang="de-DE" sz="2800" dirty="0">
+                        <a:solidFill>
+                          <a:schemeClr val="accent6">
+                            <a:lumMod val="60000"/>
+                            <a:lumOff val="40000"/>
+                          </a:schemeClr>
+                        </a:solidFill>
+                      </a:endParaRPr>
+                    </a:p>
+                  </a:txBody>
+                  <a:tcPr anchor="ctr">
+                    <a:lnL w="12700" cap="flat" cmpd="sng" algn="ctr">
+                      <a:solidFill>
+                        <a:schemeClr val="tx1"/>
+                      </a:solidFill>
+                      <a:prstDash val="solid"/>
+                      <a:round/>
+                      <a:headEnd type="none" w="med" len="med"/>
+                      <a:tailEnd type="none" w="med" len="med"/>
+                    </a:lnL>
+                    <a:lnR w="12700" cap="flat" cmpd="sng" algn="ctr">
+                      <a:noFill/>
+                      <a:prstDash val="solid"/>
+                      <a:round/>
+                      <a:headEnd type="none" w="med" len="med"/>
+                      <a:tailEnd type="none" w="med" len="med"/>
+                    </a:lnR>
+                    <a:lnT w="12700" cap="flat" cmpd="sng" algn="ctr">
+                      <a:solidFill>
+                        <a:schemeClr val="tx1"/>
+                      </a:solidFill>
+                      <a:prstDash val="solid"/>
+                      <a:round/>
+                      <a:headEnd type="none" w="med" len="med"/>
+                      <a:tailEnd type="none" w="med" len="med"/>
+                    </a:lnT>
+                    <a:lnB w="12700" cap="flat" cmpd="sng" algn="ctr">
+                      <a:solidFill>
+                        <a:schemeClr val="tx1"/>
+                      </a:solidFill>
+                      <a:prstDash val="solid"/>
+                      <a:round/>
+                      <a:headEnd type="none" w="med" len="med"/>
+                      <a:tailEnd type="none" w="med" len="med"/>
+                    </a:lnB>
+                    <a:noFill/>
+                  </a:tcPr>
+                </a:tc>
+                <a:tc hMerge="1">
+                  <a:txBody>
+                    <a:bodyPr/>
+                    <a:lstStyle/>
+                    <a:p>
+                      <a:endParaRPr lang="de-DE"/>
+                    </a:p>
+                  </a:txBody>
+                  <a:tcPr/>
+                </a:tc>
+                <a:tc>
+                  <a:txBody>
+                    <a:bodyPr/>
+                    <a:lstStyle/>
+                    <a:p>
+                      <a:pPr algn="l"/>
+                      <a:r>
+                        <a:rPr lang="de-DE" sz="2800" dirty="0">
+                          <a:solidFill>
+                            <a:srgbClr val="00B0F0"/>
+                          </a:solidFill>
+                        </a:rPr>
+                        <a:t>/</a:t>
+                      </a:r>
+                    </a:p>
+                  </a:txBody>
+                  <a:tcPr anchor="ctr">
+                    <a:lnL w="12700" cap="flat" cmpd="sng" algn="ctr">
+                      <a:noFill/>
+                      <a:prstDash val="solid"/>
+                      <a:round/>
+                      <a:headEnd type="none" w="med" len="med"/>
+                      <a:tailEnd type="none" w="med" len="med"/>
+                    </a:lnL>
+                    <a:lnR w="12700" cap="flat" cmpd="sng" algn="ctr">
+                      <a:solidFill>
+                        <a:schemeClr val="tx1"/>
+                      </a:solidFill>
+                      <a:prstDash val="solid"/>
+                      <a:round/>
+                      <a:headEnd type="none" w="med" len="med"/>
+                      <a:tailEnd type="none" w="med" len="med"/>
+                    </a:lnR>
+                    <a:lnT w="12700" cap="flat" cmpd="sng" algn="ctr">
+                      <a:solidFill>
+                        <a:schemeClr val="tx1"/>
+                      </a:solidFill>
+                      <a:prstDash val="solid"/>
+                      <a:round/>
+                      <a:headEnd type="none" w="med" len="med"/>
+                      <a:tailEnd type="none" w="med" len="med"/>
+                    </a:lnT>
+                    <a:lnB w="12700" cap="flat" cmpd="sng" algn="ctr">
+                      <a:solidFill>
+                        <a:schemeClr val="tx1"/>
+                      </a:solidFill>
+                      <a:prstDash val="solid"/>
+                      <a:round/>
+                      <a:headEnd type="none" w="med" len="med"/>
+                      <a:tailEnd type="none" w="med" len="med"/>
+                    </a:lnB>
+                    <a:noFill/>
+                  </a:tcPr>
+                </a:tc>
+                <a:tc>
+                  <a:txBody>
+                    <a:bodyPr/>
+                    <a:lstStyle/>
+                    <a:p>
+                      <a:pPr algn="l"/>
+                      <a:r>
+                        <a:rPr lang="de-DE" dirty="0">
+                          <a:solidFill>
+                            <a:sysClr val="windowText" lastClr="000000"/>
+                          </a:solidFill>
+                        </a:rPr>
+                        <a:t>HTTP METHOD:</a:t>
+                      </a:r>
+                    </a:p>
+                  </a:txBody>
+                  <a:tcPr anchor="ctr">
+                    <a:lnL w="12700" cap="flat" cmpd="sng" algn="ctr">
+                      <a:solidFill>
+                        <a:schemeClr val="tx1"/>
+                      </a:solidFill>
+                      <a:prstDash val="solid"/>
+                      <a:round/>
+                      <a:headEnd type="none" w="med" len="med"/>
+                      <a:tailEnd type="none" w="med" len="med"/>
+                    </a:lnL>
+                    <a:lnR w="12700" cap="flat" cmpd="sng" algn="ctr">
+                      <a:solidFill>
+                        <a:schemeClr val="tx1"/>
+                      </a:solidFill>
+                      <a:prstDash val="solid"/>
+                      <a:round/>
+                      <a:headEnd type="none" w="med" len="med"/>
+                      <a:tailEnd type="none" w="med" len="med"/>
+                    </a:lnR>
+                    <a:lnT w="12700" cap="flat" cmpd="sng" algn="ctr">
+                      <a:solidFill>
+                        <a:schemeClr val="tx1"/>
+                      </a:solidFill>
+                      <a:prstDash val="solid"/>
+                      <a:round/>
+                      <a:headEnd type="none" w="med" len="med"/>
+                      <a:tailEnd type="none" w="med" len="med"/>
+                    </a:lnT>
+                    <a:lnB w="12700" cap="flat" cmpd="sng" algn="ctr">
+                      <a:solidFill>
+                        <a:schemeClr val="tx1"/>
+                      </a:solidFill>
+                      <a:prstDash val="solid"/>
+                      <a:round/>
+                      <a:headEnd type="none" w="med" len="med"/>
+                      <a:tailEnd type="none" w="med" len="med"/>
+                    </a:lnB>
+                    <a:noFill/>
+                  </a:tcPr>
+                </a:tc>
+                <a:tc>
+                  <a:txBody>
+                    <a:bodyPr/>
+                    <a:lstStyle/>
+                    <a:p>
+                      <a:pPr algn="l"/>
+                      <a:r>
+                        <a:rPr lang="de-DE" dirty="0">
+                          <a:solidFill>
+                            <a:srgbClr val="00B050"/>
+                          </a:solidFill>
+                        </a:rPr>
+                        <a:t>GET</a:t>
+                      </a:r>
+                    </a:p>
+                  </a:txBody>
+                  <a:tcPr anchor="ctr">
+                    <a:lnL w="12700" cap="flat" cmpd="sng" algn="ctr">
+                      <a:solidFill>
+                        <a:schemeClr val="tx1"/>
+                      </a:solidFill>
+                      <a:prstDash val="solid"/>
+                      <a:round/>
+                      <a:headEnd type="none" w="med" len="med"/>
+                      <a:tailEnd type="none" w="med" len="med"/>
+                    </a:lnL>
+                    <a:lnR w="12700" cap="flat" cmpd="sng" algn="ctr">
+                      <a:solidFill>
+                        <a:schemeClr val="tx1"/>
+                      </a:solidFill>
+                      <a:prstDash val="solid"/>
+                      <a:round/>
+                      <a:headEnd type="none" w="med" len="med"/>
+                      <a:tailEnd type="none" w="med" len="med"/>
+                    </a:lnR>
+                    <a:lnT w="12700" cap="flat" cmpd="sng" algn="ctr">
+                      <a:solidFill>
+                        <a:schemeClr val="tx1"/>
+                      </a:solidFill>
+                      <a:prstDash val="solid"/>
+                      <a:round/>
+                      <a:headEnd type="none" w="med" len="med"/>
+                      <a:tailEnd type="none" w="med" len="med"/>
+                    </a:lnT>
+                    <a:lnB w="12700" cap="flat" cmpd="sng" algn="ctr">
+                      <a:solidFill>
+                        <a:schemeClr val="tx1"/>
+                      </a:solidFill>
+                      <a:prstDash val="solid"/>
+                      <a:round/>
+                      <a:headEnd type="none" w="med" len="med"/>
+                      <a:tailEnd type="none" w="med" len="med"/>
+                    </a:lnB>
+                    <a:noFill/>
+                  </a:tcPr>
+                </a:tc>
+                <a:extLst>
+                  <a:ext uri="{0D108BD9-81ED-4DB2-BD59-A6C34878D82A}">
+                    <a16:rowId xmlns:a16="http://schemas.microsoft.com/office/drawing/2014/main" val="3083204381"/>
+                  </a:ext>
+                </a:extLst>
+              </a:tr>
+              <a:tr h="452761">
+                <a:tc>
+                  <a:txBody>
+                    <a:bodyPr/>
+                    <a:lstStyle/>
+                    <a:p>
+                      <a:r>
+                        <a:rPr lang="de-DE" dirty="0" err="1">
+                          <a:solidFill>
+                            <a:sysClr val="windowText" lastClr="000000"/>
+                          </a:solidFill>
+                        </a:rPr>
+                        <a:t>Function</a:t>
+                      </a:r>
+                      <a:r>
+                        <a:rPr lang="de-DE" dirty="0">
+                          <a:solidFill>
+                            <a:sysClr val="windowText" lastClr="000000"/>
+                          </a:solidFill>
+                        </a:rPr>
+                        <a:t>:</a:t>
+                      </a:r>
+                    </a:p>
+                  </a:txBody>
+                  <a:tcPr anchor="ctr">
+                    <a:lnL w="12700" cap="flat" cmpd="sng" algn="ctr">
+                      <a:solidFill>
+                        <a:schemeClr val="tx1"/>
+                      </a:solidFill>
+                      <a:prstDash val="solid"/>
+                      <a:round/>
+                      <a:headEnd type="none" w="med" len="med"/>
+                      <a:tailEnd type="none" w="med" len="med"/>
+                    </a:lnL>
+                    <a:lnR w="12700" cap="flat" cmpd="sng" algn="ctr">
+                      <a:solidFill>
+                        <a:schemeClr val="tx1"/>
+                      </a:solidFill>
+                      <a:prstDash val="solid"/>
+                      <a:round/>
+                      <a:headEnd type="none" w="med" len="med"/>
+                      <a:tailEnd type="none" w="med" len="med"/>
+                    </a:lnR>
+                    <a:lnT w="12700" cap="flat" cmpd="sng" algn="ctr">
+                      <a:solidFill>
+                        <a:schemeClr val="tx1"/>
+                      </a:solidFill>
+                      <a:prstDash val="solid"/>
+                      <a:round/>
+                      <a:headEnd type="none" w="med" len="med"/>
+                      <a:tailEnd type="none" w="med" len="med"/>
+                    </a:lnT>
+                    <a:lnB w="12700" cap="flat" cmpd="sng" algn="ctr">
+                      <a:solidFill>
+                        <a:schemeClr val="tx1"/>
+                      </a:solidFill>
+                      <a:prstDash val="solid"/>
+                      <a:round/>
+                      <a:headEnd type="none" w="med" len="med"/>
+                      <a:tailEnd type="none" w="med" len="med"/>
+                    </a:lnB>
+                    <a:noFill/>
+                  </a:tcPr>
+                </a:tc>
+                <a:tc gridSpan="5">
+                  <a:txBody>
+                    <a:bodyPr/>
+                    <a:lstStyle/>
+                    <a:p>
+                      <a:r>
+                        <a:rPr lang="de-DE" dirty="0" err="1"/>
+                        <a:t>Get</a:t>
+                      </a:r>
+                      <a:r>
+                        <a:rPr lang="de-DE" dirty="0"/>
+                        <a:t> </a:t>
+                      </a:r>
+                      <a:r>
+                        <a:rPr lang="de-DE" dirty="0" err="1"/>
+                        <a:t>the</a:t>
+                      </a:r>
+                      <a:r>
+                        <a:rPr lang="de-DE" dirty="0"/>
+                        <a:t> </a:t>
+                      </a:r>
+                      <a:r>
+                        <a:rPr lang="de-DE" dirty="0" err="1"/>
+                        <a:t>events</a:t>
+                      </a:r>
+                      <a:r>
+                        <a:rPr lang="de-DE" baseline="0" dirty="0"/>
+                        <a:t> </a:t>
+                      </a:r>
+                      <a:r>
+                        <a:rPr lang="de-DE" baseline="0" dirty="0" err="1"/>
+                        <a:t>that</a:t>
+                      </a:r>
+                      <a:r>
+                        <a:rPr lang="de-DE" baseline="0" dirty="0"/>
+                        <a:t> </a:t>
+                      </a:r>
+                      <a:r>
+                        <a:rPr lang="de-DE" baseline="0" dirty="0" err="1"/>
+                        <a:t>are</a:t>
+                      </a:r>
+                      <a:r>
+                        <a:rPr lang="de-DE" baseline="0" dirty="0"/>
+                        <a:t> </a:t>
+                      </a:r>
+                      <a:r>
+                        <a:rPr lang="de-DE" baseline="0" dirty="0" err="1"/>
+                        <a:t>visible</a:t>
+                      </a:r>
+                      <a:r>
+                        <a:rPr lang="de-DE" baseline="0" dirty="0"/>
+                        <a:t> </a:t>
+                      </a:r>
+                      <a:r>
+                        <a:rPr lang="de-DE" baseline="0" dirty="0" err="1"/>
+                        <a:t>to</a:t>
+                      </a:r>
+                      <a:r>
+                        <a:rPr lang="de-DE" baseline="0" dirty="0"/>
+                        <a:t> </a:t>
+                      </a:r>
+                      <a:r>
+                        <a:rPr lang="de-DE" baseline="0" dirty="0" err="1"/>
+                        <a:t>the</a:t>
+                      </a:r>
+                      <a:r>
+                        <a:rPr lang="de-DE" baseline="0" dirty="0"/>
+                        <a:t> </a:t>
+                      </a:r>
+                      <a:r>
+                        <a:rPr lang="de-DE" baseline="0" dirty="0" err="1"/>
+                        <a:t>current</a:t>
+                      </a:r>
+                      <a:r>
+                        <a:rPr lang="de-DE" baseline="0" dirty="0"/>
+                        <a:t> </a:t>
+                      </a:r>
+                      <a:r>
+                        <a:rPr lang="de-DE" baseline="0" dirty="0" err="1"/>
+                        <a:t>user</a:t>
+                      </a:r>
+                      <a:r>
+                        <a:rPr lang="de-DE" dirty="0"/>
+                        <a:t>.</a:t>
+                      </a:r>
+                    </a:p>
+                  </a:txBody>
+                  <a:tcPr anchor="ctr">
+                    <a:lnL w="12700" cap="flat" cmpd="sng" algn="ctr">
+                      <a:solidFill>
+                        <a:schemeClr val="tx1"/>
+                      </a:solidFill>
+                      <a:prstDash val="solid"/>
+                      <a:round/>
+                      <a:headEnd type="none" w="med" len="med"/>
+                      <a:tailEnd type="none" w="med" len="med"/>
+                    </a:lnL>
+                    <a:lnR w="12700" cap="flat" cmpd="sng" algn="ctr">
+                      <a:solidFill>
+                        <a:schemeClr val="tx1"/>
+                      </a:solidFill>
+                      <a:prstDash val="solid"/>
+                      <a:round/>
+                      <a:headEnd type="none" w="med" len="med"/>
+                      <a:tailEnd type="none" w="med" len="med"/>
+                    </a:lnR>
+                    <a:lnT w="12700" cap="flat" cmpd="sng" algn="ctr">
+                      <a:solidFill>
+                        <a:schemeClr val="tx1"/>
+                      </a:solidFill>
+                      <a:prstDash val="solid"/>
+                      <a:round/>
+                      <a:headEnd type="none" w="med" len="med"/>
+                      <a:tailEnd type="none" w="med" len="med"/>
+                    </a:lnT>
+                    <a:lnB w="12700" cap="flat" cmpd="sng" algn="ctr">
+                      <a:solidFill>
+                        <a:schemeClr val="tx1"/>
+                      </a:solidFill>
+                      <a:prstDash val="solid"/>
+                      <a:round/>
+                      <a:headEnd type="none" w="med" len="med"/>
+                      <a:tailEnd type="none" w="med" len="med"/>
+                    </a:lnB>
+                    <a:noFill/>
+                  </a:tcPr>
+                </a:tc>
+                <a:tc hMerge="1">
+                  <a:txBody>
+                    <a:bodyPr/>
+                    <a:lstStyle/>
+                    <a:p>
+                      <a:endParaRPr lang="de-DE"/>
+                    </a:p>
+                  </a:txBody>
+                  <a:tcPr/>
+                </a:tc>
+                <a:tc hMerge="1">
+                  <a:txBody>
+                    <a:bodyPr/>
+                    <a:lstStyle/>
+                    <a:p>
+                      <a:endParaRPr lang="de-DE"/>
+                    </a:p>
+                  </a:txBody>
+                  <a:tcPr/>
+                </a:tc>
+                <a:tc hMerge="1">
+                  <a:txBody>
+                    <a:bodyPr/>
+                    <a:lstStyle/>
+                    <a:p>
+                      <a:endParaRPr lang="de-DE"/>
+                    </a:p>
+                  </a:txBody>
+                  <a:tcPr/>
+                </a:tc>
+                <a:tc hMerge="1">
+                  <a:txBody>
+                    <a:bodyPr/>
+                    <a:lstStyle/>
+                    <a:p>
+                      <a:endParaRPr lang="de-DE"/>
+                    </a:p>
+                  </a:txBody>
+                  <a:tcPr/>
+                </a:tc>
+                <a:extLst>
+                  <a:ext uri="{0D108BD9-81ED-4DB2-BD59-A6C34878D82A}">
+                    <a16:rowId xmlns:a16="http://schemas.microsoft.com/office/drawing/2014/main" val="3312119621"/>
+                  </a:ext>
+                </a:extLst>
+              </a:tr>
+              <a:tr h="932060">
+                <a:tc>
+                  <a:txBody>
+                    <a:bodyPr/>
+                    <a:lstStyle/>
+                    <a:p>
+                      <a:r>
+                        <a:rPr lang="de-DE" dirty="0">
+                          <a:solidFill>
+                            <a:sysClr val="windowText" lastClr="000000"/>
+                          </a:solidFill>
+                        </a:rPr>
+                        <a:t>Response:</a:t>
+                      </a:r>
+                    </a:p>
+                  </a:txBody>
+                  <a:tcPr anchor="ctr">
+                    <a:lnL w="12700" cap="flat" cmpd="sng" algn="ctr">
+                      <a:solidFill>
+                        <a:schemeClr val="tx1"/>
+                      </a:solidFill>
+                      <a:prstDash val="solid"/>
+                      <a:round/>
+                      <a:headEnd type="none" w="med" len="med"/>
+                      <a:tailEnd type="none" w="med" len="med"/>
+                    </a:lnL>
+                    <a:lnR w="12700" cap="flat" cmpd="sng" algn="ctr">
+                      <a:solidFill>
+                        <a:schemeClr val="tx1"/>
+                      </a:solidFill>
+                      <a:prstDash val="solid"/>
+                      <a:round/>
+                      <a:headEnd type="none" w="med" len="med"/>
+                      <a:tailEnd type="none" w="med" len="med"/>
+                    </a:lnR>
+                    <a:lnT w="12700" cap="flat" cmpd="sng" algn="ctr">
+                      <a:solidFill>
+                        <a:schemeClr val="tx1"/>
+                      </a:solidFill>
+                      <a:prstDash val="solid"/>
+                      <a:round/>
+                      <a:headEnd type="none" w="med" len="med"/>
+                      <a:tailEnd type="none" w="med" len="med"/>
+                    </a:lnT>
+                    <a:lnB w="12700" cap="flat" cmpd="sng" algn="ctr">
+                      <a:solidFill>
+                        <a:schemeClr val="tx1"/>
+                      </a:solidFill>
+                      <a:prstDash val="solid"/>
+                      <a:round/>
+                      <a:headEnd type="none" w="med" len="med"/>
+                      <a:tailEnd type="none" w="med" len="med"/>
+                    </a:lnB>
+                    <a:noFill/>
+                  </a:tcPr>
+                </a:tc>
+                <a:tc>
+                  <a:txBody>
+                    <a:bodyPr/>
+                    <a:lstStyle/>
+                    <a:p>
+                      <a:r>
+                        <a:rPr lang="de-DE" dirty="0"/>
+                        <a:t>200</a:t>
+                      </a:r>
+                    </a:p>
+                  </a:txBody>
+                  <a:tcPr anchor="ctr">
+                    <a:lnL w="12700" cap="flat" cmpd="sng" algn="ctr">
+                      <a:solidFill>
+                        <a:schemeClr val="tx1"/>
+                      </a:solidFill>
+                      <a:prstDash val="solid"/>
+                      <a:round/>
+                      <a:headEnd type="none" w="med" len="med"/>
+                      <a:tailEnd type="none" w="med" len="med"/>
+                    </a:lnL>
+                    <a:lnR w="12700" cap="flat" cmpd="sng" algn="ctr">
+                      <a:solidFill>
+                        <a:schemeClr val="tx1"/>
+                      </a:solidFill>
+                      <a:prstDash val="solid"/>
+                      <a:round/>
+                      <a:headEnd type="none" w="med" len="med"/>
+                      <a:tailEnd type="none" w="med" len="med"/>
+                    </a:lnR>
+                    <a:lnT w="12700" cap="flat" cmpd="sng" algn="ctr">
+                      <a:solidFill>
+                        <a:schemeClr val="tx1"/>
+                      </a:solidFill>
+                      <a:prstDash val="solid"/>
+                      <a:round/>
+                      <a:headEnd type="none" w="med" len="med"/>
+                      <a:tailEnd type="none" w="med" len="med"/>
+                    </a:lnT>
+                    <a:lnB w="12700" cap="flat" cmpd="sng" algn="ctr">
+                      <a:solidFill>
+                        <a:schemeClr val="tx1"/>
+                      </a:solidFill>
+                      <a:prstDash val="solid"/>
+                      <a:round/>
+                      <a:headEnd type="none" w="med" len="med"/>
+                      <a:tailEnd type="none" w="med" len="med"/>
+                    </a:lnB>
+                    <a:noFill/>
+                  </a:tcPr>
+                </a:tc>
+                <a:tc gridSpan="4">
+                  <a:txBody>
+                    <a:bodyPr/>
+                    <a:lstStyle/>
+                    <a:p>
+                      <a:r>
+                        <a:rPr lang="en-US" sz="1800" b="0" i="0" kern="1200" dirty="0">
+                          <a:solidFill>
+                            <a:schemeClr val="dk1"/>
+                          </a:solidFill>
+                          <a:effectLst/>
+                          <a:latin typeface="+mn-lt"/>
+                          <a:ea typeface="+mn-ea"/>
+                          <a:cs typeface="+mn-cs"/>
+                        </a:rPr>
+                        <a:t>[</a:t>
+                      </a:r>
+                    </a:p>
+                    <a:p>
+                      <a:r>
+                        <a:rPr lang="en-US" sz="1800" b="0" i="0" kern="1200" dirty="0">
+                          <a:solidFill>
+                            <a:schemeClr val="dk1"/>
+                          </a:solidFill>
+                          <a:effectLst/>
+                          <a:latin typeface="+mn-lt"/>
+                          <a:ea typeface="+mn-ea"/>
+                          <a:cs typeface="+mn-cs"/>
+                        </a:rPr>
+                        <a:t>	{</a:t>
+                      </a:r>
+                    </a:p>
+                    <a:p>
+                      <a:r>
+                        <a:rPr lang="en-US" sz="1800" b="0" i="0" kern="1200" dirty="0">
+                          <a:solidFill>
+                            <a:schemeClr val="dk1"/>
+                          </a:solidFill>
+                          <a:effectLst/>
+                          <a:latin typeface="+mn-lt"/>
+                          <a:ea typeface="+mn-ea"/>
+                          <a:cs typeface="+mn-cs"/>
+                        </a:rPr>
+                        <a:t>		id: </a:t>
+                      </a:r>
+                      <a:r>
+                        <a:rPr lang="en-US" sz="1800" kern="1200" dirty="0">
+                          <a:solidFill>
+                            <a:schemeClr val="accent1">
+                              <a:lumMod val="75000"/>
+                            </a:schemeClr>
+                          </a:solidFill>
+                          <a:latin typeface="+mn-lt"/>
+                          <a:ea typeface="+mn-ea"/>
+                          <a:cs typeface="+mn-cs"/>
+                        </a:rPr>
+                        <a:t>String</a:t>
+                      </a:r>
+                      <a:r>
+                        <a:rPr lang="en-US" sz="1800" b="0" i="0" kern="1200" dirty="0">
+                          <a:solidFill>
+                            <a:schemeClr val="dk1"/>
+                          </a:solidFill>
+                          <a:effectLst/>
+                          <a:latin typeface="+mn-lt"/>
+                          <a:ea typeface="+mn-ea"/>
+                          <a:cs typeface="+mn-cs"/>
+                        </a:rPr>
+                        <a:t>,</a:t>
+                      </a:r>
+                    </a:p>
+                    <a:p>
+                      <a:r>
+                        <a:rPr lang="en-US" sz="1800" b="0" i="0" kern="1200" dirty="0">
+                          <a:solidFill>
+                            <a:schemeClr val="dk1"/>
+                          </a:solidFill>
+                          <a:effectLst/>
+                          <a:latin typeface="+mn-lt"/>
+                          <a:ea typeface="+mn-ea"/>
+                          <a:cs typeface="+mn-cs"/>
+                        </a:rPr>
+                        <a:t>		title: </a:t>
+                      </a:r>
+                      <a:r>
+                        <a:rPr lang="en-US" sz="1800" kern="1200" dirty="0">
+                          <a:solidFill>
+                            <a:schemeClr val="accent1">
+                              <a:lumMod val="75000"/>
+                            </a:schemeClr>
+                          </a:solidFill>
+                          <a:latin typeface="+mn-lt"/>
+                          <a:ea typeface="+mn-ea"/>
+                          <a:cs typeface="+mn-cs"/>
+                        </a:rPr>
+                        <a:t>String</a:t>
+                      </a:r>
+                      <a:r>
+                        <a:rPr lang="en-US" sz="1800" b="0" i="0" kern="1200" dirty="0">
+                          <a:solidFill>
+                            <a:schemeClr val="dk1"/>
+                          </a:solidFill>
+                          <a:effectLst/>
+                          <a:latin typeface="+mn-lt"/>
+                          <a:ea typeface="+mn-ea"/>
+                          <a:cs typeface="+mn-cs"/>
+                        </a:rPr>
+                        <a:t>,</a:t>
+                      </a:r>
+                    </a:p>
+                    <a:p>
+                      <a:r>
+                        <a:rPr lang="en-US" sz="1800" b="0" i="0" kern="1200" dirty="0">
+                          <a:solidFill>
+                            <a:schemeClr val="dk1"/>
+                          </a:solidFill>
+                          <a:effectLst/>
+                          <a:latin typeface="+mn-lt"/>
+                          <a:ea typeface="+mn-ea"/>
+                          <a:cs typeface="+mn-cs"/>
+                        </a:rPr>
+                        <a:t> 		latitude: </a:t>
+                      </a:r>
+                      <a:r>
+                        <a:rPr lang="en-US" sz="1800" kern="1200" dirty="0">
+                          <a:solidFill>
+                            <a:schemeClr val="accent1">
+                              <a:lumMod val="75000"/>
+                            </a:schemeClr>
+                          </a:solidFill>
+                          <a:latin typeface="+mn-lt"/>
+                          <a:ea typeface="+mn-ea"/>
+                          <a:cs typeface="+mn-cs"/>
+                        </a:rPr>
+                        <a:t>Number</a:t>
+                      </a:r>
+                      <a:r>
+                        <a:rPr lang="en-US" sz="1800" b="0" i="0" kern="1200" dirty="0">
+                          <a:solidFill>
+                            <a:schemeClr val="dk1"/>
+                          </a:solidFill>
+                          <a:effectLst/>
+                          <a:latin typeface="+mn-lt"/>
+                          <a:ea typeface="+mn-ea"/>
+                          <a:cs typeface="+mn-cs"/>
+                        </a:rPr>
+                        <a:t>,</a:t>
+                      </a:r>
+                    </a:p>
+                    <a:p>
+                      <a:r>
+                        <a:rPr lang="en-US" sz="1800" b="0" i="0" kern="1200" dirty="0">
+                          <a:solidFill>
+                            <a:schemeClr val="dk1"/>
+                          </a:solidFill>
+                          <a:effectLst/>
+                          <a:latin typeface="+mn-lt"/>
+                          <a:ea typeface="+mn-ea"/>
+                          <a:cs typeface="+mn-cs"/>
+                        </a:rPr>
+                        <a:t>		longitude: </a:t>
+                      </a:r>
+                      <a:r>
+                        <a:rPr lang="en-US" sz="1800" kern="1200" dirty="0">
+                          <a:solidFill>
+                            <a:schemeClr val="accent1">
+                              <a:lumMod val="75000"/>
+                            </a:schemeClr>
+                          </a:solidFill>
+                          <a:latin typeface="+mn-lt"/>
+                          <a:ea typeface="+mn-ea"/>
+                          <a:cs typeface="+mn-cs"/>
+                        </a:rPr>
+                        <a:t>Number</a:t>
+                      </a:r>
+                      <a:r>
+                        <a:rPr lang="en-US" sz="1800" b="0" i="0" kern="1200" dirty="0">
+                          <a:solidFill>
+                            <a:schemeClr val="dk1"/>
+                          </a:solidFill>
+                          <a:effectLst/>
+                          <a:latin typeface="+mn-lt"/>
+                          <a:ea typeface="+mn-ea"/>
+                          <a:cs typeface="+mn-cs"/>
+                        </a:rPr>
+                        <a:t>,</a:t>
+                      </a:r>
+                    </a:p>
+                    <a:p>
+                      <a:r>
+                        <a:rPr lang="en-US" sz="1800" b="0" i="0" kern="1200" dirty="0">
+                          <a:solidFill>
+                            <a:schemeClr val="dk1"/>
+                          </a:solidFill>
+                          <a:effectLst/>
+                          <a:latin typeface="+mn-lt"/>
+                          <a:ea typeface="+mn-ea"/>
+                          <a:cs typeface="+mn-cs"/>
+                        </a:rPr>
+                        <a:t>		</a:t>
+                      </a:r>
+                      <a:r>
+                        <a:rPr lang="en-US" sz="1800" b="0" i="0" kern="1200" dirty="0" err="1">
+                          <a:solidFill>
+                            <a:schemeClr val="dk1"/>
+                          </a:solidFill>
+                          <a:effectLst/>
+                          <a:latin typeface="+mn-lt"/>
+                          <a:ea typeface="+mn-ea"/>
+                          <a:cs typeface="+mn-cs"/>
+                        </a:rPr>
+                        <a:t>publicEvent</a:t>
+                      </a:r>
+                      <a:r>
+                        <a:rPr lang="en-US" sz="1800" b="0" i="0" kern="1200" dirty="0">
+                          <a:solidFill>
+                            <a:schemeClr val="dk1"/>
+                          </a:solidFill>
+                          <a:effectLst/>
+                          <a:latin typeface="+mn-lt"/>
+                          <a:ea typeface="+mn-ea"/>
+                          <a:cs typeface="+mn-cs"/>
+                        </a:rPr>
+                        <a:t>: </a:t>
+                      </a:r>
+                      <a:r>
+                        <a:rPr lang="en-US" sz="1800" kern="1200" dirty="0">
+                          <a:solidFill>
+                            <a:schemeClr val="accent1">
+                              <a:lumMod val="75000"/>
+                            </a:schemeClr>
+                          </a:solidFill>
+                          <a:latin typeface="+mn-lt"/>
+                          <a:ea typeface="+mn-ea"/>
+                          <a:cs typeface="+mn-cs"/>
+                        </a:rPr>
+                        <a:t>Boolean</a:t>
+                      </a:r>
+                      <a:r>
+                        <a:rPr lang="en-US" sz="1800" b="0" i="0" kern="1200" dirty="0">
+                          <a:solidFill>
+                            <a:schemeClr val="dk1"/>
+                          </a:solidFill>
+                          <a:effectLst/>
+                          <a:latin typeface="+mn-lt"/>
+                          <a:ea typeface="+mn-ea"/>
+                          <a:cs typeface="+mn-cs"/>
+                        </a:rPr>
+                        <a:t>,</a:t>
+                      </a:r>
+                    </a:p>
+                    <a:p>
+                      <a:r>
+                        <a:rPr lang="en-US" sz="1800" b="0" i="0" kern="1200" dirty="0">
+                          <a:solidFill>
+                            <a:schemeClr val="dk1"/>
+                          </a:solidFill>
+                          <a:effectLst/>
+                          <a:latin typeface="+mn-lt"/>
+                          <a:ea typeface="+mn-ea"/>
+                          <a:cs typeface="+mn-cs"/>
+                        </a:rPr>
+                        <a:t>		</a:t>
+                      </a:r>
+                      <a:r>
+                        <a:rPr lang="en-US" sz="1800" b="0" i="0" kern="1200" dirty="0" err="1">
+                          <a:solidFill>
+                            <a:schemeClr val="dk1"/>
+                          </a:solidFill>
+                          <a:effectLst/>
+                          <a:latin typeface="+mn-lt"/>
+                          <a:ea typeface="+mn-ea"/>
+                          <a:cs typeface="+mn-cs"/>
+                        </a:rPr>
+                        <a:t>img</a:t>
+                      </a:r>
+                      <a:r>
+                        <a:rPr lang="en-US" sz="1800" b="0" i="0" kern="1200" dirty="0">
+                          <a:solidFill>
+                            <a:schemeClr val="dk1"/>
+                          </a:solidFill>
+                          <a:effectLst/>
+                          <a:latin typeface="+mn-lt"/>
+                          <a:ea typeface="+mn-ea"/>
+                          <a:cs typeface="+mn-cs"/>
+                        </a:rPr>
+                        <a:t>: </a:t>
+                      </a:r>
+                      <a:r>
+                        <a:rPr lang="en-US" sz="1800" kern="1200" dirty="0">
+                          <a:solidFill>
+                            <a:schemeClr val="accent1">
+                              <a:lumMod val="75000"/>
+                            </a:schemeClr>
+                          </a:solidFill>
+                          <a:latin typeface="+mn-lt"/>
+                          <a:ea typeface="+mn-ea"/>
+                          <a:cs typeface="+mn-cs"/>
+                        </a:rPr>
+                        <a:t>String</a:t>
+                      </a:r>
+                      <a:r>
+                        <a:rPr lang="en-US" sz="1800" b="0" i="0" kern="1200" dirty="0">
+                          <a:solidFill>
+                            <a:schemeClr val="dk1"/>
+                          </a:solidFill>
+                          <a:effectLst/>
+                          <a:latin typeface="+mn-lt"/>
+                          <a:ea typeface="+mn-ea"/>
+                          <a:cs typeface="+mn-cs"/>
+                        </a:rPr>
+                        <a:t>,</a:t>
+                      </a:r>
+                    </a:p>
+                    <a:p>
+                      <a:r>
+                        <a:rPr lang="en-US" sz="1800" b="0" i="0" kern="1200" dirty="0">
+                          <a:solidFill>
+                            <a:schemeClr val="dk1"/>
+                          </a:solidFill>
+                          <a:effectLst/>
+                          <a:latin typeface="+mn-lt"/>
+                          <a:ea typeface="+mn-ea"/>
+                          <a:cs typeface="+mn-cs"/>
+                        </a:rPr>
+                        <a:t>		organizer: {id: </a:t>
+                      </a:r>
+                      <a:r>
+                        <a:rPr lang="en-US" sz="1800" kern="1200" dirty="0">
+                          <a:solidFill>
+                            <a:schemeClr val="accent1">
+                              <a:lumMod val="75000"/>
+                            </a:schemeClr>
+                          </a:solidFill>
+                          <a:latin typeface="+mn-lt"/>
+                          <a:ea typeface="+mn-ea"/>
+                          <a:cs typeface="+mn-cs"/>
+                        </a:rPr>
+                        <a:t>String</a:t>
+                      </a:r>
+                      <a:r>
+                        <a:rPr lang="en-US" sz="1800" b="0" i="0" kern="1200" dirty="0">
+                          <a:solidFill>
+                            <a:schemeClr val="dk1"/>
+                          </a:solidFill>
+                          <a:effectLst/>
+                          <a:latin typeface="+mn-lt"/>
+                          <a:ea typeface="+mn-ea"/>
+                          <a:cs typeface="+mn-cs"/>
+                        </a:rPr>
+                        <a:t>,</a:t>
+                      </a:r>
+                      <a:r>
+                        <a:rPr lang="en-US" sz="1800" b="0" i="0" kern="1200" baseline="0" dirty="0">
+                          <a:solidFill>
+                            <a:schemeClr val="dk1"/>
+                          </a:solidFill>
+                          <a:effectLst/>
+                          <a:latin typeface="+mn-lt"/>
+                          <a:ea typeface="+mn-ea"/>
+                          <a:cs typeface="+mn-cs"/>
+                        </a:rPr>
+                        <a:t> </a:t>
+                      </a:r>
+                    </a:p>
+                    <a:p>
+                      <a:r>
+                        <a:rPr lang="en-US" sz="1800" b="0" i="0" kern="1200" dirty="0">
+                          <a:solidFill>
+                            <a:schemeClr val="dk1"/>
+                          </a:solidFill>
+                          <a:effectLst/>
+                          <a:latin typeface="+mn-lt"/>
+                          <a:ea typeface="+mn-ea"/>
+                          <a:cs typeface="+mn-cs"/>
+                        </a:rPr>
+                        <a:t>                                   </a:t>
+                      </a:r>
+                      <a:r>
+                        <a:rPr lang="en-US" sz="1800" b="0" i="0" kern="1200" baseline="0" dirty="0">
+                          <a:solidFill>
+                            <a:schemeClr val="dk1"/>
+                          </a:solidFill>
+                          <a:effectLst/>
+                          <a:latin typeface="+mn-lt"/>
+                          <a:ea typeface="+mn-ea"/>
+                          <a:cs typeface="+mn-cs"/>
+                        </a:rPr>
+                        <a:t>                        </a:t>
+                      </a:r>
+                      <a:r>
+                        <a:rPr lang="en-US" sz="1800" b="0" i="0" kern="1200" dirty="0">
+                          <a:solidFill>
+                            <a:schemeClr val="dk1"/>
+                          </a:solidFill>
+                          <a:effectLst/>
+                          <a:latin typeface="+mn-lt"/>
+                          <a:ea typeface="+mn-ea"/>
+                          <a:cs typeface="+mn-cs"/>
+                        </a:rPr>
+                        <a:t>name: </a:t>
+                      </a:r>
+                      <a:r>
+                        <a:rPr lang="en-US" sz="1800" kern="1200" dirty="0">
+                          <a:solidFill>
+                            <a:schemeClr val="accent1">
+                              <a:lumMod val="75000"/>
+                            </a:schemeClr>
+                          </a:solidFill>
+                          <a:latin typeface="+mn-lt"/>
+                          <a:ea typeface="+mn-ea"/>
+                          <a:cs typeface="+mn-cs"/>
+                        </a:rPr>
+                        <a:t>String</a:t>
+                      </a:r>
+                      <a:r>
+                        <a:rPr lang="en-US" sz="1800" b="0" i="0" kern="1200" dirty="0">
+                          <a:solidFill>
+                            <a:schemeClr val="dk1"/>
+                          </a:solidFill>
+                          <a:effectLst/>
+                          <a:latin typeface="+mn-lt"/>
+                          <a:ea typeface="+mn-ea"/>
+                          <a:cs typeface="+mn-cs"/>
+                        </a:rPr>
+                        <a:t>,</a:t>
+                      </a:r>
+                      <a:r>
+                        <a:rPr lang="en-US" sz="1800" b="0" i="0" kern="1200" baseline="0" dirty="0">
+                          <a:solidFill>
+                            <a:schemeClr val="dk1"/>
+                          </a:solidFill>
+                          <a:effectLst/>
+                          <a:latin typeface="+mn-lt"/>
+                          <a:ea typeface="+mn-ea"/>
+                          <a:cs typeface="+mn-cs"/>
+                        </a:rPr>
+                        <a:t> </a:t>
+                      </a:r>
+                      <a:r>
+                        <a:rPr lang="en-US" sz="1800" b="0" i="0" kern="1200" baseline="0" dirty="0" err="1">
+                          <a:solidFill>
+                            <a:schemeClr val="dk1"/>
+                          </a:solidFill>
+                          <a:effectLst/>
+                          <a:latin typeface="+mn-lt"/>
+                          <a:ea typeface="+mn-ea"/>
+                          <a:cs typeface="+mn-cs"/>
+                        </a:rPr>
+                        <a:t>img</a:t>
+                      </a:r>
+                      <a:r>
+                        <a:rPr lang="en-US" sz="1800" b="0" i="0" kern="1200" baseline="0" dirty="0">
+                          <a:solidFill>
+                            <a:schemeClr val="dk1"/>
+                          </a:solidFill>
+                          <a:effectLst/>
+                          <a:latin typeface="+mn-lt"/>
+                          <a:ea typeface="+mn-ea"/>
+                          <a:cs typeface="+mn-cs"/>
+                        </a:rPr>
+                        <a:t>: </a:t>
+                      </a:r>
+                      <a:r>
+                        <a:rPr lang="en-US" sz="1800" kern="1200" dirty="0">
+                          <a:solidFill>
+                            <a:schemeClr val="accent1">
+                              <a:lumMod val="75000"/>
+                            </a:schemeClr>
+                          </a:solidFill>
+                          <a:latin typeface="+mn-lt"/>
+                          <a:ea typeface="+mn-ea"/>
+                          <a:cs typeface="+mn-cs"/>
+                        </a:rPr>
+                        <a:t>String</a:t>
+                      </a:r>
+                      <a:r>
+                        <a:rPr lang="en-US" sz="1800" kern="1200" dirty="0">
+                          <a:solidFill>
+                            <a:schemeClr val="tx1"/>
+                          </a:solidFill>
+                          <a:latin typeface="+mn-lt"/>
+                          <a:ea typeface="+mn-ea"/>
+                          <a:cs typeface="+mn-cs"/>
+                        </a:rPr>
+                        <a:t>},</a:t>
+                      </a:r>
+                      <a:endParaRPr lang="en-US" sz="1800" b="0" i="0" kern="1200" dirty="0">
+                        <a:solidFill>
+                          <a:schemeClr val="tx1"/>
+                        </a:solidFill>
+                        <a:effectLst/>
+                        <a:latin typeface="+mn-lt"/>
+                        <a:ea typeface="+mn-ea"/>
+                        <a:cs typeface="+mn-cs"/>
+                      </a:endParaRPr>
+                    </a:p>
+                    <a:p>
+                      <a:r>
+                        <a:rPr lang="en-US" sz="1800" b="0" i="0" kern="1200" dirty="0">
+                          <a:solidFill>
+                            <a:schemeClr val="dk1"/>
+                          </a:solidFill>
+                          <a:effectLst/>
+                          <a:latin typeface="+mn-lt"/>
+                          <a:ea typeface="+mn-ea"/>
+                          <a:cs typeface="+mn-cs"/>
+                        </a:rPr>
+                        <a:t>		participants: [ {id: </a:t>
+                      </a:r>
+                      <a:r>
+                        <a:rPr lang="en-US" sz="1800" kern="1200" dirty="0">
+                          <a:solidFill>
+                            <a:schemeClr val="accent1">
+                              <a:lumMod val="75000"/>
+                            </a:schemeClr>
+                          </a:solidFill>
+                          <a:latin typeface="+mn-lt"/>
+                          <a:ea typeface="+mn-ea"/>
+                          <a:cs typeface="+mn-cs"/>
+                        </a:rPr>
+                        <a:t>String</a:t>
+                      </a:r>
+                      <a:r>
+                        <a:rPr lang="en-US" sz="1800" b="0" i="0" kern="1200" dirty="0">
+                          <a:solidFill>
+                            <a:schemeClr val="dk1"/>
+                          </a:solidFill>
+                          <a:effectLst/>
+                          <a:latin typeface="+mn-lt"/>
+                          <a:ea typeface="+mn-ea"/>
+                          <a:cs typeface="+mn-cs"/>
+                        </a:rPr>
+                        <a:t>,</a:t>
+                      </a:r>
+                      <a:r>
+                        <a:rPr lang="en-US" sz="1800" b="0" i="0" kern="1200" baseline="0" dirty="0">
+                          <a:solidFill>
+                            <a:schemeClr val="dk1"/>
+                          </a:solidFill>
+                          <a:effectLst/>
+                          <a:latin typeface="+mn-lt"/>
+                          <a:ea typeface="+mn-ea"/>
+                          <a:cs typeface="+mn-cs"/>
+                        </a:rPr>
+                        <a:t> </a:t>
+                      </a:r>
+                      <a:r>
+                        <a:rPr lang="en-US" sz="1800" b="0" i="0" kern="1200" dirty="0">
+                          <a:solidFill>
+                            <a:schemeClr val="dk1"/>
+                          </a:solidFill>
+                          <a:effectLst/>
+                          <a:latin typeface="+mn-lt"/>
+                          <a:ea typeface="+mn-ea"/>
+                          <a:cs typeface="+mn-cs"/>
+                        </a:rPr>
+                        <a:t>name: </a:t>
+                      </a:r>
+                      <a:r>
+                        <a:rPr lang="en-US" sz="1800" kern="1200" dirty="0">
+                          <a:solidFill>
+                            <a:schemeClr val="accent1">
+                              <a:lumMod val="75000"/>
+                            </a:schemeClr>
+                          </a:solidFill>
+                          <a:latin typeface="+mn-lt"/>
+                          <a:ea typeface="+mn-ea"/>
+                          <a:cs typeface="+mn-cs"/>
+                        </a:rPr>
+                        <a:t>String</a:t>
+                      </a:r>
+                      <a:r>
+                        <a:rPr lang="en-US" sz="1800" b="0" i="0" kern="1200" dirty="0">
+                          <a:solidFill>
+                            <a:schemeClr val="dk1"/>
+                          </a:solidFill>
+                          <a:effectLst/>
+                          <a:latin typeface="+mn-lt"/>
+                          <a:ea typeface="+mn-ea"/>
+                          <a:cs typeface="+mn-cs"/>
+                        </a:rPr>
+                        <a:t>,</a:t>
+                      </a:r>
+                    </a:p>
+                    <a:p>
+                      <a:r>
+                        <a:rPr lang="en-US" sz="1800" b="0" i="0" kern="1200" baseline="0" dirty="0">
+                          <a:solidFill>
+                            <a:schemeClr val="dk1"/>
+                          </a:solidFill>
+                          <a:effectLst/>
+                          <a:latin typeface="+mn-lt"/>
+                          <a:ea typeface="+mn-ea"/>
+                          <a:cs typeface="+mn-cs"/>
+                        </a:rPr>
+                        <a:t>                                                                  </a:t>
+                      </a:r>
+                      <a:r>
+                        <a:rPr lang="en-US" sz="1800" b="0" i="0" kern="1200" baseline="0" dirty="0" err="1">
+                          <a:solidFill>
+                            <a:schemeClr val="dk1"/>
+                          </a:solidFill>
+                          <a:effectLst/>
+                          <a:latin typeface="+mn-lt"/>
+                          <a:ea typeface="+mn-ea"/>
+                          <a:cs typeface="+mn-cs"/>
+                        </a:rPr>
+                        <a:t>img</a:t>
+                      </a:r>
+                      <a:r>
+                        <a:rPr lang="en-US" sz="1800" b="0" i="0" kern="1200" baseline="0" dirty="0">
+                          <a:solidFill>
+                            <a:schemeClr val="dk1"/>
+                          </a:solidFill>
+                          <a:effectLst/>
+                          <a:latin typeface="+mn-lt"/>
+                          <a:ea typeface="+mn-ea"/>
+                          <a:cs typeface="+mn-cs"/>
+                        </a:rPr>
+                        <a:t>: </a:t>
+                      </a:r>
+                      <a:r>
+                        <a:rPr lang="en-US" sz="1800" kern="1200" dirty="0">
+                          <a:solidFill>
+                            <a:schemeClr val="accent1">
+                              <a:lumMod val="75000"/>
+                            </a:schemeClr>
+                          </a:solidFill>
+                          <a:latin typeface="+mn-lt"/>
+                          <a:ea typeface="+mn-ea"/>
+                          <a:cs typeface="+mn-cs"/>
+                        </a:rPr>
+                        <a:t>String</a:t>
+                      </a:r>
+                      <a:r>
+                        <a:rPr lang="en-US" sz="1800" kern="1200" dirty="0">
+                          <a:solidFill>
+                            <a:schemeClr val="tx1"/>
+                          </a:solidFill>
+                          <a:latin typeface="+mn-lt"/>
+                          <a:ea typeface="+mn-ea"/>
+                          <a:cs typeface="+mn-cs"/>
+                        </a:rPr>
+                        <a:t>} ],</a:t>
+                      </a:r>
+                      <a:endParaRPr lang="en-US" sz="1800" b="0" i="0" kern="1200" dirty="0">
+                        <a:solidFill>
+                          <a:schemeClr val="dk1"/>
+                        </a:solidFill>
+                        <a:effectLst/>
+                        <a:latin typeface="+mn-lt"/>
+                        <a:ea typeface="+mn-ea"/>
+                        <a:cs typeface="+mn-cs"/>
+                      </a:endParaRPr>
+                    </a:p>
+                    <a:p>
+                      <a:r>
+                        <a:rPr lang="en-US" sz="1800" b="0" i="0" kern="1200" dirty="0">
+                          <a:solidFill>
+                            <a:schemeClr val="dk1"/>
+                          </a:solidFill>
+                          <a:effectLst/>
+                          <a:latin typeface="+mn-lt"/>
+                          <a:ea typeface="+mn-ea"/>
+                          <a:cs typeface="+mn-cs"/>
+                        </a:rPr>
+                        <a:t>		</a:t>
+                      </a:r>
+                      <a:r>
+                        <a:rPr lang="en-US" sz="1800" b="0" i="0" kern="1200" dirty="0" err="1">
+                          <a:solidFill>
+                            <a:schemeClr val="dk1"/>
+                          </a:solidFill>
+                          <a:effectLst/>
+                          <a:latin typeface="+mn-lt"/>
+                          <a:ea typeface="+mn-ea"/>
+                          <a:cs typeface="+mn-cs"/>
+                        </a:rPr>
+                        <a:t>participantCount</a:t>
+                      </a:r>
+                      <a:r>
+                        <a:rPr lang="en-US" sz="1800" b="0" i="0" kern="1200" dirty="0">
+                          <a:solidFill>
+                            <a:schemeClr val="dk1"/>
+                          </a:solidFill>
+                          <a:effectLst/>
+                          <a:latin typeface="+mn-lt"/>
+                          <a:ea typeface="+mn-ea"/>
+                          <a:cs typeface="+mn-cs"/>
+                        </a:rPr>
+                        <a:t>: </a:t>
+                      </a:r>
+                      <a:r>
+                        <a:rPr lang="en-US" sz="1800" kern="1200" dirty="0">
+                          <a:solidFill>
+                            <a:schemeClr val="accent1">
+                              <a:lumMod val="75000"/>
+                            </a:schemeClr>
+                          </a:solidFill>
+                          <a:latin typeface="+mn-lt"/>
+                          <a:ea typeface="+mn-ea"/>
+                          <a:cs typeface="+mn-cs"/>
+                        </a:rPr>
+                        <a:t>Number</a:t>
+                      </a:r>
+                      <a:endParaRPr lang="en-US" sz="1800" b="0" i="0" kern="1200" dirty="0">
+                        <a:solidFill>
+                          <a:schemeClr val="dk1"/>
+                        </a:solidFill>
+                        <a:effectLst/>
+                        <a:latin typeface="+mn-lt"/>
+                        <a:ea typeface="+mn-ea"/>
+                        <a:cs typeface="+mn-cs"/>
+                      </a:endParaRPr>
+                    </a:p>
+                    <a:p>
+                      <a:r>
+                        <a:rPr lang="en-US" sz="1800" b="0" i="0" kern="1200" dirty="0">
+                          <a:solidFill>
+                            <a:schemeClr val="dk1"/>
+                          </a:solidFill>
+                          <a:effectLst/>
+                          <a:latin typeface="+mn-lt"/>
+                          <a:ea typeface="+mn-ea"/>
+                          <a:cs typeface="+mn-cs"/>
+                        </a:rPr>
+                        <a:t>	}</a:t>
+                      </a:r>
+                    </a:p>
+                    <a:p>
+                      <a:r>
+                        <a:rPr lang="en-US" sz="1800" b="0" i="0" kern="1200" dirty="0">
+                          <a:solidFill>
+                            <a:schemeClr val="dk1"/>
+                          </a:solidFill>
+                          <a:effectLst/>
+                          <a:latin typeface="+mn-lt"/>
+                          <a:ea typeface="+mn-ea"/>
+                          <a:cs typeface="+mn-cs"/>
+                        </a:rPr>
+                        <a:t>]</a:t>
+                      </a:r>
+                    </a:p>
+                  </a:txBody>
+                  <a:tcPr anchor="ctr">
+                    <a:lnL w="12700" cap="flat" cmpd="sng" algn="ctr">
+                      <a:solidFill>
+                        <a:schemeClr val="tx1"/>
+                      </a:solidFill>
+                      <a:prstDash val="solid"/>
+                      <a:round/>
+                      <a:headEnd type="none" w="med" len="med"/>
+                      <a:tailEnd type="none" w="med" len="med"/>
+                    </a:lnL>
+                    <a:lnR w="12700" cap="flat" cmpd="sng" algn="ctr">
+                      <a:solidFill>
+                        <a:schemeClr val="tx1"/>
+                      </a:solidFill>
+                      <a:prstDash val="solid"/>
+                      <a:round/>
+                      <a:headEnd type="none" w="med" len="med"/>
+                      <a:tailEnd type="none" w="med" len="med"/>
+                    </a:lnR>
+                    <a:lnT w="12700" cap="flat" cmpd="sng" algn="ctr">
+                      <a:solidFill>
+                        <a:schemeClr val="tx1"/>
+                      </a:solidFill>
+                      <a:prstDash val="solid"/>
+                      <a:round/>
+                      <a:headEnd type="none" w="med" len="med"/>
+                      <a:tailEnd type="none" w="med" len="med"/>
+                    </a:lnT>
+                    <a:lnB w="12700" cap="flat" cmpd="sng" algn="ctr">
+                      <a:solidFill>
+                        <a:schemeClr val="tx1"/>
+                      </a:solidFill>
+                      <a:prstDash val="solid"/>
+                      <a:round/>
+                      <a:headEnd type="none" w="med" len="med"/>
+                      <a:tailEnd type="none" w="med" len="med"/>
+                    </a:lnB>
+                    <a:noFill/>
+                  </a:tcPr>
+                </a:tc>
+                <a:tc hMerge="1">
+                  <a:txBody>
+                    <a:bodyPr/>
+                    <a:lstStyle/>
+                    <a:p>
+                      <a:endParaRPr lang="de-DE"/>
+                    </a:p>
+                  </a:txBody>
+                  <a:tcPr/>
+                </a:tc>
+                <a:tc hMerge="1">
+                  <a:txBody>
+                    <a:bodyPr/>
+                    <a:lstStyle/>
+                    <a:p>
+                      <a:endParaRPr lang="de-DE"/>
+                    </a:p>
+                  </a:txBody>
+                  <a:tcPr/>
+                </a:tc>
+                <a:tc hMerge="1">
+                  <a:txBody>
+                    <a:bodyPr/>
+                    <a:lstStyle/>
+                    <a:p>
+                      <a:endParaRPr lang="de-DE"/>
+                    </a:p>
+                  </a:txBody>
+                  <a:tcPr/>
+                </a:tc>
+                <a:extLst>
+                  <a:ext uri="{0D108BD9-81ED-4DB2-BD59-A6C34878D82A}">
+                    <a16:rowId xmlns:a16="http://schemas.microsoft.com/office/drawing/2014/main" val="3078822959"/>
+                  </a:ext>
+                </a:extLst>
+              </a:tr>
+              <a:tr h="577936">
+                <a:tc>
+                  <a:txBody>
+                    <a:bodyPr/>
+                    <a:lstStyle/>
+                    <a:p>
+                      <a:endParaRPr lang="de-DE" dirty="0">
+                        <a:solidFill>
+                          <a:sysClr val="windowText" lastClr="000000"/>
+                        </a:solidFill>
+                      </a:endParaRPr>
+                    </a:p>
+                  </a:txBody>
+                  <a:tcPr anchor="ctr">
+                    <a:lnL w="12700" cap="flat" cmpd="sng" algn="ctr">
+                      <a:noFill/>
+                      <a:prstDash val="solid"/>
+                      <a:round/>
+                      <a:headEnd type="none" w="med" len="med"/>
+                      <a:tailEnd type="none" w="med" len="med"/>
+                    </a:lnL>
+                    <a:lnR w="12700" cap="flat" cmpd="sng" algn="ctr">
+                      <a:solidFill>
+                        <a:schemeClr val="tx1"/>
+                      </a:solidFill>
+                      <a:prstDash val="solid"/>
+                      <a:round/>
+                      <a:headEnd type="none" w="med" len="med"/>
+                      <a:tailEnd type="none" w="med" len="med"/>
+                    </a:lnR>
+                    <a:lnT w="12700" cap="flat" cmpd="sng" algn="ctr">
+                      <a:solidFill>
+                        <a:schemeClr val="tx1"/>
+                      </a:solidFill>
+                      <a:prstDash val="solid"/>
+                      <a:round/>
+                      <a:headEnd type="none" w="med" len="med"/>
+                      <a:tailEnd type="none" w="med" len="med"/>
+                    </a:lnT>
+                    <a:lnB w="12700" cap="flat" cmpd="sng" algn="ctr">
+                      <a:noFill/>
+                      <a:prstDash val="solid"/>
+                      <a:round/>
+                      <a:headEnd type="none" w="med" len="med"/>
+                      <a:tailEnd type="none" w="med" len="med"/>
+                    </a:lnB>
+                    <a:noFill/>
+                  </a:tcPr>
+                </a:tc>
+                <a:tc>
+                  <a:txBody>
+                    <a:bodyPr/>
+                    <a:lstStyle/>
+                    <a:p>
+                      <a:r>
+                        <a:rPr lang="de-DE" dirty="0"/>
+                        <a:t>401</a:t>
+                      </a:r>
+                    </a:p>
+                  </a:txBody>
+                  <a:tcPr anchor="ctr">
+                    <a:lnL w="12700" cap="flat" cmpd="sng" algn="ctr">
+                      <a:solidFill>
+                        <a:schemeClr val="tx1"/>
+                      </a:solidFill>
+                      <a:prstDash val="solid"/>
+                      <a:round/>
+                      <a:headEnd type="none" w="med" len="med"/>
+                      <a:tailEnd type="none" w="med" len="med"/>
+                    </a:lnL>
+                    <a:lnR w="12700" cap="flat" cmpd="sng" algn="ctr">
+                      <a:solidFill>
+                        <a:schemeClr val="tx1"/>
+                      </a:solidFill>
+                      <a:prstDash val="solid"/>
+                      <a:round/>
+                      <a:headEnd type="none" w="med" len="med"/>
+                      <a:tailEnd type="none" w="med" len="med"/>
+                    </a:lnR>
+                    <a:lnT w="12700" cap="flat" cmpd="sng" algn="ctr">
+                      <a:solidFill>
+                        <a:schemeClr val="tx1"/>
+                      </a:solidFill>
+                      <a:prstDash val="solid"/>
+                      <a:round/>
+                      <a:headEnd type="none" w="med" len="med"/>
+                      <a:tailEnd type="none" w="med" len="med"/>
+                    </a:lnT>
+                    <a:lnB w="12700" cap="flat" cmpd="sng" algn="ctr">
+                      <a:solidFill>
+                        <a:schemeClr val="tx1"/>
+                      </a:solidFill>
+                      <a:prstDash val="solid"/>
+                      <a:round/>
+                      <a:headEnd type="none" w="med" len="med"/>
+                      <a:tailEnd type="none" w="med" len="med"/>
+                    </a:lnB>
+                    <a:noFill/>
+                  </a:tcPr>
+                </a:tc>
+                <a:tc gridSpan="4">
+                  <a:txBody>
+                    <a:bodyPr/>
+                    <a:lstStyle/>
+                    <a:p>
+                      <a:r>
+                        <a:rPr lang="en-US" sz="1800" b="0" i="0" kern="1200" dirty="0">
+                          <a:solidFill>
+                            <a:schemeClr val="dk1"/>
+                          </a:solidFill>
+                          <a:effectLst/>
+                          <a:latin typeface="+mn-lt"/>
+                          <a:ea typeface="+mn-ea"/>
+                          <a:cs typeface="+mn-cs"/>
+                        </a:rPr>
+                        <a:t>{"</a:t>
+                      </a:r>
+                      <a:r>
+                        <a:rPr lang="en-US" sz="1800" b="0" i="0" kern="1200" dirty="0" err="1">
+                          <a:solidFill>
+                            <a:schemeClr val="dk1"/>
+                          </a:solidFill>
+                          <a:effectLst/>
+                          <a:latin typeface="+mn-lt"/>
+                          <a:ea typeface="+mn-ea"/>
+                          <a:cs typeface="+mn-cs"/>
+                        </a:rPr>
+                        <a:t>status":"No</a:t>
+                      </a:r>
+                      <a:r>
+                        <a:rPr lang="en-US" sz="1800" b="0" i="0" kern="1200" dirty="0">
+                          <a:solidFill>
+                            <a:schemeClr val="dk1"/>
+                          </a:solidFill>
+                          <a:effectLst/>
+                          <a:latin typeface="+mn-lt"/>
+                          <a:ea typeface="+mn-ea"/>
+                          <a:cs typeface="+mn-cs"/>
+                        </a:rPr>
+                        <a:t> user is logged in"}</a:t>
+                      </a:r>
+                      <a:endParaRPr lang="de-DE" dirty="0"/>
+                    </a:p>
+                  </a:txBody>
+                  <a:tcPr anchor="ctr">
+                    <a:lnL w="12700" cap="flat" cmpd="sng" algn="ctr">
+                      <a:solidFill>
+                        <a:schemeClr val="tx1"/>
+                      </a:solidFill>
+                      <a:prstDash val="solid"/>
+                      <a:round/>
+                      <a:headEnd type="none" w="med" len="med"/>
+                      <a:tailEnd type="none" w="med" len="med"/>
+                    </a:lnL>
+                    <a:lnR w="12700" cap="flat" cmpd="sng" algn="ctr">
+                      <a:solidFill>
+                        <a:schemeClr val="tx1"/>
+                      </a:solidFill>
+                      <a:prstDash val="solid"/>
+                      <a:round/>
+                      <a:headEnd type="none" w="med" len="med"/>
+                      <a:tailEnd type="none" w="med" len="med"/>
+                    </a:lnR>
+                    <a:lnT w="12700" cap="flat" cmpd="sng" algn="ctr">
+                      <a:solidFill>
+                        <a:schemeClr val="tx1"/>
+                      </a:solidFill>
+                      <a:prstDash val="solid"/>
+                      <a:round/>
+                      <a:headEnd type="none" w="med" len="med"/>
+                      <a:tailEnd type="none" w="med" len="med"/>
+                    </a:lnT>
+                    <a:lnB w="12700" cap="flat" cmpd="sng" algn="ctr">
+                      <a:solidFill>
+                        <a:schemeClr val="tx1"/>
+                      </a:solidFill>
+                      <a:prstDash val="solid"/>
+                      <a:round/>
+                      <a:headEnd type="none" w="med" len="med"/>
+                      <a:tailEnd type="none" w="med" len="med"/>
+                    </a:lnB>
+                    <a:noFill/>
+                  </a:tcPr>
+                </a:tc>
+                <a:tc hMerge="1">
+                  <a:txBody>
+                    <a:bodyPr/>
+                    <a:lstStyle/>
+                    <a:p>
+                      <a:endParaRPr lang="de-DE"/>
+                    </a:p>
+                  </a:txBody>
+                  <a:tcPr/>
+                </a:tc>
+                <a:tc hMerge="1">
+                  <a:txBody>
+                    <a:bodyPr/>
+                    <a:lstStyle/>
+                    <a:p>
+                      <a:endParaRPr lang="de-DE"/>
+                    </a:p>
+                  </a:txBody>
+                  <a:tcPr/>
+                </a:tc>
+                <a:tc hMerge="1">
+                  <a:txBody>
+                    <a:bodyPr/>
+                    <a:lstStyle/>
+                    <a:p>
+                      <a:endParaRPr lang="de-DE"/>
+                    </a:p>
+                  </a:txBody>
+                  <a:tcPr/>
+                </a:tc>
+                <a:extLst>
+                  <a:ext uri="{0D108BD9-81ED-4DB2-BD59-A6C34878D82A}">
+                    <a16:rowId xmlns:a16="http://schemas.microsoft.com/office/drawing/2014/main" val="247276148"/>
+                  </a:ext>
+                </a:extLst>
+              </a:tr>
+            </a:tbl>
+          </a:graphicData>
+        </a:graphic>
+      </p:graphicFrame>
+    </p:spTree>
+    <p:extLst>
+      <p:ext uri="{BB962C8B-B14F-4D97-AF65-F5344CB8AC3E}">
+        <p14:creationId xmlns:p14="http://schemas.microsoft.com/office/powerpoint/2010/main" val="3404848364"/>
+      </p:ext>
+    </p:extLst>
+  </p:cSld>
+  <p:clrMapOvr>
+    <a:masterClrMapping/>
+  </p:clrMapOvr>
+</p:sld>
+</file>
+
+<file path=ppt/slides/slide8.xml><?xml version="1.0" encoding="utf-8"?>
+<p:sld xmlns:a="http://schemas.openxmlformats.org/drawingml/2006/main" xmlns:r="http://schemas.openxmlformats.org/officeDocument/2006/relationships" xmlns:p="http://schemas.openxmlformats.org/presentationml/2006/main">
+  <p:cSld>
+    <p:spTree>
+      <p:nvGrpSpPr>
+        <p:cNvPr id="1" name=""/>
+        <p:cNvGrpSpPr/>
+        <p:nvPr/>
+      </p:nvGrpSpPr>
+      <p:grpSpPr>
+        <a:xfrm>
+          <a:off x="0" y="0"/>
+          <a:ext cx="0" cy="0"/>
+          <a:chOff x="0" y="0"/>
+          <a:chExt cx="0" cy="0"/>
+        </a:xfrm>
+      </p:grpSpPr>
+      <p:sp>
+        <p:nvSpPr>
+          <p:cNvPr id="4" name="Footer Placeholder 3"/>
+          <p:cNvSpPr>
+            <a:spLocks noGrp="1"/>
+          </p:cNvSpPr>
+          <p:nvPr>
+            <p:ph type="ftr" sz="quarter" idx="11"/>
+          </p:nvPr>
+        </p:nvSpPr>
+        <p:spPr/>
+        <p:txBody>
+          <a:bodyPr/>
+          <a:lstStyle/>
+          <a:p>
+            <a:r>
+              <a:rPr lang="de-DE"/>
+              <a:t>partylive Service Definition</a:t>
+            </a:r>
+          </a:p>
+        </p:txBody>
+      </p:sp>
+      <p:sp>
+        <p:nvSpPr>
+          <p:cNvPr id="5" name="Slide Number Placeholder 4"/>
+          <p:cNvSpPr>
+            <a:spLocks noGrp="1"/>
+          </p:cNvSpPr>
+          <p:nvPr>
+            <p:ph type="sldNum" sz="quarter" idx="12"/>
+          </p:nvPr>
+        </p:nvSpPr>
+        <p:spPr/>
+        <p:txBody>
+          <a:bodyPr/>
+          <a:lstStyle/>
+          <a:p>
+            <a:fld id="{2FFD189B-FC70-467B-8D46-305D7B719983}" type="slidenum">
+              <a:rPr lang="de-DE" smtClean="0"/>
+              <a:t>8</a:t>
+            </a:fld>
+            <a:endParaRPr lang="de-DE"/>
+          </a:p>
+        </p:txBody>
+      </p:sp>
+      <p:graphicFrame>
+        <p:nvGraphicFramePr>
+          <p:cNvPr id="7" name="Table 6"/>
+          <p:cNvGraphicFramePr>
+            <a:graphicFrameLocks noGrp="1"/>
+          </p:cNvGraphicFramePr>
+          <p:nvPr>
+            <p:extLst>
+              <p:ext uri="{D42A27DB-BD31-4B8C-83A1-F6EECF244321}">
+                <p14:modId xmlns:p14="http://schemas.microsoft.com/office/powerpoint/2010/main" val="2343032397"/>
+              </p:ext>
+            </p:extLst>
+          </p:nvPr>
+        </p:nvGraphicFramePr>
+        <p:xfrm>
+          <a:off x="835857" y="506537"/>
+          <a:ext cx="10520286" cy="5996597"/>
+        </p:xfrm>
+        <a:graphic>
+          <a:graphicData uri="http://schemas.openxmlformats.org/drawingml/2006/table">
+            <a:tbl>
+              <a:tblPr firstRow="1" bandRow="1">
+                <a:tableStyleId>{5C22544A-7EE6-4342-B048-85BDC9FD1C3A}</a:tableStyleId>
+              </a:tblPr>
+              <a:tblGrid>
+                <a:gridCol w="1669988">
+                  <a:extLst>
+                    <a:ext uri="{9D8B030D-6E8A-4147-A177-3AD203B41FA5}">
+                      <a16:colId xmlns:a16="http://schemas.microsoft.com/office/drawing/2014/main" val="2704125389"/>
+                    </a:ext>
+                  </a:extLst>
+                </a:gridCol>
+                <a:gridCol w="1757779">
+                  <a:extLst>
+                    <a:ext uri="{9D8B030D-6E8A-4147-A177-3AD203B41FA5}">
+                      <a16:colId xmlns:a16="http://schemas.microsoft.com/office/drawing/2014/main" val="2832046579"/>
+                    </a:ext>
+                  </a:extLst>
+                </a:gridCol>
+                <a:gridCol w="843378">
+                  <a:extLst>
+                    <a:ext uri="{9D8B030D-6E8A-4147-A177-3AD203B41FA5}">
+                      <a16:colId xmlns:a16="http://schemas.microsoft.com/office/drawing/2014/main" val="3622771183"/>
+                    </a:ext>
+                  </a:extLst>
+                </a:gridCol>
+                <a:gridCol w="2370339">
+                  <a:extLst>
+                    <a:ext uri="{9D8B030D-6E8A-4147-A177-3AD203B41FA5}">
+                      <a16:colId xmlns:a16="http://schemas.microsoft.com/office/drawing/2014/main" val="1359834070"/>
+                    </a:ext>
+                  </a:extLst>
+                </a:gridCol>
+                <a:gridCol w="1774745">
+                  <a:extLst>
+                    <a:ext uri="{9D8B030D-6E8A-4147-A177-3AD203B41FA5}">
+                      <a16:colId xmlns:a16="http://schemas.microsoft.com/office/drawing/2014/main" val="2635870529"/>
+                    </a:ext>
+                  </a:extLst>
+                </a:gridCol>
+                <a:gridCol w="2104057">
+                  <a:extLst>
+                    <a:ext uri="{9D8B030D-6E8A-4147-A177-3AD203B41FA5}">
+                      <a16:colId xmlns:a16="http://schemas.microsoft.com/office/drawing/2014/main" val="3235653632"/>
+                    </a:ext>
+                  </a:extLst>
+                </a:gridCol>
+              </a:tblGrid>
+              <a:tr h="694773">
+                <a:tc>
+                  <a:txBody>
+                    <a:bodyPr/>
+                    <a:lstStyle/>
+                    <a:p>
+                      <a:pPr algn="l"/>
+                      <a:r>
+                        <a:rPr lang="de-DE" dirty="0">
+                          <a:solidFill>
+                            <a:sysClr val="windowText" lastClr="000000"/>
+                          </a:solidFill>
+                        </a:rPr>
+                        <a:t>SERVICE:</a:t>
+                      </a:r>
+                    </a:p>
+                  </a:txBody>
+                  <a:tcPr anchor="ctr">
+                    <a:lnL w="12700" cap="flat" cmpd="sng" algn="ctr">
+                      <a:solidFill>
+                        <a:schemeClr val="tx1"/>
+                      </a:solidFill>
+                      <a:prstDash val="solid"/>
+                      <a:round/>
+                      <a:headEnd type="none" w="med" len="med"/>
+                      <a:tailEnd type="none" w="med" len="med"/>
+                    </a:lnL>
+                    <a:lnR w="12700" cap="flat" cmpd="sng" algn="ctr">
+                      <a:solidFill>
+                        <a:schemeClr val="tx1"/>
+                      </a:solidFill>
+                      <a:prstDash val="solid"/>
+                      <a:round/>
+                      <a:headEnd type="none" w="med" len="med"/>
+                      <a:tailEnd type="none" w="med" len="med"/>
+                    </a:lnR>
+                    <a:lnT w="12700" cap="flat" cmpd="sng" algn="ctr">
+                      <a:solidFill>
+                        <a:schemeClr val="tx1"/>
+                      </a:solidFill>
+                      <a:prstDash val="solid"/>
+                      <a:round/>
+                      <a:headEnd type="none" w="med" len="med"/>
+                      <a:tailEnd type="none" w="med" len="med"/>
+                    </a:lnT>
+                    <a:lnB w="12700" cap="flat" cmpd="sng" algn="ctr">
+                      <a:solidFill>
+                        <a:schemeClr val="tx1"/>
+                      </a:solidFill>
+                      <a:prstDash val="solid"/>
+                      <a:round/>
+                      <a:headEnd type="none" w="med" len="med"/>
+                      <a:tailEnd type="none" w="med" len="med"/>
+                    </a:lnB>
+                    <a:noFill/>
+                  </a:tcPr>
+                </a:tc>
+                <a:tc gridSpan="2">
+                  <a:txBody>
+                    <a:bodyPr/>
+                    <a:lstStyle/>
+                    <a:p>
+                      <a:pPr algn="l"/>
+                      <a:r>
+                        <a:rPr lang="de-DE" sz="2800" dirty="0">
+                          <a:solidFill>
+                            <a:schemeClr val="accent5">
+                              <a:lumMod val="60000"/>
+                              <a:lumOff val="40000"/>
+                            </a:schemeClr>
+                          </a:solidFill>
+                        </a:rPr>
+                        <a:t>/</a:t>
+                      </a:r>
+                      <a:r>
+                        <a:rPr lang="de-DE" sz="2800" dirty="0" err="1">
+                          <a:solidFill>
+                            <a:schemeClr val="accent5">
+                              <a:lumMod val="60000"/>
+                              <a:lumOff val="40000"/>
+                            </a:schemeClr>
+                          </a:solidFill>
+                        </a:rPr>
+                        <a:t>events</a:t>
+                      </a:r>
+                      <a:endParaRPr lang="de-DE" sz="2800" dirty="0">
+                        <a:solidFill>
+                          <a:schemeClr val="accent6">
+                            <a:lumMod val="60000"/>
+                            <a:lumOff val="40000"/>
+                          </a:schemeClr>
+                        </a:solidFill>
+                      </a:endParaRPr>
+                    </a:p>
+                  </a:txBody>
+                  <a:tcPr anchor="ctr">
+                    <a:lnL w="12700" cap="flat" cmpd="sng" algn="ctr">
+                      <a:solidFill>
+                        <a:schemeClr val="tx1"/>
+                      </a:solidFill>
+                      <a:prstDash val="solid"/>
+                      <a:round/>
+                      <a:headEnd type="none" w="med" len="med"/>
+                      <a:tailEnd type="none" w="med" len="med"/>
+                    </a:lnL>
+                    <a:lnR w="12700" cap="flat" cmpd="sng" algn="ctr">
+                      <a:noFill/>
+                      <a:prstDash val="solid"/>
+                      <a:round/>
+                      <a:headEnd type="none" w="med" len="med"/>
+                      <a:tailEnd type="none" w="med" len="med"/>
+                    </a:lnR>
+                    <a:lnT w="12700" cap="flat" cmpd="sng" algn="ctr">
+                      <a:solidFill>
+                        <a:schemeClr val="tx1"/>
+                      </a:solidFill>
+                      <a:prstDash val="solid"/>
+                      <a:round/>
+                      <a:headEnd type="none" w="med" len="med"/>
+                      <a:tailEnd type="none" w="med" len="med"/>
+                    </a:lnT>
+                    <a:lnB w="12700" cap="flat" cmpd="sng" algn="ctr">
+                      <a:solidFill>
+                        <a:schemeClr val="tx1"/>
+                      </a:solidFill>
+                      <a:prstDash val="solid"/>
+                      <a:round/>
+                      <a:headEnd type="none" w="med" len="med"/>
+                      <a:tailEnd type="none" w="med" len="med"/>
+                    </a:lnB>
+                    <a:noFill/>
+                  </a:tcPr>
+                </a:tc>
+                <a:tc hMerge="1">
+                  <a:txBody>
+                    <a:bodyPr/>
+                    <a:lstStyle/>
+                    <a:p>
+                      <a:endParaRPr lang="de-DE"/>
+                    </a:p>
+                  </a:txBody>
+                  <a:tcPr/>
+                </a:tc>
+                <a:tc>
+                  <a:txBody>
+                    <a:bodyPr/>
+                    <a:lstStyle/>
+                    <a:p>
+                      <a:pPr algn="l"/>
+                      <a:r>
+                        <a:rPr lang="de-DE" sz="2800" dirty="0">
+                          <a:solidFill>
+                            <a:srgbClr val="00B0F0"/>
+                          </a:solidFill>
+                        </a:rPr>
+                        <a:t>/$EVENTID</a:t>
+                      </a:r>
+                    </a:p>
+                  </a:txBody>
+                  <a:tcPr anchor="ctr">
+                    <a:lnL w="12700" cap="flat" cmpd="sng" algn="ctr">
+                      <a:noFill/>
+                      <a:prstDash val="solid"/>
+                      <a:round/>
+                      <a:headEnd type="none" w="med" len="med"/>
+                      <a:tailEnd type="none" w="med" len="med"/>
+                    </a:lnL>
+                    <a:lnR w="12700" cap="flat" cmpd="sng" algn="ctr">
+                      <a:solidFill>
+                        <a:schemeClr val="tx1"/>
+                      </a:solidFill>
+                      <a:prstDash val="solid"/>
+                      <a:round/>
+                      <a:headEnd type="none" w="med" len="med"/>
+                      <a:tailEnd type="none" w="med" len="med"/>
+                    </a:lnR>
+                    <a:lnT w="12700" cap="flat" cmpd="sng" algn="ctr">
+                      <a:solidFill>
+                        <a:schemeClr val="tx1"/>
+                      </a:solidFill>
+                      <a:prstDash val="solid"/>
+                      <a:round/>
+                      <a:headEnd type="none" w="med" len="med"/>
+                      <a:tailEnd type="none" w="med" len="med"/>
+                    </a:lnT>
+                    <a:lnB w="12700" cap="flat" cmpd="sng" algn="ctr">
+                      <a:solidFill>
+                        <a:schemeClr val="tx1"/>
+                      </a:solidFill>
+                      <a:prstDash val="solid"/>
+                      <a:round/>
+                      <a:headEnd type="none" w="med" len="med"/>
+                      <a:tailEnd type="none" w="med" len="med"/>
+                    </a:lnB>
+                    <a:noFill/>
+                  </a:tcPr>
+                </a:tc>
+                <a:tc>
+                  <a:txBody>
+                    <a:bodyPr/>
+                    <a:lstStyle/>
+                    <a:p>
+                      <a:pPr algn="l"/>
+                      <a:r>
+                        <a:rPr lang="de-DE" dirty="0">
+                          <a:solidFill>
+                            <a:sysClr val="windowText" lastClr="000000"/>
+                          </a:solidFill>
+                        </a:rPr>
+                        <a:t>HTTP METHOD:</a:t>
+                      </a:r>
+                    </a:p>
+                  </a:txBody>
+                  <a:tcPr anchor="ctr">
+                    <a:lnL w="12700" cap="flat" cmpd="sng" algn="ctr">
+                      <a:solidFill>
+                        <a:schemeClr val="tx1"/>
+                      </a:solidFill>
+                      <a:prstDash val="solid"/>
+                      <a:round/>
+                      <a:headEnd type="none" w="med" len="med"/>
+                      <a:tailEnd type="none" w="med" len="med"/>
+                    </a:lnL>
+                    <a:lnR w="12700" cap="flat" cmpd="sng" algn="ctr">
+                      <a:solidFill>
+                        <a:schemeClr val="tx1"/>
+                      </a:solidFill>
+                      <a:prstDash val="solid"/>
+                      <a:round/>
+                      <a:headEnd type="none" w="med" len="med"/>
+                      <a:tailEnd type="none" w="med" len="med"/>
+                    </a:lnR>
+                    <a:lnT w="12700" cap="flat" cmpd="sng" algn="ctr">
+                      <a:solidFill>
+                        <a:schemeClr val="tx1"/>
+                      </a:solidFill>
+                      <a:prstDash val="solid"/>
+                      <a:round/>
+                      <a:headEnd type="none" w="med" len="med"/>
+                      <a:tailEnd type="none" w="med" len="med"/>
+                    </a:lnT>
+                    <a:lnB w="12700" cap="flat" cmpd="sng" algn="ctr">
+                      <a:solidFill>
+                        <a:schemeClr val="tx1"/>
+                      </a:solidFill>
+                      <a:prstDash val="solid"/>
+                      <a:round/>
+                      <a:headEnd type="none" w="med" len="med"/>
+                      <a:tailEnd type="none" w="med" len="med"/>
+                    </a:lnB>
+                    <a:noFill/>
+                  </a:tcPr>
+                </a:tc>
+                <a:tc>
+                  <a:txBody>
+                    <a:bodyPr/>
+                    <a:lstStyle/>
+                    <a:p>
+                      <a:pPr algn="l"/>
+                      <a:r>
+                        <a:rPr lang="de-DE" dirty="0">
+                          <a:solidFill>
+                            <a:srgbClr val="00B050"/>
+                          </a:solidFill>
+                        </a:rPr>
+                        <a:t>GET</a:t>
+                      </a:r>
+                    </a:p>
+                  </a:txBody>
+                  <a:tcPr anchor="ctr">
+                    <a:lnL w="12700" cap="flat" cmpd="sng" algn="ctr">
+                      <a:solidFill>
+                        <a:schemeClr val="tx1"/>
+                      </a:solidFill>
+                      <a:prstDash val="solid"/>
+                      <a:round/>
+                      <a:headEnd type="none" w="med" len="med"/>
+                      <a:tailEnd type="none" w="med" len="med"/>
+                    </a:lnL>
+                    <a:lnR w="12700" cap="flat" cmpd="sng" algn="ctr">
+                      <a:solidFill>
+                        <a:schemeClr val="tx1"/>
+                      </a:solidFill>
+                      <a:prstDash val="solid"/>
+                      <a:round/>
+                      <a:headEnd type="none" w="med" len="med"/>
+                      <a:tailEnd type="none" w="med" len="med"/>
+                    </a:lnR>
+                    <a:lnT w="12700" cap="flat" cmpd="sng" algn="ctr">
+                      <a:solidFill>
+                        <a:schemeClr val="tx1"/>
+                      </a:solidFill>
+                      <a:prstDash val="solid"/>
+                      <a:round/>
+                      <a:headEnd type="none" w="med" len="med"/>
+                      <a:tailEnd type="none" w="med" len="med"/>
+                    </a:lnT>
+                    <a:lnB w="12700" cap="flat" cmpd="sng" algn="ctr">
+                      <a:solidFill>
+                        <a:schemeClr val="tx1"/>
+                      </a:solidFill>
+                      <a:prstDash val="solid"/>
+                      <a:round/>
+                      <a:headEnd type="none" w="med" len="med"/>
+                      <a:tailEnd type="none" w="med" len="med"/>
+                    </a:lnB>
+                    <a:noFill/>
+                  </a:tcPr>
+                </a:tc>
+                <a:extLst>
+                  <a:ext uri="{0D108BD9-81ED-4DB2-BD59-A6C34878D82A}">
+                    <a16:rowId xmlns:a16="http://schemas.microsoft.com/office/drawing/2014/main" val="3083204381"/>
+                  </a:ext>
+                </a:extLst>
+              </a:tr>
+              <a:tr h="427743">
+                <a:tc>
+                  <a:txBody>
+                    <a:bodyPr/>
+                    <a:lstStyle/>
+                    <a:p>
+                      <a:r>
+                        <a:rPr lang="de-DE" dirty="0" err="1">
+                          <a:solidFill>
+                            <a:sysClr val="windowText" lastClr="000000"/>
+                          </a:solidFill>
+                        </a:rPr>
+                        <a:t>Function</a:t>
+                      </a:r>
+                      <a:r>
+                        <a:rPr lang="de-DE" dirty="0">
+                          <a:solidFill>
+                            <a:sysClr val="windowText" lastClr="000000"/>
+                          </a:solidFill>
+                        </a:rPr>
+                        <a:t>:</a:t>
+                      </a:r>
+                    </a:p>
+                  </a:txBody>
+                  <a:tcPr anchor="ctr">
+                    <a:lnL w="12700" cap="flat" cmpd="sng" algn="ctr">
+                      <a:solidFill>
+                        <a:schemeClr val="tx1"/>
+                      </a:solidFill>
+                      <a:prstDash val="solid"/>
+                      <a:round/>
+                      <a:headEnd type="none" w="med" len="med"/>
+                      <a:tailEnd type="none" w="med" len="med"/>
+                    </a:lnL>
+                    <a:lnR w="12700" cap="flat" cmpd="sng" algn="ctr">
+                      <a:solidFill>
+                        <a:schemeClr val="tx1"/>
+                      </a:solidFill>
+                      <a:prstDash val="solid"/>
+                      <a:round/>
+                      <a:headEnd type="none" w="med" len="med"/>
+                      <a:tailEnd type="none" w="med" len="med"/>
+                    </a:lnR>
+                    <a:lnT w="12700" cap="flat" cmpd="sng" algn="ctr">
+                      <a:solidFill>
+                        <a:schemeClr val="tx1"/>
+                      </a:solidFill>
+                      <a:prstDash val="solid"/>
+                      <a:round/>
+                      <a:headEnd type="none" w="med" len="med"/>
+                      <a:tailEnd type="none" w="med" len="med"/>
+                    </a:lnT>
+                    <a:lnB w="12700" cap="flat" cmpd="sng" algn="ctr">
+                      <a:solidFill>
+                        <a:schemeClr val="tx1"/>
+                      </a:solidFill>
+                      <a:prstDash val="solid"/>
+                      <a:round/>
+                      <a:headEnd type="none" w="med" len="med"/>
+                      <a:tailEnd type="none" w="med" len="med"/>
+                    </a:lnB>
+                    <a:noFill/>
+                  </a:tcPr>
+                </a:tc>
+                <a:tc gridSpan="5">
+                  <a:txBody>
+                    <a:bodyPr/>
+                    <a:lstStyle/>
+                    <a:p>
+                      <a:r>
+                        <a:rPr lang="de-DE" dirty="0" err="1"/>
+                        <a:t>Get</a:t>
+                      </a:r>
+                      <a:r>
+                        <a:rPr lang="de-DE" dirty="0"/>
+                        <a:t> </a:t>
+                      </a:r>
+                      <a:r>
+                        <a:rPr lang="de-DE" dirty="0" err="1"/>
+                        <a:t>information</a:t>
+                      </a:r>
+                      <a:r>
+                        <a:rPr lang="de-DE" baseline="0" dirty="0"/>
+                        <a:t> on a </a:t>
+                      </a:r>
+                      <a:r>
+                        <a:rPr lang="de-DE" baseline="0" dirty="0" err="1"/>
+                        <a:t>specific</a:t>
+                      </a:r>
+                      <a:r>
+                        <a:rPr lang="de-DE" baseline="0" dirty="0"/>
+                        <a:t> </a:t>
+                      </a:r>
+                      <a:r>
+                        <a:rPr lang="de-DE" baseline="0" dirty="0" err="1"/>
+                        <a:t>event</a:t>
+                      </a:r>
+                      <a:r>
+                        <a:rPr lang="de-DE" dirty="0"/>
+                        <a:t>. </a:t>
+                      </a:r>
+                      <a:r>
+                        <a:rPr lang="de-DE" dirty="0" err="1"/>
+                        <a:t>Available</a:t>
+                      </a:r>
+                      <a:r>
+                        <a:rPr lang="de-DE" dirty="0"/>
+                        <a:t> </a:t>
+                      </a:r>
+                      <a:r>
+                        <a:rPr lang="de-DE" dirty="0" err="1"/>
+                        <a:t>for</a:t>
+                      </a:r>
+                      <a:r>
+                        <a:rPr lang="de-DE" dirty="0"/>
+                        <a:t> all </a:t>
+                      </a:r>
+                      <a:r>
+                        <a:rPr lang="de-DE" dirty="0" err="1"/>
+                        <a:t>invited</a:t>
+                      </a:r>
+                      <a:r>
+                        <a:rPr lang="de-DE" dirty="0"/>
+                        <a:t> </a:t>
+                      </a:r>
+                      <a:r>
+                        <a:rPr lang="de-DE" dirty="0" err="1"/>
+                        <a:t>participants</a:t>
+                      </a:r>
+                      <a:r>
+                        <a:rPr lang="de-DE" dirty="0"/>
+                        <a:t>.</a:t>
+                      </a:r>
+                    </a:p>
+                  </a:txBody>
+                  <a:tcPr anchor="ctr">
+                    <a:lnL w="12700" cap="flat" cmpd="sng" algn="ctr">
+                      <a:solidFill>
+                        <a:schemeClr val="tx1"/>
+                      </a:solidFill>
+                      <a:prstDash val="solid"/>
+                      <a:round/>
+                      <a:headEnd type="none" w="med" len="med"/>
+                      <a:tailEnd type="none" w="med" len="med"/>
+                    </a:lnL>
+                    <a:lnR w="12700" cap="flat" cmpd="sng" algn="ctr">
+                      <a:solidFill>
+                        <a:schemeClr val="tx1"/>
+                      </a:solidFill>
+                      <a:prstDash val="solid"/>
+                      <a:round/>
+                      <a:headEnd type="none" w="med" len="med"/>
+                      <a:tailEnd type="none" w="med" len="med"/>
+                    </a:lnR>
+                    <a:lnT w="12700" cap="flat" cmpd="sng" algn="ctr">
+                      <a:solidFill>
+                        <a:schemeClr val="tx1"/>
+                      </a:solidFill>
+                      <a:prstDash val="solid"/>
+                      <a:round/>
+                      <a:headEnd type="none" w="med" len="med"/>
+                      <a:tailEnd type="none" w="med" len="med"/>
+                    </a:lnT>
+                    <a:lnB w="12700" cap="flat" cmpd="sng" algn="ctr">
+                      <a:solidFill>
+                        <a:schemeClr val="tx1"/>
+                      </a:solidFill>
+                      <a:prstDash val="solid"/>
+                      <a:round/>
+                      <a:headEnd type="none" w="med" len="med"/>
+                      <a:tailEnd type="none" w="med" len="med"/>
+                    </a:lnB>
+                    <a:noFill/>
+                  </a:tcPr>
+                </a:tc>
+                <a:tc hMerge="1">
+                  <a:txBody>
+                    <a:bodyPr/>
+                    <a:lstStyle/>
+                    <a:p>
+                      <a:endParaRPr lang="de-DE"/>
+                    </a:p>
+                  </a:txBody>
+                  <a:tcPr/>
+                </a:tc>
+                <a:tc hMerge="1">
+                  <a:txBody>
+                    <a:bodyPr/>
+                    <a:lstStyle/>
+                    <a:p>
+                      <a:endParaRPr lang="de-DE"/>
+                    </a:p>
+                  </a:txBody>
+                  <a:tcPr/>
+                </a:tc>
+                <a:tc hMerge="1">
+                  <a:txBody>
+                    <a:bodyPr/>
+                    <a:lstStyle/>
+                    <a:p>
+                      <a:endParaRPr lang="de-DE"/>
+                    </a:p>
+                  </a:txBody>
+                  <a:tcPr/>
+                </a:tc>
+                <a:tc hMerge="1">
+                  <a:txBody>
+                    <a:bodyPr/>
+                    <a:lstStyle/>
+                    <a:p>
+                      <a:endParaRPr lang="de-DE"/>
+                    </a:p>
+                  </a:txBody>
+                  <a:tcPr/>
+                </a:tc>
+                <a:extLst>
+                  <a:ext uri="{0D108BD9-81ED-4DB2-BD59-A6C34878D82A}">
+                    <a16:rowId xmlns:a16="http://schemas.microsoft.com/office/drawing/2014/main" val="3312119621"/>
+                  </a:ext>
+                </a:extLst>
+              </a:tr>
+              <a:tr h="3785137">
+                <a:tc>
+                  <a:txBody>
+                    <a:bodyPr/>
+                    <a:lstStyle/>
+                    <a:p>
+                      <a:r>
+                        <a:rPr lang="de-DE" dirty="0">
+                          <a:solidFill>
+                            <a:sysClr val="windowText" lastClr="000000"/>
+                          </a:solidFill>
+                        </a:rPr>
+                        <a:t>Response:</a:t>
+                      </a:r>
+                    </a:p>
+                  </a:txBody>
+                  <a:tcPr anchor="ctr">
+                    <a:lnL w="12700" cap="flat" cmpd="sng" algn="ctr">
+                      <a:solidFill>
+                        <a:schemeClr val="tx1"/>
+                      </a:solidFill>
+                      <a:prstDash val="solid"/>
+                      <a:round/>
+                      <a:headEnd type="none" w="med" len="med"/>
+                      <a:tailEnd type="none" w="med" len="med"/>
+                    </a:lnL>
+                    <a:lnR w="12700" cap="flat" cmpd="sng" algn="ctr">
+                      <a:solidFill>
+                        <a:schemeClr val="tx1"/>
+                      </a:solidFill>
+                      <a:prstDash val="solid"/>
+                      <a:round/>
+                      <a:headEnd type="none" w="med" len="med"/>
+                      <a:tailEnd type="none" w="med" len="med"/>
+                    </a:lnR>
+                    <a:lnT w="12700" cap="flat" cmpd="sng" algn="ctr">
+                      <a:solidFill>
+                        <a:schemeClr val="tx1"/>
+                      </a:solidFill>
+                      <a:prstDash val="solid"/>
+                      <a:round/>
+                      <a:headEnd type="none" w="med" len="med"/>
+                      <a:tailEnd type="none" w="med" len="med"/>
+                    </a:lnT>
+                    <a:lnB w="12700" cap="flat" cmpd="sng" algn="ctr">
+                      <a:solidFill>
+                        <a:schemeClr val="tx1"/>
+                      </a:solidFill>
+                      <a:prstDash val="solid"/>
+                      <a:round/>
+                      <a:headEnd type="none" w="med" len="med"/>
+                      <a:tailEnd type="none" w="med" len="med"/>
+                    </a:lnB>
+                    <a:noFill/>
+                  </a:tcPr>
+                </a:tc>
+                <a:tc>
+                  <a:txBody>
+                    <a:bodyPr/>
+                    <a:lstStyle/>
+                    <a:p>
+                      <a:r>
+                        <a:rPr lang="de-DE" dirty="0"/>
+                        <a:t>200</a:t>
+                      </a:r>
+                    </a:p>
+                  </a:txBody>
+                  <a:tcPr anchor="ctr">
+                    <a:lnL w="12700" cap="flat" cmpd="sng" algn="ctr">
+                      <a:solidFill>
+                        <a:schemeClr val="tx1"/>
+                      </a:solidFill>
+                      <a:prstDash val="solid"/>
+                      <a:round/>
+                      <a:headEnd type="none" w="med" len="med"/>
+                      <a:tailEnd type="none" w="med" len="med"/>
+                    </a:lnL>
+                    <a:lnR w="12700" cap="flat" cmpd="sng" algn="ctr">
+                      <a:solidFill>
+                        <a:schemeClr val="tx1"/>
+                      </a:solidFill>
+                      <a:prstDash val="solid"/>
+                      <a:round/>
+                      <a:headEnd type="none" w="med" len="med"/>
+                      <a:tailEnd type="none" w="med" len="med"/>
+                    </a:lnR>
+                    <a:lnT w="12700" cap="flat" cmpd="sng" algn="ctr">
+                      <a:solidFill>
+                        <a:schemeClr val="tx1"/>
+                      </a:solidFill>
+                      <a:prstDash val="solid"/>
+                      <a:round/>
+                      <a:headEnd type="none" w="med" len="med"/>
+                      <a:tailEnd type="none" w="med" len="med"/>
+                    </a:lnT>
+                    <a:lnB w="12700" cap="flat" cmpd="sng" algn="ctr">
+                      <a:solidFill>
+                        <a:schemeClr val="tx1"/>
+                      </a:solidFill>
+                      <a:prstDash val="solid"/>
+                      <a:round/>
+                      <a:headEnd type="none" w="med" len="med"/>
+                      <a:tailEnd type="none" w="med" len="med"/>
+                    </a:lnB>
+                    <a:noFill/>
+                  </a:tcPr>
+                </a:tc>
+                <a:tc gridSpan="4">
+                  <a:txBody>
+                    <a:bodyPr/>
+                    <a:lstStyle/>
+                    <a:p>
+                      <a:r>
+                        <a:rPr lang="en-US" sz="1800" b="0" i="0" kern="1200" dirty="0">
+                          <a:solidFill>
+                            <a:schemeClr val="dk1"/>
+                          </a:solidFill>
+                          <a:effectLst/>
+                          <a:latin typeface="+mn-lt"/>
+                          <a:ea typeface="+mn-ea"/>
+                          <a:cs typeface="+mn-cs"/>
+                        </a:rPr>
+                        <a:t>{</a:t>
+                      </a:r>
+                    </a:p>
+                    <a:p>
+                      <a:r>
+                        <a:rPr lang="en-US" sz="1800" b="0" i="0" kern="1200" dirty="0">
+                          <a:solidFill>
+                            <a:schemeClr val="dk1"/>
+                          </a:solidFill>
+                          <a:effectLst/>
+                          <a:latin typeface="+mn-lt"/>
+                          <a:ea typeface="+mn-ea"/>
+                          <a:cs typeface="+mn-cs"/>
+                        </a:rPr>
+                        <a:t>	id: </a:t>
+                      </a:r>
+                      <a:r>
+                        <a:rPr lang="en-US" sz="1800" kern="1200" dirty="0">
+                          <a:solidFill>
+                            <a:schemeClr val="accent1">
+                              <a:lumMod val="75000"/>
+                            </a:schemeClr>
+                          </a:solidFill>
+                          <a:latin typeface="+mn-lt"/>
+                          <a:ea typeface="+mn-ea"/>
+                          <a:cs typeface="+mn-cs"/>
+                        </a:rPr>
+                        <a:t>String</a:t>
+                      </a:r>
+                      <a:r>
+                        <a:rPr lang="en-US" sz="1800" b="0" i="0" kern="1200" dirty="0">
+                          <a:solidFill>
+                            <a:schemeClr val="dk1"/>
+                          </a:solidFill>
+                          <a:effectLst/>
+                          <a:latin typeface="+mn-lt"/>
+                          <a:ea typeface="+mn-ea"/>
+                          <a:cs typeface="+mn-cs"/>
+                        </a:rPr>
+                        <a:t>,</a:t>
+                      </a:r>
+                    </a:p>
+                    <a:p>
+                      <a:r>
+                        <a:rPr lang="en-US" sz="1800" b="0" i="0" kern="1200" dirty="0">
+                          <a:solidFill>
+                            <a:schemeClr val="dk1"/>
+                          </a:solidFill>
+                          <a:effectLst/>
+                          <a:latin typeface="+mn-lt"/>
+                          <a:ea typeface="+mn-ea"/>
+                          <a:cs typeface="+mn-cs"/>
+                        </a:rPr>
+                        <a:t>	title: </a:t>
+                      </a:r>
+                      <a:r>
+                        <a:rPr lang="en-US" sz="1800" kern="1200" dirty="0">
+                          <a:solidFill>
+                            <a:schemeClr val="accent1">
+                              <a:lumMod val="75000"/>
+                            </a:schemeClr>
+                          </a:solidFill>
+                          <a:latin typeface="+mn-lt"/>
+                          <a:ea typeface="+mn-ea"/>
+                          <a:cs typeface="+mn-cs"/>
+                        </a:rPr>
+                        <a:t>String</a:t>
+                      </a:r>
+                      <a:r>
+                        <a:rPr lang="en-US" sz="1800" b="0" i="0" kern="1200" dirty="0">
+                          <a:solidFill>
+                            <a:schemeClr val="dk1"/>
+                          </a:solidFill>
+                          <a:effectLst/>
+                          <a:latin typeface="+mn-lt"/>
+                          <a:ea typeface="+mn-ea"/>
+                          <a:cs typeface="+mn-cs"/>
+                        </a:rPr>
+                        <a:t>,</a:t>
+                      </a:r>
+                    </a:p>
+                    <a:p>
+                      <a:r>
+                        <a:rPr lang="en-US" sz="1800" b="0" i="0" kern="1200" dirty="0">
+                          <a:solidFill>
+                            <a:schemeClr val="dk1"/>
+                          </a:solidFill>
+                          <a:effectLst/>
+                          <a:latin typeface="+mn-lt"/>
+                          <a:ea typeface="+mn-ea"/>
+                          <a:cs typeface="+mn-cs"/>
+                        </a:rPr>
+                        <a:t> 	latitude: </a:t>
+                      </a:r>
+                      <a:r>
+                        <a:rPr lang="en-US" sz="1800" kern="1200" dirty="0">
+                          <a:solidFill>
+                            <a:schemeClr val="accent1">
+                              <a:lumMod val="75000"/>
+                            </a:schemeClr>
+                          </a:solidFill>
+                          <a:latin typeface="+mn-lt"/>
+                          <a:ea typeface="+mn-ea"/>
+                          <a:cs typeface="+mn-cs"/>
+                        </a:rPr>
+                        <a:t>Number</a:t>
+                      </a:r>
+                      <a:r>
+                        <a:rPr lang="en-US" sz="1800" b="0" i="0" kern="1200" dirty="0">
+                          <a:solidFill>
+                            <a:schemeClr val="dk1"/>
+                          </a:solidFill>
+                          <a:effectLst/>
+                          <a:latin typeface="+mn-lt"/>
+                          <a:ea typeface="+mn-ea"/>
+                          <a:cs typeface="+mn-cs"/>
+                        </a:rPr>
+                        <a:t>,</a:t>
+                      </a:r>
+                    </a:p>
+                    <a:p>
+                      <a:r>
+                        <a:rPr lang="en-US" sz="1800" b="0" i="0" kern="1200" dirty="0">
+                          <a:solidFill>
+                            <a:schemeClr val="dk1"/>
+                          </a:solidFill>
+                          <a:effectLst/>
+                          <a:latin typeface="+mn-lt"/>
+                          <a:ea typeface="+mn-ea"/>
+                          <a:cs typeface="+mn-cs"/>
+                        </a:rPr>
+                        <a:t>	longitude: </a:t>
+                      </a:r>
+                      <a:r>
+                        <a:rPr lang="en-US" sz="1800" kern="1200" dirty="0">
+                          <a:solidFill>
+                            <a:schemeClr val="accent1">
+                              <a:lumMod val="75000"/>
+                            </a:schemeClr>
+                          </a:solidFill>
+                          <a:latin typeface="+mn-lt"/>
+                          <a:ea typeface="+mn-ea"/>
+                          <a:cs typeface="+mn-cs"/>
+                        </a:rPr>
+                        <a:t>Number</a:t>
+                      </a:r>
+                      <a:r>
+                        <a:rPr lang="en-US" sz="1800" b="0" i="0" kern="1200" dirty="0">
+                          <a:solidFill>
+                            <a:schemeClr val="dk1"/>
+                          </a:solidFill>
+                          <a:effectLst/>
+                          <a:latin typeface="+mn-lt"/>
+                          <a:ea typeface="+mn-ea"/>
+                          <a:cs typeface="+mn-cs"/>
+                        </a:rPr>
+                        <a:t>,</a:t>
+                      </a:r>
+                    </a:p>
+                    <a:p>
+                      <a:r>
+                        <a:rPr lang="en-US" sz="1800" b="0" i="0" kern="1200" dirty="0">
+                          <a:solidFill>
+                            <a:schemeClr val="dk1"/>
+                          </a:solidFill>
+                          <a:effectLst/>
+                          <a:latin typeface="+mn-lt"/>
+                          <a:ea typeface="+mn-ea"/>
+                          <a:cs typeface="+mn-cs"/>
+                        </a:rPr>
+                        <a:t>	</a:t>
+                      </a:r>
+                      <a:r>
+                        <a:rPr lang="en-US" sz="1800" b="0" i="0" kern="1200" dirty="0" err="1">
+                          <a:solidFill>
+                            <a:schemeClr val="dk1"/>
+                          </a:solidFill>
+                          <a:effectLst/>
+                          <a:latin typeface="+mn-lt"/>
+                          <a:ea typeface="+mn-ea"/>
+                          <a:cs typeface="+mn-cs"/>
+                        </a:rPr>
+                        <a:t>publicEvent</a:t>
+                      </a:r>
+                      <a:r>
+                        <a:rPr lang="en-US" sz="1800" b="0" i="0" kern="1200" dirty="0">
+                          <a:solidFill>
+                            <a:schemeClr val="dk1"/>
+                          </a:solidFill>
+                          <a:effectLst/>
+                          <a:latin typeface="+mn-lt"/>
+                          <a:ea typeface="+mn-ea"/>
+                          <a:cs typeface="+mn-cs"/>
+                        </a:rPr>
+                        <a:t>: </a:t>
+                      </a:r>
+                      <a:r>
+                        <a:rPr lang="en-US" sz="1800" kern="1200" dirty="0">
+                          <a:solidFill>
+                            <a:schemeClr val="accent1">
+                              <a:lumMod val="75000"/>
+                            </a:schemeClr>
+                          </a:solidFill>
+                          <a:latin typeface="+mn-lt"/>
+                          <a:ea typeface="+mn-ea"/>
+                          <a:cs typeface="+mn-cs"/>
+                        </a:rPr>
+                        <a:t>Boolean</a:t>
+                      </a:r>
+                      <a:r>
+                        <a:rPr lang="en-US" sz="1800" b="0" i="0" kern="1200" dirty="0">
+                          <a:solidFill>
+                            <a:schemeClr val="dk1"/>
+                          </a:solidFill>
+                          <a:effectLst/>
+                          <a:latin typeface="+mn-lt"/>
+                          <a:ea typeface="+mn-ea"/>
+                          <a:cs typeface="+mn-cs"/>
+                        </a:rPr>
+                        <a:t>,</a:t>
+                      </a:r>
+                    </a:p>
+                    <a:p>
+                      <a:r>
+                        <a:rPr lang="en-US" sz="1800" b="0" i="0" kern="1200" dirty="0">
+                          <a:solidFill>
+                            <a:schemeClr val="dk1"/>
+                          </a:solidFill>
+                          <a:effectLst/>
+                          <a:latin typeface="+mn-lt"/>
+                          <a:ea typeface="+mn-ea"/>
+                          <a:cs typeface="+mn-cs"/>
+                        </a:rPr>
+                        <a:t>	</a:t>
+                      </a:r>
+                      <a:r>
+                        <a:rPr lang="en-US" sz="1800" b="0" i="0" kern="1200" dirty="0" err="1">
+                          <a:solidFill>
+                            <a:schemeClr val="dk1"/>
+                          </a:solidFill>
+                          <a:effectLst/>
+                          <a:latin typeface="+mn-lt"/>
+                          <a:ea typeface="+mn-ea"/>
+                          <a:cs typeface="+mn-cs"/>
+                        </a:rPr>
+                        <a:t>img</a:t>
+                      </a:r>
+                      <a:r>
+                        <a:rPr lang="en-US" sz="1800" b="0" i="0" kern="1200" dirty="0">
+                          <a:solidFill>
+                            <a:schemeClr val="dk1"/>
+                          </a:solidFill>
+                          <a:effectLst/>
+                          <a:latin typeface="+mn-lt"/>
+                          <a:ea typeface="+mn-ea"/>
+                          <a:cs typeface="+mn-cs"/>
+                        </a:rPr>
+                        <a:t>: </a:t>
+                      </a:r>
+                      <a:r>
+                        <a:rPr lang="en-US" sz="1800" kern="1200" dirty="0">
+                          <a:solidFill>
+                            <a:schemeClr val="accent1">
+                              <a:lumMod val="75000"/>
+                            </a:schemeClr>
+                          </a:solidFill>
+                          <a:latin typeface="+mn-lt"/>
+                          <a:ea typeface="+mn-ea"/>
+                          <a:cs typeface="+mn-cs"/>
+                        </a:rPr>
+                        <a:t>String</a:t>
+                      </a:r>
+                      <a:r>
+                        <a:rPr lang="en-US" sz="1800" b="0" i="0" kern="1200" dirty="0">
+                          <a:solidFill>
+                            <a:schemeClr val="dk1"/>
+                          </a:solidFill>
+                          <a:effectLst/>
+                          <a:latin typeface="+mn-lt"/>
+                          <a:ea typeface="+mn-ea"/>
+                          <a:cs typeface="+mn-cs"/>
+                        </a:rPr>
+                        <a:t>,</a:t>
+                      </a:r>
+                    </a:p>
+                    <a:p>
+                      <a:r>
+                        <a:rPr lang="en-US" sz="1800" b="0" i="0" kern="1200" dirty="0">
+                          <a:solidFill>
+                            <a:schemeClr val="dk1"/>
+                          </a:solidFill>
+                          <a:effectLst/>
+                          <a:latin typeface="+mn-lt"/>
+                          <a:ea typeface="+mn-ea"/>
+                          <a:cs typeface="+mn-cs"/>
+                        </a:rPr>
+                        <a:t>	organizer: {id: </a:t>
+                      </a:r>
+                      <a:r>
+                        <a:rPr lang="en-US" sz="1800" kern="1200" dirty="0">
+                          <a:solidFill>
+                            <a:schemeClr val="accent1">
+                              <a:lumMod val="75000"/>
+                            </a:schemeClr>
+                          </a:solidFill>
+                          <a:latin typeface="+mn-lt"/>
+                          <a:ea typeface="+mn-ea"/>
+                          <a:cs typeface="+mn-cs"/>
+                        </a:rPr>
+                        <a:t>String</a:t>
+                      </a:r>
+                      <a:r>
+                        <a:rPr lang="en-US" sz="1800" b="0" i="0" kern="1200" dirty="0">
+                          <a:solidFill>
+                            <a:schemeClr val="dk1"/>
+                          </a:solidFill>
+                          <a:effectLst/>
+                          <a:latin typeface="+mn-lt"/>
+                          <a:ea typeface="+mn-ea"/>
+                          <a:cs typeface="+mn-cs"/>
+                        </a:rPr>
+                        <a:t>,</a:t>
+                      </a:r>
+                      <a:r>
+                        <a:rPr lang="en-US" sz="1800" b="0" i="0" kern="1200" baseline="0" dirty="0">
+                          <a:solidFill>
+                            <a:schemeClr val="dk1"/>
+                          </a:solidFill>
+                          <a:effectLst/>
+                          <a:latin typeface="+mn-lt"/>
+                          <a:ea typeface="+mn-ea"/>
+                          <a:cs typeface="+mn-cs"/>
+                        </a:rPr>
+                        <a:t> </a:t>
+                      </a:r>
+                      <a:r>
+                        <a:rPr lang="en-US" sz="1800" b="0" i="0" kern="1200" dirty="0">
+                          <a:solidFill>
+                            <a:schemeClr val="dk1"/>
+                          </a:solidFill>
+                          <a:effectLst/>
+                          <a:latin typeface="+mn-lt"/>
+                          <a:ea typeface="+mn-ea"/>
+                          <a:cs typeface="+mn-cs"/>
+                        </a:rPr>
+                        <a:t>name: </a:t>
+                      </a:r>
+                      <a:r>
+                        <a:rPr lang="en-US" sz="1800" kern="1200" dirty="0">
+                          <a:solidFill>
+                            <a:schemeClr val="accent1">
+                              <a:lumMod val="75000"/>
+                            </a:schemeClr>
+                          </a:solidFill>
+                          <a:latin typeface="+mn-lt"/>
+                          <a:ea typeface="+mn-ea"/>
+                          <a:cs typeface="+mn-cs"/>
+                        </a:rPr>
+                        <a:t>String</a:t>
+                      </a:r>
+                      <a:r>
+                        <a:rPr lang="en-US" sz="1800" b="0" i="0" kern="1200" dirty="0">
+                          <a:solidFill>
+                            <a:schemeClr val="dk1"/>
+                          </a:solidFill>
+                          <a:effectLst/>
+                          <a:latin typeface="+mn-lt"/>
+                          <a:ea typeface="+mn-ea"/>
+                          <a:cs typeface="+mn-cs"/>
+                        </a:rPr>
+                        <a:t>,</a:t>
+                      </a:r>
+                      <a:r>
+                        <a:rPr lang="en-US" sz="1800" b="0" i="0" kern="1200" baseline="0" dirty="0">
+                          <a:solidFill>
+                            <a:schemeClr val="dk1"/>
+                          </a:solidFill>
+                          <a:effectLst/>
+                          <a:latin typeface="+mn-lt"/>
+                          <a:ea typeface="+mn-ea"/>
+                          <a:cs typeface="+mn-cs"/>
+                        </a:rPr>
+                        <a:t> </a:t>
+                      </a:r>
+                      <a:r>
+                        <a:rPr lang="en-US" sz="1800" b="0" i="0" kern="1200" baseline="0" dirty="0" err="1">
+                          <a:solidFill>
+                            <a:schemeClr val="dk1"/>
+                          </a:solidFill>
+                          <a:effectLst/>
+                          <a:latin typeface="+mn-lt"/>
+                          <a:ea typeface="+mn-ea"/>
+                          <a:cs typeface="+mn-cs"/>
+                        </a:rPr>
+                        <a:t>img</a:t>
+                      </a:r>
+                      <a:r>
+                        <a:rPr lang="en-US" sz="1800" b="0" i="0" kern="1200" baseline="0" dirty="0">
+                          <a:solidFill>
+                            <a:schemeClr val="dk1"/>
+                          </a:solidFill>
+                          <a:effectLst/>
+                          <a:latin typeface="+mn-lt"/>
+                          <a:ea typeface="+mn-ea"/>
+                          <a:cs typeface="+mn-cs"/>
+                        </a:rPr>
+                        <a:t>: </a:t>
+                      </a:r>
+                      <a:r>
+                        <a:rPr lang="en-US" sz="1800" kern="1200" dirty="0">
+                          <a:solidFill>
+                            <a:schemeClr val="accent1">
+                              <a:lumMod val="75000"/>
+                            </a:schemeClr>
+                          </a:solidFill>
+                          <a:latin typeface="+mn-lt"/>
+                          <a:ea typeface="+mn-ea"/>
+                          <a:cs typeface="+mn-cs"/>
+                        </a:rPr>
+                        <a:t>String</a:t>
+                      </a:r>
+                      <a:r>
+                        <a:rPr lang="en-US" sz="1800" kern="1200" dirty="0">
+                          <a:solidFill>
+                            <a:schemeClr val="tx1"/>
+                          </a:solidFill>
+                          <a:latin typeface="+mn-lt"/>
+                          <a:ea typeface="+mn-ea"/>
+                          <a:cs typeface="+mn-cs"/>
+                        </a:rPr>
+                        <a:t>},</a:t>
+                      </a:r>
+                      <a:endParaRPr lang="en-US" sz="1800" b="0" i="0" kern="1200" dirty="0">
+                        <a:solidFill>
+                          <a:schemeClr val="tx1"/>
+                        </a:solidFill>
+                        <a:effectLst/>
+                        <a:latin typeface="+mn-lt"/>
+                        <a:ea typeface="+mn-ea"/>
+                        <a:cs typeface="+mn-cs"/>
+                      </a:endParaRPr>
+                    </a:p>
+                    <a:p>
+                      <a:r>
+                        <a:rPr lang="en-US" sz="1800" b="0" i="0" kern="1200" dirty="0">
+                          <a:solidFill>
+                            <a:schemeClr val="dk1"/>
+                          </a:solidFill>
+                          <a:effectLst/>
+                          <a:latin typeface="+mn-lt"/>
+                          <a:ea typeface="+mn-ea"/>
+                          <a:cs typeface="+mn-cs"/>
+                        </a:rPr>
+                        <a:t>	participants: [ {id: </a:t>
+                      </a:r>
+                      <a:r>
+                        <a:rPr lang="en-US" sz="1800" kern="1200" dirty="0">
+                          <a:solidFill>
+                            <a:schemeClr val="accent1">
+                              <a:lumMod val="75000"/>
+                            </a:schemeClr>
+                          </a:solidFill>
+                          <a:latin typeface="+mn-lt"/>
+                          <a:ea typeface="+mn-ea"/>
+                          <a:cs typeface="+mn-cs"/>
+                        </a:rPr>
+                        <a:t>String</a:t>
+                      </a:r>
+                      <a:r>
+                        <a:rPr lang="en-US" sz="1800" b="0" i="0" kern="1200" dirty="0">
+                          <a:solidFill>
+                            <a:schemeClr val="dk1"/>
+                          </a:solidFill>
+                          <a:effectLst/>
+                          <a:latin typeface="+mn-lt"/>
+                          <a:ea typeface="+mn-ea"/>
+                          <a:cs typeface="+mn-cs"/>
+                        </a:rPr>
+                        <a:t>,</a:t>
+                      </a:r>
+                      <a:r>
+                        <a:rPr lang="en-US" sz="1800" b="0" i="0" kern="1200" baseline="0" dirty="0">
+                          <a:solidFill>
+                            <a:schemeClr val="dk1"/>
+                          </a:solidFill>
+                          <a:effectLst/>
+                          <a:latin typeface="+mn-lt"/>
+                          <a:ea typeface="+mn-ea"/>
+                          <a:cs typeface="+mn-cs"/>
+                        </a:rPr>
+                        <a:t> </a:t>
+                      </a:r>
+                      <a:r>
+                        <a:rPr lang="en-US" sz="1800" b="0" i="0" kern="1200" dirty="0">
+                          <a:solidFill>
+                            <a:schemeClr val="dk1"/>
+                          </a:solidFill>
+                          <a:effectLst/>
+                          <a:latin typeface="+mn-lt"/>
+                          <a:ea typeface="+mn-ea"/>
+                          <a:cs typeface="+mn-cs"/>
+                        </a:rPr>
+                        <a:t>name: </a:t>
+                      </a:r>
+                      <a:r>
+                        <a:rPr lang="en-US" sz="1800" kern="1200" dirty="0">
+                          <a:solidFill>
+                            <a:schemeClr val="accent1">
+                              <a:lumMod val="75000"/>
+                            </a:schemeClr>
+                          </a:solidFill>
+                          <a:latin typeface="+mn-lt"/>
+                          <a:ea typeface="+mn-ea"/>
+                          <a:cs typeface="+mn-cs"/>
+                        </a:rPr>
+                        <a:t>String</a:t>
+                      </a:r>
+                      <a:r>
+                        <a:rPr lang="en-US" sz="1800" b="0" i="0" kern="1200" dirty="0">
+                          <a:solidFill>
+                            <a:schemeClr val="dk1"/>
+                          </a:solidFill>
+                          <a:effectLst/>
+                          <a:latin typeface="+mn-lt"/>
+                          <a:ea typeface="+mn-ea"/>
+                          <a:cs typeface="+mn-cs"/>
+                        </a:rPr>
+                        <a:t>,</a:t>
+                      </a:r>
+                      <a:r>
+                        <a:rPr lang="en-US" sz="1800" b="0" i="0" kern="1200" baseline="0" dirty="0">
+                          <a:solidFill>
+                            <a:schemeClr val="dk1"/>
+                          </a:solidFill>
+                          <a:effectLst/>
+                          <a:latin typeface="+mn-lt"/>
+                          <a:ea typeface="+mn-ea"/>
+                          <a:cs typeface="+mn-cs"/>
+                        </a:rPr>
+                        <a:t> </a:t>
+                      </a:r>
+                      <a:r>
+                        <a:rPr lang="en-US" sz="1800" b="0" i="0" kern="1200" baseline="0" dirty="0" err="1">
+                          <a:solidFill>
+                            <a:schemeClr val="dk1"/>
+                          </a:solidFill>
+                          <a:effectLst/>
+                          <a:latin typeface="+mn-lt"/>
+                          <a:ea typeface="+mn-ea"/>
+                          <a:cs typeface="+mn-cs"/>
+                        </a:rPr>
+                        <a:t>img</a:t>
+                      </a:r>
+                      <a:r>
+                        <a:rPr lang="en-US" sz="1800" b="0" i="0" kern="1200" baseline="0" dirty="0">
+                          <a:solidFill>
+                            <a:schemeClr val="dk1"/>
+                          </a:solidFill>
+                          <a:effectLst/>
+                          <a:latin typeface="+mn-lt"/>
+                          <a:ea typeface="+mn-ea"/>
+                          <a:cs typeface="+mn-cs"/>
+                        </a:rPr>
+                        <a:t>: </a:t>
+                      </a:r>
+                      <a:r>
+                        <a:rPr lang="en-US" sz="1800" kern="1200" dirty="0">
+                          <a:solidFill>
+                            <a:schemeClr val="accent1">
+                              <a:lumMod val="75000"/>
+                            </a:schemeClr>
+                          </a:solidFill>
+                          <a:latin typeface="+mn-lt"/>
+                          <a:ea typeface="+mn-ea"/>
+                          <a:cs typeface="+mn-cs"/>
+                        </a:rPr>
+                        <a:t>String</a:t>
+                      </a:r>
+                      <a:r>
+                        <a:rPr lang="en-US" sz="1800" kern="1200" dirty="0">
+                          <a:solidFill>
+                            <a:schemeClr val="tx1"/>
+                          </a:solidFill>
+                          <a:latin typeface="+mn-lt"/>
+                          <a:ea typeface="+mn-ea"/>
+                          <a:cs typeface="+mn-cs"/>
+                        </a:rPr>
+                        <a:t>} ],</a:t>
+                      </a:r>
+                      <a:endParaRPr lang="en-US" sz="1800" b="0" i="0" kern="1200" dirty="0">
+                        <a:solidFill>
+                          <a:schemeClr val="dk1"/>
+                        </a:solidFill>
+                        <a:effectLst/>
+                        <a:latin typeface="+mn-lt"/>
+                        <a:ea typeface="+mn-ea"/>
+                        <a:cs typeface="+mn-cs"/>
+                      </a:endParaRPr>
+                    </a:p>
+                    <a:p>
+                      <a:r>
+                        <a:rPr lang="en-US" sz="1800" b="0" i="0" kern="1200" dirty="0">
+                          <a:solidFill>
+                            <a:schemeClr val="dk1"/>
+                          </a:solidFill>
+                          <a:effectLst/>
+                          <a:latin typeface="+mn-lt"/>
+                          <a:ea typeface="+mn-ea"/>
+                          <a:cs typeface="+mn-cs"/>
+                        </a:rPr>
+                        <a:t>	</a:t>
+                      </a:r>
+                      <a:r>
+                        <a:rPr lang="en-US" sz="1800" b="0" i="0" kern="1200" dirty="0" err="1">
+                          <a:solidFill>
+                            <a:schemeClr val="dk1"/>
+                          </a:solidFill>
+                          <a:effectLst/>
+                          <a:latin typeface="+mn-lt"/>
+                          <a:ea typeface="+mn-ea"/>
+                          <a:cs typeface="+mn-cs"/>
+                        </a:rPr>
+                        <a:t>participantCount</a:t>
+                      </a:r>
+                      <a:r>
+                        <a:rPr lang="en-US" sz="1800" b="0" i="0" kern="1200" dirty="0">
+                          <a:solidFill>
+                            <a:schemeClr val="dk1"/>
+                          </a:solidFill>
+                          <a:effectLst/>
+                          <a:latin typeface="+mn-lt"/>
+                          <a:ea typeface="+mn-ea"/>
+                          <a:cs typeface="+mn-cs"/>
+                        </a:rPr>
+                        <a:t>: </a:t>
+                      </a:r>
+                      <a:r>
+                        <a:rPr lang="en-US" sz="1800" kern="1200" dirty="0">
+                          <a:solidFill>
+                            <a:schemeClr val="accent1">
+                              <a:lumMod val="75000"/>
+                            </a:schemeClr>
+                          </a:solidFill>
+                          <a:latin typeface="+mn-lt"/>
+                          <a:ea typeface="+mn-ea"/>
+                          <a:cs typeface="+mn-cs"/>
+                        </a:rPr>
+                        <a:t>Number</a:t>
+                      </a:r>
+                    </a:p>
+                    <a:p>
+                      <a:r>
+                        <a:rPr lang="en-US" sz="1800" b="0" i="0" kern="1200" dirty="0">
+                          <a:solidFill>
+                            <a:schemeClr val="dk1"/>
+                          </a:solidFill>
+                          <a:effectLst/>
+                          <a:latin typeface="+mn-lt"/>
+                          <a:ea typeface="+mn-ea"/>
+                          <a:cs typeface="+mn-cs"/>
+                        </a:rPr>
+                        <a:t>                  description: </a:t>
+                      </a:r>
+                    </a:p>
+                    <a:p>
+                      <a:r>
+                        <a:rPr lang="en-US" sz="1800" b="0" i="0" kern="1200" dirty="0">
+                          <a:solidFill>
+                            <a:schemeClr val="dk1"/>
+                          </a:solidFill>
+                          <a:effectLst/>
+                          <a:latin typeface="+mn-lt"/>
+                          <a:ea typeface="+mn-ea"/>
+                          <a:cs typeface="+mn-cs"/>
+                        </a:rPr>
+                        <a:t>                  </a:t>
+                      </a:r>
+                      <a:r>
+                        <a:rPr lang="en-US" sz="1800" b="0" i="0" kern="1200" dirty="0" err="1">
+                          <a:solidFill>
+                            <a:schemeClr val="dk1"/>
+                          </a:solidFill>
+                          <a:effectLst/>
+                          <a:latin typeface="+mn-lt"/>
+                          <a:ea typeface="+mn-ea"/>
+                          <a:cs typeface="+mn-cs"/>
+                        </a:rPr>
+                        <a:t>bringItems</a:t>
+                      </a:r>
+                      <a:r>
+                        <a:rPr lang="en-US" sz="1800" b="0" i="0" kern="1200" dirty="0">
+                          <a:solidFill>
+                            <a:schemeClr val="dk1"/>
+                          </a:solidFill>
+                          <a:effectLst/>
+                          <a:latin typeface="+mn-lt"/>
+                          <a:ea typeface="+mn-ea"/>
+                          <a:cs typeface="+mn-cs"/>
+                        </a:rPr>
+                        <a:t>: [ { id:</a:t>
+                      </a:r>
+                      <a:r>
+                        <a:rPr lang="en-US" sz="1800" b="0" i="0" kern="1200" baseline="0" dirty="0">
+                          <a:solidFill>
+                            <a:schemeClr val="dk1"/>
+                          </a:solidFill>
+                          <a:effectLst/>
+                          <a:latin typeface="+mn-lt"/>
+                          <a:ea typeface="+mn-ea"/>
+                          <a:cs typeface="+mn-cs"/>
+                        </a:rPr>
+                        <a:t> </a:t>
+                      </a:r>
+                      <a:r>
+                        <a:rPr lang="en-US" sz="1800" kern="1200" dirty="0">
+                          <a:solidFill>
+                            <a:schemeClr val="accent1">
+                              <a:lumMod val="75000"/>
+                            </a:schemeClr>
+                          </a:solidFill>
+                          <a:latin typeface="+mn-lt"/>
+                          <a:ea typeface="+mn-ea"/>
+                          <a:cs typeface="+mn-cs"/>
+                        </a:rPr>
+                        <a:t>String</a:t>
+                      </a:r>
+                      <a:r>
+                        <a:rPr lang="en-US" sz="1800" b="0" i="0" kern="1200" baseline="0" dirty="0">
+                          <a:solidFill>
+                            <a:schemeClr val="dk1"/>
+                          </a:solidFill>
+                          <a:effectLst/>
+                          <a:latin typeface="+mn-lt"/>
+                          <a:ea typeface="+mn-ea"/>
+                          <a:cs typeface="+mn-cs"/>
+                        </a:rPr>
+                        <a:t>, name: </a:t>
+                      </a:r>
+                      <a:r>
+                        <a:rPr lang="en-US" sz="1800" kern="1200" dirty="0">
+                          <a:solidFill>
+                            <a:schemeClr val="accent1">
+                              <a:lumMod val="75000"/>
+                            </a:schemeClr>
+                          </a:solidFill>
+                          <a:latin typeface="+mn-lt"/>
+                          <a:ea typeface="+mn-ea"/>
+                          <a:cs typeface="+mn-cs"/>
+                        </a:rPr>
+                        <a:t>String</a:t>
+                      </a:r>
+                      <a:r>
+                        <a:rPr lang="en-US" sz="1800" b="0" i="0" kern="1200" baseline="0" dirty="0">
+                          <a:solidFill>
+                            <a:schemeClr val="dk1"/>
+                          </a:solidFill>
+                          <a:effectLst/>
+                          <a:latin typeface="+mn-lt"/>
+                          <a:ea typeface="+mn-ea"/>
+                          <a:cs typeface="+mn-cs"/>
+                        </a:rPr>
+                        <a:t>, quantity: </a:t>
+                      </a:r>
+                      <a:r>
+                        <a:rPr lang="en-US" sz="1800" kern="1200" dirty="0">
+                          <a:solidFill>
+                            <a:schemeClr val="accent1">
+                              <a:lumMod val="75000"/>
+                            </a:schemeClr>
+                          </a:solidFill>
+                          <a:latin typeface="+mn-lt"/>
+                          <a:ea typeface="+mn-ea"/>
+                          <a:cs typeface="+mn-cs"/>
+                        </a:rPr>
+                        <a:t>Number</a:t>
+                      </a:r>
+                      <a:r>
+                        <a:rPr lang="en-US" sz="1800" b="0" i="0" kern="1200" baseline="0" dirty="0">
+                          <a:solidFill>
+                            <a:schemeClr val="dk1"/>
+                          </a:solidFill>
+                          <a:effectLst/>
+                          <a:latin typeface="+mn-lt"/>
+                          <a:ea typeface="+mn-ea"/>
+                          <a:cs typeface="+mn-cs"/>
+                        </a:rPr>
+                        <a:t>,</a:t>
+                      </a:r>
+                    </a:p>
+                    <a:p>
+                      <a:r>
+                        <a:rPr lang="en-US" sz="1800" b="0" i="0" kern="1200" baseline="0" dirty="0">
+                          <a:solidFill>
+                            <a:schemeClr val="dk1"/>
+                          </a:solidFill>
+                          <a:effectLst/>
+                          <a:latin typeface="+mn-lt"/>
+                          <a:ea typeface="+mn-ea"/>
+                          <a:cs typeface="+mn-cs"/>
+                        </a:rPr>
+                        <a:t>                                                assigned: [ </a:t>
+                      </a:r>
+                      <a:r>
+                        <a:rPr lang="en-US" sz="1800" kern="1200" dirty="0">
+                          <a:solidFill>
+                            <a:schemeClr val="accent1">
+                              <a:lumMod val="75000"/>
+                            </a:schemeClr>
+                          </a:solidFill>
+                          <a:latin typeface="+mn-lt"/>
+                          <a:ea typeface="+mn-ea"/>
+                          <a:cs typeface="+mn-cs"/>
+                        </a:rPr>
+                        <a:t>String</a:t>
+                      </a:r>
+                      <a:r>
+                        <a:rPr lang="en-US" sz="1800" b="0" i="0" kern="1200" baseline="0" dirty="0">
+                          <a:solidFill>
+                            <a:schemeClr val="dk1"/>
+                          </a:solidFill>
+                          <a:effectLst/>
+                          <a:latin typeface="+mn-lt"/>
+                          <a:ea typeface="+mn-ea"/>
+                          <a:cs typeface="+mn-cs"/>
+                        </a:rPr>
+                        <a:t> ] } ]</a:t>
+                      </a:r>
+                      <a:endParaRPr lang="en-US" sz="1800" b="0" i="0" kern="1200" dirty="0">
+                        <a:solidFill>
+                          <a:schemeClr val="dk1"/>
+                        </a:solidFill>
+                        <a:effectLst/>
+                        <a:latin typeface="+mn-lt"/>
+                        <a:ea typeface="+mn-ea"/>
+                        <a:cs typeface="+mn-cs"/>
+                      </a:endParaRPr>
+                    </a:p>
+                    <a:p>
+                      <a:r>
+                        <a:rPr lang="en-US" sz="1800" b="0" i="0" kern="1200" dirty="0">
+                          <a:solidFill>
+                            <a:schemeClr val="dk1"/>
+                          </a:solidFill>
+                          <a:effectLst/>
+                          <a:latin typeface="+mn-lt"/>
+                          <a:ea typeface="+mn-ea"/>
+                          <a:cs typeface="+mn-cs"/>
+                        </a:rPr>
+                        <a:t>}</a:t>
+                      </a:r>
+                    </a:p>
+                  </a:txBody>
+                  <a:tcPr anchor="ctr">
+                    <a:lnL w="12700" cap="flat" cmpd="sng" algn="ctr">
+                      <a:solidFill>
+                        <a:schemeClr val="tx1"/>
+                      </a:solidFill>
+                      <a:prstDash val="solid"/>
+                      <a:round/>
+                      <a:headEnd type="none" w="med" len="med"/>
+                      <a:tailEnd type="none" w="med" len="med"/>
+                    </a:lnL>
+                    <a:lnR w="12700" cap="flat" cmpd="sng" algn="ctr">
+                      <a:solidFill>
+                        <a:schemeClr val="tx1"/>
+                      </a:solidFill>
+                      <a:prstDash val="solid"/>
+                      <a:round/>
+                      <a:headEnd type="none" w="med" len="med"/>
+                      <a:tailEnd type="none" w="med" len="med"/>
+                    </a:lnR>
+                    <a:lnT w="12700" cap="flat" cmpd="sng" algn="ctr">
+                      <a:solidFill>
+                        <a:schemeClr val="tx1"/>
+                      </a:solidFill>
+                      <a:prstDash val="solid"/>
+                      <a:round/>
+                      <a:headEnd type="none" w="med" len="med"/>
+                      <a:tailEnd type="none" w="med" len="med"/>
+                    </a:lnT>
+                    <a:lnB w="12700" cap="flat" cmpd="sng" algn="ctr">
+                      <a:solidFill>
+                        <a:schemeClr val="tx1"/>
+                      </a:solidFill>
+                      <a:prstDash val="solid"/>
+                      <a:round/>
+                      <a:headEnd type="none" w="med" len="med"/>
+                      <a:tailEnd type="none" w="med" len="med"/>
+                    </a:lnB>
+                    <a:noFill/>
+                  </a:tcPr>
+                </a:tc>
+                <a:tc hMerge="1">
+                  <a:txBody>
+                    <a:bodyPr/>
+                    <a:lstStyle/>
+                    <a:p>
+                      <a:endParaRPr lang="de-DE"/>
+                    </a:p>
+                  </a:txBody>
+                  <a:tcPr/>
+                </a:tc>
+                <a:tc hMerge="1">
+                  <a:txBody>
+                    <a:bodyPr/>
+                    <a:lstStyle/>
+                    <a:p>
+                      <a:endParaRPr lang="de-DE"/>
+                    </a:p>
+                  </a:txBody>
+                  <a:tcPr/>
+                </a:tc>
+                <a:tc hMerge="1">
+                  <a:txBody>
+                    <a:bodyPr/>
+                    <a:lstStyle/>
+                    <a:p>
+                      <a:endParaRPr lang="de-DE"/>
+                    </a:p>
+                  </a:txBody>
+                  <a:tcPr/>
+                </a:tc>
+                <a:extLst>
+                  <a:ext uri="{0D108BD9-81ED-4DB2-BD59-A6C34878D82A}">
+                    <a16:rowId xmlns:a16="http://schemas.microsoft.com/office/drawing/2014/main" val="3078822959"/>
+                  </a:ext>
+                </a:extLst>
+              </a:tr>
+              <a:tr h="396160">
+                <a:tc>
+                  <a:txBody>
+                    <a:bodyPr/>
+                    <a:lstStyle/>
+                    <a:p>
+                      <a:endParaRPr lang="de-DE" dirty="0">
+                        <a:solidFill>
+                          <a:sysClr val="windowText" lastClr="000000"/>
+                        </a:solidFill>
+                      </a:endParaRPr>
+                    </a:p>
+                  </a:txBody>
+                  <a:tcPr anchor="ctr">
+                    <a:lnL w="12700" cap="flat" cmpd="sng" algn="ctr">
+                      <a:solidFill>
+                        <a:schemeClr val="tx1"/>
+                      </a:solidFill>
+                      <a:prstDash val="solid"/>
+                      <a:round/>
+                      <a:headEnd type="none" w="med" len="med"/>
+                      <a:tailEnd type="none" w="med" len="med"/>
+                    </a:lnL>
+                    <a:lnR w="12700" cap="flat" cmpd="sng" algn="ctr">
+                      <a:solidFill>
+                        <a:schemeClr val="tx1"/>
+                      </a:solidFill>
+                      <a:prstDash val="solid"/>
+                      <a:round/>
+                      <a:headEnd type="none" w="med" len="med"/>
+                      <a:tailEnd type="none" w="med" len="med"/>
+                    </a:lnR>
+                    <a:lnT w="12700" cap="flat" cmpd="sng" algn="ctr">
+                      <a:solidFill>
+                        <a:schemeClr val="tx1"/>
+                      </a:solidFill>
+                      <a:prstDash val="solid"/>
+                      <a:round/>
+                      <a:headEnd type="none" w="med" len="med"/>
+                      <a:tailEnd type="none" w="med" len="med"/>
+                    </a:lnT>
+                    <a:lnB w="12700" cap="flat" cmpd="sng" algn="ctr">
+                      <a:solidFill>
+                        <a:schemeClr val="tx1"/>
+                      </a:solidFill>
+                      <a:prstDash val="solid"/>
+                      <a:round/>
+                      <a:headEnd type="none" w="med" len="med"/>
+                      <a:tailEnd type="none" w="med" len="med"/>
+                    </a:lnB>
+                    <a:lnTlToBr w="12700" cmpd="sng">
+                      <a:noFill/>
+                      <a:prstDash val="solid"/>
+                    </a:lnTlToBr>
+                    <a:lnBlToTr w="12700" cmpd="sng">
+                      <a:noFill/>
+                      <a:prstDash val="solid"/>
+                    </a:lnBlToTr>
+                    <a:noFill/>
+                  </a:tcPr>
+                </a:tc>
+                <a:tc>
+                  <a:txBody>
+                    <a:bodyPr/>
+                    <a:lstStyle/>
+                    <a:p>
+                      <a:r>
+                        <a:rPr lang="de-DE" dirty="0"/>
+                        <a:t>401</a:t>
+                      </a:r>
+                    </a:p>
+                  </a:txBody>
+                  <a:tcPr anchor="ctr">
+                    <a:lnL w="12700" cap="flat" cmpd="sng" algn="ctr">
+                      <a:solidFill>
+                        <a:schemeClr val="tx1"/>
+                      </a:solidFill>
+                      <a:prstDash val="solid"/>
+                      <a:round/>
+                      <a:headEnd type="none" w="med" len="med"/>
+                      <a:tailEnd type="none" w="med" len="med"/>
+                    </a:lnL>
+                    <a:lnR w="12700" cap="flat" cmpd="sng" algn="ctr">
+                      <a:solidFill>
+                        <a:schemeClr val="tx1"/>
+                      </a:solidFill>
+                      <a:prstDash val="solid"/>
+                      <a:round/>
+                      <a:headEnd type="none" w="med" len="med"/>
+                      <a:tailEnd type="none" w="med" len="med"/>
+                    </a:lnR>
+                    <a:lnT w="12700" cap="flat" cmpd="sng" algn="ctr">
+                      <a:solidFill>
+                        <a:schemeClr val="tx1"/>
+                      </a:solidFill>
+                      <a:prstDash val="solid"/>
+                      <a:round/>
+                      <a:headEnd type="none" w="med" len="med"/>
+                      <a:tailEnd type="none" w="med" len="med"/>
+                    </a:lnT>
+                    <a:lnB w="12700" cap="flat" cmpd="sng" algn="ctr">
+                      <a:solidFill>
+                        <a:schemeClr val="tx1"/>
+                      </a:solidFill>
+                      <a:prstDash val="solid"/>
+                      <a:round/>
+                      <a:headEnd type="none" w="med" len="med"/>
+                      <a:tailEnd type="none" w="med" len="med"/>
+                    </a:lnB>
+                    <a:noFill/>
+                  </a:tcPr>
+                </a:tc>
+                <a:tc gridSpan="4">
+                  <a:txBody>
+                    <a:bodyPr/>
+                    <a:lstStyle/>
+                    <a:p>
+                      <a:r>
+                        <a:rPr lang="en-US" sz="1800" b="0" i="0" kern="1200" dirty="0">
+                          <a:solidFill>
+                            <a:schemeClr val="dk1"/>
+                          </a:solidFill>
+                          <a:effectLst/>
+                          <a:latin typeface="+mn-lt"/>
+                          <a:ea typeface="+mn-ea"/>
+                          <a:cs typeface="+mn-cs"/>
+                        </a:rPr>
+                        <a:t>{"</a:t>
+                      </a:r>
+                      <a:r>
+                        <a:rPr lang="en-US" sz="1800" b="0" i="0" kern="1200" dirty="0" err="1">
+                          <a:solidFill>
+                            <a:schemeClr val="dk1"/>
+                          </a:solidFill>
+                          <a:effectLst/>
+                          <a:latin typeface="+mn-lt"/>
+                          <a:ea typeface="+mn-ea"/>
+                          <a:cs typeface="+mn-cs"/>
+                        </a:rPr>
+                        <a:t>status":"No</a:t>
+                      </a:r>
+                      <a:r>
+                        <a:rPr lang="en-US" sz="1800" b="0" i="0" kern="1200" dirty="0">
+                          <a:solidFill>
+                            <a:schemeClr val="dk1"/>
+                          </a:solidFill>
+                          <a:effectLst/>
+                          <a:latin typeface="+mn-lt"/>
+                          <a:ea typeface="+mn-ea"/>
+                          <a:cs typeface="+mn-cs"/>
+                        </a:rPr>
+                        <a:t> user is logged in"}</a:t>
+                      </a:r>
+                      <a:endParaRPr lang="de-DE" dirty="0"/>
+                    </a:p>
+                  </a:txBody>
+                  <a:tcPr anchor="ctr">
+                    <a:lnL w="12700" cap="flat" cmpd="sng" algn="ctr">
+                      <a:solidFill>
+                        <a:schemeClr val="tx1"/>
+                      </a:solidFill>
+                      <a:prstDash val="solid"/>
+                      <a:round/>
+                      <a:headEnd type="none" w="med" len="med"/>
+                      <a:tailEnd type="none" w="med" len="med"/>
+                    </a:lnL>
+                    <a:lnR w="12700" cap="flat" cmpd="sng" algn="ctr">
+                      <a:solidFill>
+                        <a:schemeClr val="tx1"/>
+                      </a:solidFill>
+                      <a:prstDash val="solid"/>
+                      <a:round/>
+                      <a:headEnd type="none" w="med" len="med"/>
+                      <a:tailEnd type="none" w="med" len="med"/>
+                    </a:lnR>
+                    <a:lnT w="12700" cap="flat" cmpd="sng" algn="ctr">
+                      <a:solidFill>
+                        <a:schemeClr val="tx1"/>
+                      </a:solidFill>
+                      <a:prstDash val="solid"/>
+                      <a:round/>
+                      <a:headEnd type="none" w="med" len="med"/>
+                      <a:tailEnd type="none" w="med" len="med"/>
+                    </a:lnT>
+                    <a:lnB w="12700" cap="flat" cmpd="sng" algn="ctr">
+                      <a:solidFill>
+                        <a:schemeClr val="tx1"/>
+                      </a:solidFill>
+                      <a:prstDash val="solid"/>
+                      <a:round/>
+                      <a:headEnd type="none" w="med" len="med"/>
+                      <a:tailEnd type="none" w="med" len="med"/>
+                    </a:lnB>
+                    <a:noFill/>
+                  </a:tcPr>
+                </a:tc>
+                <a:tc hMerge="1">
+                  <a:txBody>
+                    <a:bodyPr/>
+                    <a:lstStyle/>
+                    <a:p>
+                      <a:endParaRPr lang="de-DE"/>
+                    </a:p>
+                  </a:txBody>
+                  <a:tcPr/>
+                </a:tc>
+                <a:tc hMerge="1">
+                  <a:txBody>
+                    <a:bodyPr/>
+                    <a:lstStyle/>
+                    <a:p>
+                      <a:endParaRPr lang="de-DE"/>
+                    </a:p>
+                  </a:txBody>
+                  <a:tcPr/>
+                </a:tc>
+                <a:tc hMerge="1">
+                  <a:txBody>
+                    <a:bodyPr/>
+                    <a:lstStyle/>
+                    <a:p>
+                      <a:endParaRPr lang="de-DE"/>
+                    </a:p>
+                  </a:txBody>
+                  <a:tcPr/>
+                </a:tc>
+                <a:extLst>
+                  <a:ext uri="{0D108BD9-81ED-4DB2-BD59-A6C34878D82A}">
+                    <a16:rowId xmlns:a16="http://schemas.microsoft.com/office/drawing/2014/main" val="247276148"/>
+                  </a:ext>
+                </a:extLst>
+              </a:tr>
+              <a:tr h="546001">
+                <a:tc>
+                  <a:txBody>
+                    <a:bodyPr/>
+                    <a:lstStyle/>
+                    <a:p>
+                      <a:endParaRPr lang="de-DE" dirty="0">
+                        <a:solidFill>
+                          <a:sysClr val="windowText" lastClr="000000"/>
+                        </a:solidFill>
+                      </a:endParaRPr>
+                    </a:p>
+                  </a:txBody>
+                  <a:tcPr anchor="ctr">
+                    <a:lnL w="12700" cap="flat" cmpd="sng" algn="ctr">
+                      <a:noFill/>
+                      <a:prstDash val="solid"/>
+                      <a:round/>
+                      <a:headEnd type="none" w="med" len="med"/>
+                      <a:tailEnd type="none" w="med" len="med"/>
+                    </a:lnL>
+                    <a:lnR w="12700" cap="flat" cmpd="sng" algn="ctr">
+                      <a:solidFill>
+                        <a:schemeClr val="tx1"/>
+                      </a:solidFill>
+                      <a:prstDash val="solid"/>
+                      <a:round/>
+                      <a:headEnd type="none" w="med" len="med"/>
+                      <a:tailEnd type="none" w="med" len="med"/>
+                    </a:lnR>
+                    <a:lnT w="12700" cap="flat" cmpd="sng" algn="ctr">
+                      <a:solidFill>
+                        <a:schemeClr val="tx1"/>
+                      </a:solidFill>
+                      <a:prstDash val="solid"/>
+                      <a:round/>
+                      <a:headEnd type="none" w="med" len="med"/>
+                      <a:tailEnd type="none" w="med" len="med"/>
+                    </a:lnT>
+                    <a:lnB w="12700" cap="flat" cmpd="sng" algn="ctr">
+                      <a:noFill/>
+                      <a:prstDash val="solid"/>
+                      <a:round/>
+                      <a:headEnd type="none" w="med" len="med"/>
+                      <a:tailEnd type="none" w="med" len="med"/>
+                    </a:lnB>
+                    <a:noFill/>
+                  </a:tcPr>
+                </a:tc>
+                <a:tc>
+                  <a:txBody>
+                    <a:bodyPr/>
+                    <a:lstStyle/>
+                    <a:p>
+                      <a:r>
+                        <a:rPr lang="de-DE" dirty="0"/>
+                        <a:t>401</a:t>
+                      </a:r>
+                    </a:p>
+                  </a:txBody>
+                  <a:tcPr anchor="ctr">
+                    <a:lnL w="12700" cap="flat" cmpd="sng" algn="ctr">
+                      <a:solidFill>
+                        <a:schemeClr val="tx1"/>
+                      </a:solidFill>
+                      <a:prstDash val="solid"/>
+                      <a:round/>
+                      <a:headEnd type="none" w="med" len="med"/>
+                      <a:tailEnd type="none" w="med" len="med"/>
+                    </a:lnL>
+                    <a:lnR w="12700" cap="flat" cmpd="sng" algn="ctr">
+                      <a:solidFill>
+                        <a:schemeClr val="tx1"/>
+                      </a:solidFill>
+                      <a:prstDash val="solid"/>
+                      <a:round/>
+                      <a:headEnd type="none" w="med" len="med"/>
+                      <a:tailEnd type="none" w="med" len="med"/>
+                    </a:lnR>
+                    <a:lnT w="12700" cap="flat" cmpd="sng" algn="ctr">
+                      <a:solidFill>
+                        <a:schemeClr val="tx1"/>
+                      </a:solidFill>
+                      <a:prstDash val="solid"/>
+                      <a:round/>
+                      <a:headEnd type="none" w="med" len="med"/>
+                      <a:tailEnd type="none" w="med" len="med"/>
+                    </a:lnT>
+                    <a:lnB w="12700" cap="flat" cmpd="sng" algn="ctr">
+                      <a:solidFill>
+                        <a:schemeClr val="tx1"/>
+                      </a:solidFill>
+                      <a:prstDash val="solid"/>
+                      <a:round/>
+                      <a:headEnd type="none" w="med" len="med"/>
+                      <a:tailEnd type="none" w="med" len="med"/>
+                    </a:lnB>
+                    <a:noFill/>
+                  </a:tcPr>
+                </a:tc>
+                <a:tc gridSpan="4">
+                  <a:txBody>
+                    <a:bodyPr/>
+                    <a:lstStyle/>
+                    <a:p>
+                      <a:pPr marL="0" marR="0" lvl="0" indent="0" algn="l" defTabSz="914400" rtl="0" eaLnBrk="1" fontAlgn="auto" latinLnBrk="0" hangingPunct="1">
+                        <a:lnSpc>
+                          <a:spcPct val="100000"/>
+                        </a:lnSpc>
+                        <a:spcBef>
+                          <a:spcPts val="0"/>
+                        </a:spcBef>
+                        <a:spcAft>
+                          <a:spcPts val="0"/>
+                        </a:spcAft>
+                        <a:buClrTx/>
+                        <a:buSzTx/>
+                        <a:buFontTx/>
+                        <a:buNone/>
+                        <a:tabLst/>
+                        <a:defRPr/>
+                      </a:pPr>
+                      <a:r>
+                        <a:rPr lang="en-US" sz="1800" b="0" i="0" kern="1200" dirty="0">
+                          <a:solidFill>
+                            <a:schemeClr val="dk1"/>
+                          </a:solidFill>
+                          <a:effectLst/>
+                          <a:latin typeface="+mn-lt"/>
+                          <a:ea typeface="+mn-ea"/>
+                          <a:cs typeface="+mn-cs"/>
+                        </a:rPr>
+                        <a:t>{"</a:t>
+                      </a:r>
+                      <a:r>
+                        <a:rPr lang="en-US" sz="1800" b="0" i="0" kern="1200" dirty="0" err="1">
+                          <a:solidFill>
+                            <a:schemeClr val="dk1"/>
+                          </a:solidFill>
+                          <a:effectLst/>
+                          <a:latin typeface="+mn-lt"/>
+                          <a:ea typeface="+mn-ea"/>
+                          <a:cs typeface="+mn-cs"/>
+                        </a:rPr>
+                        <a:t>status":"User</a:t>
+                      </a:r>
+                      <a:r>
+                        <a:rPr lang="en-US" sz="1800" b="0" i="0" kern="1200" dirty="0">
+                          <a:solidFill>
+                            <a:schemeClr val="dk1"/>
+                          </a:solidFill>
+                          <a:effectLst/>
+                          <a:latin typeface="+mn-lt"/>
+                          <a:ea typeface="+mn-ea"/>
+                          <a:cs typeface="+mn-cs"/>
+                        </a:rPr>
+                        <a:t> is not authorized</a:t>
+                      </a:r>
+                      <a:r>
+                        <a:rPr lang="en-US" sz="1800" b="0" i="0" kern="1200" baseline="0" dirty="0">
+                          <a:solidFill>
+                            <a:schemeClr val="dk1"/>
+                          </a:solidFill>
+                          <a:effectLst/>
+                          <a:latin typeface="+mn-lt"/>
+                          <a:ea typeface="+mn-ea"/>
+                          <a:cs typeface="+mn-cs"/>
+                        </a:rPr>
+                        <a:t> to </a:t>
+                      </a:r>
+                      <a:r>
+                        <a:rPr lang="en-US" sz="1800" b="0" i="0" kern="1200" dirty="0">
+                          <a:solidFill>
+                            <a:schemeClr val="dk1"/>
+                          </a:solidFill>
+                          <a:effectLst/>
+                          <a:latin typeface="+mn-lt"/>
+                          <a:ea typeface="+mn-ea"/>
+                          <a:cs typeface="+mn-cs"/>
+                        </a:rPr>
+                        <a:t>the event"}</a:t>
+                      </a:r>
+                      <a:endParaRPr lang="de-DE" dirty="0"/>
+                    </a:p>
+                  </a:txBody>
+                  <a:tcPr anchor="ctr">
+                    <a:lnL w="12700" cap="flat" cmpd="sng" algn="ctr">
+                      <a:solidFill>
+                        <a:schemeClr val="tx1"/>
+                      </a:solidFill>
+                      <a:prstDash val="solid"/>
+                      <a:round/>
+                      <a:headEnd type="none" w="med" len="med"/>
+                      <a:tailEnd type="none" w="med" len="med"/>
+                    </a:lnL>
+                    <a:lnR w="12700" cap="flat" cmpd="sng" algn="ctr">
+                      <a:solidFill>
+                        <a:schemeClr val="tx1"/>
+                      </a:solidFill>
+                      <a:prstDash val="solid"/>
+                      <a:round/>
+                      <a:headEnd type="none" w="med" len="med"/>
+                      <a:tailEnd type="none" w="med" len="med"/>
+                    </a:lnR>
+                    <a:lnT w="12700" cap="flat" cmpd="sng" algn="ctr">
+                      <a:solidFill>
+                        <a:schemeClr val="tx1"/>
+                      </a:solidFill>
+                      <a:prstDash val="solid"/>
+                      <a:round/>
+                      <a:headEnd type="none" w="med" len="med"/>
+                      <a:tailEnd type="none" w="med" len="med"/>
+                    </a:lnT>
+                    <a:lnB w="12700" cap="flat" cmpd="sng" algn="ctr">
+                      <a:solidFill>
+                        <a:schemeClr val="tx1"/>
+                      </a:solidFill>
+                      <a:prstDash val="solid"/>
+                      <a:round/>
+                      <a:headEnd type="none" w="med" len="med"/>
+                      <a:tailEnd type="none" w="med" len="med"/>
+                    </a:lnB>
+                    <a:noFill/>
+                  </a:tcPr>
+                </a:tc>
+                <a:tc hMerge="1">
+                  <a:txBody>
+                    <a:bodyPr/>
+                    <a:lstStyle/>
+                    <a:p>
+                      <a:endParaRPr lang="de-DE"/>
+                    </a:p>
+                  </a:txBody>
+                  <a:tcPr/>
+                </a:tc>
+                <a:tc hMerge="1">
+                  <a:txBody>
+                    <a:bodyPr/>
+                    <a:lstStyle/>
+                    <a:p>
+                      <a:endParaRPr lang="de-DE"/>
+                    </a:p>
+                  </a:txBody>
+                  <a:tcPr/>
+                </a:tc>
+                <a:tc hMerge="1">
+                  <a:txBody>
+                    <a:bodyPr/>
+                    <a:lstStyle/>
+                    <a:p>
+                      <a:endParaRPr lang="de-DE"/>
+                    </a:p>
+                  </a:txBody>
+                  <a:tcPr/>
+                </a:tc>
+                <a:extLst>
+                  <a:ext uri="{0D108BD9-81ED-4DB2-BD59-A6C34878D82A}">
+                    <a16:rowId xmlns:a16="http://schemas.microsoft.com/office/drawing/2014/main" val="994510799"/>
+                  </a:ext>
+                </a:extLst>
+              </a:tr>
+            </a:tbl>
+          </a:graphicData>
+        </a:graphic>
+      </p:graphicFrame>
+    </p:spTree>
+    <p:extLst>
+      <p:ext uri="{BB962C8B-B14F-4D97-AF65-F5344CB8AC3E}">
+        <p14:creationId xmlns:p14="http://schemas.microsoft.com/office/powerpoint/2010/main" val="1766910944"/>
+      </p:ext>
+    </p:extLst>
+  </p:cSld>
+  <p:clrMapOvr>
+    <a:masterClrMapping/>
+  </p:clrMapOvr>
+</p:sld>
+</file>
+
+<file path=ppt/slides/slide9.xml><?xml version="1.0" encoding="utf-8"?>
+<p:sld xmlns:a="http://schemas.openxmlformats.org/drawingml/2006/main" xmlns:r="http://schemas.openxmlformats.org/officeDocument/2006/relationships" xmlns:p="http://schemas.openxmlformats.org/presentationml/2006/main">
+  <p:cSld>
+    <p:spTree>
+      <p:nvGrpSpPr>
+        <p:cNvPr id="1" name=""/>
+        <p:cNvGrpSpPr/>
+        <p:nvPr/>
+      </p:nvGrpSpPr>
+      <p:grpSpPr>
+        <a:xfrm>
+          <a:off x="0" y="0"/>
+          <a:ext cx="0" cy="0"/>
+          <a:chOff x="0" y="0"/>
+          <a:chExt cx="0" cy="0"/>
+        </a:xfrm>
+      </p:grpSpPr>
+      <p:sp>
+        <p:nvSpPr>
+          <p:cNvPr id="4" name="Footer Placeholder 3"/>
+          <p:cNvSpPr>
+            <a:spLocks noGrp="1"/>
+          </p:cNvSpPr>
+          <p:nvPr>
+            <p:ph type="ftr" sz="quarter" idx="11"/>
+          </p:nvPr>
+        </p:nvSpPr>
+        <p:spPr/>
+        <p:txBody>
+          <a:bodyPr/>
+          <a:lstStyle/>
+          <a:p>
+            <a:r>
+              <a:rPr lang="de-DE"/>
+              <a:t>partylive Service Definition</a:t>
+            </a:r>
+          </a:p>
+        </p:txBody>
+      </p:sp>
+      <p:sp>
+        <p:nvSpPr>
+          <p:cNvPr id="5" name="Slide Number Placeholder 4"/>
+          <p:cNvSpPr>
+            <a:spLocks noGrp="1"/>
+          </p:cNvSpPr>
+          <p:nvPr>
+            <p:ph type="sldNum" sz="quarter" idx="12"/>
+          </p:nvPr>
+        </p:nvSpPr>
+        <p:spPr/>
+        <p:txBody>
+          <a:bodyPr/>
+          <a:lstStyle/>
+          <a:p>
+            <a:fld id="{2FFD189B-FC70-467B-8D46-305D7B719983}" type="slidenum">
+              <a:rPr lang="de-DE" smtClean="0"/>
+              <a:t>9</a:t>
+            </a:fld>
+            <a:endParaRPr lang="de-DE"/>
+          </a:p>
+        </p:txBody>
+      </p:sp>
+      <p:graphicFrame>
+        <p:nvGraphicFramePr>
+          <p:cNvPr id="7" name="Table 6"/>
+          <p:cNvGraphicFramePr>
+            <a:graphicFrameLocks noGrp="1"/>
+          </p:cNvGraphicFramePr>
+          <p:nvPr>
+            <p:extLst>
+              <p:ext uri="{D42A27DB-BD31-4B8C-83A1-F6EECF244321}">
+                <p14:modId xmlns:p14="http://schemas.microsoft.com/office/powerpoint/2010/main" val="2555009503"/>
+              </p:ext>
+            </p:extLst>
+          </p:nvPr>
+        </p:nvGraphicFramePr>
+        <p:xfrm>
+          <a:off x="835857" y="506537"/>
+          <a:ext cx="10520286" cy="5056149"/>
+        </p:xfrm>
+        <a:graphic>
+          <a:graphicData uri="http://schemas.openxmlformats.org/drawingml/2006/table">
+            <a:tbl>
+              <a:tblPr firstRow="1" bandRow="1">
+                <a:tableStyleId>{5C22544A-7EE6-4342-B048-85BDC9FD1C3A}</a:tableStyleId>
+              </a:tblPr>
+              <a:tblGrid>
+                <a:gridCol w="1669988">
+                  <a:extLst>
+                    <a:ext uri="{9D8B030D-6E8A-4147-A177-3AD203B41FA5}">
+                      <a16:colId xmlns:a16="http://schemas.microsoft.com/office/drawing/2014/main" val="2704125389"/>
+                    </a:ext>
+                  </a:extLst>
+                </a:gridCol>
+                <a:gridCol w="1757779">
+                  <a:extLst>
+                    <a:ext uri="{9D8B030D-6E8A-4147-A177-3AD203B41FA5}">
+                      <a16:colId xmlns:a16="http://schemas.microsoft.com/office/drawing/2014/main" val="2832046579"/>
+                    </a:ext>
+                  </a:extLst>
+                </a:gridCol>
+                <a:gridCol w="1187265">
+                  <a:extLst>
+                    <a:ext uri="{9D8B030D-6E8A-4147-A177-3AD203B41FA5}">
+                      <a16:colId xmlns:a16="http://schemas.microsoft.com/office/drawing/2014/main" val="3622771183"/>
+                    </a:ext>
+                  </a:extLst>
+                </a:gridCol>
+                <a:gridCol w="2026452">
+                  <a:extLst>
+                    <a:ext uri="{9D8B030D-6E8A-4147-A177-3AD203B41FA5}">
+                      <a16:colId xmlns:a16="http://schemas.microsoft.com/office/drawing/2014/main" val="1359834070"/>
+                    </a:ext>
+                  </a:extLst>
+                </a:gridCol>
+                <a:gridCol w="1774745">
+                  <a:extLst>
+                    <a:ext uri="{9D8B030D-6E8A-4147-A177-3AD203B41FA5}">
+                      <a16:colId xmlns:a16="http://schemas.microsoft.com/office/drawing/2014/main" val="2635870529"/>
+                    </a:ext>
+                  </a:extLst>
+                </a:gridCol>
+                <a:gridCol w="2104057">
+                  <a:extLst>
+                    <a:ext uri="{9D8B030D-6E8A-4147-A177-3AD203B41FA5}">
+                      <a16:colId xmlns:a16="http://schemas.microsoft.com/office/drawing/2014/main" val="3235653632"/>
+                    </a:ext>
+                  </a:extLst>
+                </a:gridCol>
+              </a:tblGrid>
+              <a:tr h="887196">
+                <a:tc>
+                  <a:txBody>
+                    <a:bodyPr/>
+                    <a:lstStyle/>
+                    <a:p>
+                      <a:pPr algn="l"/>
+                      <a:r>
+                        <a:rPr lang="de-DE" dirty="0">
+                          <a:solidFill>
+                            <a:sysClr val="windowText" lastClr="000000"/>
+                          </a:solidFill>
+                        </a:rPr>
+                        <a:t>SERVICE:</a:t>
+                      </a:r>
+                    </a:p>
+                  </a:txBody>
+                  <a:tcPr anchor="ctr">
+                    <a:lnL w="12700" cap="flat" cmpd="sng" algn="ctr">
+                      <a:solidFill>
+                        <a:schemeClr val="tx1"/>
+                      </a:solidFill>
+                      <a:prstDash val="solid"/>
+                      <a:round/>
+                      <a:headEnd type="none" w="med" len="med"/>
+                      <a:tailEnd type="none" w="med" len="med"/>
+                    </a:lnL>
+                    <a:lnR w="12700" cap="flat" cmpd="sng" algn="ctr">
+                      <a:solidFill>
+                        <a:schemeClr val="tx1"/>
+                      </a:solidFill>
+                      <a:prstDash val="solid"/>
+                      <a:round/>
+                      <a:headEnd type="none" w="med" len="med"/>
+                      <a:tailEnd type="none" w="med" len="med"/>
+                    </a:lnR>
+                    <a:lnT w="12700" cap="flat" cmpd="sng" algn="ctr">
+                      <a:solidFill>
+                        <a:schemeClr val="tx1"/>
+                      </a:solidFill>
+                      <a:prstDash val="solid"/>
+                      <a:round/>
+                      <a:headEnd type="none" w="med" len="med"/>
+                      <a:tailEnd type="none" w="med" len="med"/>
+                    </a:lnT>
+                    <a:lnB w="12700" cap="flat" cmpd="sng" algn="ctr">
+                      <a:solidFill>
+                        <a:schemeClr val="tx1"/>
+                      </a:solidFill>
+                      <a:prstDash val="solid"/>
+                      <a:round/>
+                      <a:headEnd type="none" w="med" len="med"/>
+                      <a:tailEnd type="none" w="med" len="med"/>
+                    </a:lnB>
+                    <a:noFill/>
+                  </a:tcPr>
+                </a:tc>
+                <a:tc gridSpan="2">
+                  <a:txBody>
+                    <a:bodyPr/>
+                    <a:lstStyle/>
+                    <a:p>
+                      <a:pPr algn="l"/>
+                      <a:r>
+                        <a:rPr lang="de-DE" sz="2800" dirty="0">
+                          <a:solidFill>
+                            <a:schemeClr val="accent5">
+                              <a:lumMod val="60000"/>
+                              <a:lumOff val="40000"/>
+                            </a:schemeClr>
+                          </a:solidFill>
+                        </a:rPr>
+                        <a:t>/</a:t>
+                      </a:r>
+                      <a:r>
+                        <a:rPr lang="de-DE" sz="2800" dirty="0" err="1">
+                          <a:solidFill>
+                            <a:schemeClr val="accent5">
+                              <a:lumMod val="60000"/>
+                              <a:lumOff val="40000"/>
+                            </a:schemeClr>
+                          </a:solidFill>
+                        </a:rPr>
+                        <a:t>events</a:t>
+                      </a:r>
+                      <a:r>
+                        <a:rPr lang="de-DE" sz="2800" dirty="0">
+                          <a:solidFill>
+                            <a:schemeClr val="accent5">
+                              <a:lumMod val="60000"/>
+                              <a:lumOff val="40000"/>
+                            </a:schemeClr>
+                          </a:solidFill>
+                        </a:rPr>
+                        <a:t>/$EVENTID</a:t>
+                      </a:r>
+                      <a:endParaRPr lang="de-DE" sz="2800" dirty="0">
+                        <a:solidFill>
+                          <a:schemeClr val="accent6">
+                            <a:lumMod val="60000"/>
+                            <a:lumOff val="40000"/>
+                          </a:schemeClr>
+                        </a:solidFill>
+                      </a:endParaRPr>
+                    </a:p>
+                  </a:txBody>
+                  <a:tcPr anchor="ctr">
+                    <a:lnL w="12700" cap="flat" cmpd="sng" algn="ctr">
+                      <a:solidFill>
+                        <a:schemeClr val="tx1"/>
+                      </a:solidFill>
+                      <a:prstDash val="solid"/>
+                      <a:round/>
+                      <a:headEnd type="none" w="med" len="med"/>
+                      <a:tailEnd type="none" w="med" len="med"/>
+                    </a:lnL>
+                    <a:lnR w="12700" cap="flat" cmpd="sng" algn="ctr">
+                      <a:noFill/>
+                      <a:prstDash val="solid"/>
+                      <a:round/>
+                      <a:headEnd type="none" w="med" len="med"/>
+                      <a:tailEnd type="none" w="med" len="med"/>
+                    </a:lnR>
+                    <a:lnT w="12700" cap="flat" cmpd="sng" algn="ctr">
+                      <a:solidFill>
+                        <a:schemeClr val="tx1"/>
+                      </a:solidFill>
+                      <a:prstDash val="solid"/>
+                      <a:round/>
+                      <a:headEnd type="none" w="med" len="med"/>
+                      <a:tailEnd type="none" w="med" len="med"/>
+                    </a:lnT>
+                    <a:lnB w="12700" cap="flat" cmpd="sng" algn="ctr">
+                      <a:solidFill>
+                        <a:schemeClr val="tx1"/>
+                      </a:solidFill>
+                      <a:prstDash val="solid"/>
+                      <a:round/>
+                      <a:headEnd type="none" w="med" len="med"/>
+                      <a:tailEnd type="none" w="med" len="med"/>
+                    </a:lnB>
+                    <a:noFill/>
+                  </a:tcPr>
+                </a:tc>
+                <a:tc hMerge="1">
+                  <a:txBody>
+                    <a:bodyPr/>
+                    <a:lstStyle/>
+                    <a:p>
+                      <a:endParaRPr lang="de-DE"/>
+                    </a:p>
+                  </a:txBody>
+                  <a:tcPr/>
+                </a:tc>
+                <a:tc>
+                  <a:txBody>
+                    <a:bodyPr/>
+                    <a:lstStyle/>
+                    <a:p>
+                      <a:pPr algn="l"/>
+                      <a:r>
+                        <a:rPr lang="de-DE" sz="2800" dirty="0">
+                          <a:solidFill>
+                            <a:srgbClr val="00B0F0"/>
+                          </a:solidFill>
+                        </a:rPr>
+                        <a:t>/</a:t>
+                      </a:r>
+                      <a:r>
+                        <a:rPr lang="de-DE" sz="2800" dirty="0" err="1">
+                          <a:solidFill>
+                            <a:srgbClr val="00B0F0"/>
+                          </a:solidFill>
+                        </a:rPr>
+                        <a:t>organizer</a:t>
+                      </a:r>
+                      <a:endParaRPr lang="de-DE" sz="2800" dirty="0">
+                        <a:solidFill>
+                          <a:srgbClr val="00B0F0"/>
+                        </a:solidFill>
+                      </a:endParaRPr>
+                    </a:p>
+                  </a:txBody>
+                  <a:tcPr anchor="ctr">
+                    <a:lnL w="12700" cap="flat" cmpd="sng" algn="ctr">
+                      <a:noFill/>
+                      <a:prstDash val="solid"/>
+                      <a:round/>
+                      <a:headEnd type="none" w="med" len="med"/>
+                      <a:tailEnd type="none" w="med" len="med"/>
+                    </a:lnL>
+                    <a:lnR w="12700" cap="flat" cmpd="sng" algn="ctr">
+                      <a:solidFill>
+                        <a:schemeClr val="tx1"/>
+                      </a:solidFill>
+                      <a:prstDash val="solid"/>
+                      <a:round/>
+                      <a:headEnd type="none" w="med" len="med"/>
+                      <a:tailEnd type="none" w="med" len="med"/>
+                    </a:lnR>
+                    <a:lnT w="12700" cap="flat" cmpd="sng" algn="ctr">
+                      <a:solidFill>
+                        <a:schemeClr val="tx1"/>
+                      </a:solidFill>
+                      <a:prstDash val="solid"/>
+                      <a:round/>
+                      <a:headEnd type="none" w="med" len="med"/>
+                      <a:tailEnd type="none" w="med" len="med"/>
+                    </a:lnT>
+                    <a:lnB w="12700" cap="flat" cmpd="sng" algn="ctr">
+                      <a:solidFill>
+                        <a:schemeClr val="tx1"/>
+                      </a:solidFill>
+                      <a:prstDash val="solid"/>
+                      <a:round/>
+                      <a:headEnd type="none" w="med" len="med"/>
+                      <a:tailEnd type="none" w="med" len="med"/>
+                    </a:lnB>
+                    <a:noFill/>
+                  </a:tcPr>
+                </a:tc>
+                <a:tc>
+                  <a:txBody>
+                    <a:bodyPr/>
+                    <a:lstStyle/>
+                    <a:p>
+                      <a:pPr algn="l"/>
+                      <a:r>
+                        <a:rPr lang="de-DE" dirty="0">
+                          <a:solidFill>
+                            <a:sysClr val="windowText" lastClr="000000"/>
+                          </a:solidFill>
+                        </a:rPr>
+                        <a:t>HTTP METHOD:</a:t>
+                      </a:r>
+                    </a:p>
+                  </a:txBody>
+                  <a:tcPr anchor="ctr">
+                    <a:lnL w="12700" cap="flat" cmpd="sng" algn="ctr">
+                      <a:solidFill>
+                        <a:schemeClr val="tx1"/>
+                      </a:solidFill>
+                      <a:prstDash val="solid"/>
+                      <a:round/>
+                      <a:headEnd type="none" w="med" len="med"/>
+                      <a:tailEnd type="none" w="med" len="med"/>
+                    </a:lnL>
+                    <a:lnR w="12700" cap="flat" cmpd="sng" algn="ctr">
+                      <a:solidFill>
+                        <a:schemeClr val="tx1"/>
+                      </a:solidFill>
+                      <a:prstDash val="solid"/>
+                      <a:round/>
+                      <a:headEnd type="none" w="med" len="med"/>
+                      <a:tailEnd type="none" w="med" len="med"/>
+                    </a:lnR>
+                    <a:lnT w="12700" cap="flat" cmpd="sng" algn="ctr">
+                      <a:solidFill>
+                        <a:schemeClr val="tx1"/>
+                      </a:solidFill>
+                      <a:prstDash val="solid"/>
+                      <a:round/>
+                      <a:headEnd type="none" w="med" len="med"/>
+                      <a:tailEnd type="none" w="med" len="med"/>
+                    </a:lnT>
+                    <a:lnB w="12700" cap="flat" cmpd="sng" algn="ctr">
+                      <a:solidFill>
+                        <a:schemeClr val="tx1"/>
+                      </a:solidFill>
+                      <a:prstDash val="solid"/>
+                      <a:round/>
+                      <a:headEnd type="none" w="med" len="med"/>
+                      <a:tailEnd type="none" w="med" len="med"/>
+                    </a:lnB>
+                    <a:noFill/>
+                  </a:tcPr>
+                </a:tc>
+                <a:tc>
+                  <a:txBody>
+                    <a:bodyPr/>
+                    <a:lstStyle/>
+                    <a:p>
+                      <a:pPr algn="l"/>
+                      <a:r>
+                        <a:rPr lang="de-DE" dirty="0">
+                          <a:solidFill>
+                            <a:srgbClr val="00B050"/>
+                          </a:solidFill>
+                        </a:rPr>
+                        <a:t>GET</a:t>
+                      </a:r>
+                    </a:p>
+                  </a:txBody>
+                  <a:tcPr anchor="ctr">
+                    <a:lnL w="12700" cap="flat" cmpd="sng" algn="ctr">
+                      <a:solidFill>
+                        <a:schemeClr val="tx1"/>
+                      </a:solidFill>
+                      <a:prstDash val="solid"/>
+                      <a:round/>
+                      <a:headEnd type="none" w="med" len="med"/>
+                      <a:tailEnd type="none" w="med" len="med"/>
+                    </a:lnL>
+                    <a:lnR w="12700" cap="flat" cmpd="sng" algn="ctr">
+                      <a:solidFill>
+                        <a:schemeClr val="tx1"/>
+                      </a:solidFill>
+                      <a:prstDash val="solid"/>
+                      <a:round/>
+                      <a:headEnd type="none" w="med" len="med"/>
+                      <a:tailEnd type="none" w="med" len="med"/>
+                    </a:lnR>
+                    <a:lnT w="12700" cap="flat" cmpd="sng" algn="ctr">
+                      <a:solidFill>
+                        <a:schemeClr val="tx1"/>
+                      </a:solidFill>
+                      <a:prstDash val="solid"/>
+                      <a:round/>
+                      <a:headEnd type="none" w="med" len="med"/>
+                      <a:tailEnd type="none" w="med" len="med"/>
+                    </a:lnT>
+                    <a:lnB w="12700" cap="flat" cmpd="sng" algn="ctr">
+                      <a:solidFill>
+                        <a:schemeClr val="tx1"/>
+                      </a:solidFill>
+                      <a:prstDash val="solid"/>
+                      <a:round/>
+                      <a:headEnd type="none" w="med" len="med"/>
+                      <a:tailEnd type="none" w="med" len="med"/>
+                    </a:lnB>
+                    <a:noFill/>
+                  </a:tcPr>
+                </a:tc>
+                <a:extLst>
+                  <a:ext uri="{0D108BD9-81ED-4DB2-BD59-A6C34878D82A}">
+                    <a16:rowId xmlns:a16="http://schemas.microsoft.com/office/drawing/2014/main" val="3083204381"/>
+                  </a:ext>
+                </a:extLst>
+              </a:tr>
+              <a:tr h="452761">
+                <a:tc>
+                  <a:txBody>
+                    <a:bodyPr/>
+                    <a:lstStyle/>
+                    <a:p>
+                      <a:r>
+                        <a:rPr lang="de-DE" dirty="0" err="1">
+                          <a:solidFill>
+                            <a:sysClr val="windowText" lastClr="000000"/>
+                          </a:solidFill>
+                        </a:rPr>
+                        <a:t>Function</a:t>
+                      </a:r>
+                      <a:r>
+                        <a:rPr lang="de-DE" dirty="0">
+                          <a:solidFill>
+                            <a:sysClr val="windowText" lastClr="000000"/>
+                          </a:solidFill>
+                        </a:rPr>
+                        <a:t>:</a:t>
+                      </a:r>
+                    </a:p>
+                  </a:txBody>
+                  <a:tcPr anchor="ctr">
+                    <a:lnL w="12700" cap="flat" cmpd="sng" algn="ctr">
+                      <a:solidFill>
+                        <a:schemeClr val="tx1"/>
+                      </a:solidFill>
+                      <a:prstDash val="solid"/>
+                      <a:round/>
+                      <a:headEnd type="none" w="med" len="med"/>
+                      <a:tailEnd type="none" w="med" len="med"/>
+                    </a:lnL>
+                    <a:lnR w="12700" cap="flat" cmpd="sng" algn="ctr">
+                      <a:solidFill>
+                        <a:schemeClr val="tx1"/>
+                      </a:solidFill>
+                      <a:prstDash val="solid"/>
+                      <a:round/>
+                      <a:headEnd type="none" w="med" len="med"/>
+                      <a:tailEnd type="none" w="med" len="med"/>
+                    </a:lnR>
+                    <a:lnT w="12700" cap="flat" cmpd="sng" algn="ctr">
+                      <a:solidFill>
+                        <a:schemeClr val="tx1"/>
+                      </a:solidFill>
+                      <a:prstDash val="solid"/>
+                      <a:round/>
+                      <a:headEnd type="none" w="med" len="med"/>
+                      <a:tailEnd type="none" w="med" len="med"/>
+                    </a:lnT>
+                    <a:lnB w="12700" cap="flat" cmpd="sng" algn="ctr">
+                      <a:solidFill>
+                        <a:schemeClr val="tx1"/>
+                      </a:solidFill>
+                      <a:prstDash val="solid"/>
+                      <a:round/>
+                      <a:headEnd type="none" w="med" len="med"/>
+                      <a:tailEnd type="none" w="med" len="med"/>
+                    </a:lnB>
+                    <a:noFill/>
+                  </a:tcPr>
+                </a:tc>
+                <a:tc gridSpan="5">
+                  <a:txBody>
+                    <a:bodyPr/>
+                    <a:lstStyle/>
+                    <a:p>
+                      <a:r>
+                        <a:rPr lang="de-DE" dirty="0" err="1"/>
+                        <a:t>Get</a:t>
+                      </a:r>
+                      <a:r>
+                        <a:rPr lang="de-DE" dirty="0"/>
+                        <a:t> </a:t>
+                      </a:r>
+                      <a:r>
+                        <a:rPr lang="de-DE" dirty="0" err="1"/>
+                        <a:t>organizer</a:t>
+                      </a:r>
+                      <a:r>
+                        <a:rPr lang="de-DE" baseline="0" dirty="0"/>
+                        <a:t> </a:t>
+                      </a:r>
+                      <a:r>
+                        <a:rPr lang="de-DE" dirty="0" err="1"/>
+                        <a:t>information</a:t>
+                      </a:r>
+                      <a:r>
+                        <a:rPr lang="de-DE" baseline="0" dirty="0"/>
+                        <a:t> on a </a:t>
+                      </a:r>
+                      <a:r>
+                        <a:rPr lang="de-DE" baseline="0" dirty="0" err="1"/>
+                        <a:t>specific</a:t>
+                      </a:r>
+                      <a:r>
+                        <a:rPr lang="de-DE" baseline="0" dirty="0"/>
+                        <a:t> </a:t>
+                      </a:r>
+                      <a:r>
+                        <a:rPr lang="de-DE" baseline="0" dirty="0" err="1"/>
+                        <a:t>event</a:t>
+                      </a:r>
+                      <a:r>
+                        <a:rPr lang="de-DE" dirty="0"/>
+                        <a:t>. </a:t>
+                      </a:r>
+                      <a:r>
+                        <a:rPr lang="de-DE" dirty="0" err="1"/>
+                        <a:t>Available</a:t>
+                      </a:r>
+                      <a:r>
+                        <a:rPr lang="de-DE" dirty="0"/>
+                        <a:t> </a:t>
+                      </a:r>
+                      <a:r>
+                        <a:rPr lang="de-DE" dirty="0" err="1"/>
+                        <a:t>for</a:t>
+                      </a:r>
+                      <a:r>
+                        <a:rPr lang="de-DE" dirty="0"/>
+                        <a:t> </a:t>
+                      </a:r>
+                      <a:r>
+                        <a:rPr lang="de-DE" dirty="0" err="1"/>
+                        <a:t>the</a:t>
+                      </a:r>
+                      <a:r>
+                        <a:rPr lang="de-DE" dirty="0"/>
+                        <a:t> </a:t>
+                      </a:r>
+                      <a:r>
+                        <a:rPr lang="de-DE" dirty="0" err="1"/>
+                        <a:t>event</a:t>
+                      </a:r>
+                      <a:r>
+                        <a:rPr lang="de-DE" dirty="0"/>
+                        <a:t> </a:t>
+                      </a:r>
+                      <a:r>
+                        <a:rPr lang="de-DE" dirty="0" err="1"/>
+                        <a:t>organizer</a:t>
+                      </a:r>
+                      <a:r>
+                        <a:rPr lang="de-DE" dirty="0"/>
+                        <a:t>.</a:t>
+                      </a:r>
+                    </a:p>
+                  </a:txBody>
+                  <a:tcPr anchor="ctr">
+                    <a:lnL w="12700" cap="flat" cmpd="sng" algn="ctr">
+                      <a:solidFill>
+                        <a:schemeClr val="tx1"/>
+                      </a:solidFill>
+                      <a:prstDash val="solid"/>
+                      <a:round/>
+                      <a:headEnd type="none" w="med" len="med"/>
+                      <a:tailEnd type="none" w="med" len="med"/>
+                    </a:lnL>
+                    <a:lnR w="12700" cap="flat" cmpd="sng" algn="ctr">
+                      <a:solidFill>
+                        <a:schemeClr val="tx1"/>
+                      </a:solidFill>
+                      <a:prstDash val="solid"/>
+                      <a:round/>
+                      <a:headEnd type="none" w="med" len="med"/>
+                      <a:tailEnd type="none" w="med" len="med"/>
+                    </a:lnR>
+                    <a:lnT w="12700" cap="flat" cmpd="sng" algn="ctr">
+                      <a:solidFill>
+                        <a:schemeClr val="tx1"/>
+                      </a:solidFill>
+                      <a:prstDash val="solid"/>
+                      <a:round/>
+                      <a:headEnd type="none" w="med" len="med"/>
+                      <a:tailEnd type="none" w="med" len="med"/>
+                    </a:lnT>
+                    <a:lnB w="12700" cap="flat" cmpd="sng" algn="ctr">
+                      <a:solidFill>
+                        <a:schemeClr val="tx1"/>
+                      </a:solidFill>
+                      <a:prstDash val="solid"/>
+                      <a:round/>
+                      <a:headEnd type="none" w="med" len="med"/>
+                      <a:tailEnd type="none" w="med" len="med"/>
+                    </a:lnB>
+                    <a:noFill/>
+                  </a:tcPr>
+                </a:tc>
+                <a:tc hMerge="1">
+                  <a:txBody>
+                    <a:bodyPr/>
+                    <a:lstStyle/>
+                    <a:p>
+                      <a:endParaRPr lang="de-DE"/>
+                    </a:p>
+                  </a:txBody>
+                  <a:tcPr/>
+                </a:tc>
+                <a:tc hMerge="1">
+                  <a:txBody>
+                    <a:bodyPr/>
+                    <a:lstStyle/>
+                    <a:p>
+                      <a:endParaRPr lang="de-DE"/>
+                    </a:p>
+                  </a:txBody>
+                  <a:tcPr/>
+                </a:tc>
+                <a:tc hMerge="1">
+                  <a:txBody>
+                    <a:bodyPr/>
+                    <a:lstStyle/>
+                    <a:p>
+                      <a:endParaRPr lang="de-DE"/>
+                    </a:p>
+                  </a:txBody>
+                  <a:tcPr/>
+                </a:tc>
+                <a:tc hMerge="1">
+                  <a:txBody>
+                    <a:bodyPr/>
+                    <a:lstStyle/>
+                    <a:p>
+                      <a:endParaRPr lang="de-DE"/>
+                    </a:p>
+                  </a:txBody>
+                  <a:tcPr/>
+                </a:tc>
+                <a:extLst>
+                  <a:ext uri="{0D108BD9-81ED-4DB2-BD59-A6C34878D82A}">
+                    <a16:rowId xmlns:a16="http://schemas.microsoft.com/office/drawing/2014/main" val="3312119621"/>
+                  </a:ext>
+                </a:extLst>
+              </a:tr>
+              <a:tr h="932060">
+                <a:tc>
+                  <a:txBody>
+                    <a:bodyPr/>
+                    <a:lstStyle/>
+                    <a:p>
+                      <a:r>
+                        <a:rPr lang="de-DE" dirty="0">
+                          <a:solidFill>
+                            <a:sysClr val="windowText" lastClr="000000"/>
+                          </a:solidFill>
+                        </a:rPr>
+                        <a:t>Response:</a:t>
+                      </a:r>
+                    </a:p>
+                  </a:txBody>
+                  <a:tcPr anchor="ctr">
+                    <a:lnL w="12700" cap="flat" cmpd="sng" algn="ctr">
+                      <a:solidFill>
+                        <a:schemeClr val="tx1"/>
+                      </a:solidFill>
+                      <a:prstDash val="solid"/>
+                      <a:round/>
+                      <a:headEnd type="none" w="med" len="med"/>
+                      <a:tailEnd type="none" w="med" len="med"/>
+                    </a:lnL>
+                    <a:lnR w="12700" cap="flat" cmpd="sng" algn="ctr">
+                      <a:solidFill>
+                        <a:schemeClr val="tx1"/>
+                      </a:solidFill>
+                      <a:prstDash val="solid"/>
+                      <a:round/>
+                      <a:headEnd type="none" w="med" len="med"/>
+                      <a:tailEnd type="none" w="med" len="med"/>
+                    </a:lnR>
+                    <a:lnT w="12700" cap="flat" cmpd="sng" algn="ctr">
+                      <a:solidFill>
+                        <a:schemeClr val="tx1"/>
+                      </a:solidFill>
+                      <a:prstDash val="solid"/>
+                      <a:round/>
+                      <a:headEnd type="none" w="med" len="med"/>
+                      <a:tailEnd type="none" w="med" len="med"/>
+                    </a:lnT>
+                    <a:lnB w="12700" cap="flat" cmpd="sng" algn="ctr">
+                      <a:solidFill>
+                        <a:schemeClr val="tx1"/>
+                      </a:solidFill>
+                      <a:prstDash val="solid"/>
+                      <a:round/>
+                      <a:headEnd type="none" w="med" len="med"/>
+                      <a:tailEnd type="none" w="med" len="med"/>
+                    </a:lnB>
+                    <a:noFill/>
+                  </a:tcPr>
+                </a:tc>
+                <a:tc>
+                  <a:txBody>
+                    <a:bodyPr/>
+                    <a:lstStyle/>
+                    <a:p>
+                      <a:r>
+                        <a:rPr lang="de-DE" dirty="0"/>
+                        <a:t>200</a:t>
+                      </a:r>
+                    </a:p>
+                  </a:txBody>
+                  <a:tcPr anchor="ctr">
+                    <a:lnL w="12700" cap="flat" cmpd="sng" algn="ctr">
+                      <a:solidFill>
+                        <a:schemeClr val="tx1"/>
+                      </a:solidFill>
+                      <a:prstDash val="solid"/>
+                      <a:round/>
+                      <a:headEnd type="none" w="med" len="med"/>
+                      <a:tailEnd type="none" w="med" len="med"/>
+                    </a:lnL>
+                    <a:lnR w="12700" cap="flat" cmpd="sng" algn="ctr">
+                      <a:solidFill>
+                        <a:schemeClr val="tx1"/>
+                      </a:solidFill>
+                      <a:prstDash val="solid"/>
+                      <a:round/>
+                      <a:headEnd type="none" w="med" len="med"/>
+                      <a:tailEnd type="none" w="med" len="med"/>
+                    </a:lnR>
+                    <a:lnT w="12700" cap="flat" cmpd="sng" algn="ctr">
+                      <a:solidFill>
+                        <a:schemeClr val="tx1"/>
+                      </a:solidFill>
+                      <a:prstDash val="solid"/>
+                      <a:round/>
+                      <a:headEnd type="none" w="med" len="med"/>
+                      <a:tailEnd type="none" w="med" len="med"/>
+                    </a:lnT>
+                    <a:lnB w="12700" cap="flat" cmpd="sng" algn="ctr">
+                      <a:solidFill>
+                        <a:schemeClr val="tx1"/>
+                      </a:solidFill>
+                      <a:prstDash val="solid"/>
+                      <a:round/>
+                      <a:headEnd type="none" w="med" len="med"/>
+                      <a:tailEnd type="none" w="med" len="med"/>
+                    </a:lnB>
+                    <a:noFill/>
+                  </a:tcPr>
+                </a:tc>
+                <a:tc gridSpan="4">
+                  <a:txBody>
+                    <a:bodyPr/>
+                    <a:lstStyle/>
+                    <a:p>
+                      <a:r>
+                        <a:rPr lang="en-US" sz="1800" b="0" i="0" kern="1200" dirty="0">
+                          <a:solidFill>
+                            <a:schemeClr val="dk1"/>
+                          </a:solidFill>
+                          <a:effectLst/>
+                          <a:latin typeface="+mn-lt"/>
+                          <a:ea typeface="+mn-ea"/>
+                          <a:cs typeface="+mn-cs"/>
+                        </a:rPr>
+                        <a:t>{</a:t>
+                      </a:r>
+                    </a:p>
+                    <a:p>
+                      <a:r>
+                        <a:rPr lang="en-US" sz="1800" b="0" i="0" kern="1200" dirty="0">
+                          <a:solidFill>
+                            <a:schemeClr val="dk1"/>
+                          </a:solidFill>
+                          <a:effectLst/>
+                          <a:latin typeface="+mn-lt"/>
+                          <a:ea typeface="+mn-ea"/>
+                          <a:cs typeface="+mn-cs"/>
+                        </a:rPr>
+                        <a:t>               </a:t>
+                      </a:r>
+                      <a:r>
+                        <a:rPr lang="en-US" sz="1800" b="0" i="0" kern="1200" dirty="0">
+                          <a:solidFill>
+                            <a:srgbClr val="FF00FF"/>
+                          </a:solidFill>
+                          <a:effectLst/>
+                          <a:latin typeface="+mn-lt"/>
+                          <a:ea typeface="+mn-ea"/>
+                          <a:cs typeface="+mn-cs"/>
+                        </a:rPr>
+                        <a:t>stuff from /event/$EVENTID + </a:t>
+                      </a:r>
+                    </a:p>
+                    <a:p>
+                      <a:r>
+                        <a:rPr lang="en-US" sz="1800" b="0" i="0" kern="1200" dirty="0">
+                          <a:solidFill>
+                            <a:schemeClr val="dk1"/>
+                          </a:solidFill>
+                          <a:effectLst/>
+                          <a:latin typeface="+mn-lt"/>
+                          <a:ea typeface="+mn-ea"/>
+                          <a:cs typeface="+mn-cs"/>
+                        </a:rPr>
+                        <a:t>               invited: [ {id: </a:t>
+                      </a:r>
+                      <a:r>
+                        <a:rPr lang="en-US" sz="1800" kern="1200" dirty="0">
+                          <a:solidFill>
+                            <a:schemeClr val="accent1">
+                              <a:lumMod val="75000"/>
+                            </a:schemeClr>
+                          </a:solidFill>
+                          <a:latin typeface="+mn-lt"/>
+                          <a:ea typeface="+mn-ea"/>
+                          <a:cs typeface="+mn-cs"/>
+                        </a:rPr>
+                        <a:t>String</a:t>
+                      </a:r>
+                      <a:r>
+                        <a:rPr lang="en-US" sz="1800" b="0" i="0" kern="1200" dirty="0">
+                          <a:solidFill>
+                            <a:schemeClr val="dk1"/>
+                          </a:solidFill>
+                          <a:effectLst/>
+                          <a:latin typeface="+mn-lt"/>
+                          <a:ea typeface="+mn-ea"/>
+                          <a:cs typeface="+mn-cs"/>
+                        </a:rPr>
+                        <a:t>,</a:t>
+                      </a:r>
+                      <a:r>
+                        <a:rPr lang="en-US" sz="1800" b="0" i="0" kern="1200" baseline="0" dirty="0">
+                          <a:solidFill>
+                            <a:schemeClr val="dk1"/>
+                          </a:solidFill>
+                          <a:effectLst/>
+                          <a:latin typeface="+mn-lt"/>
+                          <a:ea typeface="+mn-ea"/>
+                          <a:cs typeface="+mn-cs"/>
+                        </a:rPr>
+                        <a:t> </a:t>
+                      </a:r>
+                      <a:r>
+                        <a:rPr lang="en-US" sz="1800" b="0" i="0" kern="1200" dirty="0">
+                          <a:solidFill>
+                            <a:schemeClr val="dk1"/>
+                          </a:solidFill>
+                          <a:effectLst/>
+                          <a:latin typeface="+mn-lt"/>
+                          <a:ea typeface="+mn-ea"/>
+                          <a:cs typeface="+mn-cs"/>
+                        </a:rPr>
+                        <a:t>name: </a:t>
+                      </a:r>
+                      <a:r>
+                        <a:rPr lang="en-US" sz="1800" kern="1200" dirty="0">
+                          <a:solidFill>
+                            <a:schemeClr val="accent1">
+                              <a:lumMod val="75000"/>
+                            </a:schemeClr>
+                          </a:solidFill>
+                          <a:latin typeface="+mn-lt"/>
+                          <a:ea typeface="+mn-ea"/>
+                          <a:cs typeface="+mn-cs"/>
+                        </a:rPr>
+                        <a:t>String</a:t>
+                      </a:r>
+                      <a:r>
+                        <a:rPr lang="en-US" sz="1800" b="0" i="0" kern="1200" dirty="0">
+                          <a:solidFill>
+                            <a:schemeClr val="dk1"/>
+                          </a:solidFill>
+                          <a:effectLst/>
+                          <a:latin typeface="+mn-lt"/>
+                          <a:ea typeface="+mn-ea"/>
+                          <a:cs typeface="+mn-cs"/>
+                        </a:rPr>
+                        <a:t>,</a:t>
+                      </a:r>
+                      <a:r>
+                        <a:rPr lang="en-US" sz="1800" b="0" i="0" kern="1200" baseline="0" dirty="0">
+                          <a:solidFill>
+                            <a:schemeClr val="dk1"/>
+                          </a:solidFill>
+                          <a:effectLst/>
+                          <a:latin typeface="+mn-lt"/>
+                          <a:ea typeface="+mn-ea"/>
+                          <a:cs typeface="+mn-cs"/>
+                        </a:rPr>
+                        <a:t> </a:t>
+                      </a:r>
+                      <a:r>
+                        <a:rPr lang="en-US" sz="1800" b="0" i="0" kern="1200" baseline="0" dirty="0" err="1">
+                          <a:solidFill>
+                            <a:schemeClr val="dk1"/>
+                          </a:solidFill>
+                          <a:effectLst/>
+                          <a:latin typeface="+mn-lt"/>
+                          <a:ea typeface="+mn-ea"/>
+                          <a:cs typeface="+mn-cs"/>
+                        </a:rPr>
+                        <a:t>img</a:t>
+                      </a:r>
+                      <a:r>
+                        <a:rPr lang="en-US" sz="1800" b="0" i="0" kern="1200" baseline="0" dirty="0">
+                          <a:solidFill>
+                            <a:schemeClr val="dk1"/>
+                          </a:solidFill>
+                          <a:effectLst/>
+                          <a:latin typeface="+mn-lt"/>
+                          <a:ea typeface="+mn-ea"/>
+                          <a:cs typeface="+mn-cs"/>
+                        </a:rPr>
+                        <a:t>: </a:t>
+                      </a:r>
+                      <a:r>
+                        <a:rPr lang="en-US" sz="1800" kern="1200" dirty="0">
+                          <a:solidFill>
+                            <a:schemeClr val="accent1">
+                              <a:lumMod val="75000"/>
+                            </a:schemeClr>
+                          </a:solidFill>
+                          <a:latin typeface="+mn-lt"/>
+                          <a:ea typeface="+mn-ea"/>
+                          <a:cs typeface="+mn-cs"/>
+                        </a:rPr>
+                        <a:t>String</a:t>
+                      </a:r>
+                      <a:r>
+                        <a:rPr lang="en-US" sz="1800" kern="1200" dirty="0">
+                          <a:solidFill>
+                            <a:schemeClr val="tx1"/>
+                          </a:solidFill>
+                          <a:latin typeface="+mn-lt"/>
+                          <a:ea typeface="+mn-ea"/>
+                          <a:cs typeface="+mn-cs"/>
+                        </a:rPr>
+                        <a:t>} ],          </a:t>
+                      </a:r>
+                    </a:p>
+                    <a:p>
+                      <a:r>
+                        <a:rPr lang="en-US" sz="1800" b="0" i="0" kern="1200" dirty="0">
+                          <a:solidFill>
+                            <a:schemeClr val="tx1"/>
+                          </a:solidFill>
+                          <a:effectLst/>
+                          <a:latin typeface="+mn-lt"/>
+                          <a:ea typeface="+mn-ea"/>
+                          <a:cs typeface="+mn-cs"/>
+                        </a:rPr>
+                        <a:t>               </a:t>
+                      </a:r>
+                      <a:r>
+                        <a:rPr lang="en-US" sz="1800" b="0" i="0" kern="1200">
+                          <a:solidFill>
+                            <a:schemeClr val="dk1"/>
+                          </a:solidFill>
+                          <a:effectLst/>
+                          <a:latin typeface="+mn-lt"/>
+                          <a:ea typeface="+mn-ea"/>
+                          <a:cs typeface="+mn-cs"/>
+                        </a:rPr>
+                        <a:t>invitedCount</a:t>
+                      </a:r>
+                      <a:r>
+                        <a:rPr lang="en-US" sz="1800" b="0" i="0" kern="1200" dirty="0">
+                          <a:solidFill>
+                            <a:schemeClr val="dk1"/>
+                          </a:solidFill>
+                          <a:effectLst/>
+                          <a:latin typeface="+mn-lt"/>
+                          <a:ea typeface="+mn-ea"/>
+                          <a:cs typeface="+mn-cs"/>
+                        </a:rPr>
+                        <a:t>: </a:t>
+                      </a:r>
+                      <a:r>
+                        <a:rPr lang="en-US" sz="1800" kern="1200" dirty="0">
+                          <a:solidFill>
+                            <a:schemeClr val="accent1">
+                              <a:lumMod val="75000"/>
+                            </a:schemeClr>
+                          </a:solidFill>
+                          <a:latin typeface="+mn-lt"/>
+                          <a:ea typeface="+mn-ea"/>
+                          <a:cs typeface="+mn-cs"/>
+                        </a:rPr>
+                        <a:t>Number</a:t>
+                      </a:r>
+                      <a:r>
+                        <a:rPr lang="en-US" sz="1800" kern="1200" dirty="0">
+                          <a:solidFill>
+                            <a:schemeClr val="tx1"/>
+                          </a:solidFill>
+                          <a:latin typeface="+mn-lt"/>
+                          <a:ea typeface="+mn-ea"/>
+                          <a:cs typeface="+mn-cs"/>
+                        </a:rPr>
+                        <a:t>,</a:t>
+                      </a:r>
+                    </a:p>
+                    <a:p>
+                      <a:r>
+                        <a:rPr lang="en-US" sz="1800" b="0" i="0" kern="1200" dirty="0">
+                          <a:solidFill>
+                            <a:schemeClr val="dk1"/>
+                          </a:solidFill>
+                          <a:effectLst/>
+                          <a:latin typeface="+mn-lt"/>
+                          <a:ea typeface="+mn-ea"/>
+                          <a:cs typeface="+mn-cs"/>
+                        </a:rPr>
+                        <a:t>               pending: [ {id: </a:t>
+                      </a:r>
+                      <a:r>
+                        <a:rPr lang="en-US" sz="1800" kern="1200" dirty="0">
+                          <a:solidFill>
+                            <a:schemeClr val="accent1">
+                              <a:lumMod val="75000"/>
+                            </a:schemeClr>
+                          </a:solidFill>
+                          <a:latin typeface="+mn-lt"/>
+                          <a:ea typeface="+mn-ea"/>
+                          <a:cs typeface="+mn-cs"/>
+                        </a:rPr>
+                        <a:t>String</a:t>
+                      </a:r>
+                      <a:r>
+                        <a:rPr lang="en-US" sz="1800" b="0" i="0" kern="1200" dirty="0">
+                          <a:solidFill>
+                            <a:schemeClr val="dk1"/>
+                          </a:solidFill>
+                          <a:effectLst/>
+                          <a:latin typeface="+mn-lt"/>
+                          <a:ea typeface="+mn-ea"/>
+                          <a:cs typeface="+mn-cs"/>
+                        </a:rPr>
+                        <a:t>,</a:t>
+                      </a:r>
+                      <a:r>
+                        <a:rPr lang="en-US" sz="1800" b="0" i="0" kern="1200" baseline="0" dirty="0">
+                          <a:solidFill>
+                            <a:schemeClr val="dk1"/>
+                          </a:solidFill>
+                          <a:effectLst/>
+                          <a:latin typeface="+mn-lt"/>
+                          <a:ea typeface="+mn-ea"/>
+                          <a:cs typeface="+mn-cs"/>
+                        </a:rPr>
+                        <a:t> </a:t>
+                      </a:r>
+                      <a:r>
+                        <a:rPr lang="en-US" sz="1800" b="0" i="0" kern="1200" dirty="0">
+                          <a:solidFill>
+                            <a:schemeClr val="dk1"/>
+                          </a:solidFill>
+                          <a:effectLst/>
+                          <a:latin typeface="+mn-lt"/>
+                          <a:ea typeface="+mn-ea"/>
+                          <a:cs typeface="+mn-cs"/>
+                        </a:rPr>
+                        <a:t>name: </a:t>
+                      </a:r>
+                      <a:r>
+                        <a:rPr lang="en-US" sz="1800" kern="1200" dirty="0">
+                          <a:solidFill>
+                            <a:schemeClr val="accent1">
+                              <a:lumMod val="75000"/>
+                            </a:schemeClr>
+                          </a:solidFill>
+                          <a:latin typeface="+mn-lt"/>
+                          <a:ea typeface="+mn-ea"/>
+                          <a:cs typeface="+mn-cs"/>
+                        </a:rPr>
+                        <a:t>String</a:t>
+                      </a:r>
+                      <a:r>
+                        <a:rPr lang="en-US" sz="1800" b="0" i="0" kern="1200" dirty="0">
+                          <a:solidFill>
+                            <a:schemeClr val="dk1"/>
+                          </a:solidFill>
+                          <a:effectLst/>
+                          <a:latin typeface="+mn-lt"/>
+                          <a:ea typeface="+mn-ea"/>
+                          <a:cs typeface="+mn-cs"/>
+                        </a:rPr>
+                        <a:t>,</a:t>
+                      </a:r>
+                      <a:r>
+                        <a:rPr lang="en-US" sz="1800" b="0" i="0" kern="1200" baseline="0" dirty="0">
+                          <a:solidFill>
+                            <a:schemeClr val="dk1"/>
+                          </a:solidFill>
+                          <a:effectLst/>
+                          <a:latin typeface="+mn-lt"/>
+                          <a:ea typeface="+mn-ea"/>
+                          <a:cs typeface="+mn-cs"/>
+                        </a:rPr>
+                        <a:t> </a:t>
+                      </a:r>
+                      <a:r>
+                        <a:rPr lang="en-US" sz="1800" b="0" i="0" kern="1200" baseline="0" dirty="0" err="1">
+                          <a:solidFill>
+                            <a:schemeClr val="dk1"/>
+                          </a:solidFill>
+                          <a:effectLst/>
+                          <a:latin typeface="+mn-lt"/>
+                          <a:ea typeface="+mn-ea"/>
+                          <a:cs typeface="+mn-cs"/>
+                        </a:rPr>
+                        <a:t>img</a:t>
+                      </a:r>
+                      <a:r>
+                        <a:rPr lang="en-US" sz="1800" b="0" i="0" kern="1200" baseline="0" dirty="0">
+                          <a:solidFill>
+                            <a:schemeClr val="dk1"/>
+                          </a:solidFill>
+                          <a:effectLst/>
+                          <a:latin typeface="+mn-lt"/>
+                          <a:ea typeface="+mn-ea"/>
+                          <a:cs typeface="+mn-cs"/>
+                        </a:rPr>
+                        <a:t>: </a:t>
+                      </a:r>
+                      <a:r>
+                        <a:rPr lang="en-US" sz="1800" kern="1200" dirty="0">
+                          <a:solidFill>
+                            <a:schemeClr val="accent1">
+                              <a:lumMod val="75000"/>
+                            </a:schemeClr>
+                          </a:solidFill>
+                          <a:latin typeface="+mn-lt"/>
+                          <a:ea typeface="+mn-ea"/>
+                          <a:cs typeface="+mn-cs"/>
+                        </a:rPr>
+                        <a:t>String</a:t>
+                      </a:r>
+                      <a:r>
+                        <a:rPr lang="en-US" sz="1800" kern="1200" dirty="0">
+                          <a:solidFill>
+                            <a:schemeClr val="tx1"/>
+                          </a:solidFill>
+                          <a:latin typeface="+mn-lt"/>
+                          <a:ea typeface="+mn-ea"/>
+                          <a:cs typeface="+mn-cs"/>
+                        </a:rPr>
+                        <a:t>} ],          </a:t>
+                      </a:r>
+                    </a:p>
+                    <a:p>
+                      <a:r>
+                        <a:rPr lang="en-US" sz="1800" b="0" i="0" kern="1200" dirty="0">
+                          <a:solidFill>
+                            <a:schemeClr val="tx1"/>
+                          </a:solidFill>
+                          <a:effectLst/>
+                          <a:latin typeface="+mn-lt"/>
+                          <a:ea typeface="+mn-ea"/>
+                          <a:cs typeface="+mn-cs"/>
+                        </a:rPr>
+                        <a:t>               </a:t>
+                      </a:r>
+                      <a:r>
+                        <a:rPr lang="en-US" sz="1800" b="0" i="0" kern="1200" dirty="0" err="1">
+                          <a:solidFill>
+                            <a:schemeClr val="dk1"/>
+                          </a:solidFill>
+                          <a:effectLst/>
+                          <a:latin typeface="+mn-lt"/>
+                          <a:ea typeface="+mn-ea"/>
+                          <a:cs typeface="+mn-cs"/>
+                        </a:rPr>
+                        <a:t>pendingCount</a:t>
+                      </a:r>
+                      <a:r>
+                        <a:rPr lang="en-US" sz="1800" b="0" i="0" kern="1200" dirty="0">
+                          <a:solidFill>
+                            <a:schemeClr val="dk1"/>
+                          </a:solidFill>
+                          <a:effectLst/>
+                          <a:latin typeface="+mn-lt"/>
+                          <a:ea typeface="+mn-ea"/>
+                          <a:cs typeface="+mn-cs"/>
+                        </a:rPr>
+                        <a:t>: </a:t>
+                      </a:r>
+                      <a:r>
+                        <a:rPr lang="en-US" sz="1800" kern="1200" dirty="0">
+                          <a:solidFill>
+                            <a:schemeClr val="accent1">
+                              <a:lumMod val="75000"/>
+                            </a:schemeClr>
+                          </a:solidFill>
+                          <a:latin typeface="+mn-lt"/>
+                          <a:ea typeface="+mn-ea"/>
+                          <a:cs typeface="+mn-cs"/>
+                        </a:rPr>
+                        <a:t>Number</a:t>
+                      </a:r>
+                      <a:r>
+                        <a:rPr lang="en-US" sz="1800" kern="1200" dirty="0">
+                          <a:solidFill>
+                            <a:schemeClr val="tx1"/>
+                          </a:solidFill>
+                          <a:latin typeface="+mn-lt"/>
+                          <a:ea typeface="+mn-ea"/>
+                          <a:cs typeface="+mn-cs"/>
+                        </a:rPr>
+                        <a:t>,</a:t>
+                      </a:r>
+                    </a:p>
+                    <a:p>
+                      <a:r>
+                        <a:rPr lang="en-US" sz="1800" b="0" i="0" kern="1200" dirty="0">
+                          <a:solidFill>
+                            <a:schemeClr val="dk1"/>
+                          </a:solidFill>
+                          <a:effectLst/>
+                          <a:latin typeface="+mn-lt"/>
+                          <a:ea typeface="+mn-ea"/>
+                          <a:cs typeface="+mn-cs"/>
+                        </a:rPr>
+                        <a:t>               declined: [ {id: </a:t>
+                      </a:r>
+                      <a:r>
+                        <a:rPr lang="en-US" sz="1800" kern="1200" dirty="0">
+                          <a:solidFill>
+                            <a:schemeClr val="accent1">
+                              <a:lumMod val="75000"/>
+                            </a:schemeClr>
+                          </a:solidFill>
+                          <a:latin typeface="+mn-lt"/>
+                          <a:ea typeface="+mn-ea"/>
+                          <a:cs typeface="+mn-cs"/>
+                        </a:rPr>
+                        <a:t>String</a:t>
+                      </a:r>
+                      <a:r>
+                        <a:rPr lang="en-US" sz="1800" b="0" i="0" kern="1200" dirty="0">
+                          <a:solidFill>
+                            <a:schemeClr val="dk1"/>
+                          </a:solidFill>
+                          <a:effectLst/>
+                          <a:latin typeface="+mn-lt"/>
+                          <a:ea typeface="+mn-ea"/>
+                          <a:cs typeface="+mn-cs"/>
+                        </a:rPr>
+                        <a:t>,</a:t>
+                      </a:r>
+                      <a:r>
+                        <a:rPr lang="en-US" sz="1800" b="0" i="0" kern="1200" baseline="0" dirty="0">
+                          <a:solidFill>
+                            <a:schemeClr val="dk1"/>
+                          </a:solidFill>
+                          <a:effectLst/>
+                          <a:latin typeface="+mn-lt"/>
+                          <a:ea typeface="+mn-ea"/>
+                          <a:cs typeface="+mn-cs"/>
+                        </a:rPr>
+                        <a:t> </a:t>
+                      </a:r>
+                      <a:r>
+                        <a:rPr lang="en-US" sz="1800" b="0" i="0" kern="1200" dirty="0">
+                          <a:solidFill>
+                            <a:schemeClr val="dk1"/>
+                          </a:solidFill>
+                          <a:effectLst/>
+                          <a:latin typeface="+mn-lt"/>
+                          <a:ea typeface="+mn-ea"/>
+                          <a:cs typeface="+mn-cs"/>
+                        </a:rPr>
+                        <a:t>name: </a:t>
+                      </a:r>
+                      <a:r>
+                        <a:rPr lang="en-US" sz="1800" kern="1200" dirty="0">
+                          <a:solidFill>
+                            <a:schemeClr val="accent1">
+                              <a:lumMod val="75000"/>
+                            </a:schemeClr>
+                          </a:solidFill>
+                          <a:latin typeface="+mn-lt"/>
+                          <a:ea typeface="+mn-ea"/>
+                          <a:cs typeface="+mn-cs"/>
+                        </a:rPr>
+                        <a:t>String</a:t>
+                      </a:r>
+                      <a:r>
+                        <a:rPr lang="en-US" sz="1800" b="0" i="0" kern="1200" dirty="0">
+                          <a:solidFill>
+                            <a:schemeClr val="dk1"/>
+                          </a:solidFill>
+                          <a:effectLst/>
+                          <a:latin typeface="+mn-lt"/>
+                          <a:ea typeface="+mn-ea"/>
+                          <a:cs typeface="+mn-cs"/>
+                        </a:rPr>
+                        <a:t>,</a:t>
+                      </a:r>
+                      <a:r>
+                        <a:rPr lang="en-US" sz="1800" b="0" i="0" kern="1200" baseline="0" dirty="0">
+                          <a:solidFill>
+                            <a:schemeClr val="dk1"/>
+                          </a:solidFill>
+                          <a:effectLst/>
+                          <a:latin typeface="+mn-lt"/>
+                          <a:ea typeface="+mn-ea"/>
+                          <a:cs typeface="+mn-cs"/>
+                        </a:rPr>
+                        <a:t> </a:t>
+                      </a:r>
+                      <a:r>
+                        <a:rPr lang="en-US" sz="1800" b="0" i="0" kern="1200" baseline="0" dirty="0" err="1">
+                          <a:solidFill>
+                            <a:schemeClr val="dk1"/>
+                          </a:solidFill>
+                          <a:effectLst/>
+                          <a:latin typeface="+mn-lt"/>
+                          <a:ea typeface="+mn-ea"/>
+                          <a:cs typeface="+mn-cs"/>
+                        </a:rPr>
+                        <a:t>img</a:t>
+                      </a:r>
+                      <a:r>
+                        <a:rPr lang="en-US" sz="1800" b="0" i="0" kern="1200" baseline="0" dirty="0">
+                          <a:solidFill>
+                            <a:schemeClr val="dk1"/>
+                          </a:solidFill>
+                          <a:effectLst/>
+                          <a:latin typeface="+mn-lt"/>
+                          <a:ea typeface="+mn-ea"/>
+                          <a:cs typeface="+mn-cs"/>
+                        </a:rPr>
+                        <a:t>: </a:t>
+                      </a:r>
+                      <a:r>
+                        <a:rPr lang="en-US" sz="1800" kern="1200" dirty="0">
+                          <a:solidFill>
+                            <a:schemeClr val="accent1">
+                              <a:lumMod val="75000"/>
+                            </a:schemeClr>
+                          </a:solidFill>
+                          <a:latin typeface="+mn-lt"/>
+                          <a:ea typeface="+mn-ea"/>
+                          <a:cs typeface="+mn-cs"/>
+                        </a:rPr>
+                        <a:t>String</a:t>
+                      </a:r>
+                      <a:r>
+                        <a:rPr lang="en-US" sz="1800" kern="1200" dirty="0">
+                          <a:solidFill>
+                            <a:schemeClr val="tx1"/>
+                          </a:solidFill>
+                          <a:latin typeface="+mn-lt"/>
+                          <a:ea typeface="+mn-ea"/>
+                          <a:cs typeface="+mn-cs"/>
+                        </a:rPr>
+                        <a:t>} ],          </a:t>
+                      </a:r>
+                    </a:p>
+                    <a:p>
+                      <a:r>
+                        <a:rPr lang="en-US" sz="1800" b="0" i="0" kern="1200" dirty="0">
+                          <a:solidFill>
+                            <a:schemeClr val="tx1"/>
+                          </a:solidFill>
+                          <a:effectLst/>
+                          <a:latin typeface="+mn-lt"/>
+                          <a:ea typeface="+mn-ea"/>
+                          <a:cs typeface="+mn-cs"/>
+                        </a:rPr>
+                        <a:t>               </a:t>
+                      </a:r>
+                      <a:r>
+                        <a:rPr lang="en-US" sz="1800" b="0" i="0" kern="1200" dirty="0" err="1">
+                          <a:solidFill>
+                            <a:schemeClr val="dk1"/>
+                          </a:solidFill>
+                          <a:effectLst/>
+                          <a:latin typeface="+mn-lt"/>
+                          <a:ea typeface="+mn-ea"/>
+                          <a:cs typeface="+mn-cs"/>
+                        </a:rPr>
+                        <a:t>declinedCount</a:t>
+                      </a:r>
+                      <a:r>
+                        <a:rPr lang="en-US" sz="1800" b="0" i="0" kern="1200" dirty="0">
+                          <a:solidFill>
+                            <a:schemeClr val="dk1"/>
+                          </a:solidFill>
+                          <a:effectLst/>
+                          <a:latin typeface="+mn-lt"/>
+                          <a:ea typeface="+mn-ea"/>
+                          <a:cs typeface="+mn-cs"/>
+                        </a:rPr>
+                        <a:t>: </a:t>
+                      </a:r>
+                      <a:r>
+                        <a:rPr lang="en-US" sz="1800" kern="1200" dirty="0">
+                          <a:solidFill>
+                            <a:schemeClr val="accent1">
+                              <a:lumMod val="75000"/>
+                            </a:schemeClr>
+                          </a:solidFill>
+                          <a:latin typeface="+mn-lt"/>
+                          <a:ea typeface="+mn-ea"/>
+                          <a:cs typeface="+mn-cs"/>
+                        </a:rPr>
+                        <a:t>Number</a:t>
+                      </a:r>
+                      <a:r>
+                        <a:rPr lang="en-US" sz="1800" kern="1200" dirty="0">
+                          <a:solidFill>
+                            <a:schemeClr val="tx1"/>
+                          </a:solidFill>
+                          <a:latin typeface="+mn-lt"/>
+                          <a:ea typeface="+mn-ea"/>
+                          <a:cs typeface="+mn-cs"/>
+                        </a:rPr>
+                        <a:t>,</a:t>
+                      </a:r>
+                      <a:endParaRPr lang="en-US" sz="1800" b="0" i="0" kern="1200" dirty="0">
+                        <a:solidFill>
+                          <a:schemeClr val="dk1"/>
+                        </a:solidFill>
+                        <a:effectLst/>
+                        <a:latin typeface="+mn-lt"/>
+                        <a:ea typeface="+mn-ea"/>
+                        <a:cs typeface="+mn-cs"/>
+                      </a:endParaRPr>
+                    </a:p>
+                    <a:p>
+                      <a:r>
+                        <a:rPr lang="en-US" sz="1800" b="0" i="0" kern="1200" dirty="0">
+                          <a:solidFill>
+                            <a:schemeClr val="dk1"/>
+                          </a:solidFill>
+                          <a:effectLst/>
+                          <a:latin typeface="+mn-lt"/>
+                          <a:ea typeface="+mn-ea"/>
+                          <a:cs typeface="+mn-cs"/>
+                        </a:rPr>
+                        <a:t>}</a:t>
+                      </a:r>
+                    </a:p>
+                  </a:txBody>
+                  <a:tcPr anchor="ctr">
+                    <a:lnL w="12700" cap="flat" cmpd="sng" algn="ctr">
+                      <a:solidFill>
+                        <a:schemeClr val="tx1"/>
+                      </a:solidFill>
+                      <a:prstDash val="solid"/>
+                      <a:round/>
+                      <a:headEnd type="none" w="med" len="med"/>
+                      <a:tailEnd type="none" w="med" len="med"/>
+                    </a:lnL>
+                    <a:lnR w="12700" cap="flat" cmpd="sng" algn="ctr">
+                      <a:solidFill>
+                        <a:schemeClr val="tx1"/>
+                      </a:solidFill>
+                      <a:prstDash val="solid"/>
+                      <a:round/>
+                      <a:headEnd type="none" w="med" len="med"/>
+                      <a:tailEnd type="none" w="med" len="med"/>
+                    </a:lnR>
+                    <a:lnT w="12700" cap="flat" cmpd="sng" algn="ctr">
+                      <a:solidFill>
+                        <a:schemeClr val="tx1"/>
+                      </a:solidFill>
+                      <a:prstDash val="solid"/>
+                      <a:round/>
+                      <a:headEnd type="none" w="med" len="med"/>
+                      <a:tailEnd type="none" w="med" len="med"/>
+                    </a:lnT>
+                    <a:lnB w="12700" cap="flat" cmpd="sng" algn="ctr">
+                      <a:solidFill>
+                        <a:schemeClr val="tx1"/>
+                      </a:solidFill>
+                      <a:prstDash val="solid"/>
+                      <a:round/>
+                      <a:headEnd type="none" w="med" len="med"/>
+                      <a:tailEnd type="none" w="med" len="med"/>
+                    </a:lnB>
+                    <a:noFill/>
+                  </a:tcPr>
+                </a:tc>
+                <a:tc hMerge="1">
+                  <a:txBody>
+                    <a:bodyPr/>
+                    <a:lstStyle/>
+                    <a:p>
+                      <a:endParaRPr lang="de-DE"/>
+                    </a:p>
+                  </a:txBody>
+                  <a:tcPr/>
+                </a:tc>
+                <a:tc hMerge="1">
+                  <a:txBody>
+                    <a:bodyPr/>
+                    <a:lstStyle/>
+                    <a:p>
+                      <a:endParaRPr lang="de-DE"/>
+                    </a:p>
+                  </a:txBody>
+                  <a:tcPr/>
+                </a:tc>
+                <a:tc hMerge="1">
+                  <a:txBody>
+                    <a:bodyPr/>
+                    <a:lstStyle/>
+                    <a:p>
+                      <a:endParaRPr lang="de-DE"/>
+                    </a:p>
+                  </a:txBody>
+                  <a:tcPr/>
+                </a:tc>
+                <a:extLst>
+                  <a:ext uri="{0D108BD9-81ED-4DB2-BD59-A6C34878D82A}">
+                    <a16:rowId xmlns:a16="http://schemas.microsoft.com/office/drawing/2014/main" val="3078822959"/>
+                  </a:ext>
+                </a:extLst>
+              </a:tr>
+              <a:tr h="577936">
+                <a:tc>
+                  <a:txBody>
+                    <a:bodyPr/>
+                    <a:lstStyle/>
+                    <a:p>
+                      <a:endParaRPr lang="de-DE" dirty="0">
+                        <a:solidFill>
+                          <a:sysClr val="windowText" lastClr="000000"/>
+                        </a:solidFill>
+                      </a:endParaRPr>
+                    </a:p>
+                  </a:txBody>
+                  <a:tcPr anchor="ctr">
+                    <a:lnL w="12700" cap="flat" cmpd="sng" algn="ctr">
+                      <a:solidFill>
+                        <a:schemeClr val="tx1"/>
+                      </a:solidFill>
+                      <a:prstDash val="solid"/>
+                      <a:round/>
+                      <a:headEnd type="none" w="med" len="med"/>
+                      <a:tailEnd type="none" w="med" len="med"/>
+                    </a:lnL>
+                    <a:lnR w="12700" cap="flat" cmpd="sng" algn="ctr">
+                      <a:solidFill>
+                        <a:schemeClr val="tx1"/>
+                      </a:solidFill>
+                      <a:prstDash val="solid"/>
+                      <a:round/>
+                      <a:headEnd type="none" w="med" len="med"/>
+                      <a:tailEnd type="none" w="med" len="med"/>
+                    </a:lnR>
+                    <a:lnT w="12700" cap="flat" cmpd="sng" algn="ctr">
+                      <a:solidFill>
+                        <a:schemeClr val="tx1"/>
+                      </a:solidFill>
+                      <a:prstDash val="solid"/>
+                      <a:round/>
+                      <a:headEnd type="none" w="med" len="med"/>
+                      <a:tailEnd type="none" w="med" len="med"/>
+                    </a:lnT>
+                    <a:lnB w="12700" cap="flat" cmpd="sng" algn="ctr">
+                      <a:solidFill>
+                        <a:schemeClr val="tx1"/>
+                      </a:solidFill>
+                      <a:prstDash val="solid"/>
+                      <a:round/>
+                      <a:headEnd type="none" w="med" len="med"/>
+                      <a:tailEnd type="none" w="med" len="med"/>
+                    </a:lnB>
+                    <a:lnTlToBr w="12700" cmpd="sng">
+                      <a:noFill/>
+                      <a:prstDash val="solid"/>
+                    </a:lnTlToBr>
+                    <a:lnBlToTr w="12700" cmpd="sng">
+                      <a:noFill/>
+                      <a:prstDash val="solid"/>
+                    </a:lnBlToTr>
+                    <a:noFill/>
+                  </a:tcPr>
+                </a:tc>
+                <a:tc>
+                  <a:txBody>
+                    <a:bodyPr/>
+                    <a:lstStyle/>
+                    <a:p>
+                      <a:r>
+                        <a:rPr lang="de-DE" dirty="0"/>
+                        <a:t>401</a:t>
+                      </a:r>
+                    </a:p>
+                  </a:txBody>
+                  <a:tcPr anchor="ctr">
+                    <a:lnL w="12700" cap="flat" cmpd="sng" algn="ctr">
+                      <a:solidFill>
+                        <a:schemeClr val="tx1"/>
+                      </a:solidFill>
+                      <a:prstDash val="solid"/>
+                      <a:round/>
+                      <a:headEnd type="none" w="med" len="med"/>
+                      <a:tailEnd type="none" w="med" len="med"/>
+                    </a:lnL>
+                    <a:lnR w="12700" cap="flat" cmpd="sng" algn="ctr">
+                      <a:solidFill>
+                        <a:schemeClr val="tx1"/>
+                      </a:solidFill>
+                      <a:prstDash val="solid"/>
+                      <a:round/>
+                      <a:headEnd type="none" w="med" len="med"/>
+                      <a:tailEnd type="none" w="med" len="med"/>
+                    </a:lnR>
+                    <a:lnT w="12700" cap="flat" cmpd="sng" algn="ctr">
+                      <a:solidFill>
+                        <a:schemeClr val="tx1"/>
+                      </a:solidFill>
+                      <a:prstDash val="solid"/>
+                      <a:round/>
+                      <a:headEnd type="none" w="med" len="med"/>
+                      <a:tailEnd type="none" w="med" len="med"/>
+                    </a:lnT>
+                    <a:lnB w="12700" cap="flat" cmpd="sng" algn="ctr">
+                      <a:solidFill>
+                        <a:schemeClr val="tx1"/>
+                      </a:solidFill>
+                      <a:prstDash val="solid"/>
+                      <a:round/>
+                      <a:headEnd type="none" w="med" len="med"/>
+                      <a:tailEnd type="none" w="med" len="med"/>
+                    </a:lnB>
+                    <a:noFill/>
+                  </a:tcPr>
+                </a:tc>
+                <a:tc gridSpan="4">
+                  <a:txBody>
+                    <a:bodyPr/>
+                    <a:lstStyle/>
+                    <a:p>
+                      <a:r>
+                        <a:rPr lang="en-US" sz="1800" b="0" i="0" kern="1200" dirty="0">
+                          <a:solidFill>
+                            <a:schemeClr val="dk1"/>
+                          </a:solidFill>
+                          <a:effectLst/>
+                          <a:latin typeface="+mn-lt"/>
+                          <a:ea typeface="+mn-ea"/>
+                          <a:cs typeface="+mn-cs"/>
+                        </a:rPr>
+                        <a:t>{"</a:t>
+                      </a:r>
+                      <a:r>
+                        <a:rPr lang="en-US" sz="1800" b="0" i="0" kern="1200" dirty="0" err="1">
+                          <a:solidFill>
+                            <a:schemeClr val="dk1"/>
+                          </a:solidFill>
+                          <a:effectLst/>
+                          <a:latin typeface="+mn-lt"/>
+                          <a:ea typeface="+mn-ea"/>
+                          <a:cs typeface="+mn-cs"/>
+                        </a:rPr>
+                        <a:t>status":"No</a:t>
+                      </a:r>
+                      <a:r>
+                        <a:rPr lang="en-US" sz="1800" b="0" i="0" kern="1200" dirty="0">
+                          <a:solidFill>
+                            <a:schemeClr val="dk1"/>
+                          </a:solidFill>
+                          <a:effectLst/>
+                          <a:latin typeface="+mn-lt"/>
+                          <a:ea typeface="+mn-ea"/>
+                          <a:cs typeface="+mn-cs"/>
+                        </a:rPr>
+                        <a:t> user is logged in"}</a:t>
+                      </a:r>
+                      <a:endParaRPr lang="de-DE" dirty="0"/>
+                    </a:p>
+                  </a:txBody>
+                  <a:tcPr anchor="ctr">
+                    <a:lnL w="12700" cap="flat" cmpd="sng" algn="ctr">
+                      <a:solidFill>
+                        <a:schemeClr val="tx1"/>
+                      </a:solidFill>
+                      <a:prstDash val="solid"/>
+                      <a:round/>
+                      <a:headEnd type="none" w="med" len="med"/>
+                      <a:tailEnd type="none" w="med" len="med"/>
+                    </a:lnL>
+                    <a:lnR w="12700" cap="flat" cmpd="sng" algn="ctr">
+                      <a:solidFill>
+                        <a:schemeClr val="tx1"/>
+                      </a:solidFill>
+                      <a:prstDash val="solid"/>
+                      <a:round/>
+                      <a:headEnd type="none" w="med" len="med"/>
+                      <a:tailEnd type="none" w="med" len="med"/>
+                    </a:lnR>
+                    <a:lnT w="12700" cap="flat" cmpd="sng" algn="ctr">
+                      <a:solidFill>
+                        <a:schemeClr val="tx1"/>
+                      </a:solidFill>
+                      <a:prstDash val="solid"/>
+                      <a:round/>
+                      <a:headEnd type="none" w="med" len="med"/>
+                      <a:tailEnd type="none" w="med" len="med"/>
+                    </a:lnT>
+                    <a:lnB w="12700" cap="flat" cmpd="sng" algn="ctr">
+                      <a:solidFill>
+                        <a:schemeClr val="tx1"/>
+                      </a:solidFill>
+                      <a:prstDash val="solid"/>
+                      <a:round/>
+                      <a:headEnd type="none" w="med" len="med"/>
+                      <a:tailEnd type="none" w="med" len="med"/>
+                    </a:lnB>
+                    <a:noFill/>
+                  </a:tcPr>
+                </a:tc>
+                <a:tc hMerge="1">
+                  <a:txBody>
+                    <a:bodyPr/>
+                    <a:lstStyle/>
+                    <a:p>
+                      <a:endParaRPr lang="de-DE"/>
+                    </a:p>
+                  </a:txBody>
+                  <a:tcPr/>
+                </a:tc>
+                <a:tc hMerge="1">
+                  <a:txBody>
+                    <a:bodyPr/>
+                    <a:lstStyle/>
+                    <a:p>
+                      <a:endParaRPr lang="de-DE"/>
+                    </a:p>
+                  </a:txBody>
+                  <a:tcPr/>
+                </a:tc>
+                <a:tc hMerge="1">
+                  <a:txBody>
+                    <a:bodyPr/>
+                    <a:lstStyle/>
+                    <a:p>
+                      <a:endParaRPr lang="de-DE"/>
+                    </a:p>
+                  </a:txBody>
+                  <a:tcPr/>
+                </a:tc>
+                <a:extLst>
+                  <a:ext uri="{0D108BD9-81ED-4DB2-BD59-A6C34878D82A}">
+                    <a16:rowId xmlns:a16="http://schemas.microsoft.com/office/drawing/2014/main" val="247276148"/>
+                  </a:ext>
+                </a:extLst>
+              </a:tr>
+              <a:tr h="577936">
+                <a:tc>
+                  <a:txBody>
+                    <a:bodyPr/>
+                    <a:lstStyle/>
+                    <a:p>
+                      <a:endParaRPr lang="de-DE" dirty="0">
+                        <a:solidFill>
+                          <a:sysClr val="windowText" lastClr="000000"/>
+                        </a:solidFill>
+                      </a:endParaRPr>
+                    </a:p>
+                  </a:txBody>
+                  <a:tcPr anchor="ctr">
+                    <a:lnL w="12700" cap="flat" cmpd="sng" algn="ctr">
+                      <a:noFill/>
+                      <a:prstDash val="solid"/>
+                      <a:round/>
+                      <a:headEnd type="none" w="med" len="med"/>
+                      <a:tailEnd type="none" w="med" len="med"/>
+                    </a:lnL>
+                    <a:lnR w="12700" cap="flat" cmpd="sng" algn="ctr">
+                      <a:solidFill>
+                        <a:schemeClr val="tx1"/>
+                      </a:solidFill>
+                      <a:prstDash val="solid"/>
+                      <a:round/>
+                      <a:headEnd type="none" w="med" len="med"/>
+                      <a:tailEnd type="none" w="med" len="med"/>
+                    </a:lnR>
+                    <a:lnT w="12700" cap="flat" cmpd="sng" algn="ctr">
+                      <a:solidFill>
+                        <a:schemeClr val="tx1"/>
+                      </a:solidFill>
+                      <a:prstDash val="solid"/>
+                      <a:round/>
+                      <a:headEnd type="none" w="med" len="med"/>
+                      <a:tailEnd type="none" w="med" len="med"/>
+                    </a:lnT>
+                    <a:lnB w="12700" cap="flat" cmpd="sng" algn="ctr">
+                      <a:noFill/>
+                      <a:prstDash val="solid"/>
+                      <a:round/>
+                      <a:headEnd type="none" w="med" len="med"/>
+                      <a:tailEnd type="none" w="med" len="med"/>
+                    </a:lnB>
+                    <a:noFill/>
+                  </a:tcPr>
+                </a:tc>
+                <a:tc>
+                  <a:txBody>
+                    <a:bodyPr/>
+                    <a:lstStyle/>
+                    <a:p>
+                      <a:r>
+                        <a:rPr lang="de-DE" dirty="0"/>
+                        <a:t>401</a:t>
+                      </a:r>
+                    </a:p>
+                  </a:txBody>
+                  <a:tcPr anchor="ctr">
+                    <a:lnL w="12700" cap="flat" cmpd="sng" algn="ctr">
+                      <a:solidFill>
+                        <a:schemeClr val="tx1"/>
+                      </a:solidFill>
+                      <a:prstDash val="solid"/>
+                      <a:round/>
+                      <a:headEnd type="none" w="med" len="med"/>
+                      <a:tailEnd type="none" w="med" len="med"/>
+                    </a:lnL>
+                    <a:lnR w="12700" cap="flat" cmpd="sng" algn="ctr">
+                      <a:solidFill>
+                        <a:schemeClr val="tx1"/>
+                      </a:solidFill>
+                      <a:prstDash val="solid"/>
+                      <a:round/>
+                      <a:headEnd type="none" w="med" len="med"/>
+                      <a:tailEnd type="none" w="med" len="med"/>
+                    </a:lnR>
+                    <a:lnT w="12700" cap="flat" cmpd="sng" algn="ctr">
+                      <a:solidFill>
+                        <a:schemeClr val="tx1"/>
+                      </a:solidFill>
+                      <a:prstDash val="solid"/>
+                      <a:round/>
+                      <a:headEnd type="none" w="med" len="med"/>
+                      <a:tailEnd type="none" w="med" len="med"/>
+                    </a:lnT>
+                    <a:lnB w="12700" cap="flat" cmpd="sng" algn="ctr">
+                      <a:solidFill>
+                        <a:schemeClr val="tx1"/>
+                      </a:solidFill>
+                      <a:prstDash val="solid"/>
+                      <a:round/>
+                      <a:headEnd type="none" w="med" len="med"/>
+                      <a:tailEnd type="none" w="med" len="med"/>
+                    </a:lnB>
+                    <a:noFill/>
+                  </a:tcPr>
+                </a:tc>
+                <a:tc gridSpan="4">
+                  <a:txBody>
+                    <a:bodyPr/>
+                    <a:lstStyle/>
+                    <a:p>
+                      <a:pPr marL="0" marR="0" lvl="0" indent="0" algn="l" defTabSz="914400" rtl="0" eaLnBrk="1" fontAlgn="auto" latinLnBrk="0" hangingPunct="1">
+                        <a:lnSpc>
+                          <a:spcPct val="100000"/>
+                        </a:lnSpc>
+                        <a:spcBef>
+                          <a:spcPts val="0"/>
+                        </a:spcBef>
+                        <a:spcAft>
+                          <a:spcPts val="0"/>
+                        </a:spcAft>
+                        <a:buClrTx/>
+                        <a:buSzTx/>
+                        <a:buFontTx/>
+                        <a:buNone/>
+                        <a:tabLst/>
+                        <a:defRPr/>
+                      </a:pPr>
+                      <a:r>
+                        <a:rPr lang="en-US" sz="1800" b="0" i="0" kern="1200" dirty="0">
+                          <a:solidFill>
+                            <a:schemeClr val="dk1"/>
+                          </a:solidFill>
+                          <a:effectLst/>
+                          <a:latin typeface="+mn-lt"/>
+                          <a:ea typeface="+mn-ea"/>
+                          <a:cs typeface="+mn-cs"/>
+                        </a:rPr>
+                        <a:t>{"</a:t>
+                      </a:r>
+                      <a:r>
+                        <a:rPr lang="en-US" sz="1800" b="0" i="0" kern="1200" dirty="0" err="1">
+                          <a:solidFill>
+                            <a:schemeClr val="dk1"/>
+                          </a:solidFill>
+                          <a:effectLst/>
+                          <a:latin typeface="+mn-lt"/>
+                          <a:ea typeface="+mn-ea"/>
+                          <a:cs typeface="+mn-cs"/>
+                        </a:rPr>
+                        <a:t>status":"User</a:t>
+                      </a:r>
+                      <a:r>
+                        <a:rPr lang="en-US" sz="1800" b="0" i="0" kern="1200" dirty="0">
+                          <a:solidFill>
+                            <a:schemeClr val="dk1"/>
+                          </a:solidFill>
+                          <a:effectLst/>
+                          <a:latin typeface="+mn-lt"/>
+                          <a:ea typeface="+mn-ea"/>
+                          <a:cs typeface="+mn-cs"/>
+                        </a:rPr>
+                        <a:t> is not the organizer of the event"}</a:t>
+                      </a:r>
+                      <a:endParaRPr lang="de-DE" dirty="0"/>
+                    </a:p>
+                  </a:txBody>
+                  <a:tcPr anchor="ctr">
+                    <a:lnL w="12700" cap="flat" cmpd="sng" algn="ctr">
+                      <a:solidFill>
+                        <a:schemeClr val="tx1"/>
+                      </a:solidFill>
+                      <a:prstDash val="solid"/>
+                      <a:round/>
+                      <a:headEnd type="none" w="med" len="med"/>
+                      <a:tailEnd type="none" w="med" len="med"/>
+                    </a:lnL>
+                    <a:lnR w="12700" cap="flat" cmpd="sng" algn="ctr">
+                      <a:solidFill>
+                        <a:schemeClr val="tx1"/>
+                      </a:solidFill>
+                      <a:prstDash val="solid"/>
+                      <a:round/>
+                      <a:headEnd type="none" w="med" len="med"/>
+                      <a:tailEnd type="none" w="med" len="med"/>
+                    </a:lnR>
+                    <a:lnT w="12700" cap="flat" cmpd="sng" algn="ctr">
+                      <a:solidFill>
+                        <a:schemeClr val="tx1"/>
+                      </a:solidFill>
+                      <a:prstDash val="solid"/>
+                      <a:round/>
+                      <a:headEnd type="none" w="med" len="med"/>
+                      <a:tailEnd type="none" w="med" len="med"/>
+                    </a:lnT>
+                    <a:lnB w="12700" cap="flat" cmpd="sng" algn="ctr">
+                      <a:solidFill>
+                        <a:schemeClr val="tx1"/>
+                      </a:solidFill>
+                      <a:prstDash val="solid"/>
+                      <a:round/>
+                      <a:headEnd type="none" w="med" len="med"/>
+                      <a:tailEnd type="none" w="med" len="med"/>
+                    </a:lnB>
+                    <a:noFill/>
+                  </a:tcPr>
+                </a:tc>
+                <a:tc hMerge="1">
+                  <a:txBody>
+                    <a:bodyPr/>
+                    <a:lstStyle/>
+                    <a:p>
+                      <a:endParaRPr lang="de-DE"/>
+                    </a:p>
+                  </a:txBody>
+                  <a:tcPr/>
+                </a:tc>
+                <a:tc hMerge="1">
+                  <a:txBody>
+                    <a:bodyPr/>
+                    <a:lstStyle/>
+                    <a:p>
+                      <a:endParaRPr lang="de-DE"/>
+                    </a:p>
+                  </a:txBody>
+                  <a:tcPr/>
+                </a:tc>
+                <a:tc hMerge="1">
+                  <a:txBody>
+                    <a:bodyPr/>
+                    <a:lstStyle/>
+                    <a:p>
+                      <a:endParaRPr lang="de-DE"/>
+                    </a:p>
+                  </a:txBody>
+                  <a:tcPr/>
+                </a:tc>
+                <a:extLst>
+                  <a:ext uri="{0D108BD9-81ED-4DB2-BD59-A6C34878D82A}">
+                    <a16:rowId xmlns:a16="http://schemas.microsoft.com/office/drawing/2014/main" val="994510799"/>
+                  </a:ext>
+                </a:extLst>
+              </a:tr>
+            </a:tbl>
+          </a:graphicData>
+        </a:graphic>
+      </p:graphicFrame>
+    </p:spTree>
+    <p:extLst>
+      <p:ext uri="{BB962C8B-B14F-4D97-AF65-F5344CB8AC3E}">
+        <p14:creationId xmlns:p14="http://schemas.microsoft.com/office/powerpoint/2010/main" val="667345475"/>
       </p:ext>
     </p:extLst>
   </p:cSld>

--- a/Service Definition.pptx
+++ b/Service Definition.pptx
@@ -5,18 +5,19 @@
     <p:sldMasterId id="2147483648" r:id="rId1"/>
   </p:sldMasterIdLst>
   <p:notesMasterIdLst>
-    <p:notesMasterId r:id="rId11"/>
+    <p:notesMasterId r:id="rId12"/>
   </p:notesMasterIdLst>
   <p:sldIdLst>
     <p:sldId id="256" r:id="rId2"/>
     <p:sldId id="257" r:id="rId3"/>
     <p:sldId id="258" r:id="rId4"/>
     <p:sldId id="259" r:id="rId5"/>
-    <p:sldId id="260" r:id="rId6"/>
-    <p:sldId id="261" r:id="rId7"/>
-    <p:sldId id="262" r:id="rId8"/>
-    <p:sldId id="263" r:id="rId9"/>
-    <p:sldId id="264" r:id="rId10"/>
+    <p:sldId id="265" r:id="rId6"/>
+    <p:sldId id="260" r:id="rId7"/>
+    <p:sldId id="261" r:id="rId8"/>
+    <p:sldId id="262" r:id="rId9"/>
+    <p:sldId id="263" r:id="rId10"/>
+    <p:sldId id="264" r:id="rId11"/>
   </p:sldIdLst>
   <p:sldSz cx="12192000" cy="6858000"/>
   <p:notesSz cx="6858000" cy="9144000"/>
@@ -205,7 +206,7 @@
           <a:p>
             <a:fld id="{BD80D7EE-AFD0-49FB-94CD-3D802D1BB73D}" type="datetimeFigureOut">
               <a:rPr lang="de-DE" smtClean="0"/>
-              <a:t>17.03.2017</a:t>
+              <a:t>20.04.2017</a:t>
             </a:fld>
             <a:endParaRPr lang="de-DE"/>
           </a:p>
@@ -364,7 +365,7 @@
           <a:p>
             <a:fld id="{94D3C3F6-6532-491A-9C79-3033F67B7FC1}" type="slidenum">
               <a:rPr lang="de-DE" smtClean="0"/>
-              <a:t>‹#›</a:t>
+              <a:t>‹Nr.›</a:t>
             </a:fld>
             <a:endParaRPr lang="de-DE"/>
           </a:p>
@@ -604,7 +605,7 @@
           <a:p>
             <a:fld id="{893E627D-0C86-4C4A-9762-11D9A002D850}" type="datetime1">
               <a:rPr lang="de-DE" smtClean="0"/>
-              <a:t>17.03.2017</a:t>
+              <a:t>20.04.2017</a:t>
             </a:fld>
             <a:endParaRPr lang="de-DE"/>
           </a:p>
@@ -649,7 +650,7 @@
           <a:p>
             <a:fld id="{2FFD189B-FC70-467B-8D46-305D7B719983}" type="slidenum">
               <a:rPr lang="de-DE" smtClean="0"/>
-              <a:t>‹#›</a:t>
+              <a:t>‹Nr.›</a:t>
             </a:fld>
             <a:endParaRPr lang="de-DE"/>
           </a:p>
@@ -777,7 +778,7 @@
           <a:p>
             <a:fld id="{B794978E-2D2B-4EDD-846D-ED7008B002C2}" type="datetime1">
               <a:rPr lang="de-DE" smtClean="0"/>
-              <a:t>17.03.2017</a:t>
+              <a:t>20.04.2017</a:t>
             </a:fld>
             <a:endParaRPr lang="de-DE"/>
           </a:p>
@@ -822,7 +823,7 @@
           <a:p>
             <a:fld id="{2FFD189B-FC70-467B-8D46-305D7B719983}" type="slidenum">
               <a:rPr lang="de-DE" smtClean="0"/>
-              <a:t>‹#›</a:t>
+              <a:t>‹Nr.›</a:t>
             </a:fld>
             <a:endParaRPr lang="de-DE"/>
           </a:p>
@@ -960,7 +961,7 @@
           <a:p>
             <a:fld id="{23B70FA9-9C28-40AF-86E5-2885AC9B7AC1}" type="datetime1">
               <a:rPr lang="de-DE" smtClean="0"/>
-              <a:t>17.03.2017</a:t>
+              <a:t>20.04.2017</a:t>
             </a:fld>
             <a:endParaRPr lang="de-DE"/>
           </a:p>
@@ -1005,7 +1006,7 @@
           <a:p>
             <a:fld id="{2FFD189B-FC70-467B-8D46-305D7B719983}" type="slidenum">
               <a:rPr lang="de-DE" smtClean="0"/>
-              <a:t>‹#›</a:t>
+              <a:t>‹Nr.›</a:t>
             </a:fld>
             <a:endParaRPr lang="de-DE"/>
           </a:p>
@@ -1133,7 +1134,7 @@
           <a:p>
             <a:fld id="{98B15B5E-30C0-469B-A5DC-BC71A6865C54}" type="datetime1">
               <a:rPr lang="de-DE" smtClean="0"/>
-              <a:t>17.03.2017</a:t>
+              <a:t>20.04.2017</a:t>
             </a:fld>
             <a:endParaRPr lang="de-DE"/>
           </a:p>
@@ -1178,7 +1179,7 @@
           <a:p>
             <a:fld id="{2FFD189B-FC70-467B-8D46-305D7B719983}" type="slidenum">
               <a:rPr lang="de-DE" smtClean="0"/>
-              <a:t>‹#›</a:t>
+              <a:t>‹Nr.›</a:t>
             </a:fld>
             <a:endParaRPr lang="de-DE"/>
           </a:p>
@@ -1382,7 +1383,7 @@
           <a:p>
             <a:fld id="{E5376320-2F59-43CE-A831-744C71F7906D}" type="datetime1">
               <a:rPr lang="de-DE" smtClean="0"/>
-              <a:t>17.03.2017</a:t>
+              <a:t>20.04.2017</a:t>
             </a:fld>
             <a:endParaRPr lang="de-DE"/>
           </a:p>
@@ -1427,7 +1428,7 @@
           <a:p>
             <a:fld id="{2FFD189B-FC70-467B-8D46-305D7B719983}" type="slidenum">
               <a:rPr lang="de-DE" smtClean="0"/>
-              <a:t>‹#›</a:t>
+              <a:t>‹Nr.›</a:t>
             </a:fld>
             <a:endParaRPr lang="de-DE"/>
           </a:p>
@@ -1617,7 +1618,7 @@
           <a:p>
             <a:fld id="{7CF87D4C-852F-496C-9A6A-F371F5D8458A}" type="datetime1">
               <a:rPr lang="de-DE" smtClean="0"/>
-              <a:t>17.03.2017</a:t>
+              <a:t>20.04.2017</a:t>
             </a:fld>
             <a:endParaRPr lang="de-DE"/>
           </a:p>
@@ -1662,7 +1663,7 @@
           <a:p>
             <a:fld id="{2FFD189B-FC70-467B-8D46-305D7B719983}" type="slidenum">
               <a:rPr lang="de-DE" smtClean="0"/>
-              <a:t>‹#›</a:t>
+              <a:t>‹Nr.›</a:t>
             </a:fld>
             <a:endParaRPr lang="de-DE"/>
           </a:p>
@@ -1987,7 +1988,7 @@
           <a:p>
             <a:fld id="{E3F92AD5-EF1C-4E2C-AD4B-C7649A3F07A0}" type="datetime1">
               <a:rPr lang="de-DE" smtClean="0"/>
-              <a:t>17.03.2017</a:t>
+              <a:t>20.04.2017</a:t>
             </a:fld>
             <a:endParaRPr lang="de-DE"/>
           </a:p>
@@ -2032,7 +2033,7 @@
           <a:p>
             <a:fld id="{2FFD189B-FC70-467B-8D46-305D7B719983}" type="slidenum">
               <a:rPr lang="de-DE" smtClean="0"/>
-              <a:t>‹#›</a:t>
+              <a:t>‹Nr.›</a:t>
             </a:fld>
             <a:endParaRPr lang="de-DE"/>
           </a:p>
@@ -2108,7 +2109,7 @@
           <a:p>
             <a:fld id="{7F77F6E7-8C2A-4BD9-9F8D-EF2465710DE9}" type="datetime1">
               <a:rPr lang="de-DE" smtClean="0"/>
-              <a:t>17.03.2017</a:t>
+              <a:t>20.04.2017</a:t>
             </a:fld>
             <a:endParaRPr lang="de-DE"/>
           </a:p>
@@ -2153,7 +2154,7 @@
           <a:p>
             <a:fld id="{2FFD189B-FC70-467B-8D46-305D7B719983}" type="slidenum">
               <a:rPr lang="de-DE" smtClean="0"/>
-              <a:t>‹#›</a:t>
+              <a:t>‹Nr.›</a:t>
             </a:fld>
             <a:endParaRPr lang="de-DE"/>
           </a:p>
@@ -2206,7 +2207,7 @@
           <a:p>
             <a:fld id="{3D003AC1-6E94-473F-8725-6AFC431A2E43}" type="datetime1">
               <a:rPr lang="de-DE" smtClean="0"/>
-              <a:t>17.03.2017</a:t>
+              <a:t>20.04.2017</a:t>
             </a:fld>
             <a:endParaRPr lang="de-DE"/>
           </a:p>
@@ -2251,7 +2252,7 @@
           <a:p>
             <a:fld id="{2FFD189B-FC70-467B-8D46-305D7B719983}" type="slidenum">
               <a:rPr lang="de-DE" smtClean="0"/>
-              <a:t>‹#›</a:t>
+              <a:t>‹Nr.›</a:t>
             </a:fld>
             <a:endParaRPr lang="de-DE"/>
           </a:p>
@@ -2486,7 +2487,7 @@
           <a:p>
             <a:fld id="{1A204B60-B1B3-4C00-9663-CCC99849B0A4}" type="datetime1">
               <a:rPr lang="de-DE" smtClean="0"/>
-              <a:t>17.03.2017</a:t>
+              <a:t>20.04.2017</a:t>
             </a:fld>
             <a:endParaRPr lang="de-DE"/>
           </a:p>
@@ -2531,7 +2532,7 @@
           <a:p>
             <a:fld id="{2FFD189B-FC70-467B-8D46-305D7B719983}" type="slidenum">
               <a:rPr lang="de-DE" smtClean="0"/>
-              <a:t>‹#›</a:t>
+              <a:t>‹Nr.›</a:t>
             </a:fld>
             <a:endParaRPr lang="de-DE"/>
           </a:p>
@@ -2742,7 +2743,7 @@
           <a:p>
             <a:fld id="{469B83C0-4028-41F8-89BA-875EA675BADE}" type="datetime1">
               <a:rPr lang="de-DE" smtClean="0"/>
-              <a:t>17.03.2017</a:t>
+              <a:t>20.04.2017</a:t>
             </a:fld>
             <a:endParaRPr lang="de-DE"/>
           </a:p>
@@ -2787,7 +2788,7 @@
           <a:p>
             <a:fld id="{2FFD189B-FC70-467B-8D46-305D7B719983}" type="slidenum">
               <a:rPr lang="de-DE" smtClean="0"/>
-              <a:t>‹#›</a:t>
+              <a:t>‹Nr.›</a:t>
             </a:fld>
             <a:endParaRPr lang="de-DE"/>
           </a:p>
@@ -2958,7 +2959,7 @@
           <a:p>
             <a:fld id="{C437DD8A-51DA-40BF-BD1B-2932476B6BCA}" type="datetime1">
               <a:rPr lang="de-DE" smtClean="0"/>
-              <a:t>17.03.2017</a:t>
+              <a:t>20.04.2017</a:t>
             </a:fld>
             <a:endParaRPr lang="de-DE"/>
           </a:p>
@@ -3039,7 +3040,7 @@
           <a:p>
             <a:fld id="{2FFD189B-FC70-467B-8D46-305D7B719983}" type="slidenum">
               <a:rPr lang="de-DE" smtClean="0"/>
-              <a:t>‹#›</a:t>
+              <a:t>‹Nr.›</a:t>
             </a:fld>
             <a:endParaRPr lang="de-DE"/>
           </a:p>
@@ -4207,6 +4208,2079 @@
 </p:sld>
 </file>
 
+<file path=ppt/slides/slide10.xml><?xml version="1.0" encoding="utf-8"?>
+<p:sld xmlns:a="http://schemas.openxmlformats.org/drawingml/2006/main" xmlns:r="http://schemas.openxmlformats.org/officeDocument/2006/relationships" xmlns:p="http://schemas.openxmlformats.org/presentationml/2006/main">
+  <p:cSld>
+    <p:spTree>
+      <p:nvGrpSpPr>
+        <p:cNvPr id="1" name=""/>
+        <p:cNvGrpSpPr/>
+        <p:nvPr/>
+      </p:nvGrpSpPr>
+      <p:grpSpPr>
+        <a:xfrm>
+          <a:off x="0" y="0"/>
+          <a:ext cx="0" cy="0"/>
+          <a:chOff x="0" y="0"/>
+          <a:chExt cx="0" cy="0"/>
+        </a:xfrm>
+      </p:grpSpPr>
+      <p:sp>
+        <p:nvSpPr>
+          <p:cNvPr id="4" name="Footer Placeholder 3"/>
+          <p:cNvSpPr>
+            <a:spLocks noGrp="1"/>
+          </p:cNvSpPr>
+          <p:nvPr>
+            <p:ph type="ftr" sz="quarter" idx="11"/>
+          </p:nvPr>
+        </p:nvSpPr>
+        <p:spPr/>
+        <p:txBody>
+          <a:bodyPr/>
+          <a:lstStyle/>
+          <a:p>
+            <a:r>
+              <a:rPr lang="de-DE"/>
+              <a:t>partylive Service Definition</a:t>
+            </a:r>
+          </a:p>
+        </p:txBody>
+      </p:sp>
+      <p:sp>
+        <p:nvSpPr>
+          <p:cNvPr id="5" name="Slide Number Placeholder 4"/>
+          <p:cNvSpPr>
+            <a:spLocks noGrp="1"/>
+          </p:cNvSpPr>
+          <p:nvPr>
+            <p:ph type="sldNum" sz="quarter" idx="12"/>
+          </p:nvPr>
+        </p:nvSpPr>
+        <p:spPr/>
+        <p:txBody>
+          <a:bodyPr/>
+          <a:lstStyle/>
+          <a:p>
+            <a:fld id="{2FFD189B-FC70-467B-8D46-305D7B719983}" type="slidenum">
+              <a:rPr lang="de-DE" smtClean="0"/>
+              <a:t>10</a:t>
+            </a:fld>
+            <a:endParaRPr lang="de-DE"/>
+          </a:p>
+        </p:txBody>
+      </p:sp>
+      <p:graphicFrame>
+        <p:nvGraphicFramePr>
+          <p:cNvPr id="7" name="Table 6"/>
+          <p:cNvGraphicFramePr>
+            <a:graphicFrameLocks noGrp="1"/>
+          </p:cNvGraphicFramePr>
+          <p:nvPr>
+            <p:extLst>
+              <p:ext uri="{D42A27DB-BD31-4B8C-83A1-F6EECF244321}">
+                <p14:modId xmlns:p14="http://schemas.microsoft.com/office/powerpoint/2010/main" val="2555009503"/>
+              </p:ext>
+            </p:extLst>
+          </p:nvPr>
+        </p:nvGraphicFramePr>
+        <p:xfrm>
+          <a:off x="835857" y="506537"/>
+          <a:ext cx="10520286" cy="5056149"/>
+        </p:xfrm>
+        <a:graphic>
+          <a:graphicData uri="http://schemas.openxmlformats.org/drawingml/2006/table">
+            <a:tbl>
+              <a:tblPr firstRow="1" bandRow="1">
+                <a:tableStyleId>{5C22544A-7EE6-4342-B048-85BDC9FD1C3A}</a:tableStyleId>
+              </a:tblPr>
+              <a:tblGrid>
+                <a:gridCol w="1669988">
+                  <a:extLst>
+                    <a:ext uri="{9D8B030D-6E8A-4147-A177-3AD203B41FA5}">
+                      <a16:colId xmlns:a16="http://schemas.microsoft.com/office/drawing/2014/main" val="2704125389"/>
+                    </a:ext>
+                  </a:extLst>
+                </a:gridCol>
+                <a:gridCol w="1757779">
+                  <a:extLst>
+                    <a:ext uri="{9D8B030D-6E8A-4147-A177-3AD203B41FA5}">
+                      <a16:colId xmlns:a16="http://schemas.microsoft.com/office/drawing/2014/main" val="2832046579"/>
+                    </a:ext>
+                  </a:extLst>
+                </a:gridCol>
+                <a:gridCol w="1187265">
+                  <a:extLst>
+                    <a:ext uri="{9D8B030D-6E8A-4147-A177-3AD203B41FA5}">
+                      <a16:colId xmlns:a16="http://schemas.microsoft.com/office/drawing/2014/main" val="3622771183"/>
+                    </a:ext>
+                  </a:extLst>
+                </a:gridCol>
+                <a:gridCol w="2026452">
+                  <a:extLst>
+                    <a:ext uri="{9D8B030D-6E8A-4147-A177-3AD203B41FA5}">
+                      <a16:colId xmlns:a16="http://schemas.microsoft.com/office/drawing/2014/main" val="1359834070"/>
+                    </a:ext>
+                  </a:extLst>
+                </a:gridCol>
+                <a:gridCol w="1774745">
+                  <a:extLst>
+                    <a:ext uri="{9D8B030D-6E8A-4147-A177-3AD203B41FA5}">
+                      <a16:colId xmlns:a16="http://schemas.microsoft.com/office/drawing/2014/main" val="2635870529"/>
+                    </a:ext>
+                  </a:extLst>
+                </a:gridCol>
+                <a:gridCol w="2104057">
+                  <a:extLst>
+                    <a:ext uri="{9D8B030D-6E8A-4147-A177-3AD203B41FA5}">
+                      <a16:colId xmlns:a16="http://schemas.microsoft.com/office/drawing/2014/main" val="3235653632"/>
+                    </a:ext>
+                  </a:extLst>
+                </a:gridCol>
+              </a:tblGrid>
+              <a:tr h="887196">
+                <a:tc>
+                  <a:txBody>
+                    <a:bodyPr/>
+                    <a:lstStyle/>
+                    <a:p>
+                      <a:pPr algn="l"/>
+                      <a:r>
+                        <a:rPr lang="de-DE" dirty="0">
+                          <a:solidFill>
+                            <a:sysClr val="windowText" lastClr="000000"/>
+                          </a:solidFill>
+                        </a:rPr>
+                        <a:t>SERVICE:</a:t>
+                      </a:r>
+                    </a:p>
+                  </a:txBody>
+                  <a:tcPr anchor="ctr">
+                    <a:lnL w="12700" cap="flat" cmpd="sng" algn="ctr">
+                      <a:solidFill>
+                        <a:schemeClr val="tx1"/>
+                      </a:solidFill>
+                      <a:prstDash val="solid"/>
+                      <a:round/>
+                      <a:headEnd type="none" w="med" len="med"/>
+                      <a:tailEnd type="none" w="med" len="med"/>
+                    </a:lnL>
+                    <a:lnR w="12700" cap="flat" cmpd="sng" algn="ctr">
+                      <a:solidFill>
+                        <a:schemeClr val="tx1"/>
+                      </a:solidFill>
+                      <a:prstDash val="solid"/>
+                      <a:round/>
+                      <a:headEnd type="none" w="med" len="med"/>
+                      <a:tailEnd type="none" w="med" len="med"/>
+                    </a:lnR>
+                    <a:lnT w="12700" cap="flat" cmpd="sng" algn="ctr">
+                      <a:solidFill>
+                        <a:schemeClr val="tx1"/>
+                      </a:solidFill>
+                      <a:prstDash val="solid"/>
+                      <a:round/>
+                      <a:headEnd type="none" w="med" len="med"/>
+                      <a:tailEnd type="none" w="med" len="med"/>
+                    </a:lnT>
+                    <a:lnB w="12700" cap="flat" cmpd="sng" algn="ctr">
+                      <a:solidFill>
+                        <a:schemeClr val="tx1"/>
+                      </a:solidFill>
+                      <a:prstDash val="solid"/>
+                      <a:round/>
+                      <a:headEnd type="none" w="med" len="med"/>
+                      <a:tailEnd type="none" w="med" len="med"/>
+                    </a:lnB>
+                    <a:noFill/>
+                  </a:tcPr>
+                </a:tc>
+                <a:tc gridSpan="2">
+                  <a:txBody>
+                    <a:bodyPr/>
+                    <a:lstStyle/>
+                    <a:p>
+                      <a:pPr algn="l"/>
+                      <a:r>
+                        <a:rPr lang="de-DE" sz="2800" dirty="0">
+                          <a:solidFill>
+                            <a:schemeClr val="accent5">
+                              <a:lumMod val="60000"/>
+                              <a:lumOff val="40000"/>
+                            </a:schemeClr>
+                          </a:solidFill>
+                        </a:rPr>
+                        <a:t>/</a:t>
+                      </a:r>
+                      <a:r>
+                        <a:rPr lang="de-DE" sz="2800" dirty="0" err="1">
+                          <a:solidFill>
+                            <a:schemeClr val="accent5">
+                              <a:lumMod val="60000"/>
+                              <a:lumOff val="40000"/>
+                            </a:schemeClr>
+                          </a:solidFill>
+                        </a:rPr>
+                        <a:t>events</a:t>
+                      </a:r>
+                      <a:r>
+                        <a:rPr lang="de-DE" sz="2800" dirty="0">
+                          <a:solidFill>
+                            <a:schemeClr val="accent5">
+                              <a:lumMod val="60000"/>
+                              <a:lumOff val="40000"/>
+                            </a:schemeClr>
+                          </a:solidFill>
+                        </a:rPr>
+                        <a:t>/$EVENTID</a:t>
+                      </a:r>
+                      <a:endParaRPr lang="de-DE" sz="2800" dirty="0">
+                        <a:solidFill>
+                          <a:schemeClr val="accent6">
+                            <a:lumMod val="60000"/>
+                            <a:lumOff val="40000"/>
+                          </a:schemeClr>
+                        </a:solidFill>
+                      </a:endParaRPr>
+                    </a:p>
+                  </a:txBody>
+                  <a:tcPr anchor="ctr">
+                    <a:lnL w="12700" cap="flat" cmpd="sng" algn="ctr">
+                      <a:solidFill>
+                        <a:schemeClr val="tx1"/>
+                      </a:solidFill>
+                      <a:prstDash val="solid"/>
+                      <a:round/>
+                      <a:headEnd type="none" w="med" len="med"/>
+                      <a:tailEnd type="none" w="med" len="med"/>
+                    </a:lnL>
+                    <a:lnR w="12700" cap="flat" cmpd="sng" algn="ctr">
+                      <a:noFill/>
+                      <a:prstDash val="solid"/>
+                      <a:round/>
+                      <a:headEnd type="none" w="med" len="med"/>
+                      <a:tailEnd type="none" w="med" len="med"/>
+                    </a:lnR>
+                    <a:lnT w="12700" cap="flat" cmpd="sng" algn="ctr">
+                      <a:solidFill>
+                        <a:schemeClr val="tx1"/>
+                      </a:solidFill>
+                      <a:prstDash val="solid"/>
+                      <a:round/>
+                      <a:headEnd type="none" w="med" len="med"/>
+                      <a:tailEnd type="none" w="med" len="med"/>
+                    </a:lnT>
+                    <a:lnB w="12700" cap="flat" cmpd="sng" algn="ctr">
+                      <a:solidFill>
+                        <a:schemeClr val="tx1"/>
+                      </a:solidFill>
+                      <a:prstDash val="solid"/>
+                      <a:round/>
+                      <a:headEnd type="none" w="med" len="med"/>
+                      <a:tailEnd type="none" w="med" len="med"/>
+                    </a:lnB>
+                    <a:noFill/>
+                  </a:tcPr>
+                </a:tc>
+                <a:tc hMerge="1">
+                  <a:txBody>
+                    <a:bodyPr/>
+                    <a:lstStyle/>
+                    <a:p>
+                      <a:endParaRPr lang="de-DE"/>
+                    </a:p>
+                  </a:txBody>
+                  <a:tcPr/>
+                </a:tc>
+                <a:tc>
+                  <a:txBody>
+                    <a:bodyPr/>
+                    <a:lstStyle/>
+                    <a:p>
+                      <a:pPr algn="l"/>
+                      <a:r>
+                        <a:rPr lang="de-DE" sz="2800" dirty="0">
+                          <a:solidFill>
+                            <a:srgbClr val="00B0F0"/>
+                          </a:solidFill>
+                        </a:rPr>
+                        <a:t>/</a:t>
+                      </a:r>
+                      <a:r>
+                        <a:rPr lang="de-DE" sz="2800" dirty="0" err="1">
+                          <a:solidFill>
+                            <a:srgbClr val="00B0F0"/>
+                          </a:solidFill>
+                        </a:rPr>
+                        <a:t>organizer</a:t>
+                      </a:r>
+                      <a:endParaRPr lang="de-DE" sz="2800" dirty="0">
+                        <a:solidFill>
+                          <a:srgbClr val="00B0F0"/>
+                        </a:solidFill>
+                      </a:endParaRPr>
+                    </a:p>
+                  </a:txBody>
+                  <a:tcPr anchor="ctr">
+                    <a:lnL w="12700" cap="flat" cmpd="sng" algn="ctr">
+                      <a:noFill/>
+                      <a:prstDash val="solid"/>
+                      <a:round/>
+                      <a:headEnd type="none" w="med" len="med"/>
+                      <a:tailEnd type="none" w="med" len="med"/>
+                    </a:lnL>
+                    <a:lnR w="12700" cap="flat" cmpd="sng" algn="ctr">
+                      <a:solidFill>
+                        <a:schemeClr val="tx1"/>
+                      </a:solidFill>
+                      <a:prstDash val="solid"/>
+                      <a:round/>
+                      <a:headEnd type="none" w="med" len="med"/>
+                      <a:tailEnd type="none" w="med" len="med"/>
+                    </a:lnR>
+                    <a:lnT w="12700" cap="flat" cmpd="sng" algn="ctr">
+                      <a:solidFill>
+                        <a:schemeClr val="tx1"/>
+                      </a:solidFill>
+                      <a:prstDash val="solid"/>
+                      <a:round/>
+                      <a:headEnd type="none" w="med" len="med"/>
+                      <a:tailEnd type="none" w="med" len="med"/>
+                    </a:lnT>
+                    <a:lnB w="12700" cap="flat" cmpd="sng" algn="ctr">
+                      <a:solidFill>
+                        <a:schemeClr val="tx1"/>
+                      </a:solidFill>
+                      <a:prstDash val="solid"/>
+                      <a:round/>
+                      <a:headEnd type="none" w="med" len="med"/>
+                      <a:tailEnd type="none" w="med" len="med"/>
+                    </a:lnB>
+                    <a:noFill/>
+                  </a:tcPr>
+                </a:tc>
+                <a:tc>
+                  <a:txBody>
+                    <a:bodyPr/>
+                    <a:lstStyle/>
+                    <a:p>
+                      <a:pPr algn="l"/>
+                      <a:r>
+                        <a:rPr lang="de-DE" dirty="0">
+                          <a:solidFill>
+                            <a:sysClr val="windowText" lastClr="000000"/>
+                          </a:solidFill>
+                        </a:rPr>
+                        <a:t>HTTP METHOD:</a:t>
+                      </a:r>
+                    </a:p>
+                  </a:txBody>
+                  <a:tcPr anchor="ctr">
+                    <a:lnL w="12700" cap="flat" cmpd="sng" algn="ctr">
+                      <a:solidFill>
+                        <a:schemeClr val="tx1"/>
+                      </a:solidFill>
+                      <a:prstDash val="solid"/>
+                      <a:round/>
+                      <a:headEnd type="none" w="med" len="med"/>
+                      <a:tailEnd type="none" w="med" len="med"/>
+                    </a:lnL>
+                    <a:lnR w="12700" cap="flat" cmpd="sng" algn="ctr">
+                      <a:solidFill>
+                        <a:schemeClr val="tx1"/>
+                      </a:solidFill>
+                      <a:prstDash val="solid"/>
+                      <a:round/>
+                      <a:headEnd type="none" w="med" len="med"/>
+                      <a:tailEnd type="none" w="med" len="med"/>
+                    </a:lnR>
+                    <a:lnT w="12700" cap="flat" cmpd="sng" algn="ctr">
+                      <a:solidFill>
+                        <a:schemeClr val="tx1"/>
+                      </a:solidFill>
+                      <a:prstDash val="solid"/>
+                      <a:round/>
+                      <a:headEnd type="none" w="med" len="med"/>
+                      <a:tailEnd type="none" w="med" len="med"/>
+                    </a:lnT>
+                    <a:lnB w="12700" cap="flat" cmpd="sng" algn="ctr">
+                      <a:solidFill>
+                        <a:schemeClr val="tx1"/>
+                      </a:solidFill>
+                      <a:prstDash val="solid"/>
+                      <a:round/>
+                      <a:headEnd type="none" w="med" len="med"/>
+                      <a:tailEnd type="none" w="med" len="med"/>
+                    </a:lnB>
+                    <a:noFill/>
+                  </a:tcPr>
+                </a:tc>
+                <a:tc>
+                  <a:txBody>
+                    <a:bodyPr/>
+                    <a:lstStyle/>
+                    <a:p>
+                      <a:pPr algn="l"/>
+                      <a:r>
+                        <a:rPr lang="de-DE" dirty="0">
+                          <a:solidFill>
+                            <a:srgbClr val="00B050"/>
+                          </a:solidFill>
+                        </a:rPr>
+                        <a:t>GET</a:t>
+                      </a:r>
+                    </a:p>
+                  </a:txBody>
+                  <a:tcPr anchor="ctr">
+                    <a:lnL w="12700" cap="flat" cmpd="sng" algn="ctr">
+                      <a:solidFill>
+                        <a:schemeClr val="tx1"/>
+                      </a:solidFill>
+                      <a:prstDash val="solid"/>
+                      <a:round/>
+                      <a:headEnd type="none" w="med" len="med"/>
+                      <a:tailEnd type="none" w="med" len="med"/>
+                    </a:lnL>
+                    <a:lnR w="12700" cap="flat" cmpd="sng" algn="ctr">
+                      <a:solidFill>
+                        <a:schemeClr val="tx1"/>
+                      </a:solidFill>
+                      <a:prstDash val="solid"/>
+                      <a:round/>
+                      <a:headEnd type="none" w="med" len="med"/>
+                      <a:tailEnd type="none" w="med" len="med"/>
+                    </a:lnR>
+                    <a:lnT w="12700" cap="flat" cmpd="sng" algn="ctr">
+                      <a:solidFill>
+                        <a:schemeClr val="tx1"/>
+                      </a:solidFill>
+                      <a:prstDash val="solid"/>
+                      <a:round/>
+                      <a:headEnd type="none" w="med" len="med"/>
+                      <a:tailEnd type="none" w="med" len="med"/>
+                    </a:lnT>
+                    <a:lnB w="12700" cap="flat" cmpd="sng" algn="ctr">
+                      <a:solidFill>
+                        <a:schemeClr val="tx1"/>
+                      </a:solidFill>
+                      <a:prstDash val="solid"/>
+                      <a:round/>
+                      <a:headEnd type="none" w="med" len="med"/>
+                      <a:tailEnd type="none" w="med" len="med"/>
+                    </a:lnB>
+                    <a:noFill/>
+                  </a:tcPr>
+                </a:tc>
+                <a:extLst>
+                  <a:ext uri="{0D108BD9-81ED-4DB2-BD59-A6C34878D82A}">
+                    <a16:rowId xmlns:a16="http://schemas.microsoft.com/office/drawing/2014/main" val="3083204381"/>
+                  </a:ext>
+                </a:extLst>
+              </a:tr>
+              <a:tr h="452761">
+                <a:tc>
+                  <a:txBody>
+                    <a:bodyPr/>
+                    <a:lstStyle/>
+                    <a:p>
+                      <a:r>
+                        <a:rPr lang="de-DE" dirty="0" err="1">
+                          <a:solidFill>
+                            <a:sysClr val="windowText" lastClr="000000"/>
+                          </a:solidFill>
+                        </a:rPr>
+                        <a:t>Function</a:t>
+                      </a:r>
+                      <a:r>
+                        <a:rPr lang="de-DE" dirty="0">
+                          <a:solidFill>
+                            <a:sysClr val="windowText" lastClr="000000"/>
+                          </a:solidFill>
+                        </a:rPr>
+                        <a:t>:</a:t>
+                      </a:r>
+                    </a:p>
+                  </a:txBody>
+                  <a:tcPr anchor="ctr">
+                    <a:lnL w="12700" cap="flat" cmpd="sng" algn="ctr">
+                      <a:solidFill>
+                        <a:schemeClr val="tx1"/>
+                      </a:solidFill>
+                      <a:prstDash val="solid"/>
+                      <a:round/>
+                      <a:headEnd type="none" w="med" len="med"/>
+                      <a:tailEnd type="none" w="med" len="med"/>
+                    </a:lnL>
+                    <a:lnR w="12700" cap="flat" cmpd="sng" algn="ctr">
+                      <a:solidFill>
+                        <a:schemeClr val="tx1"/>
+                      </a:solidFill>
+                      <a:prstDash val="solid"/>
+                      <a:round/>
+                      <a:headEnd type="none" w="med" len="med"/>
+                      <a:tailEnd type="none" w="med" len="med"/>
+                    </a:lnR>
+                    <a:lnT w="12700" cap="flat" cmpd="sng" algn="ctr">
+                      <a:solidFill>
+                        <a:schemeClr val="tx1"/>
+                      </a:solidFill>
+                      <a:prstDash val="solid"/>
+                      <a:round/>
+                      <a:headEnd type="none" w="med" len="med"/>
+                      <a:tailEnd type="none" w="med" len="med"/>
+                    </a:lnT>
+                    <a:lnB w="12700" cap="flat" cmpd="sng" algn="ctr">
+                      <a:solidFill>
+                        <a:schemeClr val="tx1"/>
+                      </a:solidFill>
+                      <a:prstDash val="solid"/>
+                      <a:round/>
+                      <a:headEnd type="none" w="med" len="med"/>
+                      <a:tailEnd type="none" w="med" len="med"/>
+                    </a:lnB>
+                    <a:noFill/>
+                  </a:tcPr>
+                </a:tc>
+                <a:tc gridSpan="5">
+                  <a:txBody>
+                    <a:bodyPr/>
+                    <a:lstStyle/>
+                    <a:p>
+                      <a:r>
+                        <a:rPr lang="de-DE" dirty="0" err="1"/>
+                        <a:t>Get</a:t>
+                      </a:r>
+                      <a:r>
+                        <a:rPr lang="de-DE" dirty="0"/>
+                        <a:t> </a:t>
+                      </a:r>
+                      <a:r>
+                        <a:rPr lang="de-DE" dirty="0" err="1"/>
+                        <a:t>organizer</a:t>
+                      </a:r>
+                      <a:r>
+                        <a:rPr lang="de-DE" baseline="0" dirty="0"/>
+                        <a:t> </a:t>
+                      </a:r>
+                      <a:r>
+                        <a:rPr lang="de-DE" dirty="0" err="1"/>
+                        <a:t>information</a:t>
+                      </a:r>
+                      <a:r>
+                        <a:rPr lang="de-DE" baseline="0" dirty="0"/>
+                        <a:t> on a </a:t>
+                      </a:r>
+                      <a:r>
+                        <a:rPr lang="de-DE" baseline="0" dirty="0" err="1"/>
+                        <a:t>specific</a:t>
+                      </a:r>
+                      <a:r>
+                        <a:rPr lang="de-DE" baseline="0" dirty="0"/>
+                        <a:t> </a:t>
+                      </a:r>
+                      <a:r>
+                        <a:rPr lang="de-DE" baseline="0" dirty="0" err="1"/>
+                        <a:t>event</a:t>
+                      </a:r>
+                      <a:r>
+                        <a:rPr lang="de-DE" dirty="0"/>
+                        <a:t>. </a:t>
+                      </a:r>
+                      <a:r>
+                        <a:rPr lang="de-DE" dirty="0" err="1"/>
+                        <a:t>Available</a:t>
+                      </a:r>
+                      <a:r>
+                        <a:rPr lang="de-DE" dirty="0"/>
+                        <a:t> </a:t>
+                      </a:r>
+                      <a:r>
+                        <a:rPr lang="de-DE" dirty="0" err="1"/>
+                        <a:t>for</a:t>
+                      </a:r>
+                      <a:r>
+                        <a:rPr lang="de-DE" dirty="0"/>
+                        <a:t> </a:t>
+                      </a:r>
+                      <a:r>
+                        <a:rPr lang="de-DE" dirty="0" err="1"/>
+                        <a:t>the</a:t>
+                      </a:r>
+                      <a:r>
+                        <a:rPr lang="de-DE" dirty="0"/>
+                        <a:t> </a:t>
+                      </a:r>
+                      <a:r>
+                        <a:rPr lang="de-DE" dirty="0" err="1"/>
+                        <a:t>event</a:t>
+                      </a:r>
+                      <a:r>
+                        <a:rPr lang="de-DE" dirty="0"/>
+                        <a:t> </a:t>
+                      </a:r>
+                      <a:r>
+                        <a:rPr lang="de-DE" dirty="0" err="1"/>
+                        <a:t>organizer</a:t>
+                      </a:r>
+                      <a:r>
+                        <a:rPr lang="de-DE" dirty="0"/>
+                        <a:t>.</a:t>
+                      </a:r>
+                    </a:p>
+                  </a:txBody>
+                  <a:tcPr anchor="ctr">
+                    <a:lnL w="12700" cap="flat" cmpd="sng" algn="ctr">
+                      <a:solidFill>
+                        <a:schemeClr val="tx1"/>
+                      </a:solidFill>
+                      <a:prstDash val="solid"/>
+                      <a:round/>
+                      <a:headEnd type="none" w="med" len="med"/>
+                      <a:tailEnd type="none" w="med" len="med"/>
+                    </a:lnL>
+                    <a:lnR w="12700" cap="flat" cmpd="sng" algn="ctr">
+                      <a:solidFill>
+                        <a:schemeClr val="tx1"/>
+                      </a:solidFill>
+                      <a:prstDash val="solid"/>
+                      <a:round/>
+                      <a:headEnd type="none" w="med" len="med"/>
+                      <a:tailEnd type="none" w="med" len="med"/>
+                    </a:lnR>
+                    <a:lnT w="12700" cap="flat" cmpd="sng" algn="ctr">
+                      <a:solidFill>
+                        <a:schemeClr val="tx1"/>
+                      </a:solidFill>
+                      <a:prstDash val="solid"/>
+                      <a:round/>
+                      <a:headEnd type="none" w="med" len="med"/>
+                      <a:tailEnd type="none" w="med" len="med"/>
+                    </a:lnT>
+                    <a:lnB w="12700" cap="flat" cmpd="sng" algn="ctr">
+                      <a:solidFill>
+                        <a:schemeClr val="tx1"/>
+                      </a:solidFill>
+                      <a:prstDash val="solid"/>
+                      <a:round/>
+                      <a:headEnd type="none" w="med" len="med"/>
+                      <a:tailEnd type="none" w="med" len="med"/>
+                    </a:lnB>
+                    <a:noFill/>
+                  </a:tcPr>
+                </a:tc>
+                <a:tc hMerge="1">
+                  <a:txBody>
+                    <a:bodyPr/>
+                    <a:lstStyle/>
+                    <a:p>
+                      <a:endParaRPr lang="de-DE"/>
+                    </a:p>
+                  </a:txBody>
+                  <a:tcPr/>
+                </a:tc>
+                <a:tc hMerge="1">
+                  <a:txBody>
+                    <a:bodyPr/>
+                    <a:lstStyle/>
+                    <a:p>
+                      <a:endParaRPr lang="de-DE"/>
+                    </a:p>
+                  </a:txBody>
+                  <a:tcPr/>
+                </a:tc>
+                <a:tc hMerge="1">
+                  <a:txBody>
+                    <a:bodyPr/>
+                    <a:lstStyle/>
+                    <a:p>
+                      <a:endParaRPr lang="de-DE"/>
+                    </a:p>
+                  </a:txBody>
+                  <a:tcPr/>
+                </a:tc>
+                <a:tc hMerge="1">
+                  <a:txBody>
+                    <a:bodyPr/>
+                    <a:lstStyle/>
+                    <a:p>
+                      <a:endParaRPr lang="de-DE"/>
+                    </a:p>
+                  </a:txBody>
+                  <a:tcPr/>
+                </a:tc>
+                <a:extLst>
+                  <a:ext uri="{0D108BD9-81ED-4DB2-BD59-A6C34878D82A}">
+                    <a16:rowId xmlns:a16="http://schemas.microsoft.com/office/drawing/2014/main" val="3312119621"/>
+                  </a:ext>
+                </a:extLst>
+              </a:tr>
+              <a:tr h="932060">
+                <a:tc>
+                  <a:txBody>
+                    <a:bodyPr/>
+                    <a:lstStyle/>
+                    <a:p>
+                      <a:r>
+                        <a:rPr lang="de-DE" dirty="0">
+                          <a:solidFill>
+                            <a:sysClr val="windowText" lastClr="000000"/>
+                          </a:solidFill>
+                        </a:rPr>
+                        <a:t>Response:</a:t>
+                      </a:r>
+                    </a:p>
+                  </a:txBody>
+                  <a:tcPr anchor="ctr">
+                    <a:lnL w="12700" cap="flat" cmpd="sng" algn="ctr">
+                      <a:solidFill>
+                        <a:schemeClr val="tx1"/>
+                      </a:solidFill>
+                      <a:prstDash val="solid"/>
+                      <a:round/>
+                      <a:headEnd type="none" w="med" len="med"/>
+                      <a:tailEnd type="none" w="med" len="med"/>
+                    </a:lnL>
+                    <a:lnR w="12700" cap="flat" cmpd="sng" algn="ctr">
+                      <a:solidFill>
+                        <a:schemeClr val="tx1"/>
+                      </a:solidFill>
+                      <a:prstDash val="solid"/>
+                      <a:round/>
+                      <a:headEnd type="none" w="med" len="med"/>
+                      <a:tailEnd type="none" w="med" len="med"/>
+                    </a:lnR>
+                    <a:lnT w="12700" cap="flat" cmpd="sng" algn="ctr">
+                      <a:solidFill>
+                        <a:schemeClr val="tx1"/>
+                      </a:solidFill>
+                      <a:prstDash val="solid"/>
+                      <a:round/>
+                      <a:headEnd type="none" w="med" len="med"/>
+                      <a:tailEnd type="none" w="med" len="med"/>
+                    </a:lnT>
+                    <a:lnB w="12700" cap="flat" cmpd="sng" algn="ctr">
+                      <a:solidFill>
+                        <a:schemeClr val="tx1"/>
+                      </a:solidFill>
+                      <a:prstDash val="solid"/>
+                      <a:round/>
+                      <a:headEnd type="none" w="med" len="med"/>
+                      <a:tailEnd type="none" w="med" len="med"/>
+                    </a:lnB>
+                    <a:noFill/>
+                  </a:tcPr>
+                </a:tc>
+                <a:tc>
+                  <a:txBody>
+                    <a:bodyPr/>
+                    <a:lstStyle/>
+                    <a:p>
+                      <a:r>
+                        <a:rPr lang="de-DE" dirty="0"/>
+                        <a:t>200</a:t>
+                      </a:r>
+                    </a:p>
+                  </a:txBody>
+                  <a:tcPr anchor="ctr">
+                    <a:lnL w="12700" cap="flat" cmpd="sng" algn="ctr">
+                      <a:solidFill>
+                        <a:schemeClr val="tx1"/>
+                      </a:solidFill>
+                      <a:prstDash val="solid"/>
+                      <a:round/>
+                      <a:headEnd type="none" w="med" len="med"/>
+                      <a:tailEnd type="none" w="med" len="med"/>
+                    </a:lnL>
+                    <a:lnR w="12700" cap="flat" cmpd="sng" algn="ctr">
+                      <a:solidFill>
+                        <a:schemeClr val="tx1"/>
+                      </a:solidFill>
+                      <a:prstDash val="solid"/>
+                      <a:round/>
+                      <a:headEnd type="none" w="med" len="med"/>
+                      <a:tailEnd type="none" w="med" len="med"/>
+                    </a:lnR>
+                    <a:lnT w="12700" cap="flat" cmpd="sng" algn="ctr">
+                      <a:solidFill>
+                        <a:schemeClr val="tx1"/>
+                      </a:solidFill>
+                      <a:prstDash val="solid"/>
+                      <a:round/>
+                      <a:headEnd type="none" w="med" len="med"/>
+                      <a:tailEnd type="none" w="med" len="med"/>
+                    </a:lnT>
+                    <a:lnB w="12700" cap="flat" cmpd="sng" algn="ctr">
+                      <a:solidFill>
+                        <a:schemeClr val="tx1"/>
+                      </a:solidFill>
+                      <a:prstDash val="solid"/>
+                      <a:round/>
+                      <a:headEnd type="none" w="med" len="med"/>
+                      <a:tailEnd type="none" w="med" len="med"/>
+                    </a:lnB>
+                    <a:noFill/>
+                  </a:tcPr>
+                </a:tc>
+                <a:tc gridSpan="4">
+                  <a:txBody>
+                    <a:bodyPr/>
+                    <a:lstStyle/>
+                    <a:p>
+                      <a:r>
+                        <a:rPr lang="en-US" sz="1800" b="0" i="0" kern="1200" dirty="0">
+                          <a:solidFill>
+                            <a:schemeClr val="dk1"/>
+                          </a:solidFill>
+                          <a:effectLst/>
+                          <a:latin typeface="+mn-lt"/>
+                          <a:ea typeface="+mn-ea"/>
+                          <a:cs typeface="+mn-cs"/>
+                        </a:rPr>
+                        <a:t>{</a:t>
+                      </a:r>
+                    </a:p>
+                    <a:p>
+                      <a:r>
+                        <a:rPr lang="en-US" sz="1800" b="0" i="0" kern="1200" dirty="0">
+                          <a:solidFill>
+                            <a:schemeClr val="dk1"/>
+                          </a:solidFill>
+                          <a:effectLst/>
+                          <a:latin typeface="+mn-lt"/>
+                          <a:ea typeface="+mn-ea"/>
+                          <a:cs typeface="+mn-cs"/>
+                        </a:rPr>
+                        <a:t>               </a:t>
+                      </a:r>
+                      <a:r>
+                        <a:rPr lang="en-US" sz="1800" b="0" i="0" kern="1200" dirty="0">
+                          <a:solidFill>
+                            <a:srgbClr val="FF00FF"/>
+                          </a:solidFill>
+                          <a:effectLst/>
+                          <a:latin typeface="+mn-lt"/>
+                          <a:ea typeface="+mn-ea"/>
+                          <a:cs typeface="+mn-cs"/>
+                        </a:rPr>
+                        <a:t>stuff from /event/$EVENTID + </a:t>
+                      </a:r>
+                    </a:p>
+                    <a:p>
+                      <a:r>
+                        <a:rPr lang="en-US" sz="1800" b="0" i="0" kern="1200" dirty="0">
+                          <a:solidFill>
+                            <a:schemeClr val="dk1"/>
+                          </a:solidFill>
+                          <a:effectLst/>
+                          <a:latin typeface="+mn-lt"/>
+                          <a:ea typeface="+mn-ea"/>
+                          <a:cs typeface="+mn-cs"/>
+                        </a:rPr>
+                        <a:t>               invited: [ {id: </a:t>
+                      </a:r>
+                      <a:r>
+                        <a:rPr lang="en-US" sz="1800" kern="1200" dirty="0">
+                          <a:solidFill>
+                            <a:schemeClr val="accent1">
+                              <a:lumMod val="75000"/>
+                            </a:schemeClr>
+                          </a:solidFill>
+                          <a:latin typeface="+mn-lt"/>
+                          <a:ea typeface="+mn-ea"/>
+                          <a:cs typeface="+mn-cs"/>
+                        </a:rPr>
+                        <a:t>String</a:t>
+                      </a:r>
+                      <a:r>
+                        <a:rPr lang="en-US" sz="1800" b="0" i="0" kern="1200" dirty="0">
+                          <a:solidFill>
+                            <a:schemeClr val="dk1"/>
+                          </a:solidFill>
+                          <a:effectLst/>
+                          <a:latin typeface="+mn-lt"/>
+                          <a:ea typeface="+mn-ea"/>
+                          <a:cs typeface="+mn-cs"/>
+                        </a:rPr>
+                        <a:t>,</a:t>
+                      </a:r>
+                      <a:r>
+                        <a:rPr lang="en-US" sz="1800" b="0" i="0" kern="1200" baseline="0" dirty="0">
+                          <a:solidFill>
+                            <a:schemeClr val="dk1"/>
+                          </a:solidFill>
+                          <a:effectLst/>
+                          <a:latin typeface="+mn-lt"/>
+                          <a:ea typeface="+mn-ea"/>
+                          <a:cs typeface="+mn-cs"/>
+                        </a:rPr>
+                        <a:t> </a:t>
+                      </a:r>
+                      <a:r>
+                        <a:rPr lang="en-US" sz="1800" b="0" i="0" kern="1200" dirty="0">
+                          <a:solidFill>
+                            <a:schemeClr val="dk1"/>
+                          </a:solidFill>
+                          <a:effectLst/>
+                          <a:latin typeface="+mn-lt"/>
+                          <a:ea typeface="+mn-ea"/>
+                          <a:cs typeface="+mn-cs"/>
+                        </a:rPr>
+                        <a:t>name: </a:t>
+                      </a:r>
+                      <a:r>
+                        <a:rPr lang="en-US" sz="1800" kern="1200" dirty="0">
+                          <a:solidFill>
+                            <a:schemeClr val="accent1">
+                              <a:lumMod val="75000"/>
+                            </a:schemeClr>
+                          </a:solidFill>
+                          <a:latin typeface="+mn-lt"/>
+                          <a:ea typeface="+mn-ea"/>
+                          <a:cs typeface="+mn-cs"/>
+                        </a:rPr>
+                        <a:t>String</a:t>
+                      </a:r>
+                      <a:r>
+                        <a:rPr lang="en-US" sz="1800" b="0" i="0" kern="1200" dirty="0">
+                          <a:solidFill>
+                            <a:schemeClr val="dk1"/>
+                          </a:solidFill>
+                          <a:effectLst/>
+                          <a:latin typeface="+mn-lt"/>
+                          <a:ea typeface="+mn-ea"/>
+                          <a:cs typeface="+mn-cs"/>
+                        </a:rPr>
+                        <a:t>,</a:t>
+                      </a:r>
+                      <a:r>
+                        <a:rPr lang="en-US" sz="1800" b="0" i="0" kern="1200" baseline="0" dirty="0">
+                          <a:solidFill>
+                            <a:schemeClr val="dk1"/>
+                          </a:solidFill>
+                          <a:effectLst/>
+                          <a:latin typeface="+mn-lt"/>
+                          <a:ea typeface="+mn-ea"/>
+                          <a:cs typeface="+mn-cs"/>
+                        </a:rPr>
+                        <a:t> </a:t>
+                      </a:r>
+                      <a:r>
+                        <a:rPr lang="en-US" sz="1800" b="0" i="0" kern="1200" baseline="0" dirty="0" err="1">
+                          <a:solidFill>
+                            <a:schemeClr val="dk1"/>
+                          </a:solidFill>
+                          <a:effectLst/>
+                          <a:latin typeface="+mn-lt"/>
+                          <a:ea typeface="+mn-ea"/>
+                          <a:cs typeface="+mn-cs"/>
+                        </a:rPr>
+                        <a:t>img</a:t>
+                      </a:r>
+                      <a:r>
+                        <a:rPr lang="en-US" sz="1800" b="0" i="0" kern="1200" baseline="0" dirty="0">
+                          <a:solidFill>
+                            <a:schemeClr val="dk1"/>
+                          </a:solidFill>
+                          <a:effectLst/>
+                          <a:latin typeface="+mn-lt"/>
+                          <a:ea typeface="+mn-ea"/>
+                          <a:cs typeface="+mn-cs"/>
+                        </a:rPr>
+                        <a:t>: </a:t>
+                      </a:r>
+                      <a:r>
+                        <a:rPr lang="en-US" sz="1800" kern="1200" dirty="0">
+                          <a:solidFill>
+                            <a:schemeClr val="accent1">
+                              <a:lumMod val="75000"/>
+                            </a:schemeClr>
+                          </a:solidFill>
+                          <a:latin typeface="+mn-lt"/>
+                          <a:ea typeface="+mn-ea"/>
+                          <a:cs typeface="+mn-cs"/>
+                        </a:rPr>
+                        <a:t>String</a:t>
+                      </a:r>
+                      <a:r>
+                        <a:rPr lang="en-US" sz="1800" kern="1200" dirty="0">
+                          <a:solidFill>
+                            <a:schemeClr val="tx1"/>
+                          </a:solidFill>
+                          <a:latin typeface="+mn-lt"/>
+                          <a:ea typeface="+mn-ea"/>
+                          <a:cs typeface="+mn-cs"/>
+                        </a:rPr>
+                        <a:t>} ],          </a:t>
+                      </a:r>
+                    </a:p>
+                    <a:p>
+                      <a:r>
+                        <a:rPr lang="en-US" sz="1800" b="0" i="0" kern="1200" dirty="0">
+                          <a:solidFill>
+                            <a:schemeClr val="tx1"/>
+                          </a:solidFill>
+                          <a:effectLst/>
+                          <a:latin typeface="+mn-lt"/>
+                          <a:ea typeface="+mn-ea"/>
+                          <a:cs typeface="+mn-cs"/>
+                        </a:rPr>
+                        <a:t>               </a:t>
+                      </a:r>
+                      <a:r>
+                        <a:rPr lang="en-US" sz="1800" b="0" i="0" kern="1200">
+                          <a:solidFill>
+                            <a:schemeClr val="dk1"/>
+                          </a:solidFill>
+                          <a:effectLst/>
+                          <a:latin typeface="+mn-lt"/>
+                          <a:ea typeface="+mn-ea"/>
+                          <a:cs typeface="+mn-cs"/>
+                        </a:rPr>
+                        <a:t>invitedCount</a:t>
+                      </a:r>
+                      <a:r>
+                        <a:rPr lang="en-US" sz="1800" b="0" i="0" kern="1200" dirty="0">
+                          <a:solidFill>
+                            <a:schemeClr val="dk1"/>
+                          </a:solidFill>
+                          <a:effectLst/>
+                          <a:latin typeface="+mn-lt"/>
+                          <a:ea typeface="+mn-ea"/>
+                          <a:cs typeface="+mn-cs"/>
+                        </a:rPr>
+                        <a:t>: </a:t>
+                      </a:r>
+                      <a:r>
+                        <a:rPr lang="en-US" sz="1800" kern="1200" dirty="0">
+                          <a:solidFill>
+                            <a:schemeClr val="accent1">
+                              <a:lumMod val="75000"/>
+                            </a:schemeClr>
+                          </a:solidFill>
+                          <a:latin typeface="+mn-lt"/>
+                          <a:ea typeface="+mn-ea"/>
+                          <a:cs typeface="+mn-cs"/>
+                        </a:rPr>
+                        <a:t>Number</a:t>
+                      </a:r>
+                      <a:r>
+                        <a:rPr lang="en-US" sz="1800" kern="1200" dirty="0">
+                          <a:solidFill>
+                            <a:schemeClr val="tx1"/>
+                          </a:solidFill>
+                          <a:latin typeface="+mn-lt"/>
+                          <a:ea typeface="+mn-ea"/>
+                          <a:cs typeface="+mn-cs"/>
+                        </a:rPr>
+                        <a:t>,</a:t>
+                      </a:r>
+                    </a:p>
+                    <a:p>
+                      <a:r>
+                        <a:rPr lang="en-US" sz="1800" b="0" i="0" kern="1200" dirty="0">
+                          <a:solidFill>
+                            <a:schemeClr val="dk1"/>
+                          </a:solidFill>
+                          <a:effectLst/>
+                          <a:latin typeface="+mn-lt"/>
+                          <a:ea typeface="+mn-ea"/>
+                          <a:cs typeface="+mn-cs"/>
+                        </a:rPr>
+                        <a:t>               pending: [ {id: </a:t>
+                      </a:r>
+                      <a:r>
+                        <a:rPr lang="en-US" sz="1800" kern="1200" dirty="0">
+                          <a:solidFill>
+                            <a:schemeClr val="accent1">
+                              <a:lumMod val="75000"/>
+                            </a:schemeClr>
+                          </a:solidFill>
+                          <a:latin typeface="+mn-lt"/>
+                          <a:ea typeface="+mn-ea"/>
+                          <a:cs typeface="+mn-cs"/>
+                        </a:rPr>
+                        <a:t>String</a:t>
+                      </a:r>
+                      <a:r>
+                        <a:rPr lang="en-US" sz="1800" b="0" i="0" kern="1200" dirty="0">
+                          <a:solidFill>
+                            <a:schemeClr val="dk1"/>
+                          </a:solidFill>
+                          <a:effectLst/>
+                          <a:latin typeface="+mn-lt"/>
+                          <a:ea typeface="+mn-ea"/>
+                          <a:cs typeface="+mn-cs"/>
+                        </a:rPr>
+                        <a:t>,</a:t>
+                      </a:r>
+                      <a:r>
+                        <a:rPr lang="en-US" sz="1800" b="0" i="0" kern="1200" baseline="0" dirty="0">
+                          <a:solidFill>
+                            <a:schemeClr val="dk1"/>
+                          </a:solidFill>
+                          <a:effectLst/>
+                          <a:latin typeface="+mn-lt"/>
+                          <a:ea typeface="+mn-ea"/>
+                          <a:cs typeface="+mn-cs"/>
+                        </a:rPr>
+                        <a:t> </a:t>
+                      </a:r>
+                      <a:r>
+                        <a:rPr lang="en-US" sz="1800" b="0" i="0" kern="1200" dirty="0">
+                          <a:solidFill>
+                            <a:schemeClr val="dk1"/>
+                          </a:solidFill>
+                          <a:effectLst/>
+                          <a:latin typeface="+mn-lt"/>
+                          <a:ea typeface="+mn-ea"/>
+                          <a:cs typeface="+mn-cs"/>
+                        </a:rPr>
+                        <a:t>name: </a:t>
+                      </a:r>
+                      <a:r>
+                        <a:rPr lang="en-US" sz="1800" kern="1200" dirty="0">
+                          <a:solidFill>
+                            <a:schemeClr val="accent1">
+                              <a:lumMod val="75000"/>
+                            </a:schemeClr>
+                          </a:solidFill>
+                          <a:latin typeface="+mn-lt"/>
+                          <a:ea typeface="+mn-ea"/>
+                          <a:cs typeface="+mn-cs"/>
+                        </a:rPr>
+                        <a:t>String</a:t>
+                      </a:r>
+                      <a:r>
+                        <a:rPr lang="en-US" sz="1800" b="0" i="0" kern="1200" dirty="0">
+                          <a:solidFill>
+                            <a:schemeClr val="dk1"/>
+                          </a:solidFill>
+                          <a:effectLst/>
+                          <a:latin typeface="+mn-lt"/>
+                          <a:ea typeface="+mn-ea"/>
+                          <a:cs typeface="+mn-cs"/>
+                        </a:rPr>
+                        <a:t>,</a:t>
+                      </a:r>
+                      <a:r>
+                        <a:rPr lang="en-US" sz="1800" b="0" i="0" kern="1200" baseline="0" dirty="0">
+                          <a:solidFill>
+                            <a:schemeClr val="dk1"/>
+                          </a:solidFill>
+                          <a:effectLst/>
+                          <a:latin typeface="+mn-lt"/>
+                          <a:ea typeface="+mn-ea"/>
+                          <a:cs typeface="+mn-cs"/>
+                        </a:rPr>
+                        <a:t> </a:t>
+                      </a:r>
+                      <a:r>
+                        <a:rPr lang="en-US" sz="1800" b="0" i="0" kern="1200" baseline="0" dirty="0" err="1">
+                          <a:solidFill>
+                            <a:schemeClr val="dk1"/>
+                          </a:solidFill>
+                          <a:effectLst/>
+                          <a:latin typeface="+mn-lt"/>
+                          <a:ea typeface="+mn-ea"/>
+                          <a:cs typeface="+mn-cs"/>
+                        </a:rPr>
+                        <a:t>img</a:t>
+                      </a:r>
+                      <a:r>
+                        <a:rPr lang="en-US" sz="1800" b="0" i="0" kern="1200" baseline="0" dirty="0">
+                          <a:solidFill>
+                            <a:schemeClr val="dk1"/>
+                          </a:solidFill>
+                          <a:effectLst/>
+                          <a:latin typeface="+mn-lt"/>
+                          <a:ea typeface="+mn-ea"/>
+                          <a:cs typeface="+mn-cs"/>
+                        </a:rPr>
+                        <a:t>: </a:t>
+                      </a:r>
+                      <a:r>
+                        <a:rPr lang="en-US" sz="1800" kern="1200" dirty="0">
+                          <a:solidFill>
+                            <a:schemeClr val="accent1">
+                              <a:lumMod val="75000"/>
+                            </a:schemeClr>
+                          </a:solidFill>
+                          <a:latin typeface="+mn-lt"/>
+                          <a:ea typeface="+mn-ea"/>
+                          <a:cs typeface="+mn-cs"/>
+                        </a:rPr>
+                        <a:t>String</a:t>
+                      </a:r>
+                      <a:r>
+                        <a:rPr lang="en-US" sz="1800" kern="1200" dirty="0">
+                          <a:solidFill>
+                            <a:schemeClr val="tx1"/>
+                          </a:solidFill>
+                          <a:latin typeface="+mn-lt"/>
+                          <a:ea typeface="+mn-ea"/>
+                          <a:cs typeface="+mn-cs"/>
+                        </a:rPr>
+                        <a:t>} ],          </a:t>
+                      </a:r>
+                    </a:p>
+                    <a:p>
+                      <a:r>
+                        <a:rPr lang="en-US" sz="1800" b="0" i="0" kern="1200" dirty="0">
+                          <a:solidFill>
+                            <a:schemeClr val="tx1"/>
+                          </a:solidFill>
+                          <a:effectLst/>
+                          <a:latin typeface="+mn-lt"/>
+                          <a:ea typeface="+mn-ea"/>
+                          <a:cs typeface="+mn-cs"/>
+                        </a:rPr>
+                        <a:t>               </a:t>
+                      </a:r>
+                      <a:r>
+                        <a:rPr lang="en-US" sz="1800" b="0" i="0" kern="1200" dirty="0" err="1">
+                          <a:solidFill>
+                            <a:schemeClr val="dk1"/>
+                          </a:solidFill>
+                          <a:effectLst/>
+                          <a:latin typeface="+mn-lt"/>
+                          <a:ea typeface="+mn-ea"/>
+                          <a:cs typeface="+mn-cs"/>
+                        </a:rPr>
+                        <a:t>pendingCount</a:t>
+                      </a:r>
+                      <a:r>
+                        <a:rPr lang="en-US" sz="1800" b="0" i="0" kern="1200" dirty="0">
+                          <a:solidFill>
+                            <a:schemeClr val="dk1"/>
+                          </a:solidFill>
+                          <a:effectLst/>
+                          <a:latin typeface="+mn-lt"/>
+                          <a:ea typeface="+mn-ea"/>
+                          <a:cs typeface="+mn-cs"/>
+                        </a:rPr>
+                        <a:t>: </a:t>
+                      </a:r>
+                      <a:r>
+                        <a:rPr lang="en-US" sz="1800" kern="1200" dirty="0">
+                          <a:solidFill>
+                            <a:schemeClr val="accent1">
+                              <a:lumMod val="75000"/>
+                            </a:schemeClr>
+                          </a:solidFill>
+                          <a:latin typeface="+mn-lt"/>
+                          <a:ea typeface="+mn-ea"/>
+                          <a:cs typeface="+mn-cs"/>
+                        </a:rPr>
+                        <a:t>Number</a:t>
+                      </a:r>
+                      <a:r>
+                        <a:rPr lang="en-US" sz="1800" kern="1200" dirty="0">
+                          <a:solidFill>
+                            <a:schemeClr val="tx1"/>
+                          </a:solidFill>
+                          <a:latin typeface="+mn-lt"/>
+                          <a:ea typeface="+mn-ea"/>
+                          <a:cs typeface="+mn-cs"/>
+                        </a:rPr>
+                        <a:t>,</a:t>
+                      </a:r>
+                    </a:p>
+                    <a:p>
+                      <a:r>
+                        <a:rPr lang="en-US" sz="1800" b="0" i="0" kern="1200" dirty="0">
+                          <a:solidFill>
+                            <a:schemeClr val="dk1"/>
+                          </a:solidFill>
+                          <a:effectLst/>
+                          <a:latin typeface="+mn-lt"/>
+                          <a:ea typeface="+mn-ea"/>
+                          <a:cs typeface="+mn-cs"/>
+                        </a:rPr>
+                        <a:t>               declined: [ {id: </a:t>
+                      </a:r>
+                      <a:r>
+                        <a:rPr lang="en-US" sz="1800" kern="1200" dirty="0">
+                          <a:solidFill>
+                            <a:schemeClr val="accent1">
+                              <a:lumMod val="75000"/>
+                            </a:schemeClr>
+                          </a:solidFill>
+                          <a:latin typeface="+mn-lt"/>
+                          <a:ea typeface="+mn-ea"/>
+                          <a:cs typeface="+mn-cs"/>
+                        </a:rPr>
+                        <a:t>String</a:t>
+                      </a:r>
+                      <a:r>
+                        <a:rPr lang="en-US" sz="1800" b="0" i="0" kern="1200" dirty="0">
+                          <a:solidFill>
+                            <a:schemeClr val="dk1"/>
+                          </a:solidFill>
+                          <a:effectLst/>
+                          <a:latin typeface="+mn-lt"/>
+                          <a:ea typeface="+mn-ea"/>
+                          <a:cs typeface="+mn-cs"/>
+                        </a:rPr>
+                        <a:t>,</a:t>
+                      </a:r>
+                      <a:r>
+                        <a:rPr lang="en-US" sz="1800" b="0" i="0" kern="1200" baseline="0" dirty="0">
+                          <a:solidFill>
+                            <a:schemeClr val="dk1"/>
+                          </a:solidFill>
+                          <a:effectLst/>
+                          <a:latin typeface="+mn-lt"/>
+                          <a:ea typeface="+mn-ea"/>
+                          <a:cs typeface="+mn-cs"/>
+                        </a:rPr>
+                        <a:t> </a:t>
+                      </a:r>
+                      <a:r>
+                        <a:rPr lang="en-US" sz="1800" b="0" i="0" kern="1200" dirty="0">
+                          <a:solidFill>
+                            <a:schemeClr val="dk1"/>
+                          </a:solidFill>
+                          <a:effectLst/>
+                          <a:latin typeface="+mn-lt"/>
+                          <a:ea typeface="+mn-ea"/>
+                          <a:cs typeface="+mn-cs"/>
+                        </a:rPr>
+                        <a:t>name: </a:t>
+                      </a:r>
+                      <a:r>
+                        <a:rPr lang="en-US" sz="1800" kern="1200" dirty="0">
+                          <a:solidFill>
+                            <a:schemeClr val="accent1">
+                              <a:lumMod val="75000"/>
+                            </a:schemeClr>
+                          </a:solidFill>
+                          <a:latin typeface="+mn-lt"/>
+                          <a:ea typeface="+mn-ea"/>
+                          <a:cs typeface="+mn-cs"/>
+                        </a:rPr>
+                        <a:t>String</a:t>
+                      </a:r>
+                      <a:r>
+                        <a:rPr lang="en-US" sz="1800" b="0" i="0" kern="1200" dirty="0">
+                          <a:solidFill>
+                            <a:schemeClr val="dk1"/>
+                          </a:solidFill>
+                          <a:effectLst/>
+                          <a:latin typeface="+mn-lt"/>
+                          <a:ea typeface="+mn-ea"/>
+                          <a:cs typeface="+mn-cs"/>
+                        </a:rPr>
+                        <a:t>,</a:t>
+                      </a:r>
+                      <a:r>
+                        <a:rPr lang="en-US" sz="1800" b="0" i="0" kern="1200" baseline="0" dirty="0">
+                          <a:solidFill>
+                            <a:schemeClr val="dk1"/>
+                          </a:solidFill>
+                          <a:effectLst/>
+                          <a:latin typeface="+mn-lt"/>
+                          <a:ea typeface="+mn-ea"/>
+                          <a:cs typeface="+mn-cs"/>
+                        </a:rPr>
+                        <a:t> </a:t>
+                      </a:r>
+                      <a:r>
+                        <a:rPr lang="en-US" sz="1800" b="0" i="0" kern="1200" baseline="0" dirty="0" err="1">
+                          <a:solidFill>
+                            <a:schemeClr val="dk1"/>
+                          </a:solidFill>
+                          <a:effectLst/>
+                          <a:latin typeface="+mn-lt"/>
+                          <a:ea typeface="+mn-ea"/>
+                          <a:cs typeface="+mn-cs"/>
+                        </a:rPr>
+                        <a:t>img</a:t>
+                      </a:r>
+                      <a:r>
+                        <a:rPr lang="en-US" sz="1800" b="0" i="0" kern="1200" baseline="0" dirty="0">
+                          <a:solidFill>
+                            <a:schemeClr val="dk1"/>
+                          </a:solidFill>
+                          <a:effectLst/>
+                          <a:latin typeface="+mn-lt"/>
+                          <a:ea typeface="+mn-ea"/>
+                          <a:cs typeface="+mn-cs"/>
+                        </a:rPr>
+                        <a:t>: </a:t>
+                      </a:r>
+                      <a:r>
+                        <a:rPr lang="en-US" sz="1800" kern="1200" dirty="0">
+                          <a:solidFill>
+                            <a:schemeClr val="accent1">
+                              <a:lumMod val="75000"/>
+                            </a:schemeClr>
+                          </a:solidFill>
+                          <a:latin typeface="+mn-lt"/>
+                          <a:ea typeface="+mn-ea"/>
+                          <a:cs typeface="+mn-cs"/>
+                        </a:rPr>
+                        <a:t>String</a:t>
+                      </a:r>
+                      <a:r>
+                        <a:rPr lang="en-US" sz="1800" kern="1200" dirty="0">
+                          <a:solidFill>
+                            <a:schemeClr val="tx1"/>
+                          </a:solidFill>
+                          <a:latin typeface="+mn-lt"/>
+                          <a:ea typeface="+mn-ea"/>
+                          <a:cs typeface="+mn-cs"/>
+                        </a:rPr>
+                        <a:t>} ],          </a:t>
+                      </a:r>
+                    </a:p>
+                    <a:p>
+                      <a:r>
+                        <a:rPr lang="en-US" sz="1800" b="0" i="0" kern="1200" dirty="0">
+                          <a:solidFill>
+                            <a:schemeClr val="tx1"/>
+                          </a:solidFill>
+                          <a:effectLst/>
+                          <a:latin typeface="+mn-lt"/>
+                          <a:ea typeface="+mn-ea"/>
+                          <a:cs typeface="+mn-cs"/>
+                        </a:rPr>
+                        <a:t>               </a:t>
+                      </a:r>
+                      <a:r>
+                        <a:rPr lang="en-US" sz="1800" b="0" i="0" kern="1200" dirty="0" err="1">
+                          <a:solidFill>
+                            <a:schemeClr val="dk1"/>
+                          </a:solidFill>
+                          <a:effectLst/>
+                          <a:latin typeface="+mn-lt"/>
+                          <a:ea typeface="+mn-ea"/>
+                          <a:cs typeface="+mn-cs"/>
+                        </a:rPr>
+                        <a:t>declinedCount</a:t>
+                      </a:r>
+                      <a:r>
+                        <a:rPr lang="en-US" sz="1800" b="0" i="0" kern="1200" dirty="0">
+                          <a:solidFill>
+                            <a:schemeClr val="dk1"/>
+                          </a:solidFill>
+                          <a:effectLst/>
+                          <a:latin typeface="+mn-lt"/>
+                          <a:ea typeface="+mn-ea"/>
+                          <a:cs typeface="+mn-cs"/>
+                        </a:rPr>
+                        <a:t>: </a:t>
+                      </a:r>
+                      <a:r>
+                        <a:rPr lang="en-US" sz="1800" kern="1200" dirty="0">
+                          <a:solidFill>
+                            <a:schemeClr val="accent1">
+                              <a:lumMod val="75000"/>
+                            </a:schemeClr>
+                          </a:solidFill>
+                          <a:latin typeface="+mn-lt"/>
+                          <a:ea typeface="+mn-ea"/>
+                          <a:cs typeface="+mn-cs"/>
+                        </a:rPr>
+                        <a:t>Number</a:t>
+                      </a:r>
+                      <a:r>
+                        <a:rPr lang="en-US" sz="1800" kern="1200" dirty="0">
+                          <a:solidFill>
+                            <a:schemeClr val="tx1"/>
+                          </a:solidFill>
+                          <a:latin typeface="+mn-lt"/>
+                          <a:ea typeface="+mn-ea"/>
+                          <a:cs typeface="+mn-cs"/>
+                        </a:rPr>
+                        <a:t>,</a:t>
+                      </a:r>
+                      <a:endParaRPr lang="en-US" sz="1800" b="0" i="0" kern="1200" dirty="0">
+                        <a:solidFill>
+                          <a:schemeClr val="dk1"/>
+                        </a:solidFill>
+                        <a:effectLst/>
+                        <a:latin typeface="+mn-lt"/>
+                        <a:ea typeface="+mn-ea"/>
+                        <a:cs typeface="+mn-cs"/>
+                      </a:endParaRPr>
+                    </a:p>
+                    <a:p>
+                      <a:r>
+                        <a:rPr lang="en-US" sz="1800" b="0" i="0" kern="1200" dirty="0">
+                          <a:solidFill>
+                            <a:schemeClr val="dk1"/>
+                          </a:solidFill>
+                          <a:effectLst/>
+                          <a:latin typeface="+mn-lt"/>
+                          <a:ea typeface="+mn-ea"/>
+                          <a:cs typeface="+mn-cs"/>
+                        </a:rPr>
+                        <a:t>}</a:t>
+                      </a:r>
+                    </a:p>
+                  </a:txBody>
+                  <a:tcPr anchor="ctr">
+                    <a:lnL w="12700" cap="flat" cmpd="sng" algn="ctr">
+                      <a:solidFill>
+                        <a:schemeClr val="tx1"/>
+                      </a:solidFill>
+                      <a:prstDash val="solid"/>
+                      <a:round/>
+                      <a:headEnd type="none" w="med" len="med"/>
+                      <a:tailEnd type="none" w="med" len="med"/>
+                    </a:lnL>
+                    <a:lnR w="12700" cap="flat" cmpd="sng" algn="ctr">
+                      <a:solidFill>
+                        <a:schemeClr val="tx1"/>
+                      </a:solidFill>
+                      <a:prstDash val="solid"/>
+                      <a:round/>
+                      <a:headEnd type="none" w="med" len="med"/>
+                      <a:tailEnd type="none" w="med" len="med"/>
+                    </a:lnR>
+                    <a:lnT w="12700" cap="flat" cmpd="sng" algn="ctr">
+                      <a:solidFill>
+                        <a:schemeClr val="tx1"/>
+                      </a:solidFill>
+                      <a:prstDash val="solid"/>
+                      <a:round/>
+                      <a:headEnd type="none" w="med" len="med"/>
+                      <a:tailEnd type="none" w="med" len="med"/>
+                    </a:lnT>
+                    <a:lnB w="12700" cap="flat" cmpd="sng" algn="ctr">
+                      <a:solidFill>
+                        <a:schemeClr val="tx1"/>
+                      </a:solidFill>
+                      <a:prstDash val="solid"/>
+                      <a:round/>
+                      <a:headEnd type="none" w="med" len="med"/>
+                      <a:tailEnd type="none" w="med" len="med"/>
+                    </a:lnB>
+                    <a:noFill/>
+                  </a:tcPr>
+                </a:tc>
+                <a:tc hMerge="1">
+                  <a:txBody>
+                    <a:bodyPr/>
+                    <a:lstStyle/>
+                    <a:p>
+                      <a:endParaRPr lang="de-DE"/>
+                    </a:p>
+                  </a:txBody>
+                  <a:tcPr/>
+                </a:tc>
+                <a:tc hMerge="1">
+                  <a:txBody>
+                    <a:bodyPr/>
+                    <a:lstStyle/>
+                    <a:p>
+                      <a:endParaRPr lang="de-DE"/>
+                    </a:p>
+                  </a:txBody>
+                  <a:tcPr/>
+                </a:tc>
+                <a:tc hMerge="1">
+                  <a:txBody>
+                    <a:bodyPr/>
+                    <a:lstStyle/>
+                    <a:p>
+                      <a:endParaRPr lang="de-DE"/>
+                    </a:p>
+                  </a:txBody>
+                  <a:tcPr/>
+                </a:tc>
+                <a:extLst>
+                  <a:ext uri="{0D108BD9-81ED-4DB2-BD59-A6C34878D82A}">
+                    <a16:rowId xmlns:a16="http://schemas.microsoft.com/office/drawing/2014/main" val="3078822959"/>
+                  </a:ext>
+                </a:extLst>
+              </a:tr>
+              <a:tr h="577936">
+                <a:tc>
+                  <a:txBody>
+                    <a:bodyPr/>
+                    <a:lstStyle/>
+                    <a:p>
+                      <a:endParaRPr lang="de-DE" dirty="0">
+                        <a:solidFill>
+                          <a:sysClr val="windowText" lastClr="000000"/>
+                        </a:solidFill>
+                      </a:endParaRPr>
+                    </a:p>
+                  </a:txBody>
+                  <a:tcPr anchor="ctr">
+                    <a:lnL w="12700" cap="flat" cmpd="sng" algn="ctr">
+                      <a:solidFill>
+                        <a:schemeClr val="tx1"/>
+                      </a:solidFill>
+                      <a:prstDash val="solid"/>
+                      <a:round/>
+                      <a:headEnd type="none" w="med" len="med"/>
+                      <a:tailEnd type="none" w="med" len="med"/>
+                    </a:lnL>
+                    <a:lnR w="12700" cap="flat" cmpd="sng" algn="ctr">
+                      <a:solidFill>
+                        <a:schemeClr val="tx1"/>
+                      </a:solidFill>
+                      <a:prstDash val="solid"/>
+                      <a:round/>
+                      <a:headEnd type="none" w="med" len="med"/>
+                      <a:tailEnd type="none" w="med" len="med"/>
+                    </a:lnR>
+                    <a:lnT w="12700" cap="flat" cmpd="sng" algn="ctr">
+                      <a:solidFill>
+                        <a:schemeClr val="tx1"/>
+                      </a:solidFill>
+                      <a:prstDash val="solid"/>
+                      <a:round/>
+                      <a:headEnd type="none" w="med" len="med"/>
+                      <a:tailEnd type="none" w="med" len="med"/>
+                    </a:lnT>
+                    <a:lnB w="12700" cap="flat" cmpd="sng" algn="ctr">
+                      <a:solidFill>
+                        <a:schemeClr val="tx1"/>
+                      </a:solidFill>
+                      <a:prstDash val="solid"/>
+                      <a:round/>
+                      <a:headEnd type="none" w="med" len="med"/>
+                      <a:tailEnd type="none" w="med" len="med"/>
+                    </a:lnB>
+                    <a:lnTlToBr w="12700" cmpd="sng">
+                      <a:noFill/>
+                      <a:prstDash val="solid"/>
+                    </a:lnTlToBr>
+                    <a:lnBlToTr w="12700" cmpd="sng">
+                      <a:noFill/>
+                      <a:prstDash val="solid"/>
+                    </a:lnBlToTr>
+                    <a:noFill/>
+                  </a:tcPr>
+                </a:tc>
+                <a:tc>
+                  <a:txBody>
+                    <a:bodyPr/>
+                    <a:lstStyle/>
+                    <a:p>
+                      <a:r>
+                        <a:rPr lang="de-DE" dirty="0"/>
+                        <a:t>401</a:t>
+                      </a:r>
+                    </a:p>
+                  </a:txBody>
+                  <a:tcPr anchor="ctr">
+                    <a:lnL w="12700" cap="flat" cmpd="sng" algn="ctr">
+                      <a:solidFill>
+                        <a:schemeClr val="tx1"/>
+                      </a:solidFill>
+                      <a:prstDash val="solid"/>
+                      <a:round/>
+                      <a:headEnd type="none" w="med" len="med"/>
+                      <a:tailEnd type="none" w="med" len="med"/>
+                    </a:lnL>
+                    <a:lnR w="12700" cap="flat" cmpd="sng" algn="ctr">
+                      <a:solidFill>
+                        <a:schemeClr val="tx1"/>
+                      </a:solidFill>
+                      <a:prstDash val="solid"/>
+                      <a:round/>
+                      <a:headEnd type="none" w="med" len="med"/>
+                      <a:tailEnd type="none" w="med" len="med"/>
+                    </a:lnR>
+                    <a:lnT w="12700" cap="flat" cmpd="sng" algn="ctr">
+                      <a:solidFill>
+                        <a:schemeClr val="tx1"/>
+                      </a:solidFill>
+                      <a:prstDash val="solid"/>
+                      <a:round/>
+                      <a:headEnd type="none" w="med" len="med"/>
+                      <a:tailEnd type="none" w="med" len="med"/>
+                    </a:lnT>
+                    <a:lnB w="12700" cap="flat" cmpd="sng" algn="ctr">
+                      <a:solidFill>
+                        <a:schemeClr val="tx1"/>
+                      </a:solidFill>
+                      <a:prstDash val="solid"/>
+                      <a:round/>
+                      <a:headEnd type="none" w="med" len="med"/>
+                      <a:tailEnd type="none" w="med" len="med"/>
+                    </a:lnB>
+                    <a:noFill/>
+                  </a:tcPr>
+                </a:tc>
+                <a:tc gridSpan="4">
+                  <a:txBody>
+                    <a:bodyPr/>
+                    <a:lstStyle/>
+                    <a:p>
+                      <a:r>
+                        <a:rPr lang="en-US" sz="1800" b="0" i="0" kern="1200" dirty="0">
+                          <a:solidFill>
+                            <a:schemeClr val="dk1"/>
+                          </a:solidFill>
+                          <a:effectLst/>
+                          <a:latin typeface="+mn-lt"/>
+                          <a:ea typeface="+mn-ea"/>
+                          <a:cs typeface="+mn-cs"/>
+                        </a:rPr>
+                        <a:t>{"</a:t>
+                      </a:r>
+                      <a:r>
+                        <a:rPr lang="en-US" sz="1800" b="0" i="0" kern="1200" dirty="0" err="1">
+                          <a:solidFill>
+                            <a:schemeClr val="dk1"/>
+                          </a:solidFill>
+                          <a:effectLst/>
+                          <a:latin typeface="+mn-lt"/>
+                          <a:ea typeface="+mn-ea"/>
+                          <a:cs typeface="+mn-cs"/>
+                        </a:rPr>
+                        <a:t>status":"No</a:t>
+                      </a:r>
+                      <a:r>
+                        <a:rPr lang="en-US" sz="1800" b="0" i="0" kern="1200" dirty="0">
+                          <a:solidFill>
+                            <a:schemeClr val="dk1"/>
+                          </a:solidFill>
+                          <a:effectLst/>
+                          <a:latin typeface="+mn-lt"/>
+                          <a:ea typeface="+mn-ea"/>
+                          <a:cs typeface="+mn-cs"/>
+                        </a:rPr>
+                        <a:t> user is logged in"}</a:t>
+                      </a:r>
+                      <a:endParaRPr lang="de-DE" dirty="0"/>
+                    </a:p>
+                  </a:txBody>
+                  <a:tcPr anchor="ctr">
+                    <a:lnL w="12700" cap="flat" cmpd="sng" algn="ctr">
+                      <a:solidFill>
+                        <a:schemeClr val="tx1"/>
+                      </a:solidFill>
+                      <a:prstDash val="solid"/>
+                      <a:round/>
+                      <a:headEnd type="none" w="med" len="med"/>
+                      <a:tailEnd type="none" w="med" len="med"/>
+                    </a:lnL>
+                    <a:lnR w="12700" cap="flat" cmpd="sng" algn="ctr">
+                      <a:solidFill>
+                        <a:schemeClr val="tx1"/>
+                      </a:solidFill>
+                      <a:prstDash val="solid"/>
+                      <a:round/>
+                      <a:headEnd type="none" w="med" len="med"/>
+                      <a:tailEnd type="none" w="med" len="med"/>
+                    </a:lnR>
+                    <a:lnT w="12700" cap="flat" cmpd="sng" algn="ctr">
+                      <a:solidFill>
+                        <a:schemeClr val="tx1"/>
+                      </a:solidFill>
+                      <a:prstDash val="solid"/>
+                      <a:round/>
+                      <a:headEnd type="none" w="med" len="med"/>
+                      <a:tailEnd type="none" w="med" len="med"/>
+                    </a:lnT>
+                    <a:lnB w="12700" cap="flat" cmpd="sng" algn="ctr">
+                      <a:solidFill>
+                        <a:schemeClr val="tx1"/>
+                      </a:solidFill>
+                      <a:prstDash val="solid"/>
+                      <a:round/>
+                      <a:headEnd type="none" w="med" len="med"/>
+                      <a:tailEnd type="none" w="med" len="med"/>
+                    </a:lnB>
+                    <a:noFill/>
+                  </a:tcPr>
+                </a:tc>
+                <a:tc hMerge="1">
+                  <a:txBody>
+                    <a:bodyPr/>
+                    <a:lstStyle/>
+                    <a:p>
+                      <a:endParaRPr lang="de-DE"/>
+                    </a:p>
+                  </a:txBody>
+                  <a:tcPr/>
+                </a:tc>
+                <a:tc hMerge="1">
+                  <a:txBody>
+                    <a:bodyPr/>
+                    <a:lstStyle/>
+                    <a:p>
+                      <a:endParaRPr lang="de-DE"/>
+                    </a:p>
+                  </a:txBody>
+                  <a:tcPr/>
+                </a:tc>
+                <a:tc hMerge="1">
+                  <a:txBody>
+                    <a:bodyPr/>
+                    <a:lstStyle/>
+                    <a:p>
+                      <a:endParaRPr lang="de-DE"/>
+                    </a:p>
+                  </a:txBody>
+                  <a:tcPr/>
+                </a:tc>
+                <a:extLst>
+                  <a:ext uri="{0D108BD9-81ED-4DB2-BD59-A6C34878D82A}">
+                    <a16:rowId xmlns:a16="http://schemas.microsoft.com/office/drawing/2014/main" val="247276148"/>
+                  </a:ext>
+                </a:extLst>
+              </a:tr>
+              <a:tr h="577936">
+                <a:tc>
+                  <a:txBody>
+                    <a:bodyPr/>
+                    <a:lstStyle/>
+                    <a:p>
+                      <a:endParaRPr lang="de-DE" dirty="0">
+                        <a:solidFill>
+                          <a:sysClr val="windowText" lastClr="000000"/>
+                        </a:solidFill>
+                      </a:endParaRPr>
+                    </a:p>
+                  </a:txBody>
+                  <a:tcPr anchor="ctr">
+                    <a:lnL w="12700" cap="flat" cmpd="sng" algn="ctr">
+                      <a:noFill/>
+                      <a:prstDash val="solid"/>
+                      <a:round/>
+                      <a:headEnd type="none" w="med" len="med"/>
+                      <a:tailEnd type="none" w="med" len="med"/>
+                    </a:lnL>
+                    <a:lnR w="12700" cap="flat" cmpd="sng" algn="ctr">
+                      <a:solidFill>
+                        <a:schemeClr val="tx1"/>
+                      </a:solidFill>
+                      <a:prstDash val="solid"/>
+                      <a:round/>
+                      <a:headEnd type="none" w="med" len="med"/>
+                      <a:tailEnd type="none" w="med" len="med"/>
+                    </a:lnR>
+                    <a:lnT w="12700" cap="flat" cmpd="sng" algn="ctr">
+                      <a:solidFill>
+                        <a:schemeClr val="tx1"/>
+                      </a:solidFill>
+                      <a:prstDash val="solid"/>
+                      <a:round/>
+                      <a:headEnd type="none" w="med" len="med"/>
+                      <a:tailEnd type="none" w="med" len="med"/>
+                    </a:lnT>
+                    <a:lnB w="12700" cap="flat" cmpd="sng" algn="ctr">
+                      <a:noFill/>
+                      <a:prstDash val="solid"/>
+                      <a:round/>
+                      <a:headEnd type="none" w="med" len="med"/>
+                      <a:tailEnd type="none" w="med" len="med"/>
+                    </a:lnB>
+                    <a:noFill/>
+                  </a:tcPr>
+                </a:tc>
+                <a:tc>
+                  <a:txBody>
+                    <a:bodyPr/>
+                    <a:lstStyle/>
+                    <a:p>
+                      <a:r>
+                        <a:rPr lang="de-DE" dirty="0"/>
+                        <a:t>401</a:t>
+                      </a:r>
+                    </a:p>
+                  </a:txBody>
+                  <a:tcPr anchor="ctr">
+                    <a:lnL w="12700" cap="flat" cmpd="sng" algn="ctr">
+                      <a:solidFill>
+                        <a:schemeClr val="tx1"/>
+                      </a:solidFill>
+                      <a:prstDash val="solid"/>
+                      <a:round/>
+                      <a:headEnd type="none" w="med" len="med"/>
+                      <a:tailEnd type="none" w="med" len="med"/>
+                    </a:lnL>
+                    <a:lnR w="12700" cap="flat" cmpd="sng" algn="ctr">
+                      <a:solidFill>
+                        <a:schemeClr val="tx1"/>
+                      </a:solidFill>
+                      <a:prstDash val="solid"/>
+                      <a:round/>
+                      <a:headEnd type="none" w="med" len="med"/>
+                      <a:tailEnd type="none" w="med" len="med"/>
+                    </a:lnR>
+                    <a:lnT w="12700" cap="flat" cmpd="sng" algn="ctr">
+                      <a:solidFill>
+                        <a:schemeClr val="tx1"/>
+                      </a:solidFill>
+                      <a:prstDash val="solid"/>
+                      <a:round/>
+                      <a:headEnd type="none" w="med" len="med"/>
+                      <a:tailEnd type="none" w="med" len="med"/>
+                    </a:lnT>
+                    <a:lnB w="12700" cap="flat" cmpd="sng" algn="ctr">
+                      <a:solidFill>
+                        <a:schemeClr val="tx1"/>
+                      </a:solidFill>
+                      <a:prstDash val="solid"/>
+                      <a:round/>
+                      <a:headEnd type="none" w="med" len="med"/>
+                      <a:tailEnd type="none" w="med" len="med"/>
+                    </a:lnB>
+                    <a:noFill/>
+                  </a:tcPr>
+                </a:tc>
+                <a:tc gridSpan="4">
+                  <a:txBody>
+                    <a:bodyPr/>
+                    <a:lstStyle/>
+                    <a:p>
+                      <a:pPr marL="0" marR="0" lvl="0" indent="0" algn="l" defTabSz="914400" rtl="0" eaLnBrk="1" fontAlgn="auto" latinLnBrk="0" hangingPunct="1">
+                        <a:lnSpc>
+                          <a:spcPct val="100000"/>
+                        </a:lnSpc>
+                        <a:spcBef>
+                          <a:spcPts val="0"/>
+                        </a:spcBef>
+                        <a:spcAft>
+                          <a:spcPts val="0"/>
+                        </a:spcAft>
+                        <a:buClrTx/>
+                        <a:buSzTx/>
+                        <a:buFontTx/>
+                        <a:buNone/>
+                        <a:tabLst/>
+                        <a:defRPr/>
+                      </a:pPr>
+                      <a:r>
+                        <a:rPr lang="en-US" sz="1800" b="0" i="0" kern="1200" dirty="0">
+                          <a:solidFill>
+                            <a:schemeClr val="dk1"/>
+                          </a:solidFill>
+                          <a:effectLst/>
+                          <a:latin typeface="+mn-lt"/>
+                          <a:ea typeface="+mn-ea"/>
+                          <a:cs typeface="+mn-cs"/>
+                        </a:rPr>
+                        <a:t>{"</a:t>
+                      </a:r>
+                      <a:r>
+                        <a:rPr lang="en-US" sz="1800" b="0" i="0" kern="1200" dirty="0" err="1">
+                          <a:solidFill>
+                            <a:schemeClr val="dk1"/>
+                          </a:solidFill>
+                          <a:effectLst/>
+                          <a:latin typeface="+mn-lt"/>
+                          <a:ea typeface="+mn-ea"/>
+                          <a:cs typeface="+mn-cs"/>
+                        </a:rPr>
+                        <a:t>status":"User</a:t>
+                      </a:r>
+                      <a:r>
+                        <a:rPr lang="en-US" sz="1800" b="0" i="0" kern="1200" dirty="0">
+                          <a:solidFill>
+                            <a:schemeClr val="dk1"/>
+                          </a:solidFill>
+                          <a:effectLst/>
+                          <a:latin typeface="+mn-lt"/>
+                          <a:ea typeface="+mn-ea"/>
+                          <a:cs typeface="+mn-cs"/>
+                        </a:rPr>
+                        <a:t> is not the organizer of the event"}</a:t>
+                      </a:r>
+                      <a:endParaRPr lang="de-DE" dirty="0"/>
+                    </a:p>
+                  </a:txBody>
+                  <a:tcPr anchor="ctr">
+                    <a:lnL w="12700" cap="flat" cmpd="sng" algn="ctr">
+                      <a:solidFill>
+                        <a:schemeClr val="tx1"/>
+                      </a:solidFill>
+                      <a:prstDash val="solid"/>
+                      <a:round/>
+                      <a:headEnd type="none" w="med" len="med"/>
+                      <a:tailEnd type="none" w="med" len="med"/>
+                    </a:lnL>
+                    <a:lnR w="12700" cap="flat" cmpd="sng" algn="ctr">
+                      <a:solidFill>
+                        <a:schemeClr val="tx1"/>
+                      </a:solidFill>
+                      <a:prstDash val="solid"/>
+                      <a:round/>
+                      <a:headEnd type="none" w="med" len="med"/>
+                      <a:tailEnd type="none" w="med" len="med"/>
+                    </a:lnR>
+                    <a:lnT w="12700" cap="flat" cmpd="sng" algn="ctr">
+                      <a:solidFill>
+                        <a:schemeClr val="tx1"/>
+                      </a:solidFill>
+                      <a:prstDash val="solid"/>
+                      <a:round/>
+                      <a:headEnd type="none" w="med" len="med"/>
+                      <a:tailEnd type="none" w="med" len="med"/>
+                    </a:lnT>
+                    <a:lnB w="12700" cap="flat" cmpd="sng" algn="ctr">
+                      <a:solidFill>
+                        <a:schemeClr val="tx1"/>
+                      </a:solidFill>
+                      <a:prstDash val="solid"/>
+                      <a:round/>
+                      <a:headEnd type="none" w="med" len="med"/>
+                      <a:tailEnd type="none" w="med" len="med"/>
+                    </a:lnB>
+                    <a:noFill/>
+                  </a:tcPr>
+                </a:tc>
+                <a:tc hMerge="1">
+                  <a:txBody>
+                    <a:bodyPr/>
+                    <a:lstStyle/>
+                    <a:p>
+                      <a:endParaRPr lang="de-DE"/>
+                    </a:p>
+                  </a:txBody>
+                  <a:tcPr/>
+                </a:tc>
+                <a:tc hMerge="1">
+                  <a:txBody>
+                    <a:bodyPr/>
+                    <a:lstStyle/>
+                    <a:p>
+                      <a:endParaRPr lang="de-DE"/>
+                    </a:p>
+                  </a:txBody>
+                  <a:tcPr/>
+                </a:tc>
+                <a:tc hMerge="1">
+                  <a:txBody>
+                    <a:bodyPr/>
+                    <a:lstStyle/>
+                    <a:p>
+                      <a:endParaRPr lang="de-DE"/>
+                    </a:p>
+                  </a:txBody>
+                  <a:tcPr/>
+                </a:tc>
+                <a:extLst>
+                  <a:ext uri="{0D108BD9-81ED-4DB2-BD59-A6C34878D82A}">
+                    <a16:rowId xmlns:a16="http://schemas.microsoft.com/office/drawing/2014/main" val="994510799"/>
+                  </a:ext>
+                </a:extLst>
+              </a:tr>
+            </a:tbl>
+          </a:graphicData>
+        </a:graphic>
+      </p:graphicFrame>
+    </p:spTree>
+    <p:extLst>
+      <p:ext uri="{BB962C8B-B14F-4D97-AF65-F5344CB8AC3E}">
+        <p14:creationId xmlns:p14="http://schemas.microsoft.com/office/powerpoint/2010/main" val="667345475"/>
+      </p:ext>
+    </p:extLst>
+  </p:cSld>
+  <p:clrMapOvr>
+    <a:masterClrMapping/>
+  </p:clrMapOvr>
+</p:sld>
+</file>
+
 <file path=ppt/slides/slide2.xml><?xml version="1.0" encoding="utf-8"?>
 <p:sld xmlns:a="http://schemas.openxmlformats.org/drawingml/2006/main" xmlns:r="http://schemas.openxmlformats.org/officeDocument/2006/relationships" xmlns:p="http://schemas.openxmlformats.org/presentationml/2006/main">
   <p:cSld>
@@ -4278,7 +6352,7 @@
           <p:nvPr>
             <p:extLst>
               <p:ext uri="{D42A27DB-BD31-4B8C-83A1-F6EECF244321}">
-                <p14:modId xmlns:p14="http://schemas.microsoft.com/office/powerpoint/2010/main" val="1376444826"/>
+                <p14:modId xmlns:p14="http://schemas.microsoft.com/office/powerpoint/2010/main" val="3864652540"/>
               </p:ext>
             </p:extLst>
           </p:nvPr>
@@ -4795,6 +6869,30 @@
                         <a:rPr lang="de-DE" baseline="0" dirty="0" err="1"/>
                         <a:t>cookie</a:t>
                       </a:r>
+                      <a:r>
+                        <a:rPr lang="de-DE" baseline="0" dirty="0"/>
+                        <a:t> </a:t>
+                      </a:r>
+                      <a:r>
+                        <a:rPr lang="de-DE" baseline="0" dirty="0" err="1"/>
+                        <a:t>and</a:t>
+                      </a:r>
+                      <a:r>
+                        <a:rPr lang="de-DE" baseline="0" dirty="0"/>
+                        <a:t> </a:t>
+                      </a:r>
+                      <a:r>
+                        <a:rPr lang="de-DE" baseline="0" dirty="0" err="1"/>
+                        <a:t>store</a:t>
+                      </a:r>
+                      <a:r>
+                        <a:rPr lang="de-DE" baseline="0" dirty="0"/>
+                        <a:t> </a:t>
+                      </a:r>
+                      <a:r>
+                        <a:rPr lang="de-DE" baseline="0" dirty="0" err="1"/>
+                        <a:t>deviceId</a:t>
+                      </a:r>
                       <a:endParaRPr lang="de-DE" dirty="0"/>
                     </a:p>
                   </a:txBody>
@@ -5048,7 +7146,61 @@
                             </a:schemeClr>
                           </a:solidFill>
                         </a:rPr>
-                        <a:t>String </a:t>
+                        <a:t>String</a:t>
+                      </a:r>
+                      <a:r>
+                        <a:rPr lang="de-DE" dirty="0"/>
+                        <a:t>, </a:t>
+                      </a:r>
+                      <a:r>
+                        <a:rPr lang="en-US" sz="1800" b="0" i="0" kern="1200" dirty="0">
+                          <a:solidFill>
+                            <a:schemeClr val="dk1"/>
+                          </a:solidFill>
+                          <a:effectLst/>
+                          <a:latin typeface="+mn-lt"/>
+                          <a:ea typeface="+mn-ea"/>
+                          <a:cs typeface="+mn-cs"/>
+                        </a:rPr>
+                        <a:t>"</a:t>
+                      </a:r>
+                      <a:r>
+                        <a:rPr lang="de-DE" sz="1800" b="0" i="0" kern="1200" dirty="0" err="1">
+                          <a:solidFill>
+                            <a:schemeClr val="dk1"/>
+                          </a:solidFill>
+                          <a:effectLst/>
+                          <a:latin typeface="+mn-lt"/>
+                          <a:ea typeface="+mn-ea"/>
+                          <a:cs typeface="+mn-cs"/>
+                        </a:rPr>
+                        <a:t>deviceId</a:t>
+                      </a:r>
+                      <a:r>
+                        <a:rPr lang="en-US" sz="1800" b="0" i="0" kern="1200" dirty="0">
+                          <a:solidFill>
+                            <a:schemeClr val="dk1"/>
+                          </a:solidFill>
+                          <a:effectLst/>
+                          <a:latin typeface="+mn-lt"/>
+                          <a:ea typeface="+mn-ea"/>
+                          <a:cs typeface="+mn-cs"/>
+                        </a:rPr>
+                        <a:t>"</a:t>
+                      </a:r>
+                      <a:r>
+                        <a:rPr lang="de-DE" dirty="0"/>
+                        <a:t>: </a:t>
+                      </a:r>
+                      <a:r>
+                        <a:rPr lang="de-DE" dirty="0">
+                          <a:solidFill>
+                            <a:schemeClr val="accent1">
+                              <a:lumMod val="75000"/>
+                            </a:schemeClr>
+                          </a:solidFill>
+                        </a:rPr>
+                        <a:t>String  </a:t>
                       </a:r>
                       <a:r>
                         <a:rPr lang="de-DE" dirty="0"/>
@@ -5833,7 +7985,7 @@
           <p:nvPr>
             <p:extLst>
               <p:ext uri="{D42A27DB-BD31-4B8C-83A1-F6EECF244321}">
-                <p14:modId xmlns:p14="http://schemas.microsoft.com/office/powerpoint/2010/main" val="1760637190"/>
+                <p14:modId xmlns:p14="http://schemas.microsoft.com/office/powerpoint/2010/main" val="3813927633"/>
               </p:ext>
             </p:extLst>
           </p:nvPr>
@@ -6354,6 +8506,30 @@
                         <a:rPr lang="de-DE" baseline="0" dirty="0" err="1"/>
                         <a:t>cookie</a:t>
                       </a:r>
+                      <a:r>
+                        <a:rPr lang="de-DE" baseline="0" dirty="0"/>
+                        <a:t> </a:t>
+                      </a:r>
+                      <a:r>
+                        <a:rPr lang="de-DE" baseline="0" dirty="0" err="1"/>
+                        <a:t>and</a:t>
+                      </a:r>
+                      <a:r>
+                        <a:rPr lang="de-DE" baseline="0" dirty="0"/>
+                        <a:t> </a:t>
+                      </a:r>
+                      <a:r>
+                        <a:rPr lang="de-DE" baseline="0" dirty="0" err="1"/>
+                        <a:t>store</a:t>
+                      </a:r>
+                      <a:r>
+                        <a:rPr lang="de-DE" baseline="0" dirty="0"/>
+                        <a:t> </a:t>
+                      </a:r>
+                      <a:r>
+                        <a:rPr lang="de-DE" baseline="0" dirty="0" err="1"/>
+                        <a:t>deviceId</a:t>
+                      </a:r>
                       <a:endParaRPr lang="de-DE" dirty="0"/>
                     </a:p>
                   </a:txBody>
@@ -6607,7 +8783,61 @@
                             </a:schemeClr>
                           </a:solidFill>
                         </a:rPr>
-                        <a:t>String </a:t>
+                        <a:t>String</a:t>
+                      </a:r>
+                      <a:r>
+                        <a:rPr lang="de-DE" dirty="0"/>
+                        <a:t>, </a:t>
+                      </a:r>
+                      <a:r>
+                        <a:rPr lang="en-US" sz="1800" b="0" i="0" kern="1200" dirty="0">
+                          <a:solidFill>
+                            <a:schemeClr val="dk1"/>
+                          </a:solidFill>
+                          <a:effectLst/>
+                          <a:latin typeface="+mn-lt"/>
+                          <a:ea typeface="+mn-ea"/>
+                          <a:cs typeface="+mn-cs"/>
+                        </a:rPr>
+                        <a:t>"</a:t>
+                      </a:r>
+                      <a:r>
+                        <a:rPr lang="de-DE" sz="1800" b="0" i="0" kern="1200" dirty="0" err="1">
+                          <a:solidFill>
+                            <a:schemeClr val="dk1"/>
+                          </a:solidFill>
+                          <a:effectLst/>
+                          <a:latin typeface="+mn-lt"/>
+                          <a:ea typeface="+mn-ea"/>
+                          <a:cs typeface="+mn-cs"/>
+                        </a:rPr>
+                        <a:t>deviceId</a:t>
+                      </a:r>
+                      <a:r>
+                        <a:rPr lang="en-US" sz="1800" b="0" i="0" kern="1200" dirty="0">
+                          <a:solidFill>
+                            <a:schemeClr val="dk1"/>
+                          </a:solidFill>
+                          <a:effectLst/>
+                          <a:latin typeface="+mn-lt"/>
+                          <a:ea typeface="+mn-ea"/>
+                          <a:cs typeface="+mn-cs"/>
+                        </a:rPr>
+                        <a:t>"</a:t>
+                      </a:r>
+                      <a:r>
+                        <a:rPr lang="de-DE" dirty="0"/>
+                        <a:t>: </a:t>
+                      </a:r>
+                      <a:r>
+                        <a:rPr lang="de-DE" dirty="0">
+                          <a:solidFill>
+                            <a:schemeClr val="accent1">
+                              <a:lumMod val="75000"/>
+                            </a:schemeClr>
+                          </a:solidFill>
+                        </a:rPr>
+                        <a:t>String  </a:t>
                       </a:r>
                       <a:r>
                         <a:rPr lang="de-DE" dirty="0"/>
@@ -8474,53 +10704,6 @@
           </a:p>
         </p:txBody>
       </p:sp>
-      <p:sp>
-        <p:nvSpPr>
-          <p:cNvPr id="6" name="TextBox 5"/>
-          <p:cNvSpPr txBox="1"/>
-          <p:nvPr/>
-        </p:nvSpPr>
-        <p:spPr>
-          <a:xfrm>
-            <a:off x="833514" y="674703"/>
-            <a:ext cx="6675417" cy="584775"/>
-          </a:xfrm>
-          <a:prstGeom prst="rect">
-            <a:avLst/>
-          </a:prstGeom>
-          <a:noFill/>
-        </p:spPr>
-        <p:txBody>
-          <a:bodyPr wrap="none" rtlCol="0">
-            <a:spAutoFit/>
-          </a:bodyPr>
-          <a:lstStyle/>
-          <a:p>
-            <a:r>
-              <a:rPr lang="de-DE" sz="2400" dirty="0"/>
-              <a:t>Service Definition </a:t>
-            </a:r>
-            <a:r>
-              <a:rPr lang="de-DE" sz="2400" dirty="0" err="1"/>
-              <a:t>Overview</a:t>
-            </a:r>
-            <a:r>
-              <a:rPr lang="de-DE" sz="2400" dirty="0"/>
-              <a:t>:  </a:t>
-            </a:r>
-            <a:r>
-              <a:rPr lang="de-DE" sz="3200" dirty="0">
-                <a:solidFill>
-                  <a:schemeClr val="accent2">
-                    <a:lumMod val="75000"/>
-                  </a:schemeClr>
-                </a:solidFill>
-              </a:rPr>
-              <a:t>207.154.218.165</a:t>
-            </a:r>
-          </a:p>
-        </p:txBody>
-      </p:sp>
       <p:graphicFrame>
         <p:nvGraphicFramePr>
           <p:cNvPr id="7" name="Table 6"/>
@@ -8530,14 +10713,14 @@
           <p:nvPr>
             <p:extLst>
               <p:ext uri="{D42A27DB-BD31-4B8C-83A1-F6EECF244321}">
-                <p14:modId xmlns:p14="http://schemas.microsoft.com/office/powerpoint/2010/main" val="3668043547"/>
+                <p14:modId xmlns:p14="http://schemas.microsoft.com/office/powerpoint/2010/main" val="3185639105"/>
               </p:ext>
             </p:extLst>
           </p:nvPr>
         </p:nvGraphicFramePr>
         <p:xfrm>
-          <a:off x="835857" y="2131215"/>
-          <a:ext cx="10520285" cy="2225040"/>
+          <a:off x="833515" y="622008"/>
+          <a:ext cx="10520286" cy="4615436"/>
         </p:xfrm>
         <a:graphic>
           <a:graphicData uri="http://schemas.openxmlformats.org/drawingml/2006/table">
@@ -8546,28 +10729,35 @@
                 <a:tableStyleId>{5C22544A-7EE6-4342-B048-85BDC9FD1C3A}</a:tableStyleId>
               </a:tblPr>
               <a:tblGrid>
-                <a:gridCol w="2104057">
+                <a:gridCol w="1669988">
                   <a:extLst>
                     <a:ext uri="{9D8B030D-6E8A-4147-A177-3AD203B41FA5}">
                       <a16:colId xmlns:a16="http://schemas.microsoft.com/office/drawing/2014/main" val="2704125389"/>
                     </a:ext>
                   </a:extLst>
                 </a:gridCol>
-                <a:gridCol w="2104057">
+                <a:gridCol w="1757779">
                   <a:extLst>
                     <a:ext uri="{9D8B030D-6E8A-4147-A177-3AD203B41FA5}">
-                      <a16:colId xmlns:a16="http://schemas.microsoft.com/office/drawing/2014/main" val="666628110"/>
+                      <a16:colId xmlns:a16="http://schemas.microsoft.com/office/drawing/2014/main" val="2832046579"/>
                     </a:ext>
                   </a:extLst>
                 </a:gridCol>
-                <a:gridCol w="2104057">
+                <a:gridCol w="1778011">
                   <a:extLst>
                     <a:ext uri="{9D8B030D-6E8A-4147-A177-3AD203B41FA5}">
-                      <a16:colId xmlns:a16="http://schemas.microsoft.com/office/drawing/2014/main" val="3200629299"/>
+                      <a16:colId xmlns:a16="http://schemas.microsoft.com/office/drawing/2014/main" val="3622771183"/>
                     </a:ext>
                   </a:extLst>
                 </a:gridCol>
-                <a:gridCol w="2104057">
+                <a:gridCol w="1435706">
+                  <a:extLst>
+                    <a:ext uri="{9D8B030D-6E8A-4147-A177-3AD203B41FA5}">
+                      <a16:colId xmlns:a16="http://schemas.microsoft.com/office/drawing/2014/main" val="1359834070"/>
+                    </a:ext>
+                  </a:extLst>
+                </a:gridCol>
+                <a:gridCol w="1774745">
                   <a:extLst>
                     <a:ext uri="{9D8B030D-6E8A-4147-A177-3AD203B41FA5}">
                       <a16:colId xmlns:a16="http://schemas.microsoft.com/office/drawing/2014/main" val="2635870529"/>
@@ -8582,126 +10772,331 @@
                   </a:extLst>
                 </a:gridCol>
               </a:tblGrid>
-              <a:tr h="370840">
+              <a:tr h="887196">
                 <a:tc>
                   <a:txBody>
                     <a:bodyPr/>
                     <a:lstStyle/>
                     <a:p>
+                      <a:pPr algn="l"/>
                       <a:r>
                         <a:rPr lang="de-DE" dirty="0">
                           <a:solidFill>
                             <a:sysClr val="windowText" lastClr="000000"/>
                           </a:solidFill>
                         </a:rPr>
+                        <a:t>SERVICE:</a:t>
+                      </a:r>
+                    </a:p>
+                  </a:txBody>
+                  <a:tcPr anchor="ctr">
+                    <a:lnL w="12700" cap="flat" cmpd="sng" algn="ctr">
+                      <a:solidFill>
+                        <a:schemeClr val="tx1"/>
+                      </a:solidFill>
+                      <a:prstDash val="solid"/>
+                      <a:round/>
+                      <a:headEnd type="none" w="med" len="med"/>
+                      <a:tailEnd type="none" w="med" len="med"/>
+                    </a:lnL>
+                    <a:lnR w="12700" cap="flat" cmpd="sng" algn="ctr">
+                      <a:solidFill>
+                        <a:schemeClr val="tx1"/>
+                      </a:solidFill>
+                      <a:prstDash val="solid"/>
+                      <a:round/>
+                      <a:headEnd type="none" w="med" len="med"/>
+                      <a:tailEnd type="none" w="med" len="med"/>
+                    </a:lnR>
+                    <a:lnT w="12700" cap="flat" cmpd="sng" algn="ctr">
+                      <a:solidFill>
+                        <a:schemeClr val="tx1"/>
+                      </a:solidFill>
+                      <a:prstDash val="solid"/>
+                      <a:round/>
+                      <a:headEnd type="none" w="med" len="med"/>
+                      <a:tailEnd type="none" w="med" len="med"/>
+                    </a:lnT>
+                    <a:lnB w="12700" cap="flat" cmpd="sng" algn="ctr">
+                      <a:solidFill>
+                        <a:schemeClr val="tx1"/>
+                      </a:solidFill>
+                      <a:prstDash val="solid"/>
+                      <a:round/>
+                      <a:headEnd type="none" w="med" len="med"/>
+                      <a:tailEnd type="none" w="med" len="med"/>
+                    </a:lnB>
+                    <a:noFill/>
+                  </a:tcPr>
+                </a:tc>
+                <a:tc gridSpan="2">
+                  <a:txBody>
+                    <a:bodyPr/>
+                    <a:lstStyle/>
+                    <a:p>
+                      <a:pPr algn="l"/>
+                      <a:r>
+                        <a:rPr lang="de-DE" sz="2800" dirty="0">
+                          <a:solidFill>
+                            <a:schemeClr val="accent5">
+                              <a:lumMod val="60000"/>
+                              <a:lumOff val="40000"/>
+                            </a:schemeClr>
+                          </a:solidFill>
+                        </a:rPr>
                         <a:t>/</a:t>
                       </a:r>
                       <a:r>
-                        <a:rPr lang="de-DE" dirty="0" err="1">
-                          <a:solidFill>
-                            <a:sysClr val="windowText" lastClr="000000"/>
-                          </a:solidFill>
-                        </a:rPr>
-                        <a:t>users</a:t>
-                      </a:r>
-                      <a:endParaRPr lang="de-DE" dirty="0">
+                        <a:rPr lang="de-DE" sz="2800" dirty="0" err="1">
+                          <a:solidFill>
+                            <a:schemeClr val="accent5">
+                              <a:lumMod val="60000"/>
+                              <a:lumOff val="40000"/>
+                            </a:schemeClr>
+                          </a:solidFill>
+                        </a:rPr>
+                        <a:t>auth</a:t>
+                      </a:r>
+                      <a:r>
+                        <a:rPr lang="de-DE" sz="2800" dirty="0">
+                          <a:solidFill>
+                            <a:schemeClr val="accent5">
+                              <a:lumMod val="60000"/>
+                              <a:lumOff val="40000"/>
+                            </a:schemeClr>
+                          </a:solidFill>
+                        </a:rPr>
+                        <a:t>/</a:t>
+                      </a:r>
+                      <a:r>
+                        <a:rPr lang="de-DE" sz="2800" dirty="0" err="1">
+                          <a:solidFill>
+                            <a:schemeClr val="accent5">
+                              <a:lumMod val="60000"/>
+                              <a:lumOff val="40000"/>
+                            </a:schemeClr>
+                          </a:solidFill>
+                        </a:rPr>
+                        <a:t>deviceIdChange</a:t>
+                      </a:r>
+                      <a:endParaRPr lang="de-DE" sz="2800" dirty="0">
                         <a:solidFill>
-                          <a:sysClr val="windowText" lastClr="000000"/>
+                          <a:schemeClr val="accent5">
+                            <a:lumMod val="60000"/>
+                            <a:lumOff val="40000"/>
+                          </a:schemeClr>
                         </a:solidFill>
                       </a:endParaRPr>
                     </a:p>
                   </a:txBody>
-                  <a:tcPr>
-                    <a:noFill/>
-                  </a:tcPr>
+                  <a:tcPr anchor="ctr">
+                    <a:lnL w="12700" cap="flat" cmpd="sng" algn="ctr">
+                      <a:solidFill>
+                        <a:schemeClr val="tx1"/>
+                      </a:solidFill>
+                      <a:prstDash val="solid"/>
+                      <a:round/>
+                      <a:headEnd type="none" w="med" len="med"/>
+                      <a:tailEnd type="none" w="med" len="med"/>
+                    </a:lnL>
+                    <a:lnR w="12700" cap="flat" cmpd="sng" algn="ctr">
+                      <a:noFill/>
+                      <a:prstDash val="solid"/>
+                      <a:round/>
+                      <a:headEnd type="none" w="med" len="med"/>
+                      <a:tailEnd type="none" w="med" len="med"/>
+                    </a:lnR>
+                    <a:lnT w="12700" cap="flat" cmpd="sng" algn="ctr">
+                      <a:solidFill>
+                        <a:schemeClr val="tx1"/>
+                      </a:solidFill>
+                      <a:prstDash val="solid"/>
+                      <a:round/>
+                      <a:headEnd type="none" w="med" len="med"/>
+                      <a:tailEnd type="none" w="med" len="med"/>
+                    </a:lnT>
+                    <a:lnB w="12700" cap="flat" cmpd="sng" algn="ctr">
+                      <a:solidFill>
+                        <a:schemeClr val="tx1"/>
+                      </a:solidFill>
+                      <a:prstDash val="solid"/>
+                      <a:round/>
+                      <a:headEnd type="none" w="med" len="med"/>
+                      <a:tailEnd type="none" w="med" len="med"/>
+                    </a:lnB>
+                    <a:noFill/>
+                  </a:tcPr>
+                </a:tc>
+                <a:tc hMerge="1">
+                  <a:txBody>
+                    <a:bodyPr/>
+                    <a:lstStyle/>
+                    <a:p>
+                      <a:endParaRPr lang="de-DE"/>
+                    </a:p>
+                  </a:txBody>
+                  <a:tcPr/>
                 </a:tc>
                 <a:tc>
                   <a:txBody>
                     <a:bodyPr/>
                     <a:lstStyle/>
                     <a:p>
-                      <a:r>
-                        <a:rPr lang="de-DE" dirty="0">
-                          <a:solidFill>
-                            <a:sysClr val="windowText" lastClr="000000"/>
-                          </a:solidFill>
-                        </a:rPr>
-                        <a:t>/$USERID</a:t>
-                      </a:r>
-                    </a:p>
-                  </a:txBody>
-                  <a:tcPr>
-                    <a:noFill/>
-                  </a:tcPr>
-                </a:tc>
-                <a:tc>
-                  <a:txBody>
-                    <a:bodyPr/>
-                    <a:lstStyle/>
-                    <a:p>
-                      <a:r>
-                        <a:rPr lang="de-DE" dirty="0">
-                          <a:solidFill>
-                            <a:sysClr val="windowText" lastClr="000000"/>
-                          </a:solidFill>
-                        </a:rPr>
-                        <a:t>/</a:t>
-                      </a:r>
-                    </a:p>
-                  </a:txBody>
-                  <a:tcPr>
-                    <a:noFill/>
-                  </a:tcPr>
-                </a:tc>
-                <a:tc>
-                  <a:txBody>
-                    <a:bodyPr/>
-                    <a:lstStyle/>
-                    <a:p>
-                      <a:pPr marL="0" marR="0" lvl="0" indent="0" algn="l" defTabSz="914400" rtl="0" eaLnBrk="1" fontAlgn="auto" latinLnBrk="0" hangingPunct="1">
-                        <a:lnSpc>
-                          <a:spcPct val="100000"/>
-                        </a:lnSpc>
-                        <a:spcBef>
-                          <a:spcPts val="0"/>
-                        </a:spcBef>
-                        <a:spcAft>
-                          <a:spcPts val="0"/>
-                        </a:spcAft>
-                        <a:buClrTx/>
-                        <a:buSzTx/>
-                        <a:buFontTx/>
-                        <a:buNone/>
-                        <a:tabLst/>
-                        <a:defRPr/>
-                      </a:pPr>
-                      <a:r>
-                        <a:rPr lang="de-DE" b="1" dirty="0">
-                          <a:solidFill>
-                            <a:schemeClr val="accent6"/>
-                          </a:solidFill>
-                        </a:rPr>
-                        <a:t>GET</a:t>
-                      </a:r>
-                    </a:p>
-                  </a:txBody>
-                  <a:tcPr>
-                    <a:noFill/>
-                  </a:tcPr>
-                </a:tc>
-                <a:tc>
-                  <a:txBody>
-                    <a:bodyPr/>
-                    <a:lstStyle/>
-                    <a:p>
-                      <a:endParaRPr lang="de-DE" dirty="0">
+                      <a:pPr algn="l"/>
+                      <a:endParaRPr lang="de-DE" sz="2800" dirty="0">
                         <a:solidFill>
-                          <a:sysClr val="windowText" lastClr="000000"/>
+                          <a:srgbClr val="00B0F0"/>
                         </a:solidFill>
                       </a:endParaRPr>
                     </a:p>
                   </a:txBody>
-                  <a:tcPr>
+                  <a:tcPr anchor="ctr">
+                    <a:lnL w="12700" cap="flat" cmpd="sng" algn="ctr">
+                      <a:noFill/>
+                      <a:prstDash val="solid"/>
+                      <a:round/>
+                      <a:headEnd type="none" w="med" len="med"/>
+                      <a:tailEnd type="none" w="med" len="med"/>
+                    </a:lnL>
+                    <a:lnR w="12700" cap="flat" cmpd="sng" algn="ctr">
+                      <a:solidFill>
+                        <a:schemeClr val="tx1"/>
+                      </a:solidFill>
+                      <a:prstDash val="solid"/>
+                      <a:round/>
+                      <a:headEnd type="none" w="med" len="med"/>
+                      <a:tailEnd type="none" w="med" len="med"/>
+                    </a:lnR>
+                    <a:lnT w="12700" cap="flat" cmpd="sng" algn="ctr">
+                      <a:solidFill>
+                        <a:schemeClr val="tx1"/>
+                      </a:solidFill>
+                      <a:prstDash val="solid"/>
+                      <a:round/>
+                      <a:headEnd type="none" w="med" len="med"/>
+                      <a:tailEnd type="none" w="med" len="med"/>
+                    </a:lnT>
+                    <a:lnB w="12700" cap="flat" cmpd="sng" algn="ctr">
+                      <a:solidFill>
+                        <a:schemeClr val="tx1"/>
+                      </a:solidFill>
+                      <a:prstDash val="solid"/>
+                      <a:round/>
+                      <a:headEnd type="none" w="med" len="med"/>
+                      <a:tailEnd type="none" w="med" len="med"/>
+                    </a:lnB>
+                    <a:noFill/>
+                  </a:tcPr>
+                </a:tc>
+                <a:tc>
+                  <a:txBody>
+                    <a:bodyPr/>
+                    <a:lstStyle/>
+                    <a:p>
+                      <a:pPr algn="l"/>
+                      <a:r>
+                        <a:rPr lang="de-DE" dirty="0">
+                          <a:solidFill>
+                            <a:sysClr val="windowText" lastClr="000000"/>
+                          </a:solidFill>
+                        </a:rPr>
+                        <a:t>HTTP METHOD:</a:t>
+                      </a:r>
+                    </a:p>
+                  </a:txBody>
+                  <a:tcPr anchor="ctr">
+                    <a:lnL w="12700" cap="flat" cmpd="sng" algn="ctr">
+                      <a:solidFill>
+                        <a:schemeClr val="tx1"/>
+                      </a:solidFill>
+                      <a:prstDash val="solid"/>
+                      <a:round/>
+                      <a:headEnd type="none" w="med" len="med"/>
+                      <a:tailEnd type="none" w="med" len="med"/>
+                    </a:lnL>
+                    <a:lnR w="12700" cap="flat" cmpd="sng" algn="ctr">
+                      <a:solidFill>
+                        <a:schemeClr val="tx1"/>
+                      </a:solidFill>
+                      <a:prstDash val="solid"/>
+                      <a:round/>
+                      <a:headEnd type="none" w="med" len="med"/>
+                      <a:tailEnd type="none" w="med" len="med"/>
+                    </a:lnR>
+                    <a:lnT w="12700" cap="flat" cmpd="sng" algn="ctr">
+                      <a:solidFill>
+                        <a:schemeClr val="tx1"/>
+                      </a:solidFill>
+                      <a:prstDash val="solid"/>
+                      <a:round/>
+                      <a:headEnd type="none" w="med" len="med"/>
+                      <a:tailEnd type="none" w="med" len="med"/>
+                    </a:lnT>
+                    <a:lnB w="12700" cap="flat" cmpd="sng" algn="ctr">
+                      <a:solidFill>
+                        <a:schemeClr val="tx1"/>
+                      </a:solidFill>
+                      <a:prstDash val="solid"/>
+                      <a:round/>
+                      <a:headEnd type="none" w="med" len="med"/>
+                      <a:tailEnd type="none" w="med" len="med"/>
+                    </a:lnB>
+                    <a:noFill/>
+                  </a:tcPr>
+                </a:tc>
+                <a:tc>
+                  <a:txBody>
+                    <a:bodyPr/>
+                    <a:lstStyle/>
+                    <a:p>
+                      <a:pPr algn="l"/>
+                      <a:r>
+                        <a:rPr lang="de-DE" dirty="0">
+                          <a:solidFill>
+                            <a:srgbClr val="FF0000"/>
+                          </a:solidFill>
+                        </a:rPr>
+                        <a:t>POST</a:t>
+                      </a:r>
+                    </a:p>
+                  </a:txBody>
+                  <a:tcPr anchor="ctr">
+                    <a:lnL w="12700" cap="flat" cmpd="sng" algn="ctr">
+                      <a:solidFill>
+                        <a:schemeClr val="tx1"/>
+                      </a:solidFill>
+                      <a:prstDash val="solid"/>
+                      <a:round/>
+                      <a:headEnd type="none" w="med" len="med"/>
+                      <a:tailEnd type="none" w="med" len="med"/>
+                    </a:lnL>
+                    <a:lnR w="12700" cap="flat" cmpd="sng" algn="ctr">
+                      <a:solidFill>
+                        <a:schemeClr val="tx1"/>
+                      </a:solidFill>
+                      <a:prstDash val="solid"/>
+                      <a:round/>
+                      <a:headEnd type="none" w="med" len="med"/>
+                      <a:tailEnd type="none" w="med" len="med"/>
+                    </a:lnR>
+                    <a:lnT w="12700" cap="flat" cmpd="sng" algn="ctr">
+                      <a:solidFill>
+                        <a:schemeClr val="tx1"/>
+                      </a:solidFill>
+                      <a:prstDash val="solid"/>
+                      <a:round/>
+                      <a:headEnd type="none" w="med" len="med"/>
+                      <a:tailEnd type="none" w="med" len="med"/>
+                    </a:lnT>
+                    <a:lnB w="12700" cap="flat" cmpd="sng" algn="ctr">
+                      <a:solidFill>
+                        <a:schemeClr val="tx1"/>
+                      </a:solidFill>
+                      <a:prstDash val="solid"/>
+                      <a:round/>
+                      <a:headEnd type="none" w="med" len="med"/>
+                      <a:tailEnd type="none" w="med" len="med"/>
+                    </a:lnB>
                     <a:noFill/>
                   </a:tcPr>
                 </a:tc>
@@ -8711,100 +11106,524 @@
                   </a:ext>
                 </a:extLst>
               </a:tr>
-              <a:tr h="370840">
+              <a:tr h="932060">
                 <a:tc>
                   <a:txBody>
                     <a:bodyPr/>
                     <a:lstStyle/>
                     <a:p>
+                      <a:r>
+                        <a:rPr lang="de-DE" dirty="0" err="1">
+                          <a:solidFill>
+                            <a:sysClr val="windowText" lastClr="000000"/>
+                          </a:solidFill>
+                        </a:rPr>
+                        <a:t>Function</a:t>
+                      </a:r>
+                      <a:r>
+                        <a:rPr lang="de-DE" dirty="0">
+                          <a:solidFill>
+                            <a:sysClr val="windowText" lastClr="000000"/>
+                          </a:solidFill>
+                        </a:rPr>
+                        <a:t>:</a:t>
+                      </a:r>
+                    </a:p>
+                  </a:txBody>
+                  <a:tcPr anchor="ctr">
+                    <a:lnL w="12700" cap="flat" cmpd="sng" algn="ctr">
+                      <a:solidFill>
+                        <a:schemeClr val="tx1"/>
+                      </a:solidFill>
+                      <a:prstDash val="solid"/>
+                      <a:round/>
+                      <a:headEnd type="none" w="med" len="med"/>
+                      <a:tailEnd type="none" w="med" len="med"/>
+                    </a:lnL>
+                    <a:lnR w="12700" cap="flat" cmpd="sng" algn="ctr">
+                      <a:solidFill>
+                        <a:schemeClr val="tx1"/>
+                      </a:solidFill>
+                      <a:prstDash val="solid"/>
+                      <a:round/>
+                      <a:headEnd type="none" w="med" len="med"/>
+                      <a:tailEnd type="none" w="med" len="med"/>
+                    </a:lnR>
+                    <a:lnT w="12700" cap="flat" cmpd="sng" algn="ctr">
+                      <a:solidFill>
+                        <a:schemeClr val="tx1"/>
+                      </a:solidFill>
+                      <a:prstDash val="solid"/>
+                      <a:round/>
+                      <a:headEnd type="none" w="med" len="med"/>
+                      <a:tailEnd type="none" w="med" len="med"/>
+                    </a:lnT>
+                    <a:lnB w="12700" cap="flat" cmpd="sng" algn="ctr">
+                      <a:solidFill>
+                        <a:schemeClr val="tx1"/>
+                      </a:solidFill>
+                      <a:prstDash val="solid"/>
+                      <a:round/>
+                      <a:headEnd type="none" w="med" len="med"/>
+                      <a:tailEnd type="none" w="med" len="med"/>
+                    </a:lnB>
+                    <a:noFill/>
+                  </a:tcPr>
+                </a:tc>
+                <a:tc gridSpan="5">
+                  <a:txBody>
+                    <a:bodyPr/>
+                    <a:lstStyle/>
+                    <a:p>
+                      <a:r>
+                        <a:rPr lang="de-DE" dirty="0" err="1"/>
+                        <a:t>If</a:t>
+                      </a:r>
+                      <a:r>
+                        <a:rPr lang="de-DE" dirty="0"/>
+                        <a:t> </a:t>
+                      </a:r>
+                      <a:r>
+                        <a:rPr lang="de-DE" dirty="0" err="1"/>
+                        <a:t>deviceId</a:t>
+                      </a:r>
+                      <a:r>
+                        <a:rPr lang="de-DE" dirty="0"/>
+                        <a:t> </a:t>
+                      </a:r>
+                      <a:r>
+                        <a:rPr lang="de-DE" dirty="0" err="1"/>
+                        <a:t>changed</a:t>
+                      </a:r>
+                      <a:r>
+                        <a:rPr lang="de-DE" dirty="0"/>
+                        <a:t> -&gt; </a:t>
+                      </a:r>
+                      <a:r>
+                        <a:rPr lang="de-DE" dirty="0" err="1"/>
+                        <a:t>store</a:t>
+                      </a:r>
+                      <a:r>
+                        <a:rPr lang="de-DE" dirty="0"/>
+                        <a:t> </a:t>
+                      </a:r>
+                      <a:r>
+                        <a:rPr lang="de-DE" dirty="0" err="1"/>
+                        <a:t>the</a:t>
+                      </a:r>
+                      <a:r>
+                        <a:rPr lang="de-DE" dirty="0"/>
+                        <a:t> </a:t>
+                      </a:r>
+                      <a:r>
+                        <a:rPr lang="de-DE" dirty="0" err="1"/>
+                        <a:t>new</a:t>
+                      </a:r>
+                      <a:r>
+                        <a:rPr lang="de-DE" dirty="0"/>
+                        <a:t> </a:t>
+                      </a:r>
+                      <a:r>
+                        <a:rPr lang="de-DE" dirty="0" err="1"/>
+                        <a:t>deviceId</a:t>
+                      </a:r>
+                      <a:r>
+                        <a:rPr lang="de-DE" dirty="0"/>
+                        <a:t> on </a:t>
+                      </a:r>
+                      <a:r>
+                        <a:rPr lang="de-DE" dirty="0" err="1"/>
+                        <a:t>the</a:t>
+                      </a:r>
+                      <a:r>
+                        <a:rPr lang="de-DE" dirty="0"/>
+                        <a:t> server-</a:t>
+                      </a:r>
+                      <a:r>
+                        <a:rPr lang="de-DE" dirty="0" err="1"/>
+                        <a:t>db</a:t>
+                      </a:r>
+                      <a:endParaRPr lang="de-DE" dirty="0"/>
+                    </a:p>
+                  </a:txBody>
+                  <a:tcPr anchor="ctr">
+                    <a:lnL w="12700" cap="flat" cmpd="sng" algn="ctr">
+                      <a:solidFill>
+                        <a:schemeClr val="tx1"/>
+                      </a:solidFill>
+                      <a:prstDash val="solid"/>
+                      <a:round/>
+                      <a:headEnd type="none" w="med" len="med"/>
+                      <a:tailEnd type="none" w="med" len="med"/>
+                    </a:lnL>
+                    <a:lnR w="12700" cap="flat" cmpd="sng" algn="ctr">
+                      <a:solidFill>
+                        <a:schemeClr val="tx1"/>
+                      </a:solidFill>
+                      <a:prstDash val="solid"/>
+                      <a:round/>
+                      <a:headEnd type="none" w="med" len="med"/>
+                      <a:tailEnd type="none" w="med" len="med"/>
+                    </a:lnR>
+                    <a:lnT w="12700" cap="flat" cmpd="sng" algn="ctr">
+                      <a:solidFill>
+                        <a:schemeClr val="tx1"/>
+                      </a:solidFill>
+                      <a:prstDash val="solid"/>
+                      <a:round/>
+                      <a:headEnd type="none" w="med" len="med"/>
+                      <a:tailEnd type="none" w="med" len="med"/>
+                    </a:lnT>
+                    <a:lnB w="12700" cap="flat" cmpd="sng" algn="ctr">
+                      <a:solidFill>
+                        <a:schemeClr val="tx1"/>
+                      </a:solidFill>
+                      <a:prstDash val="solid"/>
+                      <a:round/>
+                      <a:headEnd type="none" w="med" len="med"/>
+                      <a:tailEnd type="none" w="med" len="med"/>
+                    </a:lnB>
+                    <a:noFill/>
+                  </a:tcPr>
+                </a:tc>
+                <a:tc hMerge="1">
+                  <a:txBody>
+                    <a:bodyPr/>
+                    <a:lstStyle/>
+                    <a:p>
+                      <a:endParaRPr lang="de-DE"/>
+                    </a:p>
+                  </a:txBody>
+                  <a:tcPr/>
+                </a:tc>
+                <a:tc hMerge="1">
+                  <a:txBody>
+                    <a:bodyPr/>
+                    <a:lstStyle/>
+                    <a:p>
+                      <a:endParaRPr lang="de-DE"/>
+                    </a:p>
+                  </a:txBody>
+                  <a:tcPr/>
+                </a:tc>
+                <a:tc hMerge="1">
+                  <a:txBody>
+                    <a:bodyPr/>
+                    <a:lstStyle/>
+                    <a:p>
+                      <a:endParaRPr lang="de-DE"/>
+                    </a:p>
+                  </a:txBody>
+                  <a:tcPr/>
+                </a:tc>
+                <a:tc hMerge="1">
+                  <a:txBody>
+                    <a:bodyPr/>
+                    <a:lstStyle/>
+                    <a:p>
+                      <a:endParaRPr lang="de-DE"/>
+                    </a:p>
+                  </a:txBody>
+                  <a:tcPr/>
+                </a:tc>
+                <a:extLst>
+                  <a:ext uri="{0D108BD9-81ED-4DB2-BD59-A6C34878D82A}">
+                    <a16:rowId xmlns:a16="http://schemas.microsoft.com/office/drawing/2014/main" val="3312119621"/>
+                  </a:ext>
+                </a:extLst>
+              </a:tr>
+              <a:tr h="932060">
+                <a:tc>
+                  <a:txBody>
+                    <a:bodyPr/>
+                    <a:lstStyle/>
+                    <a:p>
+                      <a:r>
+                        <a:rPr lang="de-DE" dirty="0">
+                          <a:solidFill>
+                            <a:sysClr val="windowText" lastClr="000000"/>
+                          </a:solidFill>
+                        </a:rPr>
+                        <a:t>Request</a:t>
+                      </a:r>
+                      <a:r>
+                        <a:rPr lang="de-DE" baseline="0" dirty="0">
+                          <a:solidFill>
+                            <a:sysClr val="windowText" lastClr="000000"/>
+                          </a:solidFill>
+                        </a:rPr>
+                        <a:t> Body:</a:t>
+                      </a:r>
                       <a:endParaRPr lang="de-DE" dirty="0">
-                        <a:solidFill>
-                          <a:schemeClr val="bg1">
-                            <a:lumMod val="75000"/>
-                          </a:schemeClr>
-                        </a:solidFill>
-                      </a:endParaRPr>
-                    </a:p>
-                  </a:txBody>
-                  <a:tcPr>
-                    <a:noFill/>
-                  </a:tcPr>
-                </a:tc>
-                <a:tc>
-                  <a:txBody>
-                    <a:bodyPr/>
-                    <a:lstStyle/>
-                    <a:p>
-                      <a:endParaRPr lang="de-DE" dirty="0">
-                        <a:solidFill>
-                          <a:schemeClr val="bg1">
-                            <a:lumMod val="75000"/>
-                          </a:schemeClr>
-                        </a:solidFill>
-                      </a:endParaRPr>
-                    </a:p>
-                  </a:txBody>
-                  <a:tcPr>
-                    <a:noFill/>
-                  </a:tcPr>
-                </a:tc>
-                <a:tc>
-                  <a:txBody>
-                    <a:bodyPr/>
-                    <a:lstStyle/>
-                    <a:p>
-                      <a:r>
-                        <a:rPr lang="de-DE" b="1" dirty="0">
-                          <a:solidFill>
-                            <a:sysClr val="windowText" lastClr="000000"/>
-                          </a:solidFill>
-                        </a:rPr>
-                        <a:t>/</a:t>
-                      </a:r>
-                      <a:r>
-                        <a:rPr lang="de-DE" b="1" dirty="0" err="1">
-                          <a:solidFill>
-                            <a:sysClr val="windowText" lastClr="000000"/>
-                          </a:solidFill>
-                        </a:rPr>
-                        <a:t>events</a:t>
-                      </a:r>
-                      <a:endParaRPr lang="de-DE" b="1" dirty="0">
                         <a:solidFill>
                           <a:sysClr val="windowText" lastClr="000000"/>
                         </a:solidFill>
                       </a:endParaRPr>
                     </a:p>
                   </a:txBody>
-                  <a:tcPr>
-                    <a:noFill/>
-                  </a:tcPr>
-                </a:tc>
-                <a:tc>
-                  <a:txBody>
-                    <a:bodyPr/>
-                    <a:lstStyle/>
-                    <a:p>
-                      <a:r>
-                        <a:rPr lang="de-DE" b="1" dirty="0">
-                          <a:solidFill>
-                            <a:schemeClr val="accent6"/>
-                          </a:solidFill>
-                        </a:rPr>
-                        <a:t>GET</a:t>
-                      </a:r>
-                    </a:p>
-                  </a:txBody>
-                  <a:tcPr>
-                    <a:noFill/>
-                  </a:tcPr>
-                </a:tc>
-                <a:tc>
-                  <a:txBody>
-                    <a:bodyPr/>
-                    <a:lstStyle/>
-                    <a:p>
-                      <a:endParaRPr lang="de-DE">
+                  <a:tcPr anchor="ctr">
+                    <a:lnL w="12700" cap="flat" cmpd="sng" algn="ctr">
+                      <a:solidFill>
+                        <a:schemeClr val="tx1"/>
+                      </a:solidFill>
+                      <a:prstDash val="solid"/>
+                      <a:round/>
+                      <a:headEnd type="none" w="med" len="med"/>
+                      <a:tailEnd type="none" w="med" len="med"/>
+                    </a:lnL>
+                    <a:lnR w="12700" cap="flat" cmpd="sng" algn="ctr">
+                      <a:solidFill>
+                        <a:schemeClr val="tx1"/>
+                      </a:solidFill>
+                      <a:prstDash val="solid"/>
+                      <a:round/>
+                      <a:headEnd type="none" w="med" len="med"/>
+                      <a:tailEnd type="none" w="med" len="med"/>
+                    </a:lnR>
+                    <a:lnT w="12700" cap="flat" cmpd="sng" algn="ctr">
+                      <a:solidFill>
+                        <a:schemeClr val="tx1"/>
+                      </a:solidFill>
+                      <a:prstDash val="solid"/>
+                      <a:round/>
+                      <a:headEnd type="none" w="med" len="med"/>
+                      <a:tailEnd type="none" w="med" len="med"/>
+                    </a:lnT>
+                    <a:lnB w="12700" cap="flat" cmpd="sng" algn="ctr">
+                      <a:solidFill>
+                        <a:schemeClr val="tx1"/>
+                      </a:solidFill>
+                      <a:prstDash val="solid"/>
+                      <a:round/>
+                      <a:headEnd type="none" w="med" len="med"/>
+                      <a:tailEnd type="none" w="med" len="med"/>
+                    </a:lnB>
+                    <a:noFill/>
+                  </a:tcPr>
+                </a:tc>
+                <a:tc gridSpan="5">
+                  <a:txBody>
+                    <a:bodyPr/>
+                    <a:lstStyle/>
+                    <a:p>
+                      <a:r>
+                        <a:rPr lang="de-DE" dirty="0"/>
+                        <a:t>{</a:t>
+                      </a:r>
+                      <a:r>
+                        <a:rPr lang="en-US" sz="1800" b="0" i="0" kern="1200" dirty="0">
+                          <a:solidFill>
+                            <a:schemeClr val="dk1"/>
+                          </a:solidFill>
+                          <a:effectLst/>
+                          <a:latin typeface="+mn-lt"/>
+                          <a:ea typeface="+mn-ea"/>
+                          <a:cs typeface="+mn-cs"/>
+                        </a:rPr>
+                        <a:t>"</a:t>
+                      </a:r>
+                      <a:r>
+                        <a:rPr lang="de-DE" dirty="0" err="1"/>
+                        <a:t>username</a:t>
+                      </a:r>
+                      <a:r>
+                        <a:rPr lang="en-US" sz="1800" b="0" i="0" kern="1200" dirty="0">
+                          <a:solidFill>
+                            <a:schemeClr val="dk1"/>
+                          </a:solidFill>
+                          <a:effectLst/>
+                          <a:latin typeface="+mn-lt"/>
+                          <a:ea typeface="+mn-ea"/>
+                          <a:cs typeface="+mn-cs"/>
+                        </a:rPr>
+                        <a:t>"</a:t>
+                      </a:r>
+                      <a:r>
+                        <a:rPr lang="de-DE" dirty="0"/>
+                        <a:t>: </a:t>
+                      </a:r>
+                      <a:r>
+                        <a:rPr lang="de-DE" dirty="0">
+                          <a:solidFill>
+                            <a:schemeClr val="accent1">
+                              <a:lumMod val="75000"/>
+                            </a:schemeClr>
+                          </a:solidFill>
+                        </a:rPr>
+                        <a:t>String</a:t>
+                      </a:r>
+                      <a:r>
+                        <a:rPr lang="de-DE" dirty="0"/>
+                        <a:t>, </a:t>
+                      </a:r>
+                      <a:r>
+                        <a:rPr lang="en-US" sz="1800" b="0" i="0" kern="1200" dirty="0">
+                          <a:solidFill>
+                            <a:schemeClr val="dk1"/>
+                          </a:solidFill>
+                          <a:effectLst/>
+                          <a:latin typeface="+mn-lt"/>
+                          <a:ea typeface="+mn-ea"/>
+                          <a:cs typeface="+mn-cs"/>
+                        </a:rPr>
+                        <a:t>"</a:t>
+                      </a:r>
+                      <a:r>
+                        <a:rPr lang="de-DE" dirty="0" err="1"/>
+                        <a:t>password</a:t>
+                      </a:r>
+                      <a:r>
+                        <a:rPr lang="en-US" sz="1800" b="0" i="0" kern="1200" dirty="0">
+                          <a:solidFill>
+                            <a:schemeClr val="dk1"/>
+                          </a:solidFill>
+                          <a:effectLst/>
+                          <a:latin typeface="+mn-lt"/>
+                          <a:ea typeface="+mn-ea"/>
+                          <a:cs typeface="+mn-cs"/>
+                        </a:rPr>
+                        <a:t>"</a:t>
+                      </a:r>
+                      <a:r>
+                        <a:rPr lang="de-DE" dirty="0"/>
+                        <a:t>: </a:t>
+                      </a:r>
+                      <a:r>
+                        <a:rPr lang="de-DE" dirty="0">
+                          <a:solidFill>
+                            <a:schemeClr val="accent1">
+                              <a:lumMod val="75000"/>
+                            </a:schemeClr>
+                          </a:solidFill>
+                        </a:rPr>
+                        <a:t>String</a:t>
+                      </a:r>
+                      <a:r>
+                        <a:rPr lang="de-DE" dirty="0"/>
+                        <a:t>, </a:t>
+                      </a:r>
+                      <a:r>
+                        <a:rPr lang="en-US" sz="1800" b="0" i="0" kern="1200" dirty="0">
+                          <a:solidFill>
+                            <a:schemeClr val="dk1"/>
+                          </a:solidFill>
+                          <a:effectLst/>
+                          <a:latin typeface="+mn-lt"/>
+                          <a:ea typeface="+mn-ea"/>
+                          <a:cs typeface="+mn-cs"/>
+                        </a:rPr>
+                        <a:t>"</a:t>
+                      </a:r>
+                      <a:r>
+                        <a:rPr lang="de-DE" sz="1800" b="0" i="0" kern="1200" dirty="0" err="1">
+                          <a:solidFill>
+                            <a:schemeClr val="dk1"/>
+                          </a:solidFill>
+                          <a:effectLst/>
+                          <a:latin typeface="+mn-lt"/>
+                          <a:ea typeface="+mn-ea"/>
+                          <a:cs typeface="+mn-cs"/>
+                        </a:rPr>
+                        <a:t>deviceId</a:t>
+                      </a:r>
+                      <a:r>
+                        <a:rPr lang="en-US" sz="1800" b="0" i="0" kern="1200" dirty="0">
+                          <a:solidFill>
+                            <a:schemeClr val="dk1"/>
+                          </a:solidFill>
+                          <a:effectLst/>
+                          <a:latin typeface="+mn-lt"/>
+                          <a:ea typeface="+mn-ea"/>
+                          <a:cs typeface="+mn-cs"/>
+                        </a:rPr>
+                        <a:t>"</a:t>
+                      </a:r>
+                      <a:r>
+                        <a:rPr lang="de-DE" dirty="0"/>
+                        <a:t>: </a:t>
+                      </a:r>
+                      <a:r>
+                        <a:rPr lang="de-DE" dirty="0">
+                          <a:solidFill>
+                            <a:schemeClr val="accent1">
+                              <a:lumMod val="75000"/>
+                            </a:schemeClr>
+                          </a:solidFill>
+                        </a:rPr>
+                        <a:t>String </a:t>
+                      </a:r>
+                      <a:r>
+                        <a:rPr lang="de-DE" dirty="0"/>
+                        <a:t>}</a:t>
+                      </a:r>
+                    </a:p>
+                  </a:txBody>
+                  <a:tcPr anchor="ctr">
+                    <a:lnL w="12700" cap="flat" cmpd="sng" algn="ctr">
+                      <a:solidFill>
+                        <a:schemeClr val="tx1"/>
+                      </a:solidFill>
+                      <a:prstDash val="solid"/>
+                      <a:round/>
+                      <a:headEnd type="none" w="med" len="med"/>
+                      <a:tailEnd type="none" w="med" len="med"/>
+                    </a:lnL>
+                    <a:lnR w="12700" cap="flat" cmpd="sng" algn="ctr">
+                      <a:solidFill>
+                        <a:schemeClr val="tx1"/>
+                      </a:solidFill>
+                      <a:prstDash val="solid"/>
+                      <a:round/>
+                      <a:headEnd type="none" w="med" len="med"/>
+                      <a:tailEnd type="none" w="med" len="med"/>
+                    </a:lnR>
+                    <a:lnT w="12700" cap="flat" cmpd="sng" algn="ctr">
+                      <a:solidFill>
+                        <a:schemeClr val="tx1"/>
+                      </a:solidFill>
+                      <a:prstDash val="solid"/>
+                      <a:round/>
+                      <a:headEnd type="none" w="med" len="med"/>
+                      <a:tailEnd type="none" w="med" len="med"/>
+                    </a:lnT>
+                    <a:lnB w="12700" cap="flat" cmpd="sng" algn="ctr">
+                      <a:solidFill>
+                        <a:schemeClr val="tx1"/>
+                      </a:solidFill>
+                      <a:prstDash val="solid"/>
+                      <a:round/>
+                      <a:headEnd type="none" w="med" len="med"/>
+                      <a:tailEnd type="none" w="med" len="med"/>
+                    </a:lnB>
+                    <a:noFill/>
+                  </a:tcPr>
+                </a:tc>
+                <a:tc hMerge="1">
+                  <a:txBody>
+                    <a:bodyPr/>
+                    <a:lstStyle/>
+                    <a:p>
+                      <a:endParaRPr lang="de-DE"/>
+                    </a:p>
+                  </a:txBody>
+                  <a:tcPr/>
+                </a:tc>
+                <a:tc hMerge="1">
+                  <a:txBody>
+                    <a:bodyPr/>
+                    <a:lstStyle/>
+                    <a:p>
+                      <a:endParaRPr lang="de-DE"/>
+                    </a:p>
+                  </a:txBody>
+                  <a:tcPr/>
+                </a:tc>
+                <a:tc hMerge="1">
+                  <a:txBody>
+                    <a:bodyPr/>
+                    <a:lstStyle/>
+                    <a:p>
+                      <a:endParaRPr lang="de-DE" dirty="0">
                         <a:solidFill>
                           <a:sysClr val="windowText" lastClr="000000"/>
                         </a:solidFill>
@@ -8812,6 +11631,94 @@
                     </a:p>
                   </a:txBody>
                   <a:tcPr>
+                    <a:lnL w="12700" cap="flat" cmpd="sng" algn="ctr">
+                      <a:solidFill>
+                        <a:schemeClr val="tx1"/>
+                      </a:solidFill>
+                      <a:prstDash val="solid"/>
+                      <a:round/>
+                      <a:headEnd type="none" w="med" len="med"/>
+                      <a:tailEnd type="none" w="med" len="med"/>
+                    </a:lnL>
+                    <a:lnR w="12700" cap="flat" cmpd="sng" algn="ctr">
+                      <a:solidFill>
+                        <a:schemeClr val="tx1"/>
+                      </a:solidFill>
+                      <a:prstDash val="solid"/>
+                      <a:round/>
+                      <a:headEnd type="none" w="med" len="med"/>
+                      <a:tailEnd type="none" w="med" len="med"/>
+                    </a:lnR>
+                    <a:lnT w="12700" cap="flat" cmpd="sng" algn="ctr">
+                      <a:solidFill>
+                        <a:schemeClr val="tx1"/>
+                      </a:solidFill>
+                      <a:prstDash val="solid"/>
+                      <a:round/>
+                      <a:headEnd type="none" w="med" len="med"/>
+                      <a:tailEnd type="none" w="med" len="med"/>
+                    </a:lnT>
+                    <a:lnB w="12700" cap="flat" cmpd="sng" algn="ctr">
+                      <a:solidFill>
+                        <a:schemeClr val="tx1"/>
+                      </a:solidFill>
+                      <a:prstDash val="solid"/>
+                      <a:round/>
+                      <a:headEnd type="none" w="med" len="med"/>
+                      <a:tailEnd type="none" w="med" len="med"/>
+                    </a:lnB>
+                    <a:noFill/>
+                  </a:tcPr>
+                </a:tc>
+                <a:tc hMerge="1">
+                  <a:txBody>
+                    <a:bodyPr/>
+                    <a:lstStyle/>
+                    <a:p>
+                      <a:endParaRPr lang="de-DE" dirty="0">
+                        <a:solidFill>
+                          <a:sysClr val="windowText" lastClr="000000"/>
+                        </a:solidFill>
+                      </a:endParaRPr>
+                    </a:p>
+                  </a:txBody>
+                  <a:tcPr>
+                    <a:lnL w="12700" cap="flat" cmpd="sng" algn="ctr">
+                      <a:solidFill>
+                        <a:schemeClr val="tx1"/>
+                      </a:solidFill>
+                      <a:prstDash val="solid"/>
+                      <a:round/>
+                      <a:headEnd type="none" w="med" len="med"/>
+                      <a:tailEnd type="none" w="med" len="med"/>
+                    </a:lnL>
+                    <a:lnR w="12700" cap="flat" cmpd="sng" algn="ctr">
+                      <a:solidFill>
+                        <a:schemeClr val="tx1"/>
+                      </a:solidFill>
+                      <a:prstDash val="solid"/>
+                      <a:round/>
+                      <a:headEnd type="none" w="med" len="med"/>
+                      <a:tailEnd type="none" w="med" len="med"/>
+                    </a:lnR>
+                    <a:lnT w="12700" cap="flat" cmpd="sng" algn="ctr">
+                      <a:solidFill>
+                        <a:schemeClr val="tx1"/>
+                      </a:solidFill>
+                      <a:prstDash val="solid"/>
+                      <a:round/>
+                      <a:headEnd type="none" w="med" len="med"/>
+                      <a:tailEnd type="none" w="med" len="med"/>
+                    </a:lnT>
+                    <a:lnB w="12700" cap="flat" cmpd="sng" algn="ctr">
+                      <a:solidFill>
+                        <a:schemeClr val="tx1"/>
+                      </a:solidFill>
+                      <a:prstDash val="solid"/>
+                      <a:round/>
+                      <a:headEnd type="none" w="med" len="med"/>
+                      <a:tailEnd type="none" w="med" len="med"/>
+                    </a:lnB>
                     <a:noFill/>
                   </a:tcPr>
                 </a:tc>
@@ -8821,295 +11728,279 @@
                   </a:ext>
                 </a:extLst>
               </a:tr>
-              <a:tr h="370840">
+              <a:tr h="932060">
                 <a:tc>
                   <a:txBody>
                     <a:bodyPr/>
                     <a:lstStyle/>
                     <a:p>
+                      <a:r>
+                        <a:rPr lang="de-DE" dirty="0">
+                          <a:solidFill>
+                            <a:sysClr val="windowText" lastClr="000000"/>
+                          </a:solidFill>
+                        </a:rPr>
+                        <a:t>Response:</a:t>
+                      </a:r>
+                    </a:p>
+                  </a:txBody>
+                  <a:tcPr anchor="ctr">
+                    <a:lnL w="12700" cap="flat" cmpd="sng" algn="ctr">
+                      <a:solidFill>
+                        <a:schemeClr val="tx1"/>
+                      </a:solidFill>
+                      <a:prstDash val="solid"/>
+                      <a:round/>
+                      <a:headEnd type="none" w="med" len="med"/>
+                      <a:tailEnd type="none" w="med" len="med"/>
+                    </a:lnL>
+                    <a:lnR w="12700" cap="flat" cmpd="sng" algn="ctr">
+                      <a:solidFill>
+                        <a:schemeClr val="tx1"/>
+                      </a:solidFill>
+                      <a:prstDash val="solid"/>
+                      <a:round/>
+                      <a:headEnd type="none" w="med" len="med"/>
+                      <a:tailEnd type="none" w="med" len="med"/>
+                    </a:lnR>
+                    <a:lnT w="12700" cap="flat" cmpd="sng" algn="ctr">
+                      <a:solidFill>
+                        <a:schemeClr val="tx1"/>
+                      </a:solidFill>
+                      <a:prstDash val="solid"/>
+                      <a:round/>
+                      <a:headEnd type="none" w="med" len="med"/>
+                      <a:tailEnd type="none" w="med" len="med"/>
+                    </a:lnT>
+                    <a:lnB w="12700" cap="flat" cmpd="sng" algn="ctr">
+                      <a:solidFill>
+                        <a:schemeClr val="tx1"/>
+                      </a:solidFill>
+                      <a:prstDash val="solid"/>
+                      <a:round/>
+                      <a:headEnd type="none" w="med" len="med"/>
+                      <a:tailEnd type="none" w="med" len="med"/>
+                    </a:lnB>
+                    <a:noFill/>
+                  </a:tcPr>
+                </a:tc>
+                <a:tc>
+                  <a:txBody>
+                    <a:bodyPr/>
+                    <a:lstStyle/>
+                    <a:p>
+                      <a:r>
+                        <a:rPr lang="de-DE" dirty="0"/>
+                        <a:t>200</a:t>
+                      </a:r>
+                    </a:p>
+                  </a:txBody>
+                  <a:tcPr anchor="ctr">
+                    <a:lnL w="12700" cap="flat" cmpd="sng" algn="ctr">
+                      <a:solidFill>
+                        <a:schemeClr val="tx1"/>
+                      </a:solidFill>
+                      <a:prstDash val="solid"/>
+                      <a:round/>
+                      <a:headEnd type="none" w="med" len="med"/>
+                      <a:tailEnd type="none" w="med" len="med"/>
+                    </a:lnL>
+                    <a:lnR w="12700" cap="flat" cmpd="sng" algn="ctr">
+                      <a:solidFill>
+                        <a:schemeClr val="tx1"/>
+                      </a:solidFill>
+                      <a:prstDash val="solid"/>
+                      <a:round/>
+                      <a:headEnd type="none" w="med" len="med"/>
+                      <a:tailEnd type="none" w="med" len="med"/>
+                    </a:lnR>
+                    <a:lnT w="12700" cap="flat" cmpd="sng" algn="ctr">
+                      <a:solidFill>
+                        <a:schemeClr val="tx1"/>
+                      </a:solidFill>
+                      <a:prstDash val="solid"/>
+                      <a:round/>
+                      <a:headEnd type="none" w="med" len="med"/>
+                      <a:tailEnd type="none" w="med" len="med"/>
+                    </a:lnT>
+                    <a:lnB w="12700" cap="flat" cmpd="sng" algn="ctr">
+                      <a:solidFill>
+                        <a:schemeClr val="tx1"/>
+                      </a:solidFill>
+                      <a:prstDash val="solid"/>
+                      <a:round/>
+                      <a:headEnd type="none" w="med" len="med"/>
+                      <a:tailEnd type="none" w="med" len="med"/>
+                    </a:lnB>
+                    <a:noFill/>
+                  </a:tcPr>
+                </a:tc>
+                <a:tc gridSpan="4">
+                  <a:txBody>
+                    <a:bodyPr/>
+                    <a:lstStyle/>
+                    <a:p>
+                      <a:r>
+                        <a:rPr lang="en-US" sz="1800" kern="1200" dirty="0">
+                          <a:solidFill>
+                            <a:schemeClr val="dk1"/>
+                          </a:solidFill>
+                          <a:latin typeface="+mn-lt"/>
+                          <a:ea typeface="+mn-ea"/>
+                          <a:cs typeface="+mn-cs"/>
+                        </a:rPr>
+                        <a:t>{"</a:t>
+                      </a:r>
+                      <a:r>
+                        <a:rPr lang="en-US" sz="1800" kern="1200" dirty="0" err="1">
+                          <a:solidFill>
+                            <a:schemeClr val="dk1"/>
+                          </a:solidFill>
+                          <a:latin typeface="+mn-lt"/>
+                          <a:ea typeface="+mn-ea"/>
+                          <a:cs typeface="+mn-cs"/>
+                        </a:rPr>
+                        <a:t>status":"User</a:t>
+                      </a:r>
+                      <a:r>
+                        <a:rPr lang="en-US" sz="1800" kern="1200" dirty="0">
+                          <a:solidFill>
+                            <a:schemeClr val="dk1"/>
+                          </a:solidFill>
+                          <a:latin typeface="+mn-lt"/>
+                          <a:ea typeface="+mn-ea"/>
+                          <a:cs typeface="+mn-cs"/>
+                        </a:rPr>
+                        <a:t> logged in", "</a:t>
+                      </a:r>
+                      <a:r>
+                        <a:rPr lang="en-US" sz="1800" kern="1200" dirty="0" err="1">
+                          <a:solidFill>
+                            <a:schemeClr val="dk1"/>
+                          </a:solidFill>
+                          <a:latin typeface="+mn-lt"/>
+                          <a:ea typeface="+mn-ea"/>
+                          <a:cs typeface="+mn-cs"/>
+                        </a:rPr>
+                        <a:t>userId</a:t>
+                      </a:r>
+                      <a:r>
+                        <a:rPr lang="en-US" sz="1800" kern="1200" dirty="0">
+                          <a:solidFill>
+                            <a:schemeClr val="dk1"/>
+                          </a:solidFill>
+                          <a:latin typeface="+mn-lt"/>
+                          <a:ea typeface="+mn-ea"/>
+                          <a:cs typeface="+mn-cs"/>
+                        </a:rPr>
+                        <a:t>": req.user.id, "info" : "</a:t>
+                      </a:r>
+                      <a:r>
+                        <a:rPr lang="en-US" sz="1800" kern="1200" dirty="0" err="1">
+                          <a:solidFill>
+                            <a:schemeClr val="dk1"/>
+                          </a:solidFill>
+                          <a:latin typeface="+mn-lt"/>
+                          <a:ea typeface="+mn-ea"/>
+                          <a:cs typeface="+mn-cs"/>
+                        </a:rPr>
+                        <a:t>deviceId</a:t>
+                      </a:r>
+                      <a:r>
+                        <a:rPr lang="en-US" sz="1800" kern="1200" dirty="0">
+                          <a:solidFill>
+                            <a:schemeClr val="dk1"/>
+                          </a:solidFill>
+                          <a:latin typeface="+mn-lt"/>
+                          <a:ea typeface="+mn-ea"/>
+                          <a:cs typeface="+mn-cs"/>
+                        </a:rPr>
+                        <a:t> changed successfully"}</a:t>
+                      </a:r>
                       <a:endParaRPr lang="de-DE" dirty="0">
                         <a:solidFill>
-                          <a:schemeClr val="bg1">
-                            <a:lumMod val="75000"/>
-                          </a:schemeClr>
+                          <a:schemeClr val="tx1"/>
                         </a:solidFill>
                       </a:endParaRPr>
                     </a:p>
                   </a:txBody>
-                  <a:tcPr>
-                    <a:noFill/>
-                  </a:tcPr>
-                </a:tc>
-                <a:tc>
-                  <a:txBody>
-                    <a:bodyPr/>
-                    <a:lstStyle/>
-                    <a:p>
-                      <a:endParaRPr lang="de-DE" dirty="0">
-                        <a:solidFill>
-                          <a:schemeClr val="bg1">
-                            <a:lumMod val="75000"/>
-                          </a:schemeClr>
-                        </a:solidFill>
-                      </a:endParaRPr>
-                    </a:p>
-                  </a:txBody>
-                  <a:tcPr>
-                    <a:noFill/>
-                  </a:tcPr>
-                </a:tc>
-                <a:tc>
-                  <a:txBody>
-                    <a:bodyPr/>
-                    <a:lstStyle/>
-                    <a:p>
-                      <a:endParaRPr lang="de-DE" b="1" dirty="0">
-                        <a:solidFill>
-                          <a:sysClr val="windowText" lastClr="000000"/>
-                        </a:solidFill>
-                      </a:endParaRPr>
-                    </a:p>
-                  </a:txBody>
-                  <a:tcPr>
-                    <a:noFill/>
-                  </a:tcPr>
-                </a:tc>
-                <a:tc>
-                  <a:txBody>
-                    <a:bodyPr/>
-                    <a:lstStyle/>
-                    <a:p>
-                      <a:endParaRPr lang="de-DE" b="1" dirty="0">
-                        <a:solidFill>
-                          <a:schemeClr val="accent6"/>
-                        </a:solidFill>
-                      </a:endParaRPr>
-                    </a:p>
-                  </a:txBody>
-                  <a:tcPr>
-                    <a:noFill/>
-                  </a:tcPr>
-                </a:tc>
-                <a:tc>
-                  <a:txBody>
-                    <a:bodyPr/>
-                    <a:lstStyle/>
-                    <a:p>
-                      <a:endParaRPr lang="de-DE">
-                        <a:solidFill>
-                          <a:sysClr val="windowText" lastClr="000000"/>
-                        </a:solidFill>
-                      </a:endParaRPr>
-                    </a:p>
-                  </a:txBody>
-                  <a:tcPr>
-                    <a:noFill/>
-                  </a:tcPr>
+                  <a:tcPr anchor="ctr">
+                    <a:lnL w="12700" cap="flat" cmpd="sng" algn="ctr">
+                      <a:solidFill>
+                        <a:schemeClr val="tx1"/>
+                      </a:solidFill>
+                      <a:prstDash val="solid"/>
+                      <a:round/>
+                      <a:headEnd type="none" w="med" len="med"/>
+                      <a:tailEnd type="none" w="med" len="med"/>
+                    </a:lnL>
+                    <a:lnR w="12700" cap="flat" cmpd="sng" algn="ctr">
+                      <a:solidFill>
+                        <a:schemeClr val="tx1"/>
+                      </a:solidFill>
+                      <a:prstDash val="solid"/>
+                      <a:round/>
+                      <a:headEnd type="none" w="med" len="med"/>
+                      <a:tailEnd type="none" w="med" len="med"/>
+                    </a:lnR>
+                    <a:lnT w="12700" cap="flat" cmpd="sng" algn="ctr">
+                      <a:solidFill>
+                        <a:schemeClr val="tx1"/>
+                      </a:solidFill>
+                      <a:prstDash val="solid"/>
+                      <a:round/>
+                      <a:headEnd type="none" w="med" len="med"/>
+                      <a:tailEnd type="none" w="med" len="med"/>
+                    </a:lnT>
+                    <a:lnB w="12700" cap="flat" cmpd="sng" algn="ctr">
+                      <a:solidFill>
+                        <a:schemeClr val="tx1"/>
+                      </a:solidFill>
+                      <a:prstDash val="solid"/>
+                      <a:round/>
+                      <a:headEnd type="none" w="med" len="med"/>
+                      <a:tailEnd type="none" w="med" len="med"/>
+                    </a:lnB>
+                    <a:noFill/>
+                  </a:tcPr>
+                </a:tc>
+                <a:tc hMerge="1">
+                  <a:txBody>
+                    <a:bodyPr/>
+                    <a:lstStyle/>
+                    <a:p>
+                      <a:endParaRPr lang="de-DE"/>
+                    </a:p>
+                  </a:txBody>
+                  <a:tcPr/>
+                </a:tc>
+                <a:tc hMerge="1">
+                  <a:txBody>
+                    <a:bodyPr/>
+                    <a:lstStyle/>
+                    <a:p>
+                      <a:endParaRPr lang="de-DE"/>
+                    </a:p>
+                  </a:txBody>
+                  <a:tcPr/>
+                </a:tc>
+                <a:tc hMerge="1">
+                  <a:txBody>
+                    <a:bodyPr/>
+                    <a:lstStyle/>
+                    <a:p>
+                      <a:endParaRPr lang="de-DE"/>
+                    </a:p>
+                  </a:txBody>
+                  <a:tcPr/>
                 </a:tc>
                 <a:extLst>
                   <a:ext uri="{0D108BD9-81ED-4DB2-BD59-A6C34878D82A}">
-                    <a16:rowId xmlns:a16="http://schemas.microsoft.com/office/drawing/2014/main" val="2622226815"/>
+                    <a16:rowId xmlns:a16="http://schemas.microsoft.com/office/drawing/2014/main" val="3078822959"/>
                   </a:ext>
                 </a:extLst>
               </a:tr>
-              <a:tr h="370840">
-                <a:tc>
-                  <a:txBody>
-                    <a:bodyPr/>
-                    <a:lstStyle/>
-                    <a:p>
-                      <a:endParaRPr lang="de-DE" dirty="0">
-                        <a:solidFill>
-                          <a:schemeClr val="bg1">
-                            <a:lumMod val="75000"/>
-                          </a:schemeClr>
-                        </a:solidFill>
-                      </a:endParaRPr>
-                    </a:p>
-                  </a:txBody>
-                  <a:tcPr>
-                    <a:noFill/>
-                  </a:tcPr>
-                </a:tc>
-                <a:tc>
-                  <a:txBody>
-                    <a:bodyPr/>
-                    <a:lstStyle/>
-                    <a:p>
-                      <a:endParaRPr lang="de-DE" dirty="0">
-                        <a:solidFill>
-                          <a:schemeClr val="bg1">
-                            <a:lumMod val="75000"/>
-                          </a:schemeClr>
-                        </a:solidFill>
-                      </a:endParaRPr>
-                    </a:p>
-                  </a:txBody>
-                  <a:tcPr>
-                    <a:noFill/>
-                  </a:tcPr>
-                </a:tc>
-                <a:tc>
-                  <a:txBody>
-                    <a:bodyPr/>
-                    <a:lstStyle/>
-                    <a:p>
-                      <a:endParaRPr lang="de-DE" b="1" dirty="0">
-                        <a:solidFill>
-                          <a:sysClr val="windowText" lastClr="000000"/>
-                        </a:solidFill>
-                      </a:endParaRPr>
-                    </a:p>
-                  </a:txBody>
-                  <a:tcPr>
-                    <a:noFill/>
-                  </a:tcPr>
-                </a:tc>
-                <a:tc>
-                  <a:txBody>
-                    <a:bodyPr/>
-                    <a:lstStyle/>
-                    <a:p>
-                      <a:endParaRPr lang="de-DE" b="1" dirty="0">
-                        <a:solidFill>
-                          <a:schemeClr val="accent6"/>
-                        </a:solidFill>
-                      </a:endParaRPr>
-                    </a:p>
-                  </a:txBody>
-                  <a:tcPr>
-                    <a:noFill/>
-                  </a:tcPr>
-                </a:tc>
-                <a:tc>
-                  <a:txBody>
-                    <a:bodyPr/>
-                    <a:lstStyle/>
-                    <a:p>
-                      <a:endParaRPr lang="de-DE">
-                        <a:solidFill>
-                          <a:sysClr val="windowText" lastClr="000000"/>
-                        </a:solidFill>
-                      </a:endParaRPr>
-                    </a:p>
-                  </a:txBody>
-                  <a:tcPr>
-                    <a:noFill/>
-                  </a:tcPr>
-                </a:tc>
-                <a:extLst>
-                  <a:ext uri="{0D108BD9-81ED-4DB2-BD59-A6C34878D82A}">
-                    <a16:rowId xmlns:a16="http://schemas.microsoft.com/office/drawing/2014/main" val="576259959"/>
-                  </a:ext>
-                </a:extLst>
-              </a:tr>
-              <a:tr h="370840">
-                <a:tc>
-                  <a:txBody>
-                    <a:bodyPr/>
-                    <a:lstStyle/>
-                    <a:p>
-                      <a:pPr marL="0" marR="0" lvl="0" indent="0" algn="l" defTabSz="914400" rtl="0" eaLnBrk="1" fontAlgn="auto" latinLnBrk="0" hangingPunct="1">
-                        <a:lnSpc>
-                          <a:spcPct val="100000"/>
-                        </a:lnSpc>
-                        <a:spcBef>
-                          <a:spcPts val="0"/>
-                        </a:spcBef>
-                        <a:spcAft>
-                          <a:spcPts val="0"/>
-                        </a:spcAft>
-                        <a:buClrTx/>
-                        <a:buSzTx/>
-                        <a:buFontTx/>
-                        <a:buNone/>
-                        <a:tabLst/>
-                        <a:defRPr/>
-                      </a:pPr>
-                      <a:endParaRPr lang="de-DE" dirty="0">
-                        <a:solidFill>
-                          <a:schemeClr val="bg1">
-                            <a:lumMod val="75000"/>
-                          </a:schemeClr>
-                        </a:solidFill>
-                      </a:endParaRPr>
-                    </a:p>
-                  </a:txBody>
-                  <a:tcPr>
-                    <a:noFill/>
-                  </a:tcPr>
-                </a:tc>
-                <a:tc>
-                  <a:txBody>
-                    <a:bodyPr/>
-                    <a:lstStyle/>
-                    <a:p>
-                      <a:endParaRPr lang="de-DE" b="1" dirty="0">
-                        <a:solidFill>
-                          <a:sysClr val="windowText" lastClr="000000"/>
-                        </a:solidFill>
-                      </a:endParaRPr>
-                    </a:p>
-                  </a:txBody>
-                  <a:tcPr>
-                    <a:noFill/>
-                  </a:tcPr>
-                </a:tc>
-                <a:tc>
-                  <a:txBody>
-                    <a:bodyPr/>
-                    <a:lstStyle/>
-                    <a:p>
-                      <a:endParaRPr lang="de-DE" b="1" dirty="0">
-                        <a:solidFill>
-                          <a:sysClr val="windowText" lastClr="000000"/>
-                        </a:solidFill>
-                      </a:endParaRPr>
-                    </a:p>
-                  </a:txBody>
-                  <a:tcPr>
-                    <a:noFill/>
-                  </a:tcPr>
-                </a:tc>
-                <a:tc>
-                  <a:txBody>
-                    <a:bodyPr/>
-                    <a:lstStyle/>
-                    <a:p>
-                      <a:endParaRPr lang="de-DE" b="1" dirty="0">
-                        <a:solidFill>
-                          <a:srgbClr val="C00000"/>
-                        </a:solidFill>
-                      </a:endParaRPr>
-                    </a:p>
-                  </a:txBody>
-                  <a:tcPr>
-                    <a:noFill/>
-                  </a:tcPr>
-                </a:tc>
-                <a:tc>
-                  <a:txBody>
-                    <a:bodyPr/>
-                    <a:lstStyle/>
-                    <a:p>
-                      <a:endParaRPr lang="de-DE">
-                        <a:solidFill>
-                          <a:sysClr val="windowText" lastClr="000000"/>
-                        </a:solidFill>
-                      </a:endParaRPr>
-                    </a:p>
-                  </a:txBody>
-                  <a:tcPr>
-                    <a:noFill/>
-                  </a:tcPr>
-                </a:tc>
-                <a:extLst>
-                  <a:ext uri="{0D108BD9-81ED-4DB2-BD59-A6C34878D82A}">
-                    <a16:rowId xmlns:a16="http://schemas.microsoft.com/office/drawing/2014/main" val="1160505401"/>
-                  </a:ext>
-                </a:extLst>
-              </a:tr>
-              <a:tr h="370840">
+              <a:tr h="932060">
                 <a:tc>
                   <a:txBody>
                     <a:bodyPr/>
@@ -9122,7 +12013,39 @@
                       </a:endParaRPr>
                     </a:p>
                   </a:txBody>
-                  <a:tcPr>
+                  <a:tcPr anchor="ctr">
+                    <a:lnL w="12700" cap="flat" cmpd="sng" algn="ctr">
+                      <a:noFill/>
+                      <a:prstDash val="solid"/>
+                      <a:round/>
+                      <a:headEnd type="none" w="med" len="med"/>
+                      <a:tailEnd type="none" w="med" len="med"/>
+                    </a:lnL>
+                    <a:lnR w="12700" cap="flat" cmpd="sng" algn="ctr">
+                      <a:solidFill>
+                        <a:schemeClr val="tx1"/>
+                      </a:solidFill>
+                      <a:prstDash val="solid"/>
+                      <a:round/>
+                      <a:headEnd type="none" w="med" len="med"/>
+                      <a:tailEnd type="none" w="med" len="med"/>
+                    </a:lnR>
+                    <a:lnT w="12700" cap="flat" cmpd="sng" algn="ctr">
+                      <a:solidFill>
+                        <a:schemeClr val="tx1"/>
+                      </a:solidFill>
+                      <a:prstDash val="solid"/>
+                      <a:round/>
+                      <a:headEnd type="none" w="med" len="med"/>
+                      <a:tailEnd type="none" w="med" len="med"/>
+                    </a:lnT>
+                    <a:lnB w="12700" cap="flat" cmpd="sng" algn="ctr">
+                      <a:noFill/>
+                      <a:prstDash val="solid"/>
+                      <a:round/>
+                      <a:headEnd type="none" w="med" len="med"/>
+                      <a:tailEnd type="none" w="med" len="med"/>
+                    </a:lnB>
                     <a:noFill/>
                   </a:tcPr>
                 </a:tc>
@@ -9131,68 +12054,253 @@
                     <a:bodyPr/>
                     <a:lstStyle/>
                     <a:p>
-                      <a:endParaRPr lang="de-DE" dirty="0">
-                        <a:solidFill>
-                          <a:sysClr val="windowText" lastClr="000000"/>
-                        </a:solidFill>
-                      </a:endParaRPr>
-                    </a:p>
-                  </a:txBody>
-                  <a:tcPr>
-                    <a:noFill/>
-                  </a:tcPr>
-                </a:tc>
-                <a:tc>
-                  <a:txBody>
-                    <a:bodyPr/>
-                    <a:lstStyle/>
-                    <a:p>
-                      <a:endParaRPr lang="de-DE">
-                        <a:solidFill>
-                          <a:sysClr val="windowText" lastClr="000000"/>
-                        </a:solidFill>
-                      </a:endParaRPr>
-                    </a:p>
-                  </a:txBody>
-                  <a:tcPr>
-                    <a:noFill/>
-                  </a:tcPr>
-                </a:tc>
-                <a:tc>
-                  <a:txBody>
-                    <a:bodyPr/>
-                    <a:lstStyle/>
-                    <a:p>
-                      <a:endParaRPr lang="de-DE">
-                        <a:solidFill>
-                          <a:sysClr val="windowText" lastClr="000000"/>
-                        </a:solidFill>
-                      </a:endParaRPr>
-                    </a:p>
-                  </a:txBody>
-                  <a:tcPr>
-                    <a:noFill/>
-                  </a:tcPr>
-                </a:tc>
-                <a:tc>
-                  <a:txBody>
-                    <a:bodyPr/>
-                    <a:lstStyle/>
-                    <a:p>
-                      <a:endParaRPr lang="de-DE" dirty="0">
-                        <a:solidFill>
-                          <a:sysClr val="windowText" lastClr="000000"/>
-                        </a:solidFill>
-                      </a:endParaRPr>
-                    </a:p>
-                  </a:txBody>
-                  <a:tcPr>
-                    <a:noFill/>
-                  </a:tcPr>
+                      <a:r>
+                        <a:rPr lang="de-DE" dirty="0"/>
+                        <a:t>401</a:t>
+                      </a:r>
+                    </a:p>
+                  </a:txBody>
+                  <a:tcPr anchor="ctr">
+                    <a:lnL w="12700" cap="flat" cmpd="sng" algn="ctr">
+                      <a:solidFill>
+                        <a:schemeClr val="tx1"/>
+                      </a:solidFill>
+                      <a:prstDash val="solid"/>
+                      <a:round/>
+                      <a:headEnd type="none" w="med" len="med"/>
+                      <a:tailEnd type="none" w="med" len="med"/>
+                    </a:lnL>
+                    <a:lnR w="12700" cap="flat" cmpd="sng" algn="ctr">
+                      <a:solidFill>
+                        <a:schemeClr val="tx1"/>
+                      </a:solidFill>
+                      <a:prstDash val="solid"/>
+                      <a:round/>
+                      <a:headEnd type="none" w="med" len="med"/>
+                      <a:tailEnd type="none" w="med" len="med"/>
+                    </a:lnR>
+                    <a:lnT w="12700" cap="flat" cmpd="sng" algn="ctr">
+                      <a:solidFill>
+                        <a:schemeClr val="tx1"/>
+                      </a:solidFill>
+                      <a:prstDash val="solid"/>
+                      <a:round/>
+                      <a:headEnd type="none" w="med" len="med"/>
+                      <a:tailEnd type="none" w="med" len="med"/>
+                    </a:lnT>
+                    <a:lnB w="12700" cap="flat" cmpd="sng" algn="ctr">
+                      <a:solidFill>
+                        <a:schemeClr val="tx1"/>
+                      </a:solidFill>
+                      <a:prstDash val="solid"/>
+                      <a:round/>
+                      <a:headEnd type="none" w="med" len="med"/>
+                      <a:tailEnd type="none" w="med" len="med"/>
+                    </a:lnB>
+                    <a:noFill/>
+                  </a:tcPr>
+                </a:tc>
+                <a:tc gridSpan="4">
+                  <a:txBody>
+                    <a:bodyPr/>
+                    <a:lstStyle/>
+                    <a:p>
+                      <a:r>
+                        <a:rPr lang="de-DE" sz="1800" b="0" i="0" kern="1200" dirty="0">
+                          <a:solidFill>
+                            <a:schemeClr val="dk1"/>
+                          </a:solidFill>
+                          <a:effectLst/>
+                          <a:latin typeface="+mn-lt"/>
+                          <a:ea typeface="+mn-ea"/>
+                          <a:cs typeface="+mn-cs"/>
+                        </a:rPr>
+                        <a:t>{</a:t>
+                      </a:r>
+                      <a:r>
+                        <a:rPr lang="en-US" sz="1800" b="0" i="0" kern="1200" dirty="0">
+                          <a:solidFill>
+                            <a:schemeClr val="dk1"/>
+                          </a:solidFill>
+                          <a:effectLst/>
+                          <a:latin typeface="+mn-lt"/>
+                          <a:ea typeface="+mn-ea"/>
+                          <a:cs typeface="+mn-cs"/>
+                        </a:rPr>
+                        <a:t>"</a:t>
+                      </a:r>
+                      <a:r>
+                        <a:rPr lang="de-DE" sz="1800" b="0" i="0" kern="1200" dirty="0" err="1">
+                          <a:solidFill>
+                            <a:schemeClr val="dk1"/>
+                          </a:solidFill>
+                          <a:effectLst/>
+                          <a:latin typeface="+mn-lt"/>
+                          <a:ea typeface="+mn-ea"/>
+                          <a:cs typeface="+mn-cs"/>
+                        </a:rPr>
+                        <a:t>error</a:t>
+                      </a:r>
+                      <a:r>
+                        <a:rPr lang="en-US" sz="1800" b="0" i="0" kern="1200" dirty="0">
+                          <a:solidFill>
+                            <a:schemeClr val="dk1"/>
+                          </a:solidFill>
+                          <a:effectLst/>
+                          <a:latin typeface="+mn-lt"/>
+                          <a:ea typeface="+mn-ea"/>
+                          <a:cs typeface="+mn-cs"/>
+                        </a:rPr>
+                        <a:t>"</a:t>
+                      </a:r>
+                      <a:r>
+                        <a:rPr lang="de-DE" sz="1800" b="0" i="0" kern="1200" dirty="0">
+                          <a:solidFill>
+                            <a:schemeClr val="dk1"/>
+                          </a:solidFill>
+                          <a:effectLst/>
+                          <a:latin typeface="+mn-lt"/>
+                          <a:ea typeface="+mn-ea"/>
+                          <a:cs typeface="+mn-cs"/>
+                        </a:rPr>
+                        <a:t>:</a:t>
+                      </a:r>
+                      <a:r>
+                        <a:rPr lang="en-US" sz="1800" b="0" i="0" kern="1200" dirty="0">
+                          <a:solidFill>
+                            <a:schemeClr val="dk1"/>
+                          </a:solidFill>
+                          <a:effectLst/>
+                          <a:latin typeface="+mn-lt"/>
+                          <a:ea typeface="+mn-ea"/>
+                          <a:cs typeface="+mn-cs"/>
+                        </a:rPr>
+                        <a:t>"</a:t>
+                      </a:r>
+                      <a:r>
+                        <a:rPr lang="de-DE" sz="1800" b="0" i="0" kern="1200" dirty="0">
+                          <a:solidFill>
+                            <a:schemeClr val="dk1"/>
+                          </a:solidFill>
+                          <a:effectLst/>
+                          <a:latin typeface="+mn-lt"/>
+                          <a:ea typeface="+mn-ea"/>
+                          <a:cs typeface="+mn-cs"/>
+                        </a:rPr>
+                        <a:t>User Login </a:t>
+                      </a:r>
+                      <a:r>
+                        <a:rPr lang="de-DE" sz="1800" b="0" i="0" kern="1200" dirty="0" err="1">
+                          <a:solidFill>
+                            <a:schemeClr val="dk1"/>
+                          </a:solidFill>
+                          <a:effectLst/>
+                          <a:latin typeface="+mn-lt"/>
+                          <a:ea typeface="+mn-ea"/>
+                          <a:cs typeface="+mn-cs"/>
+                        </a:rPr>
+                        <a:t>failed</a:t>
+                      </a:r>
+                      <a:r>
+                        <a:rPr lang="en-US" sz="1800" b="0" i="0" kern="1200" dirty="0">
+                          <a:solidFill>
+                            <a:schemeClr val="dk1"/>
+                          </a:solidFill>
+                          <a:effectLst/>
+                          <a:latin typeface="+mn-lt"/>
+                          <a:ea typeface="+mn-ea"/>
+                          <a:cs typeface="+mn-cs"/>
+                        </a:rPr>
+                        <a:t>"</a:t>
+                      </a:r>
+                      <a:r>
+                        <a:rPr lang="de-DE" sz="1800" b="0" i="0" kern="1200" dirty="0">
+                          <a:solidFill>
+                            <a:schemeClr val="dk1"/>
+                          </a:solidFill>
+                          <a:effectLst/>
+                          <a:latin typeface="+mn-lt"/>
+                          <a:ea typeface="+mn-ea"/>
+                          <a:cs typeface="+mn-cs"/>
+                        </a:rPr>
+                        <a:t>}</a:t>
+                      </a:r>
+                      <a:endParaRPr lang="de-DE" dirty="0"/>
+                    </a:p>
+                  </a:txBody>
+                  <a:tcPr anchor="ctr">
+                    <a:lnL w="12700" cap="flat" cmpd="sng" algn="ctr">
+                      <a:solidFill>
+                        <a:schemeClr val="tx1"/>
+                      </a:solidFill>
+                      <a:prstDash val="solid"/>
+                      <a:round/>
+                      <a:headEnd type="none" w="med" len="med"/>
+                      <a:tailEnd type="none" w="med" len="med"/>
+                    </a:lnL>
+                    <a:lnR w="12700" cap="flat" cmpd="sng" algn="ctr">
+                      <a:solidFill>
+                        <a:schemeClr val="tx1"/>
+                      </a:solidFill>
+                      <a:prstDash val="solid"/>
+                      <a:round/>
+                      <a:headEnd type="none" w="med" len="med"/>
+                      <a:tailEnd type="none" w="med" len="med"/>
+                    </a:lnR>
+                    <a:lnT w="12700" cap="flat" cmpd="sng" algn="ctr">
+                      <a:solidFill>
+                        <a:schemeClr val="tx1"/>
+                      </a:solidFill>
+                      <a:prstDash val="solid"/>
+                      <a:round/>
+                      <a:headEnd type="none" w="med" len="med"/>
+                      <a:tailEnd type="none" w="med" len="med"/>
+                    </a:lnT>
+                    <a:lnB w="12700" cap="flat" cmpd="sng" algn="ctr">
+                      <a:solidFill>
+                        <a:schemeClr val="tx1"/>
+                      </a:solidFill>
+                      <a:prstDash val="solid"/>
+                      <a:round/>
+                      <a:headEnd type="none" w="med" len="med"/>
+                      <a:tailEnd type="none" w="med" len="med"/>
+                    </a:lnB>
+                    <a:noFill/>
+                  </a:tcPr>
+                </a:tc>
+                <a:tc hMerge="1">
+                  <a:txBody>
+                    <a:bodyPr/>
+                    <a:lstStyle/>
+                    <a:p>
+                      <a:endParaRPr lang="de-DE"/>
+                    </a:p>
+                  </a:txBody>
+                  <a:tcPr/>
+                </a:tc>
+                <a:tc hMerge="1">
+                  <a:txBody>
+                    <a:bodyPr/>
+                    <a:lstStyle/>
+                    <a:p>
+                      <a:endParaRPr lang="de-DE"/>
+                    </a:p>
+                  </a:txBody>
+                  <a:tcPr/>
+                </a:tc>
+                <a:tc hMerge="1">
+                  <a:txBody>
+                    <a:bodyPr/>
+                    <a:lstStyle/>
+                    <a:p>
+                      <a:endParaRPr lang="de-DE"/>
+                    </a:p>
+                  </a:txBody>
+                  <a:tcPr/>
                 </a:tc>
                 <a:extLst>
                   <a:ext uri="{0D108BD9-81ED-4DB2-BD59-A6C34878D82A}">
-                    <a16:rowId xmlns:a16="http://schemas.microsoft.com/office/drawing/2014/main" val="3060116764"/>
+                    <a16:rowId xmlns:a16="http://schemas.microsoft.com/office/drawing/2014/main" val="247276148"/>
                   </a:ext>
                 </a:extLst>
               </a:tr>
@@ -9203,7 +12311,7 @@
     </p:spTree>
     <p:extLst>
       <p:ext uri="{BB962C8B-B14F-4D97-AF65-F5344CB8AC3E}">
-        <p14:creationId xmlns:p14="http://schemas.microsoft.com/office/powerpoint/2010/main" val="120714751"/>
+        <p14:creationId xmlns:p14="http://schemas.microsoft.com/office/powerpoint/2010/main" val="2914677497"/>
       </p:ext>
     </p:extLst>
   </p:cSld>
@@ -9331,14 +12439,14 @@
           <p:nvPr>
             <p:extLst>
               <p:ext uri="{D42A27DB-BD31-4B8C-83A1-F6EECF244321}">
-                <p14:modId xmlns:p14="http://schemas.microsoft.com/office/powerpoint/2010/main" val="4124887758"/>
+                <p14:modId xmlns:p14="http://schemas.microsoft.com/office/powerpoint/2010/main" val="3668043547"/>
               </p:ext>
             </p:extLst>
           </p:nvPr>
         </p:nvGraphicFramePr>
         <p:xfrm>
           <a:off x="835857" y="2131215"/>
-          <a:ext cx="10520285" cy="1854200"/>
+          <a:ext cx="10520285" cy="2225040"/>
         </p:xfrm>
         <a:graphic>
           <a:graphicData uri="http://schemas.openxmlformats.org/drawingml/2006/table">
@@ -9403,7 +12511,7 @@
                             <a:sysClr val="windowText" lastClr="000000"/>
                           </a:solidFill>
                         </a:rPr>
-                        <a:t>events</a:t>
+                        <a:t>users</a:t>
                       </a:r>
                       <a:endParaRPr lang="de-DE" dirty="0">
                         <a:solidFill>
@@ -9422,29 +12530,32 @@
                     <a:lstStyle/>
                     <a:p>
                       <a:r>
-                        <a:rPr lang="de-DE" b="1" dirty="0">
+                        <a:rPr lang="de-DE" dirty="0">
                           <a:solidFill>
                             <a:sysClr val="windowText" lastClr="000000"/>
                           </a:solidFill>
                         </a:rPr>
+                        <a:t>/$USERID</a:t>
+                      </a:r>
+                    </a:p>
+                  </a:txBody>
+                  <a:tcPr>
+                    <a:noFill/>
+                  </a:tcPr>
+                </a:tc>
+                <a:tc>
+                  <a:txBody>
+                    <a:bodyPr/>
+                    <a:lstStyle/>
+                    <a:p>
+                      <a:r>
+                        <a:rPr lang="de-DE" dirty="0">
+                          <a:solidFill>
+                            <a:sysClr val="windowText" lastClr="000000"/>
+                          </a:solidFill>
+                        </a:rPr>
                         <a:t>/</a:t>
                       </a:r>
-                    </a:p>
-                  </a:txBody>
-                  <a:tcPr>
-                    <a:noFill/>
-                  </a:tcPr>
-                </a:tc>
-                <a:tc>
-                  <a:txBody>
-                    <a:bodyPr/>
-                    <a:lstStyle/>
-                    <a:p>
-                      <a:endParaRPr lang="de-DE" b="1" dirty="0">
-                        <a:solidFill>
-                          <a:sysClr val="windowText" lastClr="000000"/>
-                        </a:solidFill>
-                      </a:endParaRPr>
                     </a:p>
                   </a:txBody>
                   <a:tcPr>
@@ -9533,14 +12644,45 @@
                     <a:bodyPr/>
                     <a:lstStyle/>
                     <a:p>
+                      <a:endParaRPr lang="de-DE" dirty="0">
+                        <a:solidFill>
+                          <a:schemeClr val="bg1">
+                            <a:lumMod val="75000"/>
+                          </a:schemeClr>
+                        </a:solidFill>
+                      </a:endParaRPr>
+                    </a:p>
+                  </a:txBody>
+                  <a:tcPr>
+                    <a:noFill/>
+                  </a:tcPr>
+                </a:tc>
+                <a:tc>
+                  <a:txBody>
+                    <a:bodyPr/>
+                    <a:lstStyle/>
+                    <a:p>
                       <a:r>
                         <a:rPr lang="de-DE" b="1" dirty="0">
                           <a:solidFill>
                             <a:sysClr val="windowText" lastClr="000000"/>
                           </a:solidFill>
                         </a:rPr>
-                        <a:t>/$EVENTID</a:t>
-                      </a:r>
+                        <a:t>/</a:t>
+                      </a:r>
+                      <a:r>
+                        <a:rPr lang="de-DE" b="1" dirty="0" err="1">
+                          <a:solidFill>
+                            <a:sysClr val="windowText" lastClr="000000"/>
+                          </a:solidFill>
+                        </a:rPr>
+                        <a:t>events</a:t>
+                      </a:r>
+                      <a:endParaRPr lang="de-DE" b="1" dirty="0">
+                        <a:solidFill>
+                          <a:sysClr val="windowText" lastClr="000000"/>
+                        </a:solidFill>
+                      </a:endParaRPr>
                     </a:p>
                   </a:txBody>
                   <a:tcPr>
@@ -9552,42 +12694,6 @@
                     <a:bodyPr/>
                     <a:lstStyle/>
                     <a:p>
-                      <a:r>
-                        <a:rPr lang="de-DE" b="1" dirty="0">
-                          <a:solidFill>
-                            <a:sysClr val="windowText" lastClr="000000"/>
-                          </a:solidFill>
-                        </a:rPr>
-                        <a:t>/</a:t>
-                      </a:r>
-                    </a:p>
-                  </a:txBody>
-                  <a:tcPr>
-                    <a:noFill/>
-                  </a:tcPr>
-                </a:tc>
-                <a:tc>
-                  <a:txBody>
-                    <a:bodyPr/>
-                    <a:lstStyle/>
-                    <a:p>
-                      <a:pPr marL="0" marR="0" lvl="0" indent="0" algn="l" defTabSz="914400" rtl="0" eaLnBrk="1" fontAlgn="auto" latinLnBrk="0" hangingPunct="1">
-                        <a:lnSpc>
-                          <a:spcPct val="100000"/>
-                        </a:lnSpc>
-                        <a:spcBef>
-                          <a:spcPts val="0"/>
-                        </a:spcBef>
-                        <a:spcAft>
-                          <a:spcPts val="0"/>
-                        </a:spcAft>
-                        <a:buClrTx/>
-                        <a:buSzTx/>
-                        <a:buFontTx/>
-                        <a:buNone/>
-                        <a:tabLst/>
-                        <a:defRPr/>
-                      </a:pPr>
                       <a:r>
                         <a:rPr lang="de-DE" b="1" dirty="0">
                           <a:solidFill>
@@ -9666,22 +12772,6 @@
                     <a:bodyPr/>
                     <a:lstStyle/>
                     <a:p>
-                      <a:r>
-                        <a:rPr lang="de-DE" b="1" dirty="0">
-                          <a:solidFill>
-                            <a:sysClr val="windowText" lastClr="000000"/>
-                          </a:solidFill>
-                        </a:rPr>
-                        <a:t>/</a:t>
-                      </a:r>
-                      <a:r>
-                        <a:rPr lang="de-DE" b="1" dirty="0" err="1">
-                          <a:solidFill>
-                            <a:sysClr val="windowText" lastClr="000000"/>
-                          </a:solidFill>
-                        </a:rPr>
-                        <a:t>organizer</a:t>
-                      </a:r>
                       <a:endParaRPr lang="de-DE" b="1" dirty="0">
                         <a:solidFill>
                           <a:sysClr val="windowText" lastClr="000000"/>
@@ -9698,14 +12788,102 @@
                     <a:bodyPr/>
                     <a:lstStyle/>
                     <a:p>
-                      <a:r>
-                        <a:rPr lang="de-DE" b="1" dirty="0">
-                          <a:solidFill>
-                            <a:schemeClr val="accent6"/>
-                          </a:solidFill>
-                        </a:rPr>
-                        <a:t>GET</a:t>
-                      </a:r>
+                      <a:endParaRPr lang="de-DE" b="1" dirty="0">
+                        <a:solidFill>
+                          <a:schemeClr val="accent6"/>
+                        </a:solidFill>
+                      </a:endParaRPr>
+                    </a:p>
+                  </a:txBody>
+                  <a:tcPr>
+                    <a:noFill/>
+                  </a:tcPr>
+                </a:tc>
+                <a:tc>
+                  <a:txBody>
+                    <a:bodyPr/>
+                    <a:lstStyle/>
+                    <a:p>
+                      <a:endParaRPr lang="de-DE">
+                        <a:solidFill>
+                          <a:sysClr val="windowText" lastClr="000000"/>
+                        </a:solidFill>
+                      </a:endParaRPr>
+                    </a:p>
+                  </a:txBody>
+                  <a:tcPr>
+                    <a:noFill/>
+                  </a:tcPr>
+                </a:tc>
+                <a:extLst>
+                  <a:ext uri="{0D108BD9-81ED-4DB2-BD59-A6C34878D82A}">
+                    <a16:rowId xmlns:a16="http://schemas.microsoft.com/office/drawing/2014/main" val="2622226815"/>
+                  </a:ext>
+                </a:extLst>
+              </a:tr>
+              <a:tr h="370840">
+                <a:tc>
+                  <a:txBody>
+                    <a:bodyPr/>
+                    <a:lstStyle/>
+                    <a:p>
+                      <a:endParaRPr lang="de-DE" dirty="0">
+                        <a:solidFill>
+                          <a:schemeClr val="bg1">
+                            <a:lumMod val="75000"/>
+                          </a:schemeClr>
+                        </a:solidFill>
+                      </a:endParaRPr>
+                    </a:p>
+                  </a:txBody>
+                  <a:tcPr>
+                    <a:noFill/>
+                  </a:tcPr>
+                </a:tc>
+                <a:tc>
+                  <a:txBody>
+                    <a:bodyPr/>
+                    <a:lstStyle/>
+                    <a:p>
+                      <a:endParaRPr lang="de-DE" dirty="0">
+                        <a:solidFill>
+                          <a:schemeClr val="bg1">
+                            <a:lumMod val="75000"/>
+                          </a:schemeClr>
+                        </a:solidFill>
+                      </a:endParaRPr>
+                    </a:p>
+                  </a:txBody>
+                  <a:tcPr>
+                    <a:noFill/>
+                  </a:tcPr>
+                </a:tc>
+                <a:tc>
+                  <a:txBody>
+                    <a:bodyPr/>
+                    <a:lstStyle/>
+                    <a:p>
+                      <a:endParaRPr lang="de-DE" b="1" dirty="0">
+                        <a:solidFill>
+                          <a:sysClr val="windowText" lastClr="000000"/>
+                        </a:solidFill>
+                      </a:endParaRPr>
+                    </a:p>
+                  </a:txBody>
+                  <a:tcPr>
+                    <a:noFill/>
+                  </a:tcPr>
+                </a:tc>
+                <a:tc>
+                  <a:txBody>
+                    <a:bodyPr/>
+                    <a:lstStyle/>
+                    <a:p>
+                      <a:endParaRPr lang="de-DE" b="1" dirty="0">
+                        <a:solidFill>
+                          <a:schemeClr val="accent6"/>
+                        </a:solidFill>
+                      </a:endParaRPr>
                     </a:p>
                   </a:txBody>
                   <a:tcPr>
@@ -9934,7 +13112,7 @@
     </p:spTree>
     <p:extLst>
       <p:ext uri="{BB962C8B-B14F-4D97-AF65-F5344CB8AC3E}">
-        <p14:creationId xmlns:p14="http://schemas.microsoft.com/office/powerpoint/2010/main" val="2719076057"/>
+        <p14:creationId xmlns:p14="http://schemas.microsoft.com/office/powerpoint/2010/main" val="120714751"/>
       </p:ext>
     </p:extLst>
   </p:cSld>
@@ -10006,6 +13184,53 @@
           </a:p>
         </p:txBody>
       </p:sp>
+      <p:sp>
+        <p:nvSpPr>
+          <p:cNvPr id="6" name="TextBox 5"/>
+          <p:cNvSpPr txBox="1"/>
+          <p:nvPr/>
+        </p:nvSpPr>
+        <p:spPr>
+          <a:xfrm>
+            <a:off x="833514" y="674703"/>
+            <a:ext cx="6675417" cy="584775"/>
+          </a:xfrm>
+          <a:prstGeom prst="rect">
+            <a:avLst/>
+          </a:prstGeom>
+          <a:noFill/>
+        </p:spPr>
+        <p:txBody>
+          <a:bodyPr wrap="none" rtlCol="0">
+            <a:spAutoFit/>
+          </a:bodyPr>
+          <a:lstStyle/>
+          <a:p>
+            <a:r>
+              <a:rPr lang="de-DE" sz="2400" dirty="0"/>
+              <a:t>Service Definition </a:t>
+            </a:r>
+            <a:r>
+              <a:rPr lang="de-DE" sz="2400" dirty="0" err="1"/>
+              <a:t>Overview</a:t>
+            </a:r>
+            <a:r>
+              <a:rPr lang="de-DE" sz="2400" dirty="0"/>
+              <a:t>:  </a:t>
+            </a:r>
+            <a:r>
+              <a:rPr lang="de-DE" sz="3200" dirty="0">
+                <a:solidFill>
+                  <a:schemeClr val="accent2">
+                    <a:lumMod val="75000"/>
+                  </a:schemeClr>
+                </a:solidFill>
+              </a:rPr>
+              <a:t>207.154.218.165</a:t>
+            </a:r>
+          </a:p>
+        </p:txBody>
+      </p:sp>
       <p:graphicFrame>
         <p:nvGraphicFramePr>
           <p:cNvPr id="7" name="Table 6"/>
@@ -10015,14 +13240,14 @@
           <p:nvPr>
             <p:extLst>
               <p:ext uri="{D42A27DB-BD31-4B8C-83A1-F6EECF244321}">
-                <p14:modId xmlns:p14="http://schemas.microsoft.com/office/powerpoint/2010/main" val="187804435"/>
+                <p14:modId xmlns:p14="http://schemas.microsoft.com/office/powerpoint/2010/main" val="4124887758"/>
               </p:ext>
             </p:extLst>
           </p:nvPr>
         </p:nvGraphicFramePr>
         <p:xfrm>
-          <a:off x="835857" y="506537"/>
-          <a:ext cx="10520286" cy="6124133"/>
+          <a:off x="835857" y="2131215"/>
+          <a:ext cx="10520285" cy="1854200"/>
         </p:xfrm>
         <a:graphic>
           <a:graphicData uri="http://schemas.openxmlformats.org/drawingml/2006/table">
@@ -10031,35 +13256,28 @@
                 <a:tableStyleId>{5C22544A-7EE6-4342-B048-85BDC9FD1C3A}</a:tableStyleId>
               </a:tblPr>
               <a:tblGrid>
-                <a:gridCol w="1669988">
+                <a:gridCol w="2104057">
                   <a:extLst>
                     <a:ext uri="{9D8B030D-6E8A-4147-A177-3AD203B41FA5}">
                       <a16:colId xmlns:a16="http://schemas.microsoft.com/office/drawing/2014/main" val="2704125389"/>
                     </a:ext>
                   </a:extLst>
                 </a:gridCol>
-                <a:gridCol w="1757779">
+                <a:gridCol w="2104057">
                   <a:extLst>
                     <a:ext uri="{9D8B030D-6E8A-4147-A177-3AD203B41FA5}">
-                      <a16:colId xmlns:a16="http://schemas.microsoft.com/office/drawing/2014/main" val="2832046579"/>
+                      <a16:colId xmlns:a16="http://schemas.microsoft.com/office/drawing/2014/main" val="666628110"/>
                     </a:ext>
                   </a:extLst>
                 </a:gridCol>
-                <a:gridCol w="843378">
+                <a:gridCol w="2104057">
                   <a:extLst>
                     <a:ext uri="{9D8B030D-6E8A-4147-A177-3AD203B41FA5}">
-                      <a16:colId xmlns:a16="http://schemas.microsoft.com/office/drawing/2014/main" val="3622771183"/>
+                      <a16:colId xmlns:a16="http://schemas.microsoft.com/office/drawing/2014/main" val="3200629299"/>
                     </a:ext>
                   </a:extLst>
                 </a:gridCol>
-                <a:gridCol w="2370339">
-                  <a:extLst>
-                    <a:ext uri="{9D8B030D-6E8A-4147-A177-3AD203B41FA5}">
-                      <a16:colId xmlns:a16="http://schemas.microsoft.com/office/drawing/2014/main" val="1359834070"/>
-                    </a:ext>
-                  </a:extLst>
-                </a:gridCol>
-                <a:gridCol w="1774745">
+                <a:gridCol w="2104057">
                   <a:extLst>
                     <a:ext uri="{9D8B030D-6E8A-4147-A177-3AD203B41FA5}">
                       <a16:colId xmlns:a16="http://schemas.microsoft.com/office/drawing/2014/main" val="2635870529"/>
@@ -10074,200 +13292,55 @@
                   </a:extLst>
                 </a:gridCol>
               </a:tblGrid>
-              <a:tr h="887196">
+              <a:tr h="370840">
                 <a:tc>
                   <a:txBody>
                     <a:bodyPr/>
                     <a:lstStyle/>
                     <a:p>
-                      <a:pPr algn="l"/>
                       <a:r>
                         <a:rPr lang="de-DE" dirty="0">
                           <a:solidFill>
                             <a:sysClr val="windowText" lastClr="000000"/>
                           </a:solidFill>
                         </a:rPr>
-                        <a:t>SERVICE:</a:t>
-                      </a:r>
-                    </a:p>
-                  </a:txBody>
-                  <a:tcPr anchor="ctr">
-                    <a:lnL w="12700" cap="flat" cmpd="sng" algn="ctr">
-                      <a:solidFill>
-                        <a:schemeClr val="tx1"/>
-                      </a:solidFill>
-                      <a:prstDash val="solid"/>
-                      <a:round/>
-                      <a:headEnd type="none" w="med" len="med"/>
-                      <a:tailEnd type="none" w="med" len="med"/>
-                    </a:lnL>
-                    <a:lnR w="12700" cap="flat" cmpd="sng" algn="ctr">
-                      <a:solidFill>
-                        <a:schemeClr val="tx1"/>
-                      </a:solidFill>
-                      <a:prstDash val="solid"/>
-                      <a:round/>
-                      <a:headEnd type="none" w="med" len="med"/>
-                      <a:tailEnd type="none" w="med" len="med"/>
-                    </a:lnR>
-                    <a:lnT w="12700" cap="flat" cmpd="sng" algn="ctr">
-                      <a:solidFill>
-                        <a:schemeClr val="tx1"/>
-                      </a:solidFill>
-                      <a:prstDash val="solid"/>
-                      <a:round/>
-                      <a:headEnd type="none" w="med" len="med"/>
-                      <a:tailEnd type="none" w="med" len="med"/>
-                    </a:lnT>
-                    <a:lnB w="12700" cap="flat" cmpd="sng" algn="ctr">
-                      <a:solidFill>
-                        <a:schemeClr val="tx1"/>
-                      </a:solidFill>
-                      <a:prstDash val="solid"/>
-                      <a:round/>
-                      <a:headEnd type="none" w="med" len="med"/>
-                      <a:tailEnd type="none" w="med" len="med"/>
-                    </a:lnB>
-                    <a:noFill/>
-                  </a:tcPr>
-                </a:tc>
-                <a:tc gridSpan="2">
-                  <a:txBody>
-                    <a:bodyPr/>
-                    <a:lstStyle/>
-                    <a:p>
-                      <a:pPr algn="l"/>
-                      <a:r>
-                        <a:rPr lang="de-DE" sz="2800" dirty="0">
-                          <a:solidFill>
-                            <a:schemeClr val="accent5">
-                              <a:lumMod val="60000"/>
-                              <a:lumOff val="40000"/>
-                            </a:schemeClr>
-                          </a:solidFill>
-                        </a:rPr>
                         <a:t>/</a:t>
                       </a:r>
                       <a:r>
-                        <a:rPr lang="de-DE" sz="2800" dirty="0" err="1">
-                          <a:solidFill>
-                            <a:schemeClr val="accent5">
-                              <a:lumMod val="60000"/>
-                              <a:lumOff val="40000"/>
-                            </a:schemeClr>
+                        <a:rPr lang="de-DE" dirty="0" err="1">
+                          <a:solidFill>
+                            <a:sysClr val="windowText" lastClr="000000"/>
                           </a:solidFill>
                         </a:rPr>
                         <a:t>events</a:t>
                       </a:r>
-                      <a:endParaRPr lang="de-DE" sz="2800" dirty="0">
+                      <a:endParaRPr lang="de-DE" dirty="0">
                         <a:solidFill>
-                          <a:schemeClr val="accent6">
-                            <a:lumMod val="60000"/>
-                            <a:lumOff val="40000"/>
-                          </a:schemeClr>
+                          <a:sysClr val="windowText" lastClr="000000"/>
                         </a:solidFill>
                       </a:endParaRPr>
                     </a:p>
                   </a:txBody>
-                  <a:tcPr anchor="ctr">
-                    <a:lnL w="12700" cap="flat" cmpd="sng" algn="ctr">
-                      <a:solidFill>
-                        <a:schemeClr val="tx1"/>
-                      </a:solidFill>
-                      <a:prstDash val="solid"/>
-                      <a:round/>
-                      <a:headEnd type="none" w="med" len="med"/>
-                      <a:tailEnd type="none" w="med" len="med"/>
-                    </a:lnL>
-                    <a:lnR w="12700" cap="flat" cmpd="sng" algn="ctr">
-                      <a:noFill/>
-                      <a:prstDash val="solid"/>
-                      <a:round/>
-                      <a:headEnd type="none" w="med" len="med"/>
-                      <a:tailEnd type="none" w="med" len="med"/>
-                    </a:lnR>
-                    <a:lnT w="12700" cap="flat" cmpd="sng" algn="ctr">
-                      <a:solidFill>
-                        <a:schemeClr val="tx1"/>
-                      </a:solidFill>
-                      <a:prstDash val="solid"/>
-                      <a:round/>
-                      <a:headEnd type="none" w="med" len="med"/>
-                      <a:tailEnd type="none" w="med" len="med"/>
-                    </a:lnT>
-                    <a:lnB w="12700" cap="flat" cmpd="sng" algn="ctr">
-                      <a:solidFill>
-                        <a:schemeClr val="tx1"/>
-                      </a:solidFill>
-                      <a:prstDash val="solid"/>
-                      <a:round/>
-                      <a:headEnd type="none" w="med" len="med"/>
-                      <a:tailEnd type="none" w="med" len="med"/>
-                    </a:lnB>
-                    <a:noFill/>
-                  </a:tcPr>
-                </a:tc>
-                <a:tc hMerge="1">
-                  <a:txBody>
-                    <a:bodyPr/>
-                    <a:lstStyle/>
-                    <a:p>
-                      <a:endParaRPr lang="de-DE"/>
-                    </a:p>
-                  </a:txBody>
-                  <a:tcPr/>
+                  <a:tcPr>
+                    <a:noFill/>
+                  </a:tcPr>
                 </a:tc>
                 <a:tc>
                   <a:txBody>
                     <a:bodyPr/>
                     <a:lstStyle/>
                     <a:p>
-                      <a:pPr algn="l"/>
-                      <a:r>
-                        <a:rPr lang="de-DE" sz="2800" dirty="0">
-                          <a:solidFill>
-                            <a:srgbClr val="00B0F0"/>
+                      <a:r>
+                        <a:rPr lang="de-DE" b="1" dirty="0">
+                          <a:solidFill>
+                            <a:sysClr val="windowText" lastClr="000000"/>
                           </a:solidFill>
                         </a:rPr>
                         <a:t>/</a:t>
                       </a:r>
                     </a:p>
                   </a:txBody>
-                  <a:tcPr anchor="ctr">
-                    <a:lnL w="12700" cap="flat" cmpd="sng" algn="ctr">
-                      <a:noFill/>
-                      <a:prstDash val="solid"/>
-                      <a:round/>
-                      <a:headEnd type="none" w="med" len="med"/>
-                      <a:tailEnd type="none" w="med" len="med"/>
-                    </a:lnL>
-                    <a:lnR w="12700" cap="flat" cmpd="sng" algn="ctr">
-                      <a:solidFill>
-                        <a:schemeClr val="tx1"/>
-                      </a:solidFill>
-                      <a:prstDash val="solid"/>
-                      <a:round/>
-                      <a:headEnd type="none" w="med" len="med"/>
-                      <a:tailEnd type="none" w="med" len="med"/>
-                    </a:lnR>
-                    <a:lnT w="12700" cap="flat" cmpd="sng" algn="ctr">
-                      <a:solidFill>
-                        <a:schemeClr val="tx1"/>
-                      </a:solidFill>
-                      <a:prstDash val="solid"/>
-                      <a:round/>
-                      <a:headEnd type="none" w="med" len="med"/>
-                      <a:tailEnd type="none" w="med" len="med"/>
-                    </a:lnT>
-                    <a:lnB w="12700" cap="flat" cmpd="sng" algn="ctr">
-                      <a:solidFill>
-                        <a:schemeClr val="tx1"/>
-                      </a:solidFill>
-                      <a:prstDash val="solid"/>
-                      <a:round/>
-                      <a:headEnd type="none" w="med" len="med"/>
-                      <a:tailEnd type="none" w="med" len="med"/>
-                    </a:lnB>
+                  <a:tcPr>
                     <a:noFill/>
                   </a:tcPr>
                 </a:tc>
@@ -10276,54 +13349,14 @@
                     <a:bodyPr/>
                     <a:lstStyle/>
                     <a:p>
-                      <a:pPr algn="l"/>
-                      <a:r>
-                        <a:rPr lang="de-DE" dirty="0">
-                          <a:solidFill>
-                            <a:sysClr val="windowText" lastClr="000000"/>
-                          </a:solidFill>
-                        </a:rPr>
-                        <a:t>HTTP METHOD:</a:t>
-                      </a:r>
-                    </a:p>
-                  </a:txBody>
-                  <a:tcPr anchor="ctr">
-                    <a:lnL w="12700" cap="flat" cmpd="sng" algn="ctr">
-                      <a:solidFill>
-                        <a:schemeClr val="tx1"/>
-                      </a:solidFill>
-                      <a:prstDash val="solid"/>
-                      <a:round/>
-                      <a:headEnd type="none" w="med" len="med"/>
-                      <a:tailEnd type="none" w="med" len="med"/>
-                    </a:lnL>
-                    <a:lnR w="12700" cap="flat" cmpd="sng" algn="ctr">
-                      <a:solidFill>
-                        <a:schemeClr val="tx1"/>
-                      </a:solidFill>
-                      <a:prstDash val="solid"/>
-                      <a:round/>
-                      <a:headEnd type="none" w="med" len="med"/>
-                      <a:tailEnd type="none" w="med" len="med"/>
-                    </a:lnR>
-                    <a:lnT w="12700" cap="flat" cmpd="sng" algn="ctr">
-                      <a:solidFill>
-                        <a:schemeClr val="tx1"/>
-                      </a:solidFill>
-                      <a:prstDash val="solid"/>
-                      <a:round/>
-                      <a:headEnd type="none" w="med" len="med"/>
-                      <a:tailEnd type="none" w="med" len="med"/>
-                    </a:lnT>
-                    <a:lnB w="12700" cap="flat" cmpd="sng" algn="ctr">
-                      <a:solidFill>
-                        <a:schemeClr val="tx1"/>
-                      </a:solidFill>
-                      <a:prstDash val="solid"/>
-                      <a:round/>
-                      <a:headEnd type="none" w="med" len="med"/>
-                      <a:tailEnd type="none" w="med" len="med"/>
-                    </a:lnB>
+                      <a:endParaRPr lang="de-DE" b="1" dirty="0">
+                        <a:solidFill>
+                          <a:sysClr val="windowText" lastClr="000000"/>
+                        </a:solidFill>
+                      </a:endParaRPr>
+                    </a:p>
+                  </a:txBody>
+                  <a:tcPr>
                     <a:noFill/>
                   </a:tcPr>
                 </a:tc>
@@ -10332,54 +13365,50 @@
                     <a:bodyPr/>
                     <a:lstStyle/>
                     <a:p>
-                      <a:pPr algn="l"/>
-                      <a:r>
-                        <a:rPr lang="de-DE" dirty="0">
-                          <a:solidFill>
-                            <a:srgbClr val="00B050"/>
+                      <a:pPr marL="0" marR="0" lvl="0" indent="0" algn="l" defTabSz="914400" rtl="0" eaLnBrk="1" fontAlgn="auto" latinLnBrk="0" hangingPunct="1">
+                        <a:lnSpc>
+                          <a:spcPct val="100000"/>
+                        </a:lnSpc>
+                        <a:spcBef>
+                          <a:spcPts val="0"/>
+                        </a:spcBef>
+                        <a:spcAft>
+                          <a:spcPts val="0"/>
+                        </a:spcAft>
+                        <a:buClrTx/>
+                        <a:buSzTx/>
+                        <a:buFontTx/>
+                        <a:buNone/>
+                        <a:tabLst/>
+                        <a:defRPr/>
+                      </a:pPr>
+                      <a:r>
+                        <a:rPr lang="de-DE" b="1" dirty="0">
+                          <a:solidFill>
+                            <a:schemeClr val="accent6"/>
                           </a:solidFill>
                         </a:rPr>
                         <a:t>GET</a:t>
                       </a:r>
                     </a:p>
                   </a:txBody>
-                  <a:tcPr anchor="ctr">
-                    <a:lnL w="12700" cap="flat" cmpd="sng" algn="ctr">
-                      <a:solidFill>
-                        <a:schemeClr val="tx1"/>
-                      </a:solidFill>
-                      <a:prstDash val="solid"/>
-                      <a:round/>
-                      <a:headEnd type="none" w="med" len="med"/>
-                      <a:tailEnd type="none" w="med" len="med"/>
-                    </a:lnL>
-                    <a:lnR w="12700" cap="flat" cmpd="sng" algn="ctr">
-                      <a:solidFill>
-                        <a:schemeClr val="tx1"/>
-                      </a:solidFill>
-                      <a:prstDash val="solid"/>
-                      <a:round/>
-                      <a:headEnd type="none" w="med" len="med"/>
-                      <a:tailEnd type="none" w="med" len="med"/>
-                    </a:lnR>
-                    <a:lnT w="12700" cap="flat" cmpd="sng" algn="ctr">
-                      <a:solidFill>
-                        <a:schemeClr val="tx1"/>
-                      </a:solidFill>
-                      <a:prstDash val="solid"/>
-                      <a:round/>
-                      <a:headEnd type="none" w="med" len="med"/>
-                      <a:tailEnd type="none" w="med" len="med"/>
-                    </a:lnT>
-                    <a:lnB w="12700" cap="flat" cmpd="sng" algn="ctr">
-                      <a:solidFill>
-                        <a:schemeClr val="tx1"/>
-                      </a:solidFill>
-                      <a:prstDash val="solid"/>
-                      <a:round/>
-                      <a:headEnd type="none" w="med" len="med"/>
-                      <a:tailEnd type="none" w="med" len="med"/>
-                    </a:lnB>
+                  <a:tcPr>
+                    <a:noFill/>
+                  </a:tcPr>
+                </a:tc>
+                <a:tc>
+                  <a:txBody>
+                    <a:bodyPr/>
+                    <a:lstStyle/>
+                    <a:p>
+                      <a:endParaRPr lang="de-DE" dirty="0">
+                        <a:solidFill>
+                          <a:sysClr val="windowText" lastClr="000000"/>
+                        </a:solidFill>
+                      </a:endParaRPr>
+                    </a:p>
+                  </a:txBody>
+                  <a:tcPr>
                     <a:noFill/>
                   </a:tcPr>
                 </a:tc>
@@ -10389,296 +13418,187 @@
                   </a:ext>
                 </a:extLst>
               </a:tr>
-              <a:tr h="452761">
+              <a:tr h="370840">
                 <a:tc>
                   <a:txBody>
                     <a:bodyPr/>
                     <a:lstStyle/>
                     <a:p>
-                      <a:r>
-                        <a:rPr lang="de-DE" dirty="0" err="1">
+                      <a:endParaRPr lang="de-DE" dirty="0">
+                        <a:solidFill>
+                          <a:schemeClr val="bg1">
+                            <a:lumMod val="75000"/>
+                          </a:schemeClr>
+                        </a:solidFill>
+                      </a:endParaRPr>
+                    </a:p>
+                  </a:txBody>
+                  <a:tcPr>
+                    <a:noFill/>
+                  </a:tcPr>
+                </a:tc>
+                <a:tc>
+                  <a:txBody>
+                    <a:bodyPr/>
+                    <a:lstStyle/>
+                    <a:p>
+                      <a:r>
+                        <a:rPr lang="de-DE" b="1" dirty="0">
                           <a:solidFill>
                             <a:sysClr val="windowText" lastClr="000000"/>
                           </a:solidFill>
                         </a:rPr>
-                        <a:t>Function</a:t>
-                      </a:r>
-                      <a:r>
-                        <a:rPr lang="de-DE" dirty="0">
+                        <a:t>/$EVENTID</a:t>
+                      </a:r>
+                    </a:p>
+                  </a:txBody>
+                  <a:tcPr>
+                    <a:noFill/>
+                  </a:tcPr>
+                </a:tc>
+                <a:tc>
+                  <a:txBody>
+                    <a:bodyPr/>
+                    <a:lstStyle/>
+                    <a:p>
+                      <a:r>
+                        <a:rPr lang="de-DE" b="1" dirty="0">
                           <a:solidFill>
                             <a:sysClr val="windowText" lastClr="000000"/>
                           </a:solidFill>
                         </a:rPr>
-                        <a:t>:</a:t>
-                      </a:r>
-                    </a:p>
-                  </a:txBody>
-                  <a:tcPr anchor="ctr">
-                    <a:lnL w="12700" cap="flat" cmpd="sng" algn="ctr">
-                      <a:solidFill>
-                        <a:schemeClr val="tx1"/>
-                      </a:solidFill>
-                      <a:prstDash val="solid"/>
-                      <a:round/>
-                      <a:headEnd type="none" w="med" len="med"/>
-                      <a:tailEnd type="none" w="med" len="med"/>
-                    </a:lnL>
-                    <a:lnR w="12700" cap="flat" cmpd="sng" algn="ctr">
-                      <a:solidFill>
-                        <a:schemeClr val="tx1"/>
-                      </a:solidFill>
-                      <a:prstDash val="solid"/>
-                      <a:round/>
-                      <a:headEnd type="none" w="med" len="med"/>
-                      <a:tailEnd type="none" w="med" len="med"/>
-                    </a:lnR>
-                    <a:lnT w="12700" cap="flat" cmpd="sng" algn="ctr">
-                      <a:solidFill>
-                        <a:schemeClr val="tx1"/>
-                      </a:solidFill>
-                      <a:prstDash val="solid"/>
-                      <a:round/>
-                      <a:headEnd type="none" w="med" len="med"/>
-                      <a:tailEnd type="none" w="med" len="med"/>
-                    </a:lnT>
-                    <a:lnB w="12700" cap="flat" cmpd="sng" algn="ctr">
-                      <a:solidFill>
-                        <a:schemeClr val="tx1"/>
-                      </a:solidFill>
-                      <a:prstDash val="solid"/>
-                      <a:round/>
-                      <a:headEnd type="none" w="med" len="med"/>
-                      <a:tailEnd type="none" w="med" len="med"/>
-                    </a:lnB>
-                    <a:noFill/>
-                  </a:tcPr>
-                </a:tc>
-                <a:tc gridSpan="5">
-                  <a:txBody>
-                    <a:bodyPr/>
-                    <a:lstStyle/>
-                    <a:p>
-                      <a:r>
-                        <a:rPr lang="de-DE" dirty="0" err="1"/>
-                        <a:t>Get</a:t>
-                      </a:r>
-                      <a:r>
-                        <a:rPr lang="de-DE" dirty="0"/>
-                        <a:t> </a:t>
-                      </a:r>
-                      <a:r>
-                        <a:rPr lang="de-DE" dirty="0" err="1"/>
-                        <a:t>the</a:t>
-                      </a:r>
-                      <a:r>
-                        <a:rPr lang="de-DE" dirty="0"/>
-                        <a:t> </a:t>
-                      </a:r>
-                      <a:r>
-                        <a:rPr lang="de-DE" dirty="0" err="1"/>
-                        <a:t>events</a:t>
-                      </a:r>
-                      <a:r>
-                        <a:rPr lang="de-DE" baseline="0" dirty="0"/>
-                        <a:t> </a:t>
-                      </a:r>
-                      <a:r>
-                        <a:rPr lang="de-DE" baseline="0" dirty="0" err="1"/>
-                        <a:t>that</a:t>
-                      </a:r>
-                      <a:r>
-                        <a:rPr lang="de-DE" baseline="0" dirty="0"/>
-                        <a:t> </a:t>
-                      </a:r>
-                      <a:r>
-                        <a:rPr lang="de-DE" baseline="0" dirty="0" err="1"/>
-                        <a:t>are</a:t>
-                      </a:r>
-                      <a:r>
-                        <a:rPr lang="de-DE" baseline="0" dirty="0"/>
-                        <a:t> </a:t>
-                      </a:r>
-                      <a:r>
-                        <a:rPr lang="de-DE" baseline="0" dirty="0" err="1"/>
-                        <a:t>visible</a:t>
-                      </a:r>
-                      <a:r>
-                        <a:rPr lang="de-DE" baseline="0" dirty="0"/>
-                        <a:t> </a:t>
-                      </a:r>
-                      <a:r>
-                        <a:rPr lang="de-DE" baseline="0" dirty="0" err="1"/>
-                        <a:t>to</a:t>
-                      </a:r>
-                      <a:r>
-                        <a:rPr lang="de-DE" baseline="0" dirty="0"/>
-                        <a:t> </a:t>
-                      </a:r>
-                      <a:r>
-                        <a:rPr lang="de-DE" baseline="0" dirty="0" err="1"/>
-                        <a:t>the</a:t>
-                      </a:r>
-                      <a:r>
-                        <a:rPr lang="de-DE" baseline="0" dirty="0"/>
-                        <a:t> </a:t>
-                      </a:r>
-                      <a:r>
-                        <a:rPr lang="de-DE" baseline="0" dirty="0" err="1"/>
-                        <a:t>current</a:t>
-                      </a:r>
-                      <a:r>
-                        <a:rPr lang="de-DE" baseline="0" dirty="0"/>
-                        <a:t> </a:t>
-                      </a:r>
-                      <a:r>
-                        <a:rPr lang="de-DE" baseline="0" dirty="0" err="1"/>
-                        <a:t>user</a:t>
-                      </a:r>
-                      <a:r>
-                        <a:rPr lang="de-DE" dirty="0"/>
-                        <a:t>.</a:t>
-                      </a:r>
-                    </a:p>
-                  </a:txBody>
-                  <a:tcPr anchor="ctr">
-                    <a:lnL w="12700" cap="flat" cmpd="sng" algn="ctr">
-                      <a:solidFill>
-                        <a:schemeClr val="tx1"/>
-                      </a:solidFill>
-                      <a:prstDash val="solid"/>
-                      <a:round/>
-                      <a:headEnd type="none" w="med" len="med"/>
-                      <a:tailEnd type="none" w="med" len="med"/>
-                    </a:lnL>
-                    <a:lnR w="12700" cap="flat" cmpd="sng" algn="ctr">
-                      <a:solidFill>
-                        <a:schemeClr val="tx1"/>
-                      </a:solidFill>
-                      <a:prstDash val="solid"/>
-                      <a:round/>
-                      <a:headEnd type="none" w="med" len="med"/>
-                      <a:tailEnd type="none" w="med" len="med"/>
-                    </a:lnR>
-                    <a:lnT w="12700" cap="flat" cmpd="sng" algn="ctr">
-                      <a:solidFill>
-                        <a:schemeClr val="tx1"/>
-                      </a:solidFill>
-                      <a:prstDash val="solid"/>
-                      <a:round/>
-                      <a:headEnd type="none" w="med" len="med"/>
-                      <a:tailEnd type="none" w="med" len="med"/>
-                    </a:lnT>
-                    <a:lnB w="12700" cap="flat" cmpd="sng" algn="ctr">
-                      <a:solidFill>
-                        <a:schemeClr val="tx1"/>
-                      </a:solidFill>
-                      <a:prstDash val="solid"/>
-                      <a:round/>
-                      <a:headEnd type="none" w="med" len="med"/>
-                      <a:tailEnd type="none" w="med" len="med"/>
-                    </a:lnB>
-                    <a:noFill/>
-                  </a:tcPr>
-                </a:tc>
-                <a:tc hMerge="1">
-                  <a:txBody>
-                    <a:bodyPr/>
-                    <a:lstStyle/>
-                    <a:p>
-                      <a:endParaRPr lang="de-DE"/>
-                    </a:p>
-                  </a:txBody>
-                  <a:tcPr/>
-                </a:tc>
-                <a:tc hMerge="1">
-                  <a:txBody>
-                    <a:bodyPr/>
-                    <a:lstStyle/>
-                    <a:p>
-                      <a:endParaRPr lang="de-DE"/>
-                    </a:p>
-                  </a:txBody>
-                  <a:tcPr/>
-                </a:tc>
-                <a:tc hMerge="1">
-                  <a:txBody>
-                    <a:bodyPr/>
-                    <a:lstStyle/>
-                    <a:p>
-                      <a:endParaRPr lang="de-DE"/>
-                    </a:p>
-                  </a:txBody>
-                  <a:tcPr/>
-                </a:tc>
-                <a:tc hMerge="1">
-                  <a:txBody>
-                    <a:bodyPr/>
-                    <a:lstStyle/>
-                    <a:p>
-                      <a:endParaRPr lang="de-DE"/>
-                    </a:p>
-                  </a:txBody>
-                  <a:tcPr/>
+                        <a:t>/</a:t>
+                      </a:r>
+                    </a:p>
+                  </a:txBody>
+                  <a:tcPr>
+                    <a:noFill/>
+                  </a:tcPr>
+                </a:tc>
+                <a:tc>
+                  <a:txBody>
+                    <a:bodyPr/>
+                    <a:lstStyle/>
+                    <a:p>
+                      <a:pPr marL="0" marR="0" lvl="0" indent="0" algn="l" defTabSz="914400" rtl="0" eaLnBrk="1" fontAlgn="auto" latinLnBrk="0" hangingPunct="1">
+                        <a:lnSpc>
+                          <a:spcPct val="100000"/>
+                        </a:lnSpc>
+                        <a:spcBef>
+                          <a:spcPts val="0"/>
+                        </a:spcBef>
+                        <a:spcAft>
+                          <a:spcPts val="0"/>
+                        </a:spcAft>
+                        <a:buClrTx/>
+                        <a:buSzTx/>
+                        <a:buFontTx/>
+                        <a:buNone/>
+                        <a:tabLst/>
+                        <a:defRPr/>
+                      </a:pPr>
+                      <a:r>
+                        <a:rPr lang="de-DE" b="1" dirty="0">
+                          <a:solidFill>
+                            <a:schemeClr val="accent6"/>
+                          </a:solidFill>
+                        </a:rPr>
+                        <a:t>GET</a:t>
+                      </a:r>
+                    </a:p>
+                  </a:txBody>
+                  <a:tcPr>
+                    <a:noFill/>
+                  </a:tcPr>
+                </a:tc>
+                <a:tc>
+                  <a:txBody>
+                    <a:bodyPr/>
+                    <a:lstStyle/>
+                    <a:p>
+                      <a:endParaRPr lang="de-DE">
+                        <a:solidFill>
+                          <a:sysClr val="windowText" lastClr="000000"/>
+                        </a:solidFill>
+                      </a:endParaRPr>
+                    </a:p>
+                  </a:txBody>
+                  <a:tcPr>
+                    <a:noFill/>
+                  </a:tcPr>
                 </a:tc>
                 <a:extLst>
                   <a:ext uri="{0D108BD9-81ED-4DB2-BD59-A6C34878D82A}">
-                    <a16:rowId xmlns:a16="http://schemas.microsoft.com/office/drawing/2014/main" val="3312119621"/>
+                    <a16:rowId xmlns:a16="http://schemas.microsoft.com/office/drawing/2014/main" val="105460748"/>
                   </a:ext>
                 </a:extLst>
               </a:tr>
-              <a:tr h="932060">
+              <a:tr h="370840">
                 <a:tc>
                   <a:txBody>
                     <a:bodyPr/>
                     <a:lstStyle/>
                     <a:p>
-                      <a:r>
-                        <a:rPr lang="de-DE" dirty="0">
+                      <a:endParaRPr lang="de-DE" dirty="0">
+                        <a:solidFill>
+                          <a:schemeClr val="bg1">
+                            <a:lumMod val="75000"/>
+                          </a:schemeClr>
+                        </a:solidFill>
+                      </a:endParaRPr>
+                    </a:p>
+                  </a:txBody>
+                  <a:tcPr>
+                    <a:noFill/>
+                  </a:tcPr>
+                </a:tc>
+                <a:tc>
+                  <a:txBody>
+                    <a:bodyPr/>
+                    <a:lstStyle/>
+                    <a:p>
+                      <a:endParaRPr lang="de-DE" dirty="0">
+                        <a:solidFill>
+                          <a:schemeClr val="bg1">
+                            <a:lumMod val="75000"/>
+                          </a:schemeClr>
+                        </a:solidFill>
+                      </a:endParaRPr>
+                    </a:p>
+                  </a:txBody>
+                  <a:tcPr>
+                    <a:noFill/>
+                  </a:tcPr>
+                </a:tc>
+                <a:tc>
+                  <a:txBody>
+                    <a:bodyPr/>
+                    <a:lstStyle/>
+                    <a:p>
+                      <a:r>
+                        <a:rPr lang="de-DE" b="1" dirty="0">
                           <a:solidFill>
                             <a:sysClr val="windowText" lastClr="000000"/>
                           </a:solidFill>
                         </a:rPr>
-                        <a:t>Response:</a:t>
-                      </a:r>
-                    </a:p>
-                  </a:txBody>
-                  <a:tcPr anchor="ctr">
-                    <a:lnL w="12700" cap="flat" cmpd="sng" algn="ctr">
-                      <a:solidFill>
-                        <a:schemeClr val="tx1"/>
-                      </a:solidFill>
-                      <a:prstDash val="solid"/>
-                      <a:round/>
-                      <a:headEnd type="none" w="med" len="med"/>
-                      <a:tailEnd type="none" w="med" len="med"/>
-                    </a:lnL>
-                    <a:lnR w="12700" cap="flat" cmpd="sng" algn="ctr">
-                      <a:solidFill>
-                        <a:schemeClr val="tx1"/>
-                      </a:solidFill>
-                      <a:prstDash val="solid"/>
-                      <a:round/>
-                      <a:headEnd type="none" w="med" len="med"/>
-                      <a:tailEnd type="none" w="med" len="med"/>
-                    </a:lnR>
-                    <a:lnT w="12700" cap="flat" cmpd="sng" algn="ctr">
-                      <a:solidFill>
-                        <a:schemeClr val="tx1"/>
-                      </a:solidFill>
-                      <a:prstDash val="solid"/>
-                      <a:round/>
-                      <a:headEnd type="none" w="med" len="med"/>
-                      <a:tailEnd type="none" w="med" len="med"/>
-                    </a:lnT>
-                    <a:lnB w="12700" cap="flat" cmpd="sng" algn="ctr">
-                      <a:solidFill>
-                        <a:schemeClr val="tx1"/>
-                      </a:solidFill>
-                      <a:prstDash val="solid"/>
-                      <a:round/>
-                      <a:headEnd type="none" w="med" len="med"/>
-                      <a:tailEnd type="none" w="med" len="med"/>
-                    </a:lnB>
+                        <a:t>/</a:t>
+                      </a:r>
+                      <a:r>
+                        <a:rPr lang="de-DE" b="1" dirty="0" err="1">
+                          <a:solidFill>
+                            <a:sysClr val="windowText" lastClr="000000"/>
+                          </a:solidFill>
+                        </a:rPr>
+                        <a:t>organizer</a:t>
+                      </a:r>
+                      <a:endParaRPr lang="de-DE" b="1" dirty="0">
+                        <a:solidFill>
+                          <a:sysClr val="windowText" lastClr="000000"/>
+                        </a:solidFill>
+                      </a:endParaRPr>
+                    </a:p>
+                  </a:txBody>
+                  <a:tcPr>
                     <a:noFill/>
                   </a:tcPr>
                 </a:tc>
@@ -10688,873 +13608,148 @@
                     <a:lstStyle/>
                     <a:p>
                       <a:r>
-                        <a:rPr lang="de-DE" dirty="0"/>
-                        <a:t>200</a:t>
-                      </a:r>
-                    </a:p>
-                  </a:txBody>
-                  <a:tcPr anchor="ctr">
-                    <a:lnL w="12700" cap="flat" cmpd="sng" algn="ctr">
-                      <a:solidFill>
-                        <a:schemeClr val="tx1"/>
-                      </a:solidFill>
-                      <a:prstDash val="solid"/>
-                      <a:round/>
-                      <a:headEnd type="none" w="med" len="med"/>
-                      <a:tailEnd type="none" w="med" len="med"/>
-                    </a:lnL>
-                    <a:lnR w="12700" cap="flat" cmpd="sng" algn="ctr">
-                      <a:solidFill>
-                        <a:schemeClr val="tx1"/>
-                      </a:solidFill>
-                      <a:prstDash val="solid"/>
-                      <a:round/>
-                      <a:headEnd type="none" w="med" len="med"/>
-                      <a:tailEnd type="none" w="med" len="med"/>
-                    </a:lnR>
-                    <a:lnT w="12700" cap="flat" cmpd="sng" algn="ctr">
-                      <a:solidFill>
-                        <a:schemeClr val="tx1"/>
-                      </a:solidFill>
-                      <a:prstDash val="solid"/>
-                      <a:round/>
-                      <a:headEnd type="none" w="med" len="med"/>
-                      <a:tailEnd type="none" w="med" len="med"/>
-                    </a:lnT>
-                    <a:lnB w="12700" cap="flat" cmpd="sng" algn="ctr">
-                      <a:solidFill>
-                        <a:schemeClr val="tx1"/>
-                      </a:solidFill>
-                      <a:prstDash val="solid"/>
-                      <a:round/>
-                      <a:headEnd type="none" w="med" len="med"/>
-                      <a:tailEnd type="none" w="med" len="med"/>
-                    </a:lnB>
-                    <a:noFill/>
-                  </a:tcPr>
-                </a:tc>
-                <a:tc gridSpan="4">
-                  <a:txBody>
-                    <a:bodyPr/>
-                    <a:lstStyle/>
-                    <a:p>
-                      <a:r>
-                        <a:rPr lang="en-US" sz="1800" b="0" i="0" kern="1200" dirty="0">
-                          <a:solidFill>
-                            <a:schemeClr val="dk1"/>
-                          </a:solidFill>
-                          <a:effectLst/>
-                          <a:latin typeface="+mn-lt"/>
-                          <a:ea typeface="+mn-ea"/>
-                          <a:cs typeface="+mn-cs"/>
-                        </a:rPr>
-                        <a:t>[</a:t>
-                      </a:r>
-                    </a:p>
-                    <a:p>
-                      <a:r>
-                        <a:rPr lang="en-US" sz="1800" b="0" i="0" kern="1200" dirty="0">
-                          <a:solidFill>
-                            <a:schemeClr val="dk1"/>
-                          </a:solidFill>
-                          <a:effectLst/>
-                          <a:latin typeface="+mn-lt"/>
-                          <a:ea typeface="+mn-ea"/>
-                          <a:cs typeface="+mn-cs"/>
-                        </a:rPr>
-                        <a:t>	{</a:t>
-                      </a:r>
-                    </a:p>
-                    <a:p>
-                      <a:r>
-                        <a:rPr lang="en-US" sz="1800" b="0" i="0" kern="1200" dirty="0">
-                          <a:solidFill>
-                            <a:schemeClr val="dk1"/>
-                          </a:solidFill>
-                          <a:effectLst/>
-                          <a:latin typeface="+mn-lt"/>
-                          <a:ea typeface="+mn-ea"/>
-                          <a:cs typeface="+mn-cs"/>
-                        </a:rPr>
-                        <a:t>		id: </a:t>
-                      </a:r>
-                      <a:r>
-                        <a:rPr lang="en-US" sz="1800" kern="1200" dirty="0">
-                          <a:solidFill>
-                            <a:schemeClr val="accent1">
-                              <a:lumMod val="75000"/>
-                            </a:schemeClr>
-                          </a:solidFill>
-                          <a:latin typeface="+mn-lt"/>
-                          <a:ea typeface="+mn-ea"/>
-                          <a:cs typeface="+mn-cs"/>
-                        </a:rPr>
-                        <a:t>String</a:t>
-                      </a:r>
-                      <a:r>
-                        <a:rPr lang="en-US" sz="1800" b="0" i="0" kern="1200" dirty="0">
-                          <a:solidFill>
-                            <a:schemeClr val="dk1"/>
-                          </a:solidFill>
-                          <a:effectLst/>
-                          <a:latin typeface="+mn-lt"/>
-                          <a:ea typeface="+mn-ea"/>
-                          <a:cs typeface="+mn-cs"/>
-                        </a:rPr>
-                        <a:t>,</a:t>
-                      </a:r>
-                    </a:p>
-                    <a:p>
-                      <a:r>
-                        <a:rPr lang="en-US" sz="1800" b="0" i="0" kern="1200" dirty="0">
-                          <a:solidFill>
-                            <a:schemeClr val="dk1"/>
-                          </a:solidFill>
-                          <a:effectLst/>
-                          <a:latin typeface="+mn-lt"/>
-                          <a:ea typeface="+mn-ea"/>
-                          <a:cs typeface="+mn-cs"/>
-                        </a:rPr>
-                        <a:t>		title: </a:t>
-                      </a:r>
-                      <a:r>
-                        <a:rPr lang="en-US" sz="1800" kern="1200" dirty="0">
-                          <a:solidFill>
-                            <a:schemeClr val="accent1">
-                              <a:lumMod val="75000"/>
-                            </a:schemeClr>
-                          </a:solidFill>
-                          <a:latin typeface="+mn-lt"/>
-                          <a:ea typeface="+mn-ea"/>
-                          <a:cs typeface="+mn-cs"/>
-                        </a:rPr>
-                        <a:t>String</a:t>
-                      </a:r>
-                      <a:r>
-                        <a:rPr lang="en-US" sz="1800" b="0" i="0" kern="1200" dirty="0">
-                          <a:solidFill>
-                            <a:schemeClr val="dk1"/>
-                          </a:solidFill>
-                          <a:effectLst/>
-                          <a:latin typeface="+mn-lt"/>
-                          <a:ea typeface="+mn-ea"/>
-                          <a:cs typeface="+mn-cs"/>
-                        </a:rPr>
-                        <a:t>,</a:t>
-                      </a:r>
-                    </a:p>
-                    <a:p>
-                      <a:r>
-                        <a:rPr lang="en-US" sz="1800" b="0" i="0" kern="1200" dirty="0">
-                          <a:solidFill>
-                            <a:schemeClr val="dk1"/>
-                          </a:solidFill>
-                          <a:effectLst/>
-                          <a:latin typeface="+mn-lt"/>
-                          <a:ea typeface="+mn-ea"/>
-                          <a:cs typeface="+mn-cs"/>
-                        </a:rPr>
-                        <a:t> 		latitude: </a:t>
-                      </a:r>
-                      <a:r>
-                        <a:rPr lang="en-US" sz="1800" kern="1200" dirty="0">
-                          <a:solidFill>
-                            <a:schemeClr val="accent1">
-                              <a:lumMod val="75000"/>
-                            </a:schemeClr>
-                          </a:solidFill>
-                          <a:latin typeface="+mn-lt"/>
-                          <a:ea typeface="+mn-ea"/>
-                          <a:cs typeface="+mn-cs"/>
-                        </a:rPr>
-                        <a:t>Number</a:t>
-                      </a:r>
-                      <a:r>
-                        <a:rPr lang="en-US" sz="1800" b="0" i="0" kern="1200" dirty="0">
-                          <a:solidFill>
-                            <a:schemeClr val="dk1"/>
-                          </a:solidFill>
-                          <a:effectLst/>
-                          <a:latin typeface="+mn-lt"/>
-                          <a:ea typeface="+mn-ea"/>
-                          <a:cs typeface="+mn-cs"/>
-                        </a:rPr>
-                        <a:t>,</a:t>
-                      </a:r>
-                    </a:p>
-                    <a:p>
-                      <a:r>
-                        <a:rPr lang="en-US" sz="1800" b="0" i="0" kern="1200" dirty="0">
-                          <a:solidFill>
-                            <a:schemeClr val="dk1"/>
-                          </a:solidFill>
-                          <a:effectLst/>
-                          <a:latin typeface="+mn-lt"/>
-                          <a:ea typeface="+mn-ea"/>
-                          <a:cs typeface="+mn-cs"/>
-                        </a:rPr>
-                        <a:t>		longitude: </a:t>
-                      </a:r>
-                      <a:r>
-                        <a:rPr lang="en-US" sz="1800" kern="1200" dirty="0">
-                          <a:solidFill>
-                            <a:schemeClr val="accent1">
-                              <a:lumMod val="75000"/>
-                            </a:schemeClr>
-                          </a:solidFill>
-                          <a:latin typeface="+mn-lt"/>
-                          <a:ea typeface="+mn-ea"/>
-                          <a:cs typeface="+mn-cs"/>
-                        </a:rPr>
-                        <a:t>Number</a:t>
-                      </a:r>
-                      <a:r>
-                        <a:rPr lang="en-US" sz="1800" b="0" i="0" kern="1200" dirty="0">
-                          <a:solidFill>
-                            <a:schemeClr val="dk1"/>
-                          </a:solidFill>
-                          <a:effectLst/>
-                          <a:latin typeface="+mn-lt"/>
-                          <a:ea typeface="+mn-ea"/>
-                          <a:cs typeface="+mn-cs"/>
-                        </a:rPr>
-                        <a:t>,</a:t>
-                      </a:r>
-                    </a:p>
-                    <a:p>
-                      <a:r>
-                        <a:rPr lang="en-US" sz="1800" b="0" i="0" kern="1200" dirty="0">
-                          <a:solidFill>
-                            <a:schemeClr val="dk1"/>
-                          </a:solidFill>
-                          <a:effectLst/>
-                          <a:latin typeface="+mn-lt"/>
-                          <a:ea typeface="+mn-ea"/>
-                          <a:cs typeface="+mn-cs"/>
-                        </a:rPr>
-                        <a:t>		</a:t>
-                      </a:r>
-                      <a:r>
-                        <a:rPr lang="en-US" sz="1800" b="0" i="0" kern="1200" dirty="0" err="1">
-                          <a:solidFill>
-                            <a:schemeClr val="dk1"/>
-                          </a:solidFill>
-                          <a:effectLst/>
-                          <a:latin typeface="+mn-lt"/>
-                          <a:ea typeface="+mn-ea"/>
-                          <a:cs typeface="+mn-cs"/>
-                        </a:rPr>
-                        <a:t>publicEvent</a:t>
-                      </a:r>
-                      <a:r>
-                        <a:rPr lang="en-US" sz="1800" b="0" i="0" kern="1200" dirty="0">
-                          <a:solidFill>
-                            <a:schemeClr val="dk1"/>
-                          </a:solidFill>
-                          <a:effectLst/>
-                          <a:latin typeface="+mn-lt"/>
-                          <a:ea typeface="+mn-ea"/>
-                          <a:cs typeface="+mn-cs"/>
-                        </a:rPr>
-                        <a:t>: </a:t>
-                      </a:r>
-                      <a:r>
-                        <a:rPr lang="en-US" sz="1800" kern="1200" dirty="0">
-                          <a:solidFill>
-                            <a:schemeClr val="accent1">
-                              <a:lumMod val="75000"/>
-                            </a:schemeClr>
-                          </a:solidFill>
-                          <a:latin typeface="+mn-lt"/>
-                          <a:ea typeface="+mn-ea"/>
-                          <a:cs typeface="+mn-cs"/>
-                        </a:rPr>
-                        <a:t>Boolean</a:t>
-                      </a:r>
-                      <a:r>
-                        <a:rPr lang="en-US" sz="1800" b="0" i="0" kern="1200" dirty="0">
-                          <a:solidFill>
-                            <a:schemeClr val="dk1"/>
-                          </a:solidFill>
-                          <a:effectLst/>
-                          <a:latin typeface="+mn-lt"/>
-                          <a:ea typeface="+mn-ea"/>
-                          <a:cs typeface="+mn-cs"/>
-                        </a:rPr>
-                        <a:t>,</a:t>
-                      </a:r>
-                    </a:p>
-                    <a:p>
-                      <a:r>
-                        <a:rPr lang="en-US" sz="1800" b="0" i="0" kern="1200" dirty="0">
-                          <a:solidFill>
-                            <a:schemeClr val="dk1"/>
-                          </a:solidFill>
-                          <a:effectLst/>
-                          <a:latin typeface="+mn-lt"/>
-                          <a:ea typeface="+mn-ea"/>
-                          <a:cs typeface="+mn-cs"/>
-                        </a:rPr>
-                        <a:t>		</a:t>
-                      </a:r>
-                      <a:r>
-                        <a:rPr lang="en-US" sz="1800" b="0" i="0" kern="1200" dirty="0" err="1">
-                          <a:solidFill>
-                            <a:schemeClr val="dk1"/>
-                          </a:solidFill>
-                          <a:effectLst/>
-                          <a:latin typeface="+mn-lt"/>
-                          <a:ea typeface="+mn-ea"/>
-                          <a:cs typeface="+mn-cs"/>
-                        </a:rPr>
-                        <a:t>img</a:t>
-                      </a:r>
-                      <a:r>
-                        <a:rPr lang="en-US" sz="1800" b="0" i="0" kern="1200" dirty="0">
-                          <a:solidFill>
-                            <a:schemeClr val="dk1"/>
-                          </a:solidFill>
-                          <a:effectLst/>
-                          <a:latin typeface="+mn-lt"/>
-                          <a:ea typeface="+mn-ea"/>
-                          <a:cs typeface="+mn-cs"/>
-                        </a:rPr>
-                        <a:t>: </a:t>
-                      </a:r>
-                      <a:r>
-                        <a:rPr lang="en-US" sz="1800" kern="1200" dirty="0">
-                          <a:solidFill>
-                            <a:schemeClr val="accent1">
-                              <a:lumMod val="75000"/>
-                            </a:schemeClr>
-                          </a:solidFill>
-                          <a:latin typeface="+mn-lt"/>
-                          <a:ea typeface="+mn-ea"/>
-                          <a:cs typeface="+mn-cs"/>
-                        </a:rPr>
-                        <a:t>String</a:t>
-                      </a:r>
-                      <a:r>
-                        <a:rPr lang="en-US" sz="1800" b="0" i="0" kern="1200" dirty="0">
-                          <a:solidFill>
-                            <a:schemeClr val="dk1"/>
-                          </a:solidFill>
-                          <a:effectLst/>
-                          <a:latin typeface="+mn-lt"/>
-                          <a:ea typeface="+mn-ea"/>
-                          <a:cs typeface="+mn-cs"/>
-                        </a:rPr>
-                        <a:t>,</a:t>
-                      </a:r>
-                    </a:p>
-                    <a:p>
-                      <a:r>
-                        <a:rPr lang="en-US" sz="1800" b="0" i="0" kern="1200" dirty="0">
-                          <a:solidFill>
-                            <a:schemeClr val="dk1"/>
-                          </a:solidFill>
-                          <a:effectLst/>
-                          <a:latin typeface="+mn-lt"/>
-                          <a:ea typeface="+mn-ea"/>
-                          <a:cs typeface="+mn-cs"/>
-                        </a:rPr>
-                        <a:t>		organizer: {id: </a:t>
-                      </a:r>
-                      <a:r>
-                        <a:rPr lang="en-US" sz="1800" kern="1200" dirty="0">
-                          <a:solidFill>
-                            <a:schemeClr val="accent1">
-                              <a:lumMod val="75000"/>
-                            </a:schemeClr>
-                          </a:solidFill>
-                          <a:latin typeface="+mn-lt"/>
-                          <a:ea typeface="+mn-ea"/>
-                          <a:cs typeface="+mn-cs"/>
-                        </a:rPr>
-                        <a:t>String</a:t>
-                      </a:r>
-                      <a:r>
-                        <a:rPr lang="en-US" sz="1800" b="0" i="0" kern="1200" dirty="0">
-                          <a:solidFill>
-                            <a:schemeClr val="dk1"/>
-                          </a:solidFill>
-                          <a:effectLst/>
-                          <a:latin typeface="+mn-lt"/>
-                          <a:ea typeface="+mn-ea"/>
-                          <a:cs typeface="+mn-cs"/>
-                        </a:rPr>
-                        <a:t>,</a:t>
-                      </a:r>
-                      <a:r>
-                        <a:rPr lang="en-US" sz="1800" b="0" i="0" kern="1200" baseline="0" dirty="0">
-                          <a:solidFill>
-                            <a:schemeClr val="dk1"/>
-                          </a:solidFill>
-                          <a:effectLst/>
-                          <a:latin typeface="+mn-lt"/>
-                          <a:ea typeface="+mn-ea"/>
-                          <a:cs typeface="+mn-cs"/>
-                        </a:rPr>
-                        <a:t> </a:t>
-                      </a:r>
-                    </a:p>
-                    <a:p>
-                      <a:r>
-                        <a:rPr lang="en-US" sz="1800" b="0" i="0" kern="1200" dirty="0">
-                          <a:solidFill>
-                            <a:schemeClr val="dk1"/>
-                          </a:solidFill>
-                          <a:effectLst/>
-                          <a:latin typeface="+mn-lt"/>
-                          <a:ea typeface="+mn-ea"/>
-                          <a:cs typeface="+mn-cs"/>
-                        </a:rPr>
-                        <a:t>                                   </a:t>
-                      </a:r>
-                      <a:r>
-                        <a:rPr lang="en-US" sz="1800" b="0" i="0" kern="1200" baseline="0" dirty="0">
-                          <a:solidFill>
-                            <a:schemeClr val="dk1"/>
-                          </a:solidFill>
-                          <a:effectLst/>
-                          <a:latin typeface="+mn-lt"/>
-                          <a:ea typeface="+mn-ea"/>
-                          <a:cs typeface="+mn-cs"/>
-                        </a:rPr>
-                        <a:t>                        </a:t>
-                      </a:r>
-                      <a:r>
-                        <a:rPr lang="en-US" sz="1800" b="0" i="0" kern="1200" dirty="0">
-                          <a:solidFill>
-                            <a:schemeClr val="dk1"/>
-                          </a:solidFill>
-                          <a:effectLst/>
-                          <a:latin typeface="+mn-lt"/>
-                          <a:ea typeface="+mn-ea"/>
-                          <a:cs typeface="+mn-cs"/>
-                        </a:rPr>
-                        <a:t>name: </a:t>
-                      </a:r>
-                      <a:r>
-                        <a:rPr lang="en-US" sz="1800" kern="1200" dirty="0">
-                          <a:solidFill>
-                            <a:schemeClr val="accent1">
-                              <a:lumMod val="75000"/>
-                            </a:schemeClr>
-                          </a:solidFill>
-                          <a:latin typeface="+mn-lt"/>
-                          <a:ea typeface="+mn-ea"/>
-                          <a:cs typeface="+mn-cs"/>
-                        </a:rPr>
-                        <a:t>String</a:t>
-                      </a:r>
-                      <a:r>
-                        <a:rPr lang="en-US" sz="1800" b="0" i="0" kern="1200" dirty="0">
-                          <a:solidFill>
-                            <a:schemeClr val="dk1"/>
-                          </a:solidFill>
-                          <a:effectLst/>
-                          <a:latin typeface="+mn-lt"/>
-                          <a:ea typeface="+mn-ea"/>
-                          <a:cs typeface="+mn-cs"/>
-                        </a:rPr>
-                        <a:t>,</a:t>
-                      </a:r>
-                      <a:r>
-                        <a:rPr lang="en-US" sz="1800" b="0" i="0" kern="1200" baseline="0" dirty="0">
-                          <a:solidFill>
-                            <a:schemeClr val="dk1"/>
-                          </a:solidFill>
-                          <a:effectLst/>
-                          <a:latin typeface="+mn-lt"/>
-                          <a:ea typeface="+mn-ea"/>
-                          <a:cs typeface="+mn-cs"/>
-                        </a:rPr>
-                        <a:t> </a:t>
-                      </a:r>
-                      <a:r>
-                        <a:rPr lang="en-US" sz="1800" b="0" i="0" kern="1200" baseline="0" dirty="0" err="1">
-                          <a:solidFill>
-                            <a:schemeClr val="dk1"/>
-                          </a:solidFill>
-                          <a:effectLst/>
-                          <a:latin typeface="+mn-lt"/>
-                          <a:ea typeface="+mn-ea"/>
-                          <a:cs typeface="+mn-cs"/>
-                        </a:rPr>
-                        <a:t>img</a:t>
-                      </a:r>
-                      <a:r>
-                        <a:rPr lang="en-US" sz="1800" b="0" i="0" kern="1200" baseline="0" dirty="0">
-                          <a:solidFill>
-                            <a:schemeClr val="dk1"/>
-                          </a:solidFill>
-                          <a:effectLst/>
-                          <a:latin typeface="+mn-lt"/>
-                          <a:ea typeface="+mn-ea"/>
-                          <a:cs typeface="+mn-cs"/>
-                        </a:rPr>
-                        <a:t>: </a:t>
-                      </a:r>
-                      <a:r>
-                        <a:rPr lang="en-US" sz="1800" kern="1200" dirty="0">
-                          <a:solidFill>
-                            <a:schemeClr val="accent1">
-                              <a:lumMod val="75000"/>
-                            </a:schemeClr>
-                          </a:solidFill>
-                          <a:latin typeface="+mn-lt"/>
-                          <a:ea typeface="+mn-ea"/>
-                          <a:cs typeface="+mn-cs"/>
-                        </a:rPr>
-                        <a:t>String</a:t>
-                      </a:r>
-                      <a:r>
-                        <a:rPr lang="en-US" sz="1800" kern="1200" dirty="0">
-                          <a:solidFill>
-                            <a:schemeClr val="tx1"/>
-                          </a:solidFill>
-                          <a:latin typeface="+mn-lt"/>
-                          <a:ea typeface="+mn-ea"/>
-                          <a:cs typeface="+mn-cs"/>
-                        </a:rPr>
-                        <a:t>},</a:t>
-                      </a:r>
-                      <a:endParaRPr lang="en-US" sz="1800" b="0" i="0" kern="1200" dirty="0">
+                        <a:rPr lang="de-DE" b="1" dirty="0">
+                          <a:solidFill>
+                            <a:schemeClr val="accent6"/>
+                          </a:solidFill>
+                        </a:rPr>
+                        <a:t>GET</a:t>
+                      </a:r>
+                    </a:p>
+                  </a:txBody>
+                  <a:tcPr>
+                    <a:noFill/>
+                  </a:tcPr>
+                </a:tc>
+                <a:tc>
+                  <a:txBody>
+                    <a:bodyPr/>
+                    <a:lstStyle/>
+                    <a:p>
+                      <a:endParaRPr lang="de-DE">
                         <a:solidFill>
-                          <a:schemeClr val="tx1"/>
+                          <a:sysClr val="windowText" lastClr="000000"/>
                         </a:solidFill>
-                        <a:effectLst/>
-                        <a:latin typeface="+mn-lt"/>
-                        <a:ea typeface="+mn-ea"/>
-                        <a:cs typeface="+mn-cs"/>
                       </a:endParaRPr>
                     </a:p>
-                    <a:p>
-                      <a:r>
-                        <a:rPr lang="en-US" sz="1800" b="0" i="0" kern="1200" dirty="0">
-                          <a:solidFill>
-                            <a:schemeClr val="dk1"/>
-                          </a:solidFill>
-                          <a:effectLst/>
-                          <a:latin typeface="+mn-lt"/>
-                          <a:ea typeface="+mn-ea"/>
-                          <a:cs typeface="+mn-cs"/>
-                        </a:rPr>
-                        <a:t>		participants: [ {id: </a:t>
-                      </a:r>
-                      <a:r>
-                        <a:rPr lang="en-US" sz="1800" kern="1200" dirty="0">
-                          <a:solidFill>
-                            <a:schemeClr val="accent1">
-                              <a:lumMod val="75000"/>
-                            </a:schemeClr>
-                          </a:solidFill>
-                          <a:latin typeface="+mn-lt"/>
-                          <a:ea typeface="+mn-ea"/>
-                          <a:cs typeface="+mn-cs"/>
-                        </a:rPr>
-                        <a:t>String</a:t>
-                      </a:r>
-                      <a:r>
-                        <a:rPr lang="en-US" sz="1800" b="0" i="0" kern="1200" dirty="0">
-                          <a:solidFill>
-                            <a:schemeClr val="dk1"/>
-                          </a:solidFill>
-                          <a:effectLst/>
-                          <a:latin typeface="+mn-lt"/>
-                          <a:ea typeface="+mn-ea"/>
-                          <a:cs typeface="+mn-cs"/>
-                        </a:rPr>
-                        <a:t>,</a:t>
-                      </a:r>
-                      <a:r>
-                        <a:rPr lang="en-US" sz="1800" b="0" i="0" kern="1200" baseline="0" dirty="0">
-                          <a:solidFill>
-                            <a:schemeClr val="dk1"/>
-                          </a:solidFill>
-                          <a:effectLst/>
-                          <a:latin typeface="+mn-lt"/>
-                          <a:ea typeface="+mn-ea"/>
-                          <a:cs typeface="+mn-cs"/>
-                        </a:rPr>
-                        <a:t> </a:t>
-                      </a:r>
-                      <a:r>
-                        <a:rPr lang="en-US" sz="1800" b="0" i="0" kern="1200" dirty="0">
-                          <a:solidFill>
-                            <a:schemeClr val="dk1"/>
-                          </a:solidFill>
-                          <a:effectLst/>
-                          <a:latin typeface="+mn-lt"/>
-                          <a:ea typeface="+mn-ea"/>
-                          <a:cs typeface="+mn-cs"/>
-                        </a:rPr>
-                        <a:t>name: </a:t>
-                      </a:r>
-                      <a:r>
-                        <a:rPr lang="en-US" sz="1800" kern="1200" dirty="0">
-                          <a:solidFill>
-                            <a:schemeClr val="accent1">
-                              <a:lumMod val="75000"/>
-                            </a:schemeClr>
-                          </a:solidFill>
-                          <a:latin typeface="+mn-lt"/>
-                          <a:ea typeface="+mn-ea"/>
-                          <a:cs typeface="+mn-cs"/>
-                        </a:rPr>
-                        <a:t>String</a:t>
-                      </a:r>
-                      <a:r>
-                        <a:rPr lang="en-US" sz="1800" b="0" i="0" kern="1200" dirty="0">
-                          <a:solidFill>
-                            <a:schemeClr val="dk1"/>
-                          </a:solidFill>
-                          <a:effectLst/>
-                          <a:latin typeface="+mn-lt"/>
-                          <a:ea typeface="+mn-ea"/>
-                          <a:cs typeface="+mn-cs"/>
-                        </a:rPr>
-                        <a:t>,</a:t>
-                      </a:r>
-                    </a:p>
-                    <a:p>
-                      <a:r>
-                        <a:rPr lang="en-US" sz="1800" b="0" i="0" kern="1200" baseline="0" dirty="0">
-                          <a:solidFill>
-                            <a:schemeClr val="dk1"/>
-                          </a:solidFill>
-                          <a:effectLst/>
-                          <a:latin typeface="+mn-lt"/>
-                          <a:ea typeface="+mn-ea"/>
-                          <a:cs typeface="+mn-cs"/>
-                        </a:rPr>
-                        <a:t>                                                                  </a:t>
-                      </a:r>
-                      <a:r>
-                        <a:rPr lang="en-US" sz="1800" b="0" i="0" kern="1200" baseline="0" dirty="0" err="1">
-                          <a:solidFill>
-                            <a:schemeClr val="dk1"/>
-                          </a:solidFill>
-                          <a:effectLst/>
-                          <a:latin typeface="+mn-lt"/>
-                          <a:ea typeface="+mn-ea"/>
-                          <a:cs typeface="+mn-cs"/>
-                        </a:rPr>
-                        <a:t>img</a:t>
-                      </a:r>
-                      <a:r>
-                        <a:rPr lang="en-US" sz="1800" b="0" i="0" kern="1200" baseline="0" dirty="0">
-                          <a:solidFill>
-                            <a:schemeClr val="dk1"/>
-                          </a:solidFill>
-                          <a:effectLst/>
-                          <a:latin typeface="+mn-lt"/>
-                          <a:ea typeface="+mn-ea"/>
-                          <a:cs typeface="+mn-cs"/>
-                        </a:rPr>
-                        <a:t>: </a:t>
-                      </a:r>
-                      <a:r>
-                        <a:rPr lang="en-US" sz="1800" kern="1200" dirty="0">
-                          <a:solidFill>
-                            <a:schemeClr val="accent1">
-                              <a:lumMod val="75000"/>
-                            </a:schemeClr>
-                          </a:solidFill>
-                          <a:latin typeface="+mn-lt"/>
-                          <a:ea typeface="+mn-ea"/>
-                          <a:cs typeface="+mn-cs"/>
-                        </a:rPr>
-                        <a:t>String</a:t>
-                      </a:r>
-                      <a:r>
-                        <a:rPr lang="en-US" sz="1800" kern="1200" dirty="0">
-                          <a:solidFill>
-                            <a:schemeClr val="tx1"/>
-                          </a:solidFill>
-                          <a:latin typeface="+mn-lt"/>
-                          <a:ea typeface="+mn-ea"/>
-                          <a:cs typeface="+mn-cs"/>
-                        </a:rPr>
-                        <a:t>} ],</a:t>
-                      </a:r>
-                      <a:endParaRPr lang="en-US" sz="1800" b="0" i="0" kern="1200" dirty="0">
-                        <a:solidFill>
-                          <a:schemeClr val="dk1"/>
-                        </a:solidFill>
-                        <a:effectLst/>
-                        <a:latin typeface="+mn-lt"/>
-                        <a:ea typeface="+mn-ea"/>
-                        <a:cs typeface="+mn-cs"/>
-                      </a:endParaRPr>
-                    </a:p>
-                    <a:p>
-                      <a:r>
-                        <a:rPr lang="en-US" sz="1800" b="0" i="0" kern="1200" dirty="0">
-                          <a:solidFill>
-                            <a:schemeClr val="dk1"/>
-                          </a:solidFill>
-                          <a:effectLst/>
-                          <a:latin typeface="+mn-lt"/>
-                          <a:ea typeface="+mn-ea"/>
-                          <a:cs typeface="+mn-cs"/>
-                        </a:rPr>
-                        <a:t>		</a:t>
-                      </a:r>
-                      <a:r>
-                        <a:rPr lang="en-US" sz="1800" b="0" i="0" kern="1200" dirty="0" err="1">
-                          <a:solidFill>
-                            <a:schemeClr val="dk1"/>
-                          </a:solidFill>
-                          <a:effectLst/>
-                          <a:latin typeface="+mn-lt"/>
-                          <a:ea typeface="+mn-ea"/>
-                          <a:cs typeface="+mn-cs"/>
-                        </a:rPr>
-                        <a:t>participantCount</a:t>
-                      </a:r>
-                      <a:r>
-                        <a:rPr lang="en-US" sz="1800" b="0" i="0" kern="1200" dirty="0">
-                          <a:solidFill>
-                            <a:schemeClr val="dk1"/>
-                          </a:solidFill>
-                          <a:effectLst/>
-                          <a:latin typeface="+mn-lt"/>
-                          <a:ea typeface="+mn-ea"/>
-                          <a:cs typeface="+mn-cs"/>
-                        </a:rPr>
-                        <a:t>: </a:t>
-                      </a:r>
-                      <a:r>
-                        <a:rPr lang="en-US" sz="1800" kern="1200" dirty="0">
-                          <a:solidFill>
-                            <a:schemeClr val="accent1">
-                              <a:lumMod val="75000"/>
-                            </a:schemeClr>
-                          </a:solidFill>
-                          <a:latin typeface="+mn-lt"/>
-                          <a:ea typeface="+mn-ea"/>
-                          <a:cs typeface="+mn-cs"/>
-                        </a:rPr>
-                        <a:t>Number</a:t>
-                      </a:r>
-                      <a:endParaRPr lang="en-US" sz="1800" b="0" i="0" kern="1200" dirty="0">
-                        <a:solidFill>
-                          <a:schemeClr val="dk1"/>
-                        </a:solidFill>
-                        <a:effectLst/>
-                        <a:latin typeface="+mn-lt"/>
-                        <a:ea typeface="+mn-ea"/>
-                        <a:cs typeface="+mn-cs"/>
-                      </a:endParaRPr>
-                    </a:p>
-                    <a:p>
-                      <a:r>
-                        <a:rPr lang="en-US" sz="1800" b="0" i="0" kern="1200" dirty="0">
-                          <a:solidFill>
-                            <a:schemeClr val="dk1"/>
-                          </a:solidFill>
-                          <a:effectLst/>
-                          <a:latin typeface="+mn-lt"/>
-                          <a:ea typeface="+mn-ea"/>
-                          <a:cs typeface="+mn-cs"/>
-                        </a:rPr>
-                        <a:t>	}</a:t>
-                      </a:r>
-                    </a:p>
-                    <a:p>
-                      <a:r>
-                        <a:rPr lang="en-US" sz="1800" b="0" i="0" kern="1200" dirty="0">
-                          <a:solidFill>
-                            <a:schemeClr val="dk1"/>
-                          </a:solidFill>
-                          <a:effectLst/>
-                          <a:latin typeface="+mn-lt"/>
-                          <a:ea typeface="+mn-ea"/>
-                          <a:cs typeface="+mn-cs"/>
-                        </a:rPr>
-                        <a:t>]</a:t>
-                      </a:r>
-                    </a:p>
-                  </a:txBody>
-                  <a:tcPr anchor="ctr">
-                    <a:lnL w="12700" cap="flat" cmpd="sng" algn="ctr">
-                      <a:solidFill>
-                        <a:schemeClr val="tx1"/>
-                      </a:solidFill>
-                      <a:prstDash val="solid"/>
-                      <a:round/>
-                      <a:headEnd type="none" w="med" len="med"/>
-                      <a:tailEnd type="none" w="med" len="med"/>
-                    </a:lnL>
-                    <a:lnR w="12700" cap="flat" cmpd="sng" algn="ctr">
-                      <a:solidFill>
-                        <a:schemeClr val="tx1"/>
-                      </a:solidFill>
-                      <a:prstDash val="solid"/>
-                      <a:round/>
-                      <a:headEnd type="none" w="med" len="med"/>
-                      <a:tailEnd type="none" w="med" len="med"/>
-                    </a:lnR>
-                    <a:lnT w="12700" cap="flat" cmpd="sng" algn="ctr">
-                      <a:solidFill>
-                        <a:schemeClr val="tx1"/>
-                      </a:solidFill>
-                      <a:prstDash val="solid"/>
-                      <a:round/>
-                      <a:headEnd type="none" w="med" len="med"/>
-                      <a:tailEnd type="none" w="med" len="med"/>
-                    </a:lnT>
-                    <a:lnB w="12700" cap="flat" cmpd="sng" algn="ctr">
-                      <a:solidFill>
-                        <a:schemeClr val="tx1"/>
-                      </a:solidFill>
-                      <a:prstDash val="solid"/>
-                      <a:round/>
-                      <a:headEnd type="none" w="med" len="med"/>
-                      <a:tailEnd type="none" w="med" len="med"/>
-                    </a:lnB>
-                    <a:noFill/>
-                  </a:tcPr>
-                </a:tc>
-                <a:tc hMerge="1">
-                  <a:txBody>
-                    <a:bodyPr/>
-                    <a:lstStyle/>
-                    <a:p>
-                      <a:endParaRPr lang="de-DE"/>
-                    </a:p>
-                  </a:txBody>
-                  <a:tcPr/>
-                </a:tc>
-                <a:tc hMerge="1">
-                  <a:txBody>
-                    <a:bodyPr/>
-                    <a:lstStyle/>
-                    <a:p>
-                      <a:endParaRPr lang="de-DE"/>
-                    </a:p>
-                  </a:txBody>
-                  <a:tcPr/>
-                </a:tc>
-                <a:tc hMerge="1">
-                  <a:txBody>
-                    <a:bodyPr/>
-                    <a:lstStyle/>
-                    <a:p>
-                      <a:endParaRPr lang="de-DE"/>
-                    </a:p>
-                  </a:txBody>
-                  <a:tcPr/>
+                  </a:txBody>
+                  <a:tcPr>
+                    <a:noFill/>
+                  </a:tcPr>
                 </a:tc>
                 <a:extLst>
                   <a:ext uri="{0D108BD9-81ED-4DB2-BD59-A6C34878D82A}">
-                    <a16:rowId xmlns:a16="http://schemas.microsoft.com/office/drawing/2014/main" val="3078822959"/>
+                    <a16:rowId xmlns:a16="http://schemas.microsoft.com/office/drawing/2014/main" val="576259959"/>
                   </a:ext>
                 </a:extLst>
               </a:tr>
-              <a:tr h="577936">
+              <a:tr h="370840">
+                <a:tc>
+                  <a:txBody>
+                    <a:bodyPr/>
+                    <a:lstStyle/>
+                    <a:p>
+                      <a:pPr marL="0" marR="0" lvl="0" indent="0" algn="l" defTabSz="914400" rtl="0" eaLnBrk="1" fontAlgn="auto" latinLnBrk="0" hangingPunct="1">
+                        <a:lnSpc>
+                          <a:spcPct val="100000"/>
+                        </a:lnSpc>
+                        <a:spcBef>
+                          <a:spcPts val="0"/>
+                        </a:spcBef>
+                        <a:spcAft>
+                          <a:spcPts val="0"/>
+                        </a:spcAft>
+                        <a:buClrTx/>
+                        <a:buSzTx/>
+                        <a:buFontTx/>
+                        <a:buNone/>
+                        <a:tabLst/>
+                        <a:defRPr/>
+                      </a:pPr>
+                      <a:endParaRPr lang="de-DE" dirty="0">
+                        <a:solidFill>
+                          <a:schemeClr val="bg1">
+                            <a:lumMod val="75000"/>
+                          </a:schemeClr>
+                        </a:solidFill>
+                      </a:endParaRPr>
+                    </a:p>
+                  </a:txBody>
+                  <a:tcPr>
+                    <a:noFill/>
+                  </a:tcPr>
+                </a:tc>
+                <a:tc>
+                  <a:txBody>
+                    <a:bodyPr/>
+                    <a:lstStyle/>
+                    <a:p>
+                      <a:endParaRPr lang="de-DE" b="1" dirty="0">
+                        <a:solidFill>
+                          <a:sysClr val="windowText" lastClr="000000"/>
+                        </a:solidFill>
+                      </a:endParaRPr>
+                    </a:p>
+                  </a:txBody>
+                  <a:tcPr>
+                    <a:noFill/>
+                  </a:tcPr>
+                </a:tc>
+                <a:tc>
+                  <a:txBody>
+                    <a:bodyPr/>
+                    <a:lstStyle/>
+                    <a:p>
+                      <a:endParaRPr lang="de-DE" b="1" dirty="0">
+                        <a:solidFill>
+                          <a:sysClr val="windowText" lastClr="000000"/>
+                        </a:solidFill>
+                      </a:endParaRPr>
+                    </a:p>
+                  </a:txBody>
+                  <a:tcPr>
+                    <a:noFill/>
+                  </a:tcPr>
+                </a:tc>
+                <a:tc>
+                  <a:txBody>
+                    <a:bodyPr/>
+                    <a:lstStyle/>
+                    <a:p>
+                      <a:endParaRPr lang="de-DE" b="1" dirty="0">
+                        <a:solidFill>
+                          <a:srgbClr val="C00000"/>
+                        </a:solidFill>
+                      </a:endParaRPr>
+                    </a:p>
+                  </a:txBody>
+                  <a:tcPr>
+                    <a:noFill/>
+                  </a:tcPr>
+                </a:tc>
+                <a:tc>
+                  <a:txBody>
+                    <a:bodyPr/>
+                    <a:lstStyle/>
+                    <a:p>
+                      <a:endParaRPr lang="de-DE">
+                        <a:solidFill>
+                          <a:sysClr val="windowText" lastClr="000000"/>
+                        </a:solidFill>
+                      </a:endParaRPr>
+                    </a:p>
+                  </a:txBody>
+                  <a:tcPr>
+                    <a:noFill/>
+                  </a:tcPr>
+                </a:tc>
+                <a:extLst>
+                  <a:ext uri="{0D108BD9-81ED-4DB2-BD59-A6C34878D82A}">
+                    <a16:rowId xmlns:a16="http://schemas.microsoft.com/office/drawing/2014/main" val="1160505401"/>
+                  </a:ext>
+                </a:extLst>
+              </a:tr>
+              <a:tr h="370840">
                 <a:tc>
                   <a:txBody>
                     <a:bodyPr/>
@@ -11567,39 +13762,7 @@
                       </a:endParaRPr>
                     </a:p>
                   </a:txBody>
-                  <a:tcPr anchor="ctr">
-                    <a:lnL w="12700" cap="flat" cmpd="sng" algn="ctr">
-                      <a:noFill/>
-                      <a:prstDash val="solid"/>
-                      <a:round/>
-                      <a:headEnd type="none" w="med" len="med"/>
-                      <a:tailEnd type="none" w="med" len="med"/>
-                    </a:lnL>
-                    <a:lnR w="12700" cap="flat" cmpd="sng" algn="ctr">
-                      <a:solidFill>
-                        <a:schemeClr val="tx1"/>
-                      </a:solidFill>
-                      <a:prstDash val="solid"/>
-                      <a:round/>
-                      <a:headEnd type="none" w="med" len="med"/>
-                      <a:tailEnd type="none" w="med" len="med"/>
-                    </a:lnR>
-                    <a:lnT w="12700" cap="flat" cmpd="sng" algn="ctr">
-                      <a:solidFill>
-                        <a:schemeClr val="tx1"/>
-                      </a:solidFill>
-                      <a:prstDash val="solid"/>
-                      <a:round/>
-                      <a:headEnd type="none" w="med" len="med"/>
-                      <a:tailEnd type="none" w="med" len="med"/>
-                    </a:lnT>
-                    <a:lnB w="12700" cap="flat" cmpd="sng" algn="ctr">
-                      <a:noFill/>
-                      <a:prstDash val="solid"/>
-                      <a:round/>
-                      <a:headEnd type="none" w="med" len="med"/>
-                      <a:tailEnd type="none" w="med" len="med"/>
-                    </a:lnB>
+                  <a:tcPr>
                     <a:noFill/>
                   </a:tcPr>
                 </a:tc>
@@ -11608,169 +13771,68 @@
                     <a:bodyPr/>
                     <a:lstStyle/>
                     <a:p>
-                      <a:r>
-                        <a:rPr lang="de-DE" dirty="0"/>
-                        <a:t>401</a:t>
-                      </a:r>
-                    </a:p>
-                  </a:txBody>
-                  <a:tcPr anchor="ctr">
-                    <a:lnL w="12700" cap="flat" cmpd="sng" algn="ctr">
-                      <a:solidFill>
-                        <a:schemeClr val="tx1"/>
-                      </a:solidFill>
-                      <a:prstDash val="solid"/>
-                      <a:round/>
-                      <a:headEnd type="none" w="med" len="med"/>
-                      <a:tailEnd type="none" w="med" len="med"/>
-                    </a:lnL>
-                    <a:lnR w="12700" cap="flat" cmpd="sng" algn="ctr">
-                      <a:solidFill>
-                        <a:schemeClr val="tx1"/>
-                      </a:solidFill>
-                      <a:prstDash val="solid"/>
-                      <a:round/>
-                      <a:headEnd type="none" w="med" len="med"/>
-                      <a:tailEnd type="none" w="med" len="med"/>
-                    </a:lnR>
-                    <a:lnT w="12700" cap="flat" cmpd="sng" algn="ctr">
-                      <a:solidFill>
-                        <a:schemeClr val="tx1"/>
-                      </a:solidFill>
-                      <a:prstDash val="solid"/>
-                      <a:round/>
-                      <a:headEnd type="none" w="med" len="med"/>
-                      <a:tailEnd type="none" w="med" len="med"/>
-                    </a:lnT>
-                    <a:lnB w="12700" cap="flat" cmpd="sng" algn="ctr">
-                      <a:solidFill>
-                        <a:schemeClr val="tx1"/>
-                      </a:solidFill>
-                      <a:prstDash val="solid"/>
-                      <a:round/>
-                      <a:headEnd type="none" w="med" len="med"/>
-                      <a:tailEnd type="none" w="med" len="med"/>
-                    </a:lnB>
-                    <a:noFill/>
-                  </a:tcPr>
-                </a:tc>
-                <a:tc gridSpan="4">
-                  <a:txBody>
-                    <a:bodyPr/>
-                    <a:lstStyle/>
-                    <a:p>
-                      <a:r>
-                        <a:rPr lang="en-US" sz="1800" b="0" i="0" kern="1200" dirty="0">
-                          <a:solidFill>
-                            <a:schemeClr val="dk1"/>
-                          </a:solidFill>
-                          <a:effectLst/>
-                          <a:latin typeface="+mn-lt"/>
-                          <a:ea typeface="+mn-ea"/>
-                          <a:cs typeface="+mn-cs"/>
-                        </a:rPr>
-                        <a:t>{"</a:t>
-                      </a:r>
-                      <a:r>
-                        <a:rPr lang="en-US" sz="1800" b="0" i="0" kern="1200" dirty="0" err="1">
-                          <a:solidFill>
-                            <a:schemeClr val="dk1"/>
-                          </a:solidFill>
-                          <a:effectLst/>
-                          <a:latin typeface="+mn-lt"/>
-                          <a:ea typeface="+mn-ea"/>
-                          <a:cs typeface="+mn-cs"/>
-                        </a:rPr>
-                        <a:t>status":"No</a:t>
-                      </a:r>
-                      <a:r>
-                        <a:rPr lang="en-US" sz="1800" b="0" i="0" kern="1200" dirty="0">
-                          <a:solidFill>
-                            <a:schemeClr val="dk1"/>
-                          </a:solidFill>
-                          <a:effectLst/>
-                          <a:latin typeface="+mn-lt"/>
-                          <a:ea typeface="+mn-ea"/>
-                          <a:cs typeface="+mn-cs"/>
-                        </a:rPr>
-                        <a:t> user is logged in"}</a:t>
-                      </a:r>
-                      <a:endParaRPr lang="de-DE" dirty="0"/>
-                    </a:p>
-                  </a:txBody>
-                  <a:tcPr anchor="ctr">
-                    <a:lnL w="12700" cap="flat" cmpd="sng" algn="ctr">
-                      <a:solidFill>
-                        <a:schemeClr val="tx1"/>
-                      </a:solidFill>
-                      <a:prstDash val="solid"/>
-                      <a:round/>
-                      <a:headEnd type="none" w="med" len="med"/>
-                      <a:tailEnd type="none" w="med" len="med"/>
-                    </a:lnL>
-                    <a:lnR w="12700" cap="flat" cmpd="sng" algn="ctr">
-                      <a:solidFill>
-                        <a:schemeClr val="tx1"/>
-                      </a:solidFill>
-                      <a:prstDash val="solid"/>
-                      <a:round/>
-                      <a:headEnd type="none" w="med" len="med"/>
-                      <a:tailEnd type="none" w="med" len="med"/>
-                    </a:lnR>
-                    <a:lnT w="12700" cap="flat" cmpd="sng" algn="ctr">
-                      <a:solidFill>
-                        <a:schemeClr val="tx1"/>
-                      </a:solidFill>
-                      <a:prstDash val="solid"/>
-                      <a:round/>
-                      <a:headEnd type="none" w="med" len="med"/>
-                      <a:tailEnd type="none" w="med" len="med"/>
-                    </a:lnT>
-                    <a:lnB w="12700" cap="flat" cmpd="sng" algn="ctr">
-                      <a:solidFill>
-                        <a:schemeClr val="tx1"/>
-                      </a:solidFill>
-                      <a:prstDash val="solid"/>
-                      <a:round/>
-                      <a:headEnd type="none" w="med" len="med"/>
-                      <a:tailEnd type="none" w="med" len="med"/>
-                    </a:lnB>
-                    <a:noFill/>
-                  </a:tcPr>
-                </a:tc>
-                <a:tc hMerge="1">
-                  <a:txBody>
-                    <a:bodyPr/>
-                    <a:lstStyle/>
-                    <a:p>
-                      <a:endParaRPr lang="de-DE"/>
-                    </a:p>
-                  </a:txBody>
-                  <a:tcPr/>
-                </a:tc>
-                <a:tc hMerge="1">
-                  <a:txBody>
-                    <a:bodyPr/>
-                    <a:lstStyle/>
-                    <a:p>
-                      <a:endParaRPr lang="de-DE"/>
-                    </a:p>
-                  </a:txBody>
-                  <a:tcPr/>
-                </a:tc>
-                <a:tc hMerge="1">
-                  <a:txBody>
-                    <a:bodyPr/>
-                    <a:lstStyle/>
-                    <a:p>
-                      <a:endParaRPr lang="de-DE"/>
-                    </a:p>
-                  </a:txBody>
-                  <a:tcPr/>
+                      <a:endParaRPr lang="de-DE" dirty="0">
+                        <a:solidFill>
+                          <a:sysClr val="windowText" lastClr="000000"/>
+                        </a:solidFill>
+                      </a:endParaRPr>
+                    </a:p>
+                  </a:txBody>
+                  <a:tcPr>
+                    <a:noFill/>
+                  </a:tcPr>
+                </a:tc>
+                <a:tc>
+                  <a:txBody>
+                    <a:bodyPr/>
+                    <a:lstStyle/>
+                    <a:p>
+                      <a:endParaRPr lang="de-DE">
+                        <a:solidFill>
+                          <a:sysClr val="windowText" lastClr="000000"/>
+                        </a:solidFill>
+                      </a:endParaRPr>
+                    </a:p>
+                  </a:txBody>
+                  <a:tcPr>
+                    <a:noFill/>
+                  </a:tcPr>
+                </a:tc>
+                <a:tc>
+                  <a:txBody>
+                    <a:bodyPr/>
+                    <a:lstStyle/>
+                    <a:p>
+                      <a:endParaRPr lang="de-DE">
+                        <a:solidFill>
+                          <a:sysClr val="windowText" lastClr="000000"/>
+                        </a:solidFill>
+                      </a:endParaRPr>
+                    </a:p>
+                  </a:txBody>
+                  <a:tcPr>
+                    <a:noFill/>
+                  </a:tcPr>
+                </a:tc>
+                <a:tc>
+                  <a:txBody>
+                    <a:bodyPr/>
+                    <a:lstStyle/>
+                    <a:p>
+                      <a:endParaRPr lang="de-DE" dirty="0">
+                        <a:solidFill>
+                          <a:sysClr val="windowText" lastClr="000000"/>
+                        </a:solidFill>
+                      </a:endParaRPr>
+                    </a:p>
+                  </a:txBody>
+                  <a:tcPr>
+                    <a:noFill/>
+                  </a:tcPr>
                 </a:tc>
                 <a:extLst>
                   <a:ext uri="{0D108BD9-81ED-4DB2-BD59-A6C34878D82A}">
-                    <a16:rowId xmlns:a16="http://schemas.microsoft.com/office/drawing/2014/main" val="247276148"/>
+                    <a16:rowId xmlns:a16="http://schemas.microsoft.com/office/drawing/2014/main" val="3060116764"/>
                   </a:ext>
                 </a:extLst>
               </a:tr>
@@ -11781,7 +13843,7 @@
     </p:spTree>
     <p:extLst>
       <p:ext uri="{BB962C8B-B14F-4D97-AF65-F5344CB8AC3E}">
-        <p14:creationId xmlns:p14="http://schemas.microsoft.com/office/powerpoint/2010/main" val="3404848364"/>
+        <p14:creationId xmlns:p14="http://schemas.microsoft.com/office/powerpoint/2010/main" val="2719076057"/>
       </p:ext>
     </p:extLst>
   </p:cSld>
@@ -11862,14 +13924,14 @@
           <p:nvPr>
             <p:extLst>
               <p:ext uri="{D42A27DB-BD31-4B8C-83A1-F6EECF244321}">
-                <p14:modId xmlns:p14="http://schemas.microsoft.com/office/powerpoint/2010/main" val="2343032397"/>
+                <p14:modId xmlns:p14="http://schemas.microsoft.com/office/powerpoint/2010/main" val="187804435"/>
               </p:ext>
             </p:extLst>
           </p:nvPr>
         </p:nvGraphicFramePr>
         <p:xfrm>
           <a:off x="835857" y="506537"/>
-          <a:ext cx="10520286" cy="5996597"/>
+          <a:ext cx="10520286" cy="6124133"/>
         </p:xfrm>
         <a:graphic>
           <a:graphicData uri="http://schemas.openxmlformats.org/drawingml/2006/table">
@@ -11921,7 +13983,7 @@
                   </a:extLst>
                 </a:gridCol>
               </a:tblGrid>
-              <a:tr h="694773">
+              <a:tr h="887196">
                 <a:tc>
                   <a:txBody>
                     <a:bodyPr/>
@@ -12076,7 +14138,7 @@
                             <a:srgbClr val="00B0F0"/>
                           </a:solidFill>
                         </a:rPr>
-                        <a:t>/$EVENTID</a:t>
+                        <a:t>/</a:t>
                       </a:r>
                     </a:p>
                   </a:txBody>
@@ -12236,7 +14298,7 @@
                   </a:ext>
                 </a:extLst>
               </a:tr>
-              <a:tr h="427743">
+              <a:tr h="452761">
                 <a:tc>
                   <a:txBody>
                     <a:bodyPr/>
@@ -12315,15 +14377,15 @@
                       </a:r>
                       <a:r>
                         <a:rPr lang="de-DE" dirty="0" err="1"/>
-                        <a:t>information</a:t>
-                      </a:r>
-                      <a:r>
-                        <a:rPr lang="de-DE" baseline="0" dirty="0"/>
-                        <a:t> on a </a:t>
-                      </a:r>
-                      <a:r>
-                        <a:rPr lang="de-DE" baseline="0" dirty="0" err="1"/>
-                        <a:t>specific</a:t>
+                        <a:t>the</a:t>
+                      </a:r>
+                      <a:r>
+                        <a:rPr lang="de-DE" dirty="0"/>
+                        <a:t> </a:t>
+                      </a:r>
+                      <a:r>
+                        <a:rPr lang="de-DE" dirty="0" err="1"/>
+                        <a:t>events</a:t>
                       </a:r>
                       <a:r>
                         <a:rPr lang="de-DE" baseline="0" dirty="0"/>
@@ -12331,39 +14393,55 @@
                       </a:r>
                       <a:r>
                         <a:rPr lang="de-DE" baseline="0" dirty="0" err="1"/>
-                        <a:t>event</a:t>
-                      </a:r>
-                      <a:r>
-                        <a:rPr lang="de-DE" dirty="0"/>
-                        <a:t>. </a:t>
-                      </a:r>
-                      <a:r>
-                        <a:rPr lang="de-DE" dirty="0" err="1"/>
-                        <a:t>Available</a:t>
-                      </a:r>
-                      <a:r>
-                        <a:rPr lang="de-DE" dirty="0"/>
+                        <a:t>that</a:t>
+                      </a:r>
+                      <a:r>
+                        <a:rPr lang="de-DE" baseline="0" dirty="0"/>
                         <a:t> </a:t>
                       </a:r>
                       <a:r>
-                        <a:rPr lang="de-DE" dirty="0" err="1"/>
-                        <a:t>for</a:t>
-                      </a:r>
-                      <a:r>
-                        <a:rPr lang="de-DE" dirty="0"/>
-                        <a:t> all </a:t>
-                      </a:r>
-                      <a:r>
-                        <a:rPr lang="de-DE" dirty="0" err="1"/>
-                        <a:t>invited</a:t>
-                      </a:r>
-                      <a:r>
-                        <a:rPr lang="de-DE" dirty="0"/>
+                        <a:rPr lang="de-DE" baseline="0" dirty="0" err="1"/>
+                        <a:t>are</a:t>
+                      </a:r>
+                      <a:r>
+                        <a:rPr lang="de-DE" baseline="0" dirty="0"/>
                         <a:t> </a:t>
                       </a:r>
                       <a:r>
-                        <a:rPr lang="de-DE" dirty="0" err="1"/>
-                        <a:t>participants</a:t>
+                        <a:rPr lang="de-DE" baseline="0" dirty="0" err="1"/>
+                        <a:t>visible</a:t>
+                      </a:r>
+                      <a:r>
+                        <a:rPr lang="de-DE" baseline="0" dirty="0"/>
+                        <a:t> </a:t>
+                      </a:r>
+                      <a:r>
+                        <a:rPr lang="de-DE" baseline="0" dirty="0" err="1"/>
+                        <a:t>to</a:t>
+                      </a:r>
+                      <a:r>
+                        <a:rPr lang="de-DE" baseline="0" dirty="0"/>
+                        <a:t> </a:t>
+                      </a:r>
+                      <a:r>
+                        <a:rPr lang="de-DE" baseline="0" dirty="0" err="1"/>
+                        <a:t>the</a:t>
+                      </a:r>
+                      <a:r>
+                        <a:rPr lang="de-DE" baseline="0" dirty="0"/>
+                        <a:t> </a:t>
+                      </a:r>
+                      <a:r>
+                        <a:rPr lang="de-DE" baseline="0" dirty="0" err="1"/>
+                        <a:t>current</a:t>
+                      </a:r>
+                      <a:r>
+                        <a:rPr lang="de-DE" baseline="0" dirty="0"/>
+                        <a:t> </a:t>
+                      </a:r>
+                      <a:r>
+                        <a:rPr lang="de-DE" baseline="0" dirty="0" err="1"/>
+                        <a:t>user</a:t>
                       </a:r>
                       <a:r>
                         <a:rPr lang="de-DE" dirty="0"/>
@@ -12457,7 +14535,7 @@
                   </a:ext>
                 </a:extLst>
               </a:tr>
-              <a:tr h="3785137">
+              <a:tr h="932060">
                 <a:tc>
                   <a:txBody>
                     <a:bodyPr/>
@@ -12579,7 +14657,7 @@
                           <a:ea typeface="+mn-ea"/>
                           <a:cs typeface="+mn-cs"/>
                         </a:rPr>
-                        <a:t>{</a:t>
+                        <a:t>[</a:t>
                       </a:r>
                     </a:p>
                     <a:p>
@@ -12593,7 +14671,21 @@
                           <a:ea typeface="+mn-ea"/>
                           <a:cs typeface="+mn-cs"/>
                         </a:rPr>
-                        <a:t>	id: </a:t>
+                        <a:t>	{</a:t>
+                      </a:r>
+                    </a:p>
+                    <a:p>
+                      <a:r>
+                        <a:rPr lang="en-US" sz="1800" b="0" i="0" kern="1200" dirty="0">
+                          <a:solidFill>
+                            <a:schemeClr val="dk1"/>
+                          </a:solidFill>
+                          <a:effectLst/>
+                          <a:latin typeface="+mn-lt"/>
+                          <a:ea typeface="+mn-ea"/>
+                          <a:cs typeface="+mn-cs"/>
+                        </a:rPr>
+                        <a:t>		id: </a:t>
                       </a:r>
                       <a:r>
                         <a:rPr lang="en-US" sz="1800" kern="1200" dirty="0">
@@ -12632,7 +14724,7 @@
                           <a:ea typeface="+mn-ea"/>
                           <a:cs typeface="+mn-cs"/>
                         </a:rPr>
-                        <a:t>	title: </a:t>
+                        <a:t>		title: </a:t>
                       </a:r>
                       <a:r>
                         <a:rPr lang="en-US" sz="1800" kern="1200" dirty="0">
@@ -12671,7 +14763,7 @@
                           <a:ea typeface="+mn-ea"/>
                           <a:cs typeface="+mn-cs"/>
                         </a:rPr>
-                        <a:t> 	latitude: </a:t>
+                        <a:t> 		latitude: </a:t>
                       </a:r>
                       <a:r>
                         <a:rPr lang="en-US" sz="1800" kern="1200" dirty="0">
@@ -12710,7 +14802,7 @@
                           <a:ea typeface="+mn-ea"/>
                           <a:cs typeface="+mn-cs"/>
                         </a:rPr>
-                        <a:t>	longitude: </a:t>
+                        <a:t>		longitude: </a:t>
                       </a:r>
                       <a:r>
                         <a:rPr lang="en-US" sz="1800" kern="1200" dirty="0">
@@ -12749,7 +14841,7 @@
                           <a:ea typeface="+mn-ea"/>
                           <a:cs typeface="+mn-cs"/>
                         </a:rPr>
-                        <a:t>	</a:t>
+                        <a:t>		</a:t>
                       </a:r>
                       <a:r>
                         <a:rPr lang="en-US" sz="1800" b="0" i="0" kern="1200" dirty="0" err="1">
@@ -12812,7 +14904,7 @@
                           <a:ea typeface="+mn-ea"/>
                           <a:cs typeface="+mn-cs"/>
                         </a:rPr>
-                        <a:t>	</a:t>
+                        <a:t>		</a:t>
                       </a:r>
                       <a:r>
                         <a:rPr lang="en-US" sz="1800" b="0" i="0" kern="1200" dirty="0" err="1">
@@ -12875,7 +14967,7 @@
                           <a:ea typeface="+mn-ea"/>
                           <a:cs typeface="+mn-cs"/>
                         </a:rPr>
-                        <a:t>	organizer: {id: </a:t>
+                        <a:t>		organizer: {id: </a:t>
                       </a:r>
                       <a:r>
                         <a:rPr lang="en-US" sz="1800" kern="1200" dirty="0">
@@ -12913,6 +15005,32 @@
                           <a:cs typeface="+mn-cs"/>
                         </a:rPr>
                         <a:t> </a:t>
+                      </a:r>
+                    </a:p>
+                    <a:p>
+                      <a:r>
+                        <a:rPr lang="en-US" sz="1800" b="0" i="0" kern="1200" dirty="0">
+                          <a:solidFill>
+                            <a:schemeClr val="dk1"/>
+                          </a:solidFill>
+                          <a:effectLst/>
+                          <a:latin typeface="+mn-lt"/>
+                          <a:ea typeface="+mn-ea"/>
+                          <a:cs typeface="+mn-cs"/>
+                        </a:rPr>
+                        <a:t>                                   </a:t>
+                      </a:r>
+                      <a:r>
+                        <a:rPr lang="en-US" sz="1800" b="0" i="0" kern="1200" baseline="0" dirty="0">
+                          <a:solidFill>
+                            <a:schemeClr val="dk1"/>
+                          </a:solidFill>
+                          <a:effectLst/>
+                          <a:latin typeface="+mn-lt"/>
+                          <a:ea typeface="+mn-ea"/>
+                          <a:cs typeface="+mn-cs"/>
+                        </a:rPr>
+                        <a:t>                        </a:t>
                       </a:r>
                       <a:r>
                         <a:rPr lang="en-US" sz="1800" b="0" i="0" kern="1200" dirty="0">
@@ -13032,7 +15150,7 @@
                           <a:ea typeface="+mn-ea"/>
                           <a:cs typeface="+mn-cs"/>
                         </a:rPr>
-                        <a:t>	participants: [ {id: </a:t>
+                        <a:t>		participants: [ {id: </a:t>
                       </a:r>
                       <a:r>
                         <a:rPr lang="en-US" sz="1800" kern="1200" dirty="0">
@@ -13108,6 +15226,8 @@
                         </a:rPr>
                         <a:t>,</a:t>
                       </a:r>
+                    </a:p>
+                    <a:p>
                       <a:r>
                         <a:rPr lang="en-US" sz="1800" b="0" i="0" kern="1200" baseline="0" dirty="0">
                           <a:solidFill>
@@ -13118,7 +15238,7 @@
                           <a:ea typeface="+mn-ea"/>
                           <a:cs typeface="+mn-cs"/>
                         </a:rPr>
-                        <a:t> </a:t>
+                        <a:t>                                                                  </a:t>
                       </a:r>
                       <a:r>
                         <a:rPr lang="en-US" sz="1800" b="0" i="0" kern="1200" baseline="0" dirty="0" err="1">
@@ -13189,7 +15309,7 @@
                           <a:ea typeface="+mn-ea"/>
                           <a:cs typeface="+mn-cs"/>
                         </a:rPr>
-                        <a:t>	</a:t>
+                        <a:t>		</a:t>
                       </a:r>
                       <a:r>
                         <a:rPr lang="en-US" sz="1800" b="0" i="0" kern="1200" dirty="0" err="1">
@@ -13227,184 +15347,6 @@
                           <a:cs typeface="+mn-cs"/>
                         </a:rPr>
                         <a:t>Number</a:t>
-                      </a:r>
-                    </a:p>
-                    <a:p>
-                      <a:r>
-                        <a:rPr lang="en-US" sz="1800" b="0" i="0" kern="1200" dirty="0">
-                          <a:solidFill>
-                            <a:schemeClr val="dk1"/>
-                          </a:solidFill>
-                          <a:effectLst/>
-                          <a:latin typeface="+mn-lt"/>
-                          <a:ea typeface="+mn-ea"/>
-                          <a:cs typeface="+mn-cs"/>
-                        </a:rPr>
-                        <a:t>                  description: </a:t>
-                      </a:r>
-                    </a:p>
-                    <a:p>
-                      <a:r>
-                        <a:rPr lang="en-US" sz="1800" b="0" i="0" kern="1200" dirty="0">
-                          <a:solidFill>
-                            <a:schemeClr val="dk1"/>
-                          </a:solidFill>
-                          <a:effectLst/>
-                          <a:latin typeface="+mn-lt"/>
-                          <a:ea typeface="+mn-ea"/>
-                          <a:cs typeface="+mn-cs"/>
-                        </a:rPr>
-                        <a:t>                  </a:t>
-                      </a:r>
-                      <a:r>
-                        <a:rPr lang="en-US" sz="1800" b="0" i="0" kern="1200" dirty="0" err="1">
-                          <a:solidFill>
-                            <a:schemeClr val="dk1"/>
-                          </a:solidFill>
-                          <a:effectLst/>
-                          <a:latin typeface="+mn-lt"/>
-                          <a:ea typeface="+mn-ea"/>
-                          <a:cs typeface="+mn-cs"/>
-                        </a:rPr>
-                        <a:t>bringItems</a:t>
-                      </a:r>
-                      <a:r>
-                        <a:rPr lang="en-US" sz="1800" b="0" i="0" kern="1200" dirty="0">
-                          <a:solidFill>
-                            <a:schemeClr val="dk1"/>
-                          </a:solidFill>
-                          <a:effectLst/>
-                          <a:latin typeface="+mn-lt"/>
-                          <a:ea typeface="+mn-ea"/>
-                          <a:cs typeface="+mn-cs"/>
-                        </a:rPr>
-                        <a:t>: [ { id:</a:t>
-                      </a:r>
-                      <a:r>
-                        <a:rPr lang="en-US" sz="1800" b="0" i="0" kern="1200" baseline="0" dirty="0">
-                          <a:solidFill>
-                            <a:schemeClr val="dk1"/>
-                          </a:solidFill>
-                          <a:effectLst/>
-                          <a:latin typeface="+mn-lt"/>
-                          <a:ea typeface="+mn-ea"/>
-                          <a:cs typeface="+mn-cs"/>
-                        </a:rPr>
-                        <a:t> </a:t>
-                      </a:r>
-                      <a:r>
-                        <a:rPr lang="en-US" sz="1800" kern="1200" dirty="0">
-                          <a:solidFill>
-                            <a:schemeClr val="accent1">
-                              <a:lumMod val="75000"/>
-                            </a:schemeClr>
-                          </a:solidFill>
-                          <a:latin typeface="+mn-lt"/>
-                          <a:ea typeface="+mn-ea"/>
-                          <a:cs typeface="+mn-cs"/>
-                        </a:rPr>
-                        <a:t>String</a:t>
-                      </a:r>
-                      <a:r>
-                        <a:rPr lang="en-US" sz="1800" b="0" i="0" kern="1200" baseline="0" dirty="0">
-                          <a:solidFill>
-                            <a:schemeClr val="dk1"/>
-                          </a:solidFill>
-                          <a:effectLst/>
-                          <a:latin typeface="+mn-lt"/>
-                          <a:ea typeface="+mn-ea"/>
-                          <a:cs typeface="+mn-cs"/>
-                        </a:rPr>
-                        <a:t>, name: </a:t>
-                      </a:r>
-                      <a:r>
-                        <a:rPr lang="en-US" sz="1800" kern="1200" dirty="0">
-                          <a:solidFill>
-                            <a:schemeClr val="accent1">
-                              <a:lumMod val="75000"/>
-                            </a:schemeClr>
-                          </a:solidFill>
-                          <a:latin typeface="+mn-lt"/>
-                          <a:ea typeface="+mn-ea"/>
-                          <a:cs typeface="+mn-cs"/>
-                        </a:rPr>
-                        <a:t>String</a:t>
-                      </a:r>
-                      <a:r>
-                        <a:rPr lang="en-US" sz="1800" b="0" i="0" kern="1200" baseline="0" dirty="0">
-                          <a:solidFill>
-                            <a:schemeClr val="dk1"/>
-                          </a:solidFill>
-                          <a:effectLst/>
-                          <a:latin typeface="+mn-lt"/>
-                          <a:ea typeface="+mn-ea"/>
-                          <a:cs typeface="+mn-cs"/>
-                        </a:rPr>
-                        <a:t>, quantity: </a:t>
-                      </a:r>
-                      <a:r>
-                        <a:rPr lang="en-US" sz="1800" kern="1200" dirty="0">
-                          <a:solidFill>
-                            <a:schemeClr val="accent1">
-                              <a:lumMod val="75000"/>
-                            </a:schemeClr>
-                          </a:solidFill>
-                          <a:latin typeface="+mn-lt"/>
-                          <a:ea typeface="+mn-ea"/>
-                          <a:cs typeface="+mn-cs"/>
-                        </a:rPr>
-                        <a:t>Number</a:t>
-                      </a:r>
-                      <a:r>
-                        <a:rPr lang="en-US" sz="1800" b="0" i="0" kern="1200" baseline="0" dirty="0">
-                          <a:solidFill>
-                            <a:schemeClr val="dk1"/>
-                          </a:solidFill>
-                          <a:effectLst/>
-                          <a:latin typeface="+mn-lt"/>
-                          <a:ea typeface="+mn-ea"/>
-                          <a:cs typeface="+mn-cs"/>
-                        </a:rPr>
-                        <a:t>,</a:t>
-                      </a:r>
-                    </a:p>
-                    <a:p>
-                      <a:r>
-                        <a:rPr lang="en-US" sz="1800" b="0" i="0" kern="1200" baseline="0" dirty="0">
-                          <a:solidFill>
-                            <a:schemeClr val="dk1"/>
-                          </a:solidFill>
-                          <a:effectLst/>
-                          <a:latin typeface="+mn-lt"/>
-                          <a:ea typeface="+mn-ea"/>
-                          <a:cs typeface="+mn-cs"/>
-                        </a:rPr>
-                        <a:t>                                                assigned: [ </a:t>
-                      </a:r>
-                      <a:r>
-                        <a:rPr lang="en-US" sz="1800" kern="1200" dirty="0">
-                          <a:solidFill>
-                            <a:schemeClr val="accent1">
-                              <a:lumMod val="75000"/>
-                            </a:schemeClr>
-                          </a:solidFill>
-                          <a:latin typeface="+mn-lt"/>
-                          <a:ea typeface="+mn-ea"/>
-                          <a:cs typeface="+mn-cs"/>
-                        </a:rPr>
-                        <a:t>String</a:t>
-                      </a:r>
-                      <a:r>
-                        <a:rPr lang="en-US" sz="1800" b="0" i="0" kern="1200" baseline="0" dirty="0">
-                          <a:solidFill>
-                            <a:schemeClr val="dk1"/>
-                          </a:solidFill>
-                          <a:effectLst/>
-                          <a:latin typeface="+mn-lt"/>
-                          <a:ea typeface="+mn-ea"/>
-                          <a:cs typeface="+mn-cs"/>
-                        </a:rPr>
-                        <a:t> ] } ]</a:t>
                       </a:r>
                       <a:endParaRPr lang="en-US" sz="1800" b="0" i="0" kern="1200" dirty="0">
                         <a:solidFill>
@@ -13427,7 +15369,21 @@
                           <a:ea typeface="+mn-ea"/>
                           <a:cs typeface="+mn-cs"/>
                         </a:rPr>
-                        <a:t>}</a:t>
+                        <a:t>	}</a:t>
+                      </a:r>
+                    </a:p>
+                    <a:p>
+                      <a:r>
+                        <a:rPr lang="en-US" sz="1800" b="0" i="0" kern="1200" dirty="0">
+                          <a:solidFill>
+                            <a:schemeClr val="dk1"/>
+                          </a:solidFill>
+                          <a:effectLst/>
+                          <a:latin typeface="+mn-lt"/>
+                          <a:ea typeface="+mn-ea"/>
+                          <a:cs typeface="+mn-cs"/>
+                        </a:rPr>
+                        <a:t>]</a:t>
                       </a:r>
                     </a:p>
                   </a:txBody>
@@ -13507,7 +15463,7 @@
                   </a:ext>
                 </a:extLst>
               </a:tr>
-              <a:tr h="396160">
+              <a:tr h="577936">
                 <a:tc>
                   <a:txBody>
                     <a:bodyPr/>
@@ -13522,9 +15478,7 @@
                   </a:txBody>
                   <a:tcPr anchor="ctr">
                     <a:lnL w="12700" cap="flat" cmpd="sng" algn="ctr">
-                      <a:solidFill>
-                        <a:schemeClr val="tx1"/>
-                      </a:solidFill>
+                      <a:noFill/>
                       <a:prstDash val="solid"/>
                       <a:round/>
                       <a:headEnd type="none" w="med" len="med"/>
@@ -13549,22 +15503,12 @@
                       <a:tailEnd type="none" w="med" len="med"/>
                     </a:lnT>
                     <a:lnB w="12700" cap="flat" cmpd="sng" algn="ctr">
-                      <a:solidFill>
-                        <a:schemeClr val="tx1"/>
-                      </a:solidFill>
+                      <a:noFill/>
                       <a:prstDash val="solid"/>
                       <a:round/>
                       <a:headEnd type="none" w="med" len="med"/>
                       <a:tailEnd type="none" w="med" len="med"/>
                     </a:lnB>
-                    <a:lnTlToBr w="12700" cmpd="sng">
-                      <a:noFill/>
-                      <a:prstDash val="solid"/>
-                    </a:lnTlToBr>
-                    <a:lnBlToTr w="12700" cmpd="sng">
-                      <a:noFill/>
-                      <a:prstDash val="solid"/>
-                    </a:lnBlToTr>
                     <a:noFill/>
                   </a:tcPr>
                 </a:tc>
@@ -13736,267 +15680,6 @@
                 <a:extLst>
                   <a:ext uri="{0D108BD9-81ED-4DB2-BD59-A6C34878D82A}">
                     <a16:rowId xmlns:a16="http://schemas.microsoft.com/office/drawing/2014/main" val="247276148"/>
-                  </a:ext>
-                </a:extLst>
-              </a:tr>
-              <a:tr h="546001">
-                <a:tc>
-                  <a:txBody>
-                    <a:bodyPr/>
-                    <a:lstStyle/>
-                    <a:p>
-                      <a:endParaRPr lang="de-DE" dirty="0">
-                        <a:solidFill>
-                          <a:sysClr val="windowText" lastClr="000000"/>
-                        </a:solidFill>
-                      </a:endParaRPr>
-                    </a:p>
-                  </a:txBody>
-                  <a:tcPr anchor="ctr">
-                    <a:lnL w="12700" cap="flat" cmpd="sng" algn="ctr">
-                      <a:noFill/>
-                      <a:prstDash val="solid"/>
-                      <a:round/>
-                      <a:headEnd type="none" w="med" len="med"/>
-                      <a:tailEnd type="none" w="med" len="med"/>
-                    </a:lnL>
-                    <a:lnR w="12700" cap="flat" cmpd="sng" algn="ctr">
-                      <a:solidFill>
-                        <a:schemeClr val="tx1"/>
-                      </a:solidFill>
-                      <a:prstDash val="solid"/>
-                      <a:round/>
-                      <a:headEnd type="none" w="med" len="med"/>
-                      <a:tailEnd type="none" w="med" len="med"/>
-                    </a:lnR>
-                    <a:lnT w="12700" cap="flat" cmpd="sng" algn="ctr">
-                      <a:solidFill>
-                        <a:schemeClr val="tx1"/>
-                      </a:solidFill>
-                      <a:prstDash val="solid"/>
-                      <a:round/>
-                      <a:headEnd type="none" w="med" len="med"/>
-                      <a:tailEnd type="none" w="med" len="med"/>
-                    </a:lnT>
-                    <a:lnB w="12700" cap="flat" cmpd="sng" algn="ctr">
-                      <a:noFill/>
-                      <a:prstDash val="solid"/>
-                      <a:round/>
-                      <a:headEnd type="none" w="med" len="med"/>
-                      <a:tailEnd type="none" w="med" len="med"/>
-                    </a:lnB>
-                    <a:noFill/>
-                  </a:tcPr>
-                </a:tc>
-                <a:tc>
-                  <a:txBody>
-                    <a:bodyPr/>
-                    <a:lstStyle/>
-                    <a:p>
-                      <a:r>
-                        <a:rPr lang="de-DE" dirty="0"/>
-                        <a:t>401</a:t>
-                      </a:r>
-                    </a:p>
-                  </a:txBody>
-                  <a:tcPr anchor="ctr">
-                    <a:lnL w="12700" cap="flat" cmpd="sng" algn="ctr">
-                      <a:solidFill>
-                        <a:schemeClr val="tx1"/>
-                      </a:solidFill>
-                      <a:prstDash val="solid"/>
-                      <a:round/>
-                      <a:headEnd type="none" w="med" len="med"/>
-                      <a:tailEnd type="none" w="med" len="med"/>
-                    </a:lnL>
-                    <a:lnR w="12700" cap="flat" cmpd="sng" algn="ctr">
-                      <a:solidFill>
-                        <a:schemeClr val="tx1"/>
-                      </a:solidFill>
-                      <a:prstDash val="solid"/>
-                      <a:round/>
-                      <a:headEnd type="none" w="med" len="med"/>
-                      <a:tailEnd type="none" w="med" len="med"/>
-                    </a:lnR>
-                    <a:lnT w="12700" cap="flat" cmpd="sng" algn="ctr">
-                      <a:solidFill>
-                        <a:schemeClr val="tx1"/>
-                      </a:solidFill>
-                      <a:prstDash val="solid"/>
-                      <a:round/>
-                      <a:headEnd type="none" w="med" len="med"/>
-                      <a:tailEnd type="none" w="med" len="med"/>
-                    </a:lnT>
-                    <a:lnB w="12700" cap="flat" cmpd="sng" algn="ctr">
-                      <a:solidFill>
-                        <a:schemeClr val="tx1"/>
-                      </a:solidFill>
-                      <a:prstDash val="solid"/>
-                      <a:round/>
-                      <a:headEnd type="none" w="med" len="med"/>
-                      <a:tailEnd type="none" w="med" len="med"/>
-                    </a:lnB>
-                    <a:noFill/>
-                  </a:tcPr>
-                </a:tc>
-                <a:tc gridSpan="4">
-                  <a:txBody>
-                    <a:bodyPr/>
-                    <a:lstStyle/>
-                    <a:p>
-                      <a:pPr marL="0" marR="0" lvl="0" indent="0" algn="l" defTabSz="914400" rtl="0" eaLnBrk="1" fontAlgn="auto" latinLnBrk="0" hangingPunct="1">
-                        <a:lnSpc>
-                          <a:spcPct val="100000"/>
-                        </a:lnSpc>
-                        <a:spcBef>
-                          <a:spcPts val="0"/>
-                        </a:spcBef>
-                        <a:spcAft>
-                          <a:spcPts val="0"/>
-                        </a:spcAft>
-                        <a:buClrTx/>
-                        <a:buSzTx/>
-                        <a:buFontTx/>
-                        <a:buNone/>
-                        <a:tabLst/>
-                        <a:defRPr/>
-                      </a:pPr>
-                      <a:r>
-                        <a:rPr lang="en-US" sz="1800" b="0" i="0" kern="1200" dirty="0">
-                          <a:solidFill>
-                            <a:schemeClr val="dk1"/>
-                          </a:solidFill>
-                          <a:effectLst/>
-                          <a:latin typeface="+mn-lt"/>
-                          <a:ea typeface="+mn-ea"/>
-                          <a:cs typeface="+mn-cs"/>
-                        </a:rPr>
-                        <a:t>{"</a:t>
-                      </a:r>
-                      <a:r>
-                        <a:rPr lang="en-US" sz="1800" b="0" i="0" kern="1200" dirty="0" err="1">
-                          <a:solidFill>
-                            <a:schemeClr val="dk1"/>
-                          </a:solidFill>
-                          <a:effectLst/>
-                          <a:latin typeface="+mn-lt"/>
-                          <a:ea typeface="+mn-ea"/>
-                          <a:cs typeface="+mn-cs"/>
-                        </a:rPr>
-                        <a:t>status":"User</a:t>
-                      </a:r>
-                      <a:r>
-                        <a:rPr lang="en-US" sz="1800" b="0" i="0" kern="1200" dirty="0">
-                          <a:solidFill>
-                            <a:schemeClr val="dk1"/>
-                          </a:solidFill>
-                          <a:effectLst/>
-                          <a:latin typeface="+mn-lt"/>
-                          <a:ea typeface="+mn-ea"/>
-                          <a:cs typeface="+mn-cs"/>
-                        </a:rPr>
-                        <a:t> is not authorized</a:t>
-                      </a:r>
-                      <a:r>
-                        <a:rPr lang="en-US" sz="1800" b="0" i="0" kern="1200" baseline="0" dirty="0">
-                          <a:solidFill>
-                            <a:schemeClr val="dk1"/>
-                          </a:solidFill>
-                          <a:effectLst/>
-                          <a:latin typeface="+mn-lt"/>
-                          <a:ea typeface="+mn-ea"/>
-                          <a:cs typeface="+mn-cs"/>
-                        </a:rPr>
-                        <a:t> to </a:t>
-                      </a:r>
-                      <a:r>
-                        <a:rPr lang="en-US" sz="1800" b="0" i="0" kern="1200" dirty="0">
-                          <a:solidFill>
-                            <a:schemeClr val="dk1"/>
-                          </a:solidFill>
-                          <a:effectLst/>
-                          <a:latin typeface="+mn-lt"/>
-                          <a:ea typeface="+mn-ea"/>
-                          <a:cs typeface="+mn-cs"/>
-                        </a:rPr>
-                        <a:t>the event"}</a:t>
-                      </a:r>
-                      <a:endParaRPr lang="de-DE" dirty="0"/>
-                    </a:p>
-                  </a:txBody>
-                  <a:tcPr anchor="ctr">
-                    <a:lnL w="12700" cap="flat" cmpd="sng" algn="ctr">
-                      <a:solidFill>
-                        <a:schemeClr val="tx1"/>
-                      </a:solidFill>
-                      <a:prstDash val="solid"/>
-                      <a:round/>
-                      <a:headEnd type="none" w="med" len="med"/>
-                      <a:tailEnd type="none" w="med" len="med"/>
-                    </a:lnL>
-                    <a:lnR w="12700" cap="flat" cmpd="sng" algn="ctr">
-                      <a:solidFill>
-                        <a:schemeClr val="tx1"/>
-                      </a:solidFill>
-                      <a:prstDash val="solid"/>
-                      <a:round/>
-                      <a:headEnd type="none" w="med" len="med"/>
-                      <a:tailEnd type="none" w="med" len="med"/>
-                    </a:lnR>
-                    <a:lnT w="12700" cap="flat" cmpd="sng" algn="ctr">
-                      <a:solidFill>
-                        <a:schemeClr val="tx1"/>
-                      </a:solidFill>
-                      <a:prstDash val="solid"/>
-                      <a:round/>
-                      <a:headEnd type="none" w="med" len="med"/>
-                      <a:tailEnd type="none" w="med" len="med"/>
-                    </a:lnT>
-                    <a:lnB w="12700" cap="flat" cmpd="sng" algn="ctr">
-                      <a:solidFill>
-                        <a:schemeClr val="tx1"/>
-                      </a:solidFill>
-                      <a:prstDash val="solid"/>
-                      <a:round/>
-                      <a:headEnd type="none" w="med" len="med"/>
-                      <a:tailEnd type="none" w="med" len="med"/>
-                    </a:lnB>
-                    <a:noFill/>
-                  </a:tcPr>
-                </a:tc>
-                <a:tc hMerge="1">
-                  <a:txBody>
-                    <a:bodyPr/>
-                    <a:lstStyle/>
-                    <a:p>
-                      <a:endParaRPr lang="de-DE"/>
-                    </a:p>
-                  </a:txBody>
-                  <a:tcPr/>
-                </a:tc>
-                <a:tc hMerge="1">
-                  <a:txBody>
-                    <a:bodyPr/>
-                    <a:lstStyle/>
-                    <a:p>
-                      <a:endParaRPr lang="de-DE"/>
-                    </a:p>
-                  </a:txBody>
-                  <a:tcPr/>
-                </a:tc>
-                <a:tc hMerge="1">
-                  <a:txBody>
-                    <a:bodyPr/>
-                    <a:lstStyle/>
-                    <a:p>
-                      <a:endParaRPr lang="de-DE"/>
-                    </a:p>
-                  </a:txBody>
-                  <a:tcPr/>
-                </a:tc>
-                <a:extLst>
-                  <a:ext uri="{0D108BD9-81ED-4DB2-BD59-A6C34878D82A}">
-                    <a16:rowId xmlns:a16="http://schemas.microsoft.com/office/drawing/2014/main" val="994510799"/>
                   </a:ext>
                 </a:extLst>
               </a:tr>
@@ -14007,7 +15690,7 @@
     </p:spTree>
     <p:extLst>
       <p:ext uri="{BB962C8B-B14F-4D97-AF65-F5344CB8AC3E}">
-        <p14:creationId xmlns:p14="http://schemas.microsoft.com/office/powerpoint/2010/main" val="1766910944"/>
+        <p14:creationId xmlns:p14="http://schemas.microsoft.com/office/powerpoint/2010/main" val="3404848364"/>
       </p:ext>
     </p:extLst>
   </p:cSld>
@@ -14088,14 +15771,14 @@
           <p:nvPr>
             <p:extLst>
               <p:ext uri="{D42A27DB-BD31-4B8C-83A1-F6EECF244321}">
-                <p14:modId xmlns:p14="http://schemas.microsoft.com/office/powerpoint/2010/main" val="2555009503"/>
+                <p14:modId xmlns:p14="http://schemas.microsoft.com/office/powerpoint/2010/main" val="2343032397"/>
               </p:ext>
             </p:extLst>
           </p:nvPr>
         </p:nvGraphicFramePr>
         <p:xfrm>
           <a:off x="835857" y="506537"/>
-          <a:ext cx="10520286" cy="5056149"/>
+          <a:ext cx="10520286" cy="5996597"/>
         </p:xfrm>
         <a:graphic>
           <a:graphicData uri="http://schemas.openxmlformats.org/drawingml/2006/table">
@@ -14118,14 +15801,14 @@
                     </a:ext>
                   </a:extLst>
                 </a:gridCol>
-                <a:gridCol w="1187265">
+                <a:gridCol w="843378">
                   <a:extLst>
                     <a:ext uri="{9D8B030D-6E8A-4147-A177-3AD203B41FA5}">
                       <a16:colId xmlns:a16="http://schemas.microsoft.com/office/drawing/2014/main" val="3622771183"/>
                     </a:ext>
                   </a:extLst>
                 </a:gridCol>
-                <a:gridCol w="2026452">
+                <a:gridCol w="2370339">
                   <a:extLst>
                     <a:ext uri="{9D8B030D-6E8A-4147-A177-3AD203B41FA5}">
                       <a16:colId xmlns:a16="http://schemas.microsoft.com/office/drawing/2014/main" val="1359834070"/>
@@ -14147,7 +15830,7 @@
                   </a:extLst>
                 </a:gridCol>
               </a:tblGrid>
-              <a:tr h="887196">
+              <a:tr h="694773">
                 <a:tc>
                   <a:txBody>
                     <a:bodyPr/>
@@ -14231,17 +15914,6 @@
                           </a:solidFill>
                         </a:rPr>
                         <a:t>events</a:t>
-                      </a:r>
-                      <a:r>
-                        <a:rPr lang="de-DE" sz="2800" dirty="0">
-                          <a:solidFill>
-                            <a:schemeClr val="accent5">
-                              <a:lumMod val="60000"/>
-                              <a:lumOff val="40000"/>
-                            </a:schemeClr>
-                          </a:solidFill>
-                        </a:rPr>
-                        <a:t>/$EVENTID</a:t>
                       </a:r>
                       <a:endParaRPr lang="de-DE" sz="2800" dirty="0">
                         <a:solidFill>
@@ -14313,21 +15985,8 @@
                             <a:srgbClr val="00B0F0"/>
                           </a:solidFill>
                         </a:rPr>
-                        <a:t>/</a:t>
-                      </a:r>
-                      <a:r>
-                        <a:rPr lang="de-DE" sz="2800" dirty="0" err="1">
-                          <a:solidFill>
-                            <a:srgbClr val="00B0F0"/>
-                          </a:solidFill>
-                        </a:rPr>
-                        <a:t>organizer</a:t>
-                      </a:r>
-                      <a:endParaRPr lang="de-DE" sz="2800" dirty="0">
-                        <a:solidFill>
-                          <a:srgbClr val="00B0F0"/>
-                        </a:solidFill>
-                      </a:endParaRPr>
+                        <a:t>/$EVENTID</a:t>
+                      </a:r>
                     </a:p>
                   </a:txBody>
                   <a:tcPr anchor="ctr">
@@ -14486,7 +16145,7 @@
                   </a:ext>
                 </a:extLst>
               </a:tr>
-              <a:tr h="452761">
+              <a:tr h="427743">
                 <a:tc>
                   <a:txBody>
                     <a:bodyPr/>
@@ -14565,29 +16224,21 @@
                       </a:r>
                       <a:r>
                         <a:rPr lang="de-DE" dirty="0" err="1"/>
-                        <a:t>organizer</a:t>
+                        <a:t>information</a:t>
+                      </a:r>
+                      <a:r>
+                        <a:rPr lang="de-DE" baseline="0" dirty="0"/>
+                        <a:t> on a </a:t>
+                      </a:r>
+                      <a:r>
+                        <a:rPr lang="de-DE" baseline="0" dirty="0" err="1"/>
+                        <a:t>specific</a:t>
                       </a:r>
                       <a:r>
                         <a:rPr lang="de-DE" baseline="0" dirty="0"/>
                         <a:t> </a:t>
                       </a:r>
                       <a:r>
-                        <a:rPr lang="de-DE" dirty="0" err="1"/>
-                        <a:t>information</a:t>
-                      </a:r>
-                      <a:r>
-                        <a:rPr lang="de-DE" baseline="0" dirty="0"/>
-                        <a:t> on a </a:t>
-                      </a:r>
-                      <a:r>
-                        <a:rPr lang="de-DE" baseline="0" dirty="0" err="1"/>
-                        <a:t>specific</a:t>
-                      </a:r>
-                      <a:r>
-                        <a:rPr lang="de-DE" baseline="0" dirty="0"/>
-                        <a:t> </a:t>
-                      </a:r>
-                      <a:r>
                         <a:rPr lang="de-DE" baseline="0" dirty="0" err="1"/>
                         <a:t>event</a:t>
                       </a:r>
@@ -14609,11 +16260,11 @@
                       </a:r>
                       <a:r>
                         <a:rPr lang="de-DE" dirty="0"/>
-                        <a:t> </a:t>
+                        <a:t> all </a:t>
                       </a:r>
                       <a:r>
                         <a:rPr lang="de-DE" dirty="0" err="1"/>
-                        <a:t>the</a:t>
+                        <a:t>invited</a:t>
                       </a:r>
                       <a:r>
                         <a:rPr lang="de-DE" dirty="0"/>
@@ -14621,15 +16272,7 @@
                       </a:r>
                       <a:r>
                         <a:rPr lang="de-DE" dirty="0" err="1"/>
-                        <a:t>event</a:t>
-                      </a:r>
-                      <a:r>
-                        <a:rPr lang="de-DE" dirty="0"/>
-                        <a:t> </a:t>
-                      </a:r>
-                      <a:r>
-                        <a:rPr lang="de-DE" dirty="0" err="1"/>
-                        <a:t>organizer</a:t>
+                        <a:t>participants</a:t>
                       </a:r>
                       <a:r>
                         <a:rPr lang="de-DE" dirty="0"/>
@@ -14723,7 +16366,7 @@
                   </a:ext>
                 </a:extLst>
               </a:tr>
-              <a:tr h="932060">
+              <a:tr h="3785137">
                 <a:tc>
                   <a:txBody>
                     <a:bodyPr/>
@@ -14859,33 +16502,7 @@
                           <a:ea typeface="+mn-ea"/>
                           <a:cs typeface="+mn-cs"/>
                         </a:rPr>
-                        <a:t>               </a:t>
-                      </a:r>
-                      <a:r>
-                        <a:rPr lang="en-US" sz="1800" b="0" i="0" kern="1200" dirty="0">
-                          <a:solidFill>
-                            <a:srgbClr val="FF00FF"/>
-                          </a:solidFill>
-                          <a:effectLst/>
-                          <a:latin typeface="+mn-lt"/>
-                          <a:ea typeface="+mn-ea"/>
-                          <a:cs typeface="+mn-cs"/>
-                        </a:rPr>
-                        <a:t>stuff from /event/$EVENTID + </a:t>
-                      </a:r>
-                    </a:p>
-                    <a:p>
-                      <a:r>
-                        <a:rPr lang="en-US" sz="1800" b="0" i="0" kern="1200" dirty="0">
-                          <a:solidFill>
-                            <a:schemeClr val="dk1"/>
-                          </a:solidFill>
-                          <a:effectLst/>
-                          <a:latin typeface="+mn-lt"/>
-                          <a:ea typeface="+mn-ea"/>
-                          <a:cs typeface="+mn-cs"/>
-                        </a:rPr>
-                        <a:t>               invited: [ {id: </a:t>
+                        <a:t>	id: </a:t>
                       </a:r>
                       <a:r>
                         <a:rPr lang="en-US" sz="1800" kern="1200" dirty="0">
@@ -14912,18 +16529,8 @@
                         </a:rPr>
                         <a:t>,</a:t>
                       </a:r>
-                      <a:r>
-                        <a:rPr lang="en-US" sz="1800" b="0" i="0" kern="1200" baseline="0" dirty="0">
-                          <a:solidFill>
-                            <a:schemeClr val="dk1"/>
-                          </a:solidFill>
-                          <a:effectLst/>
-                          <a:latin typeface="+mn-lt"/>
-                          <a:ea typeface="+mn-ea"/>
-                          <a:cs typeface="+mn-cs"/>
-                        </a:rPr>
-                        <a:t> </a:t>
-                      </a:r>
+                    </a:p>
+                    <a:p>
                       <a:r>
                         <a:rPr lang="en-US" sz="1800" b="0" i="0" kern="1200" dirty="0">
                           <a:solidFill>
@@ -14934,7 +16541,7 @@
                           <a:ea typeface="+mn-ea"/>
                           <a:cs typeface="+mn-cs"/>
                         </a:rPr>
-                        <a:t>name: </a:t>
+                        <a:t>	title: </a:t>
                       </a:r>
                       <a:r>
                         <a:rPr lang="en-US" sz="1800" kern="1200" dirty="0">
@@ -14961,41 +16568,19 @@
                         </a:rPr>
                         <a:t>,</a:t>
                       </a:r>
-                      <a:r>
-                        <a:rPr lang="en-US" sz="1800" b="0" i="0" kern="1200" baseline="0" dirty="0">
-                          <a:solidFill>
-                            <a:schemeClr val="dk1"/>
-                          </a:solidFill>
-                          <a:effectLst/>
-                          <a:latin typeface="+mn-lt"/>
-                          <a:ea typeface="+mn-ea"/>
-                          <a:cs typeface="+mn-cs"/>
-                        </a:rPr>
-                        <a:t> </a:t>
-                      </a:r>
-                      <a:r>
-                        <a:rPr lang="en-US" sz="1800" b="0" i="0" kern="1200" baseline="0" dirty="0" err="1">
-                          <a:solidFill>
-                            <a:schemeClr val="dk1"/>
-                          </a:solidFill>
-                          <a:effectLst/>
-                          <a:latin typeface="+mn-lt"/>
-                          <a:ea typeface="+mn-ea"/>
-                          <a:cs typeface="+mn-cs"/>
-                        </a:rPr>
-                        <a:t>img</a:t>
-                      </a:r>
-                      <a:r>
-                        <a:rPr lang="en-US" sz="1800" b="0" i="0" kern="1200" baseline="0" dirty="0">
-                          <a:solidFill>
-                            <a:schemeClr val="dk1"/>
-                          </a:solidFill>
-                          <a:effectLst/>
-                          <a:latin typeface="+mn-lt"/>
-                          <a:ea typeface="+mn-ea"/>
-                          <a:cs typeface="+mn-cs"/>
-                        </a:rPr>
-                        <a:t>: </a:t>
+                    </a:p>
+                    <a:p>
+                      <a:r>
+                        <a:rPr lang="en-US" sz="1800" b="0" i="0" kern="1200" dirty="0">
+                          <a:solidFill>
+                            <a:schemeClr val="dk1"/>
+                          </a:solidFill>
+                          <a:effectLst/>
+                          <a:latin typeface="+mn-lt"/>
+                          <a:ea typeface="+mn-ea"/>
+                          <a:cs typeface="+mn-cs"/>
+                        </a:rPr>
+                        <a:t> 	latitude: </a:t>
                       </a:r>
                       <a:r>
                         <a:rPr lang="en-US" sz="1800" kern="1200" dirty="0">
@@ -15008,45 +16593,22 @@
                           <a:ea typeface="+mn-ea"/>
                           <a:cs typeface="+mn-cs"/>
                         </a:rPr>
-                        <a:t>String</a:t>
-                      </a:r>
-                      <a:r>
-                        <a:rPr lang="en-US" sz="1800" kern="1200" dirty="0">
-                          <a:solidFill>
-                            <a:schemeClr val="tx1"/>
-                          </a:solidFill>
-                          <a:latin typeface="+mn-lt"/>
-                          <a:ea typeface="+mn-ea"/>
-                          <a:cs typeface="+mn-cs"/>
-                        </a:rPr>
-                        <a:t>} ],          </a:t>
-                      </a:r>
-                    </a:p>
-                    <a:p>
+                        <a:t>Number</a:t>
+                      </a:r>
                       <a:r>
                         <a:rPr lang="en-US" sz="1800" b="0" i="0" kern="1200" dirty="0">
                           <a:solidFill>
-                            <a:schemeClr val="tx1"/>
-                          </a:solidFill>
-                          <a:effectLst/>
-                          <a:latin typeface="+mn-lt"/>
-                          <a:ea typeface="+mn-ea"/>
-                          <a:cs typeface="+mn-cs"/>
-                        </a:rPr>
-                        <a:t>               </a:t>
-                      </a:r>
-                      <a:r>
-                        <a:rPr lang="en-US" sz="1800" b="0" i="0" kern="1200">
-                          <a:solidFill>
-                            <a:schemeClr val="dk1"/>
-                          </a:solidFill>
-                          <a:effectLst/>
-                          <a:latin typeface="+mn-lt"/>
-                          <a:ea typeface="+mn-ea"/>
-                          <a:cs typeface="+mn-cs"/>
-                        </a:rPr>
-                        <a:t>invitedCount</a:t>
-                      </a:r>
+                            <a:schemeClr val="dk1"/>
+                          </a:solidFill>
+                          <a:effectLst/>
+                          <a:latin typeface="+mn-lt"/>
+                          <a:ea typeface="+mn-ea"/>
+                          <a:cs typeface="+mn-cs"/>
+                        </a:rPr>
+                        <a:t>,</a:t>
+                      </a:r>
+                    </a:p>
+                    <a:p>
                       <a:r>
                         <a:rPr lang="en-US" sz="1800" b="0" i="0" kern="1200" dirty="0">
                           <a:solidFill>
@@ -15057,7 +16619,7 @@
                           <a:ea typeface="+mn-ea"/>
                           <a:cs typeface="+mn-cs"/>
                         </a:rPr>
-                        <a:t>: </a:t>
+                        <a:t>	longitude: </a:t>
                       </a:r>
                       <a:r>
                         <a:rPr lang="en-US" sz="1800" kern="1200" dirty="0">
@@ -15073,10 +16635,11 @@
                         <a:t>Number</a:t>
                       </a:r>
                       <a:r>
-                        <a:rPr lang="en-US" sz="1800" kern="1200" dirty="0">
-                          <a:solidFill>
-                            <a:schemeClr val="tx1"/>
-                          </a:solidFill>
+                        <a:rPr lang="en-US" sz="1800" b="0" i="0" kern="1200" dirty="0">
+                          <a:solidFill>
+                            <a:schemeClr val="dk1"/>
+                          </a:solidFill>
+                          <a:effectLst/>
                           <a:latin typeface="+mn-lt"/>
                           <a:ea typeface="+mn-ea"/>
                           <a:cs typeface="+mn-cs"/>
@@ -15095,7 +16658,31 @@
                           <a:ea typeface="+mn-ea"/>
                           <a:cs typeface="+mn-cs"/>
                         </a:rPr>
-                        <a:t>               pending: [ {id: </a:t>
+                        <a:t>	</a:t>
+                      </a:r>
+                      <a:r>
+                        <a:rPr lang="en-US" sz="1800" b="0" i="0" kern="1200" dirty="0" err="1">
+                          <a:solidFill>
+                            <a:schemeClr val="dk1"/>
+                          </a:solidFill>
+                          <a:effectLst/>
+                          <a:latin typeface="+mn-lt"/>
+                          <a:ea typeface="+mn-ea"/>
+                          <a:cs typeface="+mn-cs"/>
+                        </a:rPr>
+                        <a:t>publicEvent</a:t>
+                      </a:r>
+                      <a:r>
+                        <a:rPr lang="en-US" sz="1800" b="0" i="0" kern="1200" dirty="0">
+                          <a:solidFill>
+                            <a:schemeClr val="dk1"/>
+                          </a:solidFill>
+                          <a:effectLst/>
+                          <a:latin typeface="+mn-lt"/>
+                          <a:ea typeface="+mn-ea"/>
+                          <a:cs typeface="+mn-cs"/>
+                        </a:rPr>
+                        <a:t>: </a:t>
                       </a:r>
                       <a:r>
                         <a:rPr lang="en-US" sz="1800" kern="1200" dirty="0">
@@ -15108,7 +16695,7 @@
                           <a:ea typeface="+mn-ea"/>
                           <a:cs typeface="+mn-cs"/>
                         </a:rPr>
-                        <a:t>String</a:t>
+                        <a:t>Boolean</a:t>
                       </a:r>
                       <a:r>
                         <a:rPr lang="en-US" sz="1800" b="0" i="0" kern="1200" dirty="0">
@@ -15122,18 +16709,8 @@
                         </a:rPr>
                         <a:t>,</a:t>
                       </a:r>
-                      <a:r>
-                        <a:rPr lang="en-US" sz="1800" b="0" i="0" kern="1200" baseline="0" dirty="0">
-                          <a:solidFill>
-                            <a:schemeClr val="dk1"/>
-                          </a:solidFill>
-                          <a:effectLst/>
-                          <a:latin typeface="+mn-lt"/>
-                          <a:ea typeface="+mn-ea"/>
-                          <a:cs typeface="+mn-cs"/>
-                        </a:rPr>
-                        <a:t> </a:t>
-                      </a:r>
+                    </a:p>
+                    <a:p>
                       <a:r>
                         <a:rPr lang="en-US" sz="1800" b="0" i="0" kern="1200" dirty="0">
                           <a:solidFill>
@@ -15144,7 +16721,31 @@
                           <a:ea typeface="+mn-ea"/>
                           <a:cs typeface="+mn-cs"/>
                         </a:rPr>
-                        <a:t>name: </a:t>
+                        <a:t>	</a:t>
+                      </a:r>
+                      <a:r>
+                        <a:rPr lang="en-US" sz="1800" b="0" i="0" kern="1200" dirty="0" err="1">
+                          <a:solidFill>
+                            <a:schemeClr val="dk1"/>
+                          </a:solidFill>
+                          <a:effectLst/>
+                          <a:latin typeface="+mn-lt"/>
+                          <a:ea typeface="+mn-ea"/>
+                          <a:cs typeface="+mn-cs"/>
+                        </a:rPr>
+                        <a:t>img</a:t>
+                      </a:r>
+                      <a:r>
+                        <a:rPr lang="en-US" sz="1800" b="0" i="0" kern="1200" dirty="0">
+                          <a:solidFill>
+                            <a:schemeClr val="dk1"/>
+                          </a:solidFill>
+                          <a:effectLst/>
+                          <a:latin typeface="+mn-lt"/>
+                          <a:ea typeface="+mn-ea"/>
+                          <a:cs typeface="+mn-cs"/>
+                        </a:rPr>
+                        <a:t>: </a:t>
                       </a:r>
                       <a:r>
                         <a:rPr lang="en-US" sz="1800" kern="1200" dirty="0">
@@ -15171,41 +16772,19 @@
                         </a:rPr>
                         <a:t>,</a:t>
                       </a:r>
-                      <a:r>
-                        <a:rPr lang="en-US" sz="1800" b="0" i="0" kern="1200" baseline="0" dirty="0">
-                          <a:solidFill>
-                            <a:schemeClr val="dk1"/>
-                          </a:solidFill>
-                          <a:effectLst/>
-                          <a:latin typeface="+mn-lt"/>
-                          <a:ea typeface="+mn-ea"/>
-                          <a:cs typeface="+mn-cs"/>
-                        </a:rPr>
-                        <a:t> </a:t>
-                      </a:r>
-                      <a:r>
-                        <a:rPr lang="en-US" sz="1800" b="0" i="0" kern="1200" baseline="0" dirty="0" err="1">
-                          <a:solidFill>
-                            <a:schemeClr val="dk1"/>
-                          </a:solidFill>
-                          <a:effectLst/>
-                          <a:latin typeface="+mn-lt"/>
-                          <a:ea typeface="+mn-ea"/>
-                          <a:cs typeface="+mn-cs"/>
-                        </a:rPr>
-                        <a:t>img</a:t>
-                      </a:r>
-                      <a:r>
-                        <a:rPr lang="en-US" sz="1800" b="0" i="0" kern="1200" baseline="0" dirty="0">
-                          <a:solidFill>
-                            <a:schemeClr val="dk1"/>
-                          </a:solidFill>
-                          <a:effectLst/>
-                          <a:latin typeface="+mn-lt"/>
-                          <a:ea typeface="+mn-ea"/>
-                          <a:cs typeface="+mn-cs"/>
-                        </a:rPr>
-                        <a:t>: </a:t>
+                    </a:p>
+                    <a:p>
+                      <a:r>
+                        <a:rPr lang="en-US" sz="1800" b="0" i="0" kern="1200" dirty="0">
+                          <a:solidFill>
+                            <a:schemeClr val="dk1"/>
+                          </a:solidFill>
+                          <a:effectLst/>
+                          <a:latin typeface="+mn-lt"/>
+                          <a:ea typeface="+mn-ea"/>
+                          <a:cs typeface="+mn-cs"/>
+                        </a:rPr>
+                        <a:t>	organizer: {id: </a:t>
                       </a:r>
                       <a:r>
                         <a:rPr lang="en-US" sz="1800" kern="1200" dirty="0">
@@ -15221,41 +16800,28 @@
                         <a:t>String</a:t>
                       </a:r>
                       <a:r>
-                        <a:rPr lang="en-US" sz="1800" kern="1200" dirty="0">
-                          <a:solidFill>
-                            <a:schemeClr val="tx1"/>
-                          </a:solidFill>
-                          <a:latin typeface="+mn-lt"/>
-                          <a:ea typeface="+mn-ea"/>
-                          <a:cs typeface="+mn-cs"/>
-                        </a:rPr>
-                        <a:t>} ],          </a:t>
-                      </a:r>
-                    </a:p>
-                    <a:p>
-                      <a:r>
                         <a:rPr lang="en-US" sz="1800" b="0" i="0" kern="1200" dirty="0">
                           <a:solidFill>
-                            <a:schemeClr val="tx1"/>
-                          </a:solidFill>
-                          <a:effectLst/>
-                          <a:latin typeface="+mn-lt"/>
-                          <a:ea typeface="+mn-ea"/>
-                          <a:cs typeface="+mn-cs"/>
-                        </a:rPr>
-                        <a:t>               </a:t>
-                      </a:r>
-                      <a:r>
-                        <a:rPr lang="en-US" sz="1800" b="0" i="0" kern="1200" dirty="0" err="1">
-                          <a:solidFill>
-                            <a:schemeClr val="dk1"/>
-                          </a:solidFill>
-                          <a:effectLst/>
-                          <a:latin typeface="+mn-lt"/>
-                          <a:ea typeface="+mn-ea"/>
-                          <a:cs typeface="+mn-cs"/>
-                        </a:rPr>
-                        <a:t>pendingCount</a:t>
+                            <a:schemeClr val="dk1"/>
+                          </a:solidFill>
+                          <a:effectLst/>
+                          <a:latin typeface="+mn-lt"/>
+                          <a:ea typeface="+mn-ea"/>
+                          <a:cs typeface="+mn-cs"/>
+                        </a:rPr>
+                        <a:t>,</a:t>
+                      </a:r>
+                      <a:r>
+                        <a:rPr lang="en-US" sz="1800" b="0" i="0" kern="1200" baseline="0" dirty="0">
+                          <a:solidFill>
+                            <a:schemeClr val="dk1"/>
+                          </a:solidFill>
+                          <a:effectLst/>
+                          <a:latin typeface="+mn-lt"/>
+                          <a:ea typeface="+mn-ea"/>
+                          <a:cs typeface="+mn-cs"/>
+                        </a:rPr>
+                        <a:t> </a:t>
                       </a:r>
                       <a:r>
                         <a:rPr lang="en-US" sz="1800" b="0" i="0" kern="1200" dirty="0">
@@ -15267,7 +16833,7 @@
                           <a:ea typeface="+mn-ea"/>
                           <a:cs typeface="+mn-cs"/>
                         </a:rPr>
-                        <a:t>: </a:t>
+                        <a:t>name: </a:t>
                       </a:r>
                       <a:r>
                         <a:rPr lang="en-US" sz="1800" kern="1200" dirty="0">
@@ -15280,32 +16846,55 @@
                           <a:ea typeface="+mn-ea"/>
                           <a:cs typeface="+mn-cs"/>
                         </a:rPr>
-                        <a:t>Number</a:t>
-                      </a:r>
-                      <a:r>
-                        <a:rPr lang="en-US" sz="1800" kern="1200" dirty="0">
-                          <a:solidFill>
-                            <a:schemeClr val="tx1"/>
-                          </a:solidFill>
+                        <a:t>String</a:t>
+                      </a:r>
+                      <a:r>
+                        <a:rPr lang="en-US" sz="1800" b="0" i="0" kern="1200" dirty="0">
+                          <a:solidFill>
+                            <a:schemeClr val="dk1"/>
+                          </a:solidFill>
+                          <a:effectLst/>
                           <a:latin typeface="+mn-lt"/>
                           <a:ea typeface="+mn-ea"/>
                           <a:cs typeface="+mn-cs"/>
                         </a:rPr>
                         <a:t>,</a:t>
                       </a:r>
-                    </a:p>
-                    <a:p>
-                      <a:r>
-                        <a:rPr lang="en-US" sz="1800" b="0" i="0" kern="1200" dirty="0">
-                          <a:solidFill>
-                            <a:schemeClr val="dk1"/>
-                          </a:solidFill>
-                          <a:effectLst/>
-                          <a:latin typeface="+mn-lt"/>
-                          <a:ea typeface="+mn-ea"/>
-                          <a:cs typeface="+mn-cs"/>
-                        </a:rPr>
-                        <a:t>               declined: [ {id: </a:t>
+                      <a:r>
+                        <a:rPr lang="en-US" sz="1800" b="0" i="0" kern="1200" baseline="0" dirty="0">
+                          <a:solidFill>
+                            <a:schemeClr val="dk1"/>
+                          </a:solidFill>
+                          <a:effectLst/>
+                          <a:latin typeface="+mn-lt"/>
+                          <a:ea typeface="+mn-ea"/>
+                          <a:cs typeface="+mn-cs"/>
+                        </a:rPr>
+                        <a:t> </a:t>
+                      </a:r>
+                      <a:r>
+                        <a:rPr lang="en-US" sz="1800" b="0" i="0" kern="1200" baseline="0" dirty="0" err="1">
+                          <a:solidFill>
+                            <a:schemeClr val="dk1"/>
+                          </a:solidFill>
+                          <a:effectLst/>
+                          <a:latin typeface="+mn-lt"/>
+                          <a:ea typeface="+mn-ea"/>
+                          <a:cs typeface="+mn-cs"/>
+                        </a:rPr>
+                        <a:t>img</a:t>
+                      </a:r>
+                      <a:r>
+                        <a:rPr lang="en-US" sz="1800" b="0" i="0" kern="1200" baseline="0" dirty="0">
+                          <a:solidFill>
+                            <a:schemeClr val="dk1"/>
+                          </a:solidFill>
+                          <a:effectLst/>
+                          <a:latin typeface="+mn-lt"/>
+                          <a:ea typeface="+mn-ea"/>
+                          <a:cs typeface="+mn-cs"/>
+                        </a:rPr>
+                        <a:t>: </a:t>
                       </a:r>
                       <a:r>
                         <a:rPr lang="en-US" sz="1800" kern="1200" dirty="0">
@@ -15321,6 +16910,28 @@
                         <a:t>String</a:t>
                       </a:r>
                       <a:r>
+                        <a:rPr lang="en-US" sz="1800" kern="1200" dirty="0">
+                          <a:solidFill>
+                            <a:schemeClr val="tx1"/>
+                          </a:solidFill>
+                          <a:latin typeface="+mn-lt"/>
+                          <a:ea typeface="+mn-ea"/>
+                          <a:cs typeface="+mn-cs"/>
+                        </a:rPr>
+                        <a:t>},</a:t>
+                      </a:r>
+                      <a:endParaRPr lang="en-US" sz="1800" b="0" i="0" kern="1200" dirty="0">
+                        <a:solidFill>
+                          <a:schemeClr val="tx1"/>
+                        </a:solidFill>
+                        <a:effectLst/>
+                        <a:latin typeface="+mn-lt"/>
+                        <a:ea typeface="+mn-ea"/>
+                        <a:cs typeface="+mn-cs"/>
+                      </a:endParaRPr>
+                    </a:p>
+                    <a:p>
+                      <a:r>
                         <a:rPr lang="en-US" sz="1800" b="0" i="0" kern="1200" dirty="0">
                           <a:solidFill>
                             <a:schemeClr val="dk1"/>
@@ -15330,31 +16941,7 @@
                           <a:ea typeface="+mn-ea"/>
                           <a:cs typeface="+mn-cs"/>
                         </a:rPr>
-                        <a:t>,</a:t>
-                      </a:r>
-                      <a:r>
-                        <a:rPr lang="en-US" sz="1800" b="0" i="0" kern="1200" baseline="0" dirty="0">
-                          <a:solidFill>
-                            <a:schemeClr val="dk1"/>
-                          </a:solidFill>
-                          <a:effectLst/>
-                          <a:latin typeface="+mn-lt"/>
-                          <a:ea typeface="+mn-ea"/>
-                          <a:cs typeface="+mn-cs"/>
-                        </a:rPr>
-                        <a:t> </a:t>
-                      </a:r>
-                      <a:r>
-                        <a:rPr lang="en-US" sz="1800" b="0" i="0" kern="1200" dirty="0">
-                          <a:solidFill>
-                            <a:schemeClr val="dk1"/>
-                          </a:solidFill>
-                          <a:effectLst/>
-                          <a:latin typeface="+mn-lt"/>
-                          <a:ea typeface="+mn-ea"/>
-                          <a:cs typeface="+mn-cs"/>
-                        </a:rPr>
-                        <a:t>name: </a:t>
+                        <a:t>	participants: [ {id: </a:t>
                       </a:r>
                       <a:r>
                         <a:rPr lang="en-US" sz="1800" kern="1200" dirty="0">
@@ -15394,28 +16981,16 @@
                         <a:t> </a:t>
                       </a:r>
                       <a:r>
-                        <a:rPr lang="en-US" sz="1800" b="0" i="0" kern="1200" baseline="0" dirty="0" err="1">
-                          <a:solidFill>
-                            <a:schemeClr val="dk1"/>
-                          </a:solidFill>
-                          <a:effectLst/>
-                          <a:latin typeface="+mn-lt"/>
-                          <a:ea typeface="+mn-ea"/>
-                          <a:cs typeface="+mn-cs"/>
-                        </a:rPr>
-                        <a:t>img</a:t>
-                      </a:r>
-                      <a:r>
-                        <a:rPr lang="en-US" sz="1800" b="0" i="0" kern="1200" baseline="0" dirty="0">
-                          <a:solidFill>
-                            <a:schemeClr val="dk1"/>
-                          </a:solidFill>
-                          <a:effectLst/>
-                          <a:latin typeface="+mn-lt"/>
-                          <a:ea typeface="+mn-ea"/>
-                          <a:cs typeface="+mn-cs"/>
-                        </a:rPr>
-                        <a:t>: </a:t>
+                        <a:rPr lang="en-US" sz="1800" b="0" i="0" kern="1200" dirty="0">
+                          <a:solidFill>
+                            <a:schemeClr val="dk1"/>
+                          </a:solidFill>
+                          <a:effectLst/>
+                          <a:latin typeface="+mn-lt"/>
+                          <a:ea typeface="+mn-ea"/>
+                          <a:cs typeface="+mn-cs"/>
+                        </a:rPr>
+                        <a:t>name: </a:t>
                       </a:r>
                       <a:r>
                         <a:rPr lang="en-US" sz="1800" kern="1200" dirty="0">
@@ -15431,44 +17006,43 @@
                         <a:t>String</a:t>
                       </a:r>
                       <a:r>
-                        <a:rPr lang="en-US" sz="1800" kern="1200" dirty="0">
-                          <a:solidFill>
-                            <a:schemeClr val="tx1"/>
-                          </a:solidFill>
-                          <a:latin typeface="+mn-lt"/>
-                          <a:ea typeface="+mn-ea"/>
-                          <a:cs typeface="+mn-cs"/>
-                        </a:rPr>
-                        <a:t>} ],          </a:t>
-                      </a:r>
-                    </a:p>
-                    <a:p>
-                      <a:r>
                         <a:rPr lang="en-US" sz="1800" b="0" i="0" kern="1200" dirty="0">
                           <a:solidFill>
-                            <a:schemeClr val="tx1"/>
-                          </a:solidFill>
-                          <a:effectLst/>
-                          <a:latin typeface="+mn-lt"/>
-                          <a:ea typeface="+mn-ea"/>
-                          <a:cs typeface="+mn-cs"/>
-                        </a:rPr>
-                        <a:t>               </a:t>
-                      </a:r>
-                      <a:r>
-                        <a:rPr lang="en-US" sz="1800" b="0" i="0" kern="1200" dirty="0" err="1">
-                          <a:solidFill>
-                            <a:schemeClr val="dk1"/>
-                          </a:solidFill>
-                          <a:effectLst/>
-                          <a:latin typeface="+mn-lt"/>
-                          <a:ea typeface="+mn-ea"/>
-                          <a:cs typeface="+mn-cs"/>
-                        </a:rPr>
-                        <a:t>declinedCount</a:t>
-                      </a:r>
-                      <a:r>
-                        <a:rPr lang="en-US" sz="1800" b="0" i="0" kern="1200" dirty="0">
+                            <a:schemeClr val="dk1"/>
+                          </a:solidFill>
+                          <a:effectLst/>
+                          <a:latin typeface="+mn-lt"/>
+                          <a:ea typeface="+mn-ea"/>
+                          <a:cs typeface="+mn-cs"/>
+                        </a:rPr>
+                        <a:t>,</a:t>
+                      </a:r>
+                      <a:r>
+                        <a:rPr lang="en-US" sz="1800" b="0" i="0" kern="1200" baseline="0" dirty="0">
+                          <a:solidFill>
+                            <a:schemeClr val="dk1"/>
+                          </a:solidFill>
+                          <a:effectLst/>
+                          <a:latin typeface="+mn-lt"/>
+                          <a:ea typeface="+mn-ea"/>
+                          <a:cs typeface="+mn-cs"/>
+                        </a:rPr>
+                        <a:t> </a:t>
+                      </a:r>
+                      <a:r>
+                        <a:rPr lang="en-US" sz="1800" b="0" i="0" kern="1200" baseline="0" dirty="0" err="1">
+                          <a:solidFill>
+                            <a:schemeClr val="dk1"/>
+                          </a:solidFill>
+                          <a:effectLst/>
+                          <a:latin typeface="+mn-lt"/>
+                          <a:ea typeface="+mn-ea"/>
+                          <a:cs typeface="+mn-cs"/>
+                        </a:rPr>
+                        <a:t>img</a:t>
+                      </a:r>
+                      <a:r>
+                        <a:rPr lang="en-US" sz="1800" b="0" i="0" kern="1200" baseline="0" dirty="0">
                           <a:solidFill>
                             <a:schemeClr val="dk1"/>
                           </a:solidFill>
@@ -15490,7 +17064,7 @@
                           <a:ea typeface="+mn-ea"/>
                           <a:cs typeface="+mn-cs"/>
                         </a:rPr>
-                        <a:t>Number</a:t>
+                        <a:t>String</a:t>
                       </a:r>
                       <a:r>
                         <a:rPr lang="en-US" sz="1800" kern="1200" dirty="0">
@@ -15501,7 +17075,7 @@
                           <a:ea typeface="+mn-ea"/>
                           <a:cs typeface="+mn-cs"/>
                         </a:rPr>
-                        <a:t>,</a:t>
+                        <a:t>} ],</a:t>
                       </a:r>
                       <a:endParaRPr lang="en-US" sz="1800" b="0" i="0" kern="1200" dirty="0">
                         <a:solidFill>
@@ -15524,6 +17098,244 @@
                           <a:ea typeface="+mn-ea"/>
                           <a:cs typeface="+mn-cs"/>
                         </a:rPr>
+                        <a:t>	</a:t>
+                      </a:r>
+                      <a:r>
+                        <a:rPr lang="en-US" sz="1800" b="0" i="0" kern="1200" dirty="0" err="1">
+                          <a:solidFill>
+                            <a:schemeClr val="dk1"/>
+                          </a:solidFill>
+                          <a:effectLst/>
+                          <a:latin typeface="+mn-lt"/>
+                          <a:ea typeface="+mn-ea"/>
+                          <a:cs typeface="+mn-cs"/>
+                        </a:rPr>
+                        <a:t>participantCount</a:t>
+                      </a:r>
+                      <a:r>
+                        <a:rPr lang="en-US" sz="1800" b="0" i="0" kern="1200" dirty="0">
+                          <a:solidFill>
+                            <a:schemeClr val="dk1"/>
+                          </a:solidFill>
+                          <a:effectLst/>
+                          <a:latin typeface="+mn-lt"/>
+                          <a:ea typeface="+mn-ea"/>
+                          <a:cs typeface="+mn-cs"/>
+                        </a:rPr>
+                        <a:t>: </a:t>
+                      </a:r>
+                      <a:r>
+                        <a:rPr lang="en-US" sz="1800" kern="1200" dirty="0">
+                          <a:solidFill>
+                            <a:schemeClr val="accent1">
+                              <a:lumMod val="75000"/>
+                            </a:schemeClr>
+                          </a:solidFill>
+                          <a:latin typeface="+mn-lt"/>
+                          <a:ea typeface="+mn-ea"/>
+                          <a:cs typeface="+mn-cs"/>
+                        </a:rPr>
+                        <a:t>Number</a:t>
+                      </a:r>
+                    </a:p>
+                    <a:p>
+                      <a:r>
+                        <a:rPr lang="en-US" sz="1800" b="0" i="0" kern="1200" dirty="0">
+                          <a:solidFill>
+                            <a:schemeClr val="dk1"/>
+                          </a:solidFill>
+                          <a:effectLst/>
+                          <a:latin typeface="+mn-lt"/>
+                          <a:ea typeface="+mn-ea"/>
+                          <a:cs typeface="+mn-cs"/>
+                        </a:rPr>
+                        <a:t>                  description: </a:t>
+                      </a:r>
+                    </a:p>
+                    <a:p>
+                      <a:r>
+                        <a:rPr lang="en-US" sz="1800" b="0" i="0" kern="1200" dirty="0">
+                          <a:solidFill>
+                            <a:schemeClr val="dk1"/>
+                          </a:solidFill>
+                          <a:effectLst/>
+                          <a:latin typeface="+mn-lt"/>
+                          <a:ea typeface="+mn-ea"/>
+                          <a:cs typeface="+mn-cs"/>
+                        </a:rPr>
+                        <a:t>                  </a:t>
+                      </a:r>
+                      <a:r>
+                        <a:rPr lang="en-US" sz="1800" b="0" i="0" kern="1200" dirty="0" err="1">
+                          <a:solidFill>
+                            <a:schemeClr val="dk1"/>
+                          </a:solidFill>
+                          <a:effectLst/>
+                          <a:latin typeface="+mn-lt"/>
+                          <a:ea typeface="+mn-ea"/>
+                          <a:cs typeface="+mn-cs"/>
+                        </a:rPr>
+                        <a:t>bringItems</a:t>
+                      </a:r>
+                      <a:r>
+                        <a:rPr lang="en-US" sz="1800" b="0" i="0" kern="1200" dirty="0">
+                          <a:solidFill>
+                            <a:schemeClr val="dk1"/>
+                          </a:solidFill>
+                          <a:effectLst/>
+                          <a:latin typeface="+mn-lt"/>
+                          <a:ea typeface="+mn-ea"/>
+                          <a:cs typeface="+mn-cs"/>
+                        </a:rPr>
+                        <a:t>: [ { id:</a:t>
+                      </a:r>
+                      <a:r>
+                        <a:rPr lang="en-US" sz="1800" b="0" i="0" kern="1200" baseline="0" dirty="0">
+                          <a:solidFill>
+                            <a:schemeClr val="dk1"/>
+                          </a:solidFill>
+                          <a:effectLst/>
+                          <a:latin typeface="+mn-lt"/>
+                          <a:ea typeface="+mn-ea"/>
+                          <a:cs typeface="+mn-cs"/>
+                        </a:rPr>
+                        <a:t> </a:t>
+                      </a:r>
+                      <a:r>
+                        <a:rPr lang="en-US" sz="1800" kern="1200" dirty="0">
+                          <a:solidFill>
+                            <a:schemeClr val="accent1">
+                              <a:lumMod val="75000"/>
+                            </a:schemeClr>
+                          </a:solidFill>
+                          <a:latin typeface="+mn-lt"/>
+                          <a:ea typeface="+mn-ea"/>
+                          <a:cs typeface="+mn-cs"/>
+                        </a:rPr>
+                        <a:t>String</a:t>
+                      </a:r>
+                      <a:r>
+                        <a:rPr lang="en-US" sz="1800" b="0" i="0" kern="1200" baseline="0" dirty="0">
+                          <a:solidFill>
+                            <a:schemeClr val="dk1"/>
+                          </a:solidFill>
+                          <a:effectLst/>
+                          <a:latin typeface="+mn-lt"/>
+                          <a:ea typeface="+mn-ea"/>
+                          <a:cs typeface="+mn-cs"/>
+                        </a:rPr>
+                        <a:t>, name: </a:t>
+                      </a:r>
+                      <a:r>
+                        <a:rPr lang="en-US" sz="1800" kern="1200" dirty="0">
+                          <a:solidFill>
+                            <a:schemeClr val="accent1">
+                              <a:lumMod val="75000"/>
+                            </a:schemeClr>
+                          </a:solidFill>
+                          <a:latin typeface="+mn-lt"/>
+                          <a:ea typeface="+mn-ea"/>
+                          <a:cs typeface="+mn-cs"/>
+                        </a:rPr>
+                        <a:t>String</a:t>
+                      </a:r>
+                      <a:r>
+                        <a:rPr lang="en-US" sz="1800" b="0" i="0" kern="1200" baseline="0" dirty="0">
+                          <a:solidFill>
+                            <a:schemeClr val="dk1"/>
+                          </a:solidFill>
+                          <a:effectLst/>
+                          <a:latin typeface="+mn-lt"/>
+                          <a:ea typeface="+mn-ea"/>
+                          <a:cs typeface="+mn-cs"/>
+                        </a:rPr>
+                        <a:t>, quantity: </a:t>
+                      </a:r>
+                      <a:r>
+                        <a:rPr lang="en-US" sz="1800" kern="1200" dirty="0">
+                          <a:solidFill>
+                            <a:schemeClr val="accent1">
+                              <a:lumMod val="75000"/>
+                            </a:schemeClr>
+                          </a:solidFill>
+                          <a:latin typeface="+mn-lt"/>
+                          <a:ea typeface="+mn-ea"/>
+                          <a:cs typeface="+mn-cs"/>
+                        </a:rPr>
+                        <a:t>Number</a:t>
+                      </a:r>
+                      <a:r>
+                        <a:rPr lang="en-US" sz="1800" b="0" i="0" kern="1200" baseline="0" dirty="0">
+                          <a:solidFill>
+                            <a:schemeClr val="dk1"/>
+                          </a:solidFill>
+                          <a:effectLst/>
+                          <a:latin typeface="+mn-lt"/>
+                          <a:ea typeface="+mn-ea"/>
+                          <a:cs typeface="+mn-cs"/>
+                        </a:rPr>
+                        <a:t>,</a:t>
+                      </a:r>
+                    </a:p>
+                    <a:p>
+                      <a:r>
+                        <a:rPr lang="en-US" sz="1800" b="0" i="0" kern="1200" baseline="0" dirty="0">
+                          <a:solidFill>
+                            <a:schemeClr val="dk1"/>
+                          </a:solidFill>
+                          <a:effectLst/>
+                          <a:latin typeface="+mn-lt"/>
+                          <a:ea typeface="+mn-ea"/>
+                          <a:cs typeface="+mn-cs"/>
+                        </a:rPr>
+                        <a:t>                                                assigned: [ </a:t>
+                      </a:r>
+                      <a:r>
+                        <a:rPr lang="en-US" sz="1800" kern="1200" dirty="0">
+                          <a:solidFill>
+                            <a:schemeClr val="accent1">
+                              <a:lumMod val="75000"/>
+                            </a:schemeClr>
+                          </a:solidFill>
+                          <a:latin typeface="+mn-lt"/>
+                          <a:ea typeface="+mn-ea"/>
+                          <a:cs typeface="+mn-cs"/>
+                        </a:rPr>
+                        <a:t>String</a:t>
+                      </a:r>
+                      <a:r>
+                        <a:rPr lang="en-US" sz="1800" b="0" i="0" kern="1200" baseline="0" dirty="0">
+                          <a:solidFill>
+                            <a:schemeClr val="dk1"/>
+                          </a:solidFill>
+                          <a:effectLst/>
+                          <a:latin typeface="+mn-lt"/>
+                          <a:ea typeface="+mn-ea"/>
+                          <a:cs typeface="+mn-cs"/>
+                        </a:rPr>
+                        <a:t> ] } ]</a:t>
+                      </a:r>
+                      <a:endParaRPr lang="en-US" sz="1800" b="0" i="0" kern="1200" dirty="0">
+                        <a:solidFill>
+                          <a:schemeClr val="dk1"/>
+                        </a:solidFill>
+                        <a:effectLst/>
+                        <a:latin typeface="+mn-lt"/>
+                        <a:ea typeface="+mn-ea"/>
+                        <a:cs typeface="+mn-cs"/>
+                      </a:endParaRPr>
+                    </a:p>
+                    <a:p>
+                      <a:r>
+                        <a:rPr lang="en-US" sz="1800" b="0" i="0" kern="1200" dirty="0">
+                          <a:solidFill>
+                            <a:schemeClr val="dk1"/>
+                          </a:solidFill>
+                          <a:effectLst/>
+                          <a:latin typeface="+mn-lt"/>
+                          <a:ea typeface="+mn-ea"/>
+                          <a:cs typeface="+mn-cs"/>
+                        </a:rPr>
                         <a:t>}</a:t>
                       </a:r>
                     </a:p>
@@ -15604,7 +17416,7 @@
                   </a:ext>
                 </a:extLst>
               </a:tr>
-              <a:tr h="577936">
+              <a:tr h="396160">
                 <a:tc>
                   <a:txBody>
                     <a:bodyPr/>
@@ -15836,7 +17648,7 @@
                   </a:ext>
                 </a:extLst>
               </a:tr>
-              <a:tr h="577936">
+              <a:tr h="546001">
                 <a:tc>
                   <a:txBody>
                     <a:bodyPr/>
@@ -15992,7 +17804,31 @@
                           <a:ea typeface="+mn-ea"/>
                           <a:cs typeface="+mn-cs"/>
                         </a:rPr>
-                        <a:t> is not the organizer of the event"}</a:t>
+                        <a:t> is not authorized</a:t>
+                      </a:r>
+                      <a:r>
+                        <a:rPr lang="en-US" sz="1800" b="0" i="0" kern="1200" baseline="0" dirty="0">
+                          <a:solidFill>
+                            <a:schemeClr val="dk1"/>
+                          </a:solidFill>
+                          <a:effectLst/>
+                          <a:latin typeface="+mn-lt"/>
+                          <a:ea typeface="+mn-ea"/>
+                          <a:cs typeface="+mn-cs"/>
+                        </a:rPr>
+                        <a:t> to </a:t>
+                      </a:r>
+                      <a:r>
+                        <a:rPr lang="en-US" sz="1800" b="0" i="0" kern="1200" dirty="0">
+                          <a:solidFill>
+                            <a:schemeClr val="dk1"/>
+                          </a:solidFill>
+                          <a:effectLst/>
+                          <a:latin typeface="+mn-lt"/>
+                          <a:ea typeface="+mn-ea"/>
+                          <a:cs typeface="+mn-cs"/>
+                        </a:rPr>
+                        <a:t>the event"}</a:t>
                       </a:r>
                       <a:endParaRPr lang="de-DE" dirty="0"/>
                     </a:p>
@@ -16080,7 +17916,7 @@
     </p:spTree>
     <p:extLst>
       <p:ext uri="{BB962C8B-B14F-4D97-AF65-F5344CB8AC3E}">
-        <p14:creationId xmlns:p14="http://schemas.microsoft.com/office/powerpoint/2010/main" val="667345475"/>
+        <p14:creationId xmlns:p14="http://schemas.microsoft.com/office/powerpoint/2010/main" val="1766910944"/>
       </p:ext>
     </p:extLst>
   </p:cSld>
